--- a/ann.pptx
+++ b/ann.pptx
@@ -135,7 +135,7 @@
   <p:extLst>
     <p:ext uri="{EFAFB233-063F-42B5-8137-9DF3F51BA10A}">
       <p15:sldGuideLst xmlns:p15="http://schemas.microsoft.com/office/powerpoint/2012/main">
-        <p15:guide id="1" orient="horz" pos="1706" userDrawn="1">
+        <p15:guide id="1" orient="horz" pos="1698" userDrawn="1">
           <p15:clr>
             <a:srgbClr val="A4A3A4"/>
           </p15:clr>
@@ -4804,20 +4804,30 @@
                 <a:latin typeface="+mj-lt"/>
                 <a:cs typeface="+mj-lt"/>
               </a:rPr>
-              <a:t>1.Forward pass (ir</a:t>
-            </a:r>
-            <a:r>
-              <a:rPr lang="en-US" altLang="en-US" sz="1600">
-                <a:solidFill>
-                  <a:schemeClr val="tx2"/>
-                </a:solidFill>
-                <a:latin typeface="+mj-lt"/>
-                <a:cs typeface="+mj-lt"/>
-              </a:rPr>
-              <a:t>ə</a:t>
-            </a:r>
-            <a:r>
-              <a:rPr lang="en-US" altLang="ru-RU" sz="1600">
+              <a:t>1.</a:t>
+            </a:r>
+            <a:r>
+              <a:rPr lang="en-US" altLang="ru-RU" sz="1600" b="1">
+                <a:solidFill>
+                  <a:schemeClr val="tx2"/>
+                </a:solidFill>
+                <a:latin typeface="+mj-lt"/>
+                <a:cs typeface="+mj-lt"/>
+              </a:rPr>
+              <a:t>Forward pass (ir</a:t>
+            </a:r>
+            <a:r>
+              <a:rPr lang="en-US" altLang="en-US" sz="1600" b="1">
+                <a:solidFill>
+                  <a:schemeClr val="tx2"/>
+                </a:solidFill>
+                <a:latin typeface="+mj-lt"/>
+                <a:cs typeface="+mj-lt"/>
+              </a:rPr>
+              <a:t>ə</a:t>
+            </a:r>
+            <a:r>
+              <a:rPr lang="en-US" altLang="ru-RU" sz="1600" b="1">
                 <a:solidFill>
                   <a:schemeClr val="tx2"/>
                 </a:solidFill>
@@ -4827,7 +4837,7 @@
               <a:t>li </a:t>
             </a:r>
             <a:r>
-              <a:rPr lang="en-US" altLang="en-US" sz="1600">
+              <a:rPr lang="en-US" altLang="en-US" sz="1600" b="1">
                 <a:solidFill>
                   <a:schemeClr val="tx2"/>
                 </a:solidFill>
@@ -4837,7 +4847,7 @@
               <a:t>ö</a:t>
             </a:r>
             <a:r>
-              <a:rPr lang="en-US" altLang="ru-RU" sz="1600">
+              <a:rPr lang="en-US" altLang="ru-RU" sz="1600" b="1">
                 <a:solidFill>
                   <a:schemeClr val="tx2"/>
                 </a:solidFill>
@@ -4847,7 +4857,7 @@
               <a:t>t</a:t>
             </a:r>
             <a:r>
-              <a:rPr lang="en-US" altLang="en-US" sz="1600">
+              <a:rPr lang="en-US" altLang="en-US" sz="1600" b="1">
                 <a:solidFill>
                   <a:schemeClr val="tx2"/>
                 </a:solidFill>
@@ -4857,7 +4867,7 @@
               <a:t>ü</a:t>
             </a:r>
             <a:r>
-              <a:rPr lang="en-US" altLang="ru-RU" sz="1600">
+              <a:rPr lang="en-US" altLang="ru-RU" sz="1600" b="1">
                 <a:solidFill>
                   <a:schemeClr val="tx2"/>
                 </a:solidFill>
@@ -4867,7 +4877,7 @@
               <a:t>r</a:t>
             </a:r>
             <a:r>
-              <a:rPr lang="en-US" altLang="en-US" sz="1600">
+              <a:rPr lang="en-US" altLang="en-US" sz="1600" b="1">
                 <a:solidFill>
                   <a:schemeClr val="tx2"/>
                 </a:solidFill>
@@ -4877,7 +4887,7 @@
               <a:t>ü</a:t>
             </a:r>
             <a:r>
-              <a:rPr lang="en-US" altLang="ru-RU" sz="1600">
+              <a:rPr lang="en-US" altLang="ru-RU" sz="1600" b="1">
                 <a:solidFill>
                   <a:schemeClr val="tx2"/>
                 </a:solidFill>
@@ -4887,17 +4897,17 @@
               <a:t>lm</a:t>
             </a:r>
             <a:r>
-              <a:rPr lang="en-US" altLang="en-US" sz="1600">
-                <a:solidFill>
-                  <a:schemeClr val="tx2"/>
-                </a:solidFill>
-                <a:latin typeface="+mj-lt"/>
-                <a:cs typeface="+mj-lt"/>
-              </a:rPr>
-              <a:t>ə</a:t>
-            </a:r>
-            <a:r>
-              <a:rPr lang="en-US" altLang="ru-RU" sz="1600">
+              <a:rPr lang="en-US" altLang="en-US" sz="1600" b="1">
+                <a:solidFill>
+                  <a:schemeClr val="tx2"/>
+                </a:solidFill>
+                <a:latin typeface="+mj-lt"/>
+                <a:cs typeface="+mj-lt"/>
+              </a:rPr>
+              <a:t>ə</a:t>
+            </a:r>
+            <a:r>
+              <a:rPr lang="en-US" altLang="ru-RU" sz="1600" b="1">
                 <a:solidFill>
                   <a:schemeClr val="tx2"/>
                 </a:solidFill>
@@ -5150,10 +5160,20 @@
                 <a:latin typeface="+mj-lt"/>
                 <a:cs typeface="+mj-lt"/>
               </a:rPr>
-              <a:t>2.Backward pass (geri yay</a:t>
-            </a:r>
-            <a:r>
-              <a:rPr lang="en-US" altLang="en-US" sz="1600">
+              <a:t>2.</a:t>
+            </a:r>
+            <a:r>
+              <a:rPr lang="en-US" altLang="ru-RU" sz="1600" b="1">
+                <a:solidFill>
+                  <a:schemeClr val="tx2"/>
+                </a:solidFill>
+                <a:latin typeface="+mj-lt"/>
+                <a:cs typeface="+mj-lt"/>
+              </a:rPr>
+              <a:t>Backward pass (geri yay</a:t>
+            </a:r>
+            <a:r>
+              <a:rPr lang="en-US" altLang="en-US" sz="1600" b="1">
                 <a:solidFill>
                   <a:schemeClr val="tx2"/>
                 </a:solidFill>
@@ -5163,7 +5183,7 @@
               <a:t>ı</a:t>
             </a:r>
             <a:r>
-              <a:rPr lang="en-US" altLang="ru-RU" sz="1600">
+              <a:rPr lang="en-US" altLang="ru-RU" sz="1600" b="1">
                 <a:solidFill>
                   <a:schemeClr val="tx2"/>
                 </a:solidFill>
@@ -14238,7 +14258,7 @@
 </file>
 
 <file path=ppt/slides/slide2.xml><?xml version="1.0" encoding="utf-8"?>
-<p:sld xmlns:a="http://schemas.openxmlformats.org/drawingml/2006/main" xmlns:r="http://schemas.openxmlformats.org/officeDocument/2006/relationships" xmlns:p="http://schemas.openxmlformats.org/presentationml/2006/main">
+<p:sld xmlns:a="http://schemas.openxmlformats.org/drawingml/2006/main" xmlns:r="http://schemas.openxmlformats.org/officeDocument/2006/relationships" xmlns:p="http://schemas.openxmlformats.org/presentationml/2006/main" show="0">
   <p:cSld>
     <p:spTree>
       <p:nvGrpSpPr>
@@ -14840,6 +14860,7 @@
   <p:clrMapOvr>
     <a:masterClrMapping/>
   </p:clrMapOvr>
+  <p:transition/>
 </p:sld>
 </file>
 
@@ -17421,14 +17442,16 @@
       <p:grpSpPr/>
       <p:sp>
         <p:nvSpPr>
-          <p:cNvPr id="2" name="Текстовое поле 1"/>
+          <p:cNvPr id="2" name="Текстовое поле 1">
+            <a:hlinkClick r:id="rId1" tooltip="" action="ppaction://hlinkfile"/>
+          </p:cNvPr>
           <p:cNvSpPr txBox="1"/>
           <p:nvPr/>
         </p:nvSpPr>
         <p:spPr>
           <a:xfrm>
-            <a:off x="382905" y="849630"/>
-            <a:ext cx="8232140" cy="3691890"/>
+            <a:off x="382905" y="4512310"/>
+            <a:ext cx="7152005" cy="386715"/>
           </a:xfrm>
           <a:prstGeom prst="rect">
             <a:avLst/>
@@ -17446,6 +17469,28 @@
               <a:buFont typeface="Arial" panose="020B0604020202020204" pitchFamily="34" charset="0"/>
               <a:buNone/>
             </a:pPr>
+            <a:r>
+              <a:rPr lang="en-US" altLang="en-US" sz="1600">
+                <a:solidFill>
+                  <a:schemeClr val="tx2"/>
+                </a:solidFill>
+                <a:latin typeface="+mj-lt"/>
+                <a:cs typeface="+mj-lt"/>
+                <a:hlinkClick r:id="rId2" tooltip="" action="ppaction://hlinkfile"/>
+              </a:rPr>
+              <a:t>Code: </a:t>
+            </a:r>
+            <a:r>
+              <a:rPr lang="en-US" altLang="ru-RU" sz="1600">
+                <a:solidFill>
+                  <a:schemeClr val="tx2"/>
+                </a:solidFill>
+                <a:latin typeface="+mj-lt"/>
+                <a:cs typeface="+mj-lt"/>
+                <a:hlinkClick r:id="rId2" tooltip="" action="ppaction://hlinkfile"/>
+              </a:rPr>
+              <a:t>https://github.com/sananradjabov/ANN-ActivationFunction-sigmoid-relu-tanh</a:t>
+            </a:r>
             <a:endParaRPr lang="en-US" altLang="ru-RU" sz="1600">
               <a:solidFill>
                 <a:schemeClr val="tx2"/>
@@ -17569,1764 +17614,317 @@
           </a:p>
         </p:txBody>
       </p:sp>
-      <p:graphicFrame>
-        <p:nvGraphicFramePr>
-          <p:cNvPr id="3" name="Таблица 2"/>
-          <p:cNvGraphicFramePr/>
-          <p:nvPr>
-            <p:custDataLst>
-              <p:tags r:id="rId1"/>
-            </p:custDataLst>
-          </p:nvPr>
-        </p:nvGraphicFramePr>
-        <p:xfrm>
-          <a:off x="382905" y="849630"/>
-          <a:ext cx="8232140" cy="3691890"/>
-        </p:xfrm>
-        <a:graphic>
-          <a:graphicData uri="http://schemas.openxmlformats.org/drawingml/2006/table">
-            <a:tbl>
-              <a:tblPr/>
-              <a:tblGrid>
-                <a:gridCol w="2058035"/>
-                <a:gridCol w="2058035"/>
-                <a:gridCol w="2058035"/>
-                <a:gridCol w="2058035"/>
-              </a:tblGrid>
-              <a:tr h="410210">
-                <a:tc>
-                  <a:txBody>
-                    <a:bodyPr/>
-                    <a:p>
-                      <a:r>
-                        <a:rPr lang="en-US" altLang="zh-CN" sz="1100">
-                          <a:solidFill>
-                            <a:schemeClr val="tx2"/>
-                          </a:solidFill>
-                        </a:rPr>
-                        <a:t>Xüsusiyyət</a:t>
-                      </a:r>
-                      <a:endParaRPr lang="en-US" altLang="zh-CN" sz="1100">
-                        <a:solidFill>
-                          <a:schemeClr val="tx2"/>
-                        </a:solidFill>
-                      </a:endParaRPr>
-                    </a:p>
-                  </a:txBody>
-                  <a:tcPr anchor="ctr" anchorCtr="0">
-                    <a:lnL w="12700">
-                      <a:solidFill>
-                        <a:schemeClr val="tx1"/>
-                      </a:solidFill>
-                      <a:prstDash val="solid"/>
-                    </a:lnL>
-                    <a:lnR w="12700">
-                      <a:solidFill>
-                        <a:schemeClr val="tx1"/>
-                      </a:solidFill>
-                      <a:prstDash val="solid"/>
-                    </a:lnR>
-                    <a:lnT w="12700">
-                      <a:solidFill>
-                        <a:schemeClr val="tx1"/>
-                      </a:solidFill>
-                      <a:prstDash val="solid"/>
-                    </a:lnT>
-                    <a:lnB w="12700">
-                      <a:solidFill>
-                        <a:schemeClr val="tx1"/>
-                      </a:solidFill>
-                      <a:prstDash val="solid"/>
-                    </a:lnB>
-                    <a:solidFill>
-                      <a:schemeClr val="accent1">
-                        <a:lumMod val="20000"/>
-                        <a:lumOff val="80000"/>
-                      </a:schemeClr>
-                    </a:solidFill>
-                  </a:tcPr>
-                </a:tc>
-                <a:tc>
-                  <a:txBody>
-                    <a:bodyPr/>
-                    <a:p>
-                      <a:r>
-                        <a:rPr lang="en-US" altLang="zh-CN" sz="1100">
-                          <a:solidFill>
-                            <a:schemeClr val="tx2"/>
-                          </a:solidFill>
-                        </a:rPr>
-                        <a:t>Sigmoid</a:t>
-                      </a:r>
-                      <a:endParaRPr lang="en-US" altLang="zh-CN" sz="1100">
-                        <a:solidFill>
-                          <a:schemeClr val="tx2"/>
-                        </a:solidFill>
-                      </a:endParaRPr>
-                    </a:p>
-                  </a:txBody>
-                  <a:tcPr anchor="ctr" anchorCtr="0">
-                    <a:lnL w="12700">
-                      <a:solidFill>
-                        <a:schemeClr val="tx1"/>
-                      </a:solidFill>
-                      <a:prstDash val="solid"/>
-                    </a:lnL>
-                    <a:lnR w="12700">
-                      <a:solidFill>
-                        <a:schemeClr val="tx1"/>
-                      </a:solidFill>
-                      <a:prstDash val="solid"/>
-                    </a:lnR>
-                    <a:lnT w="12700">
-                      <a:solidFill>
-                        <a:schemeClr val="tx1"/>
-                      </a:solidFill>
-                      <a:prstDash val="solid"/>
-                    </a:lnT>
-                    <a:lnB w="12700">
-                      <a:solidFill>
-                        <a:schemeClr val="tx1"/>
-                      </a:solidFill>
-                      <a:prstDash val="solid"/>
-                    </a:lnB>
-                    <a:solidFill>
-                      <a:schemeClr val="accent1">
-                        <a:lumMod val="20000"/>
-                        <a:lumOff val="80000"/>
-                      </a:schemeClr>
-                    </a:solidFill>
-                  </a:tcPr>
-                </a:tc>
-                <a:tc>
-                  <a:txBody>
-                    <a:bodyPr/>
-                    <a:p>
-                      <a:r>
-                        <a:rPr lang="en-US" altLang="zh-CN" sz="1100">
-                          <a:solidFill>
-                            <a:schemeClr val="tx2"/>
-                          </a:solidFill>
-                        </a:rPr>
-                        <a:t>Tanh</a:t>
-                      </a:r>
-                      <a:endParaRPr lang="en-US" altLang="zh-CN" sz="1100">
-                        <a:solidFill>
-                          <a:schemeClr val="tx2"/>
-                        </a:solidFill>
-                      </a:endParaRPr>
-                    </a:p>
-                  </a:txBody>
-                  <a:tcPr anchor="ctr" anchorCtr="0">
-                    <a:lnL w="12700">
-                      <a:solidFill>
-                        <a:schemeClr val="tx1"/>
-                      </a:solidFill>
-                      <a:prstDash val="solid"/>
-                    </a:lnL>
-                    <a:lnR w="12700">
-                      <a:solidFill>
-                        <a:schemeClr val="tx1"/>
-                      </a:solidFill>
-                      <a:prstDash val="solid"/>
-                    </a:lnR>
-                    <a:lnT w="12700">
-                      <a:solidFill>
-                        <a:schemeClr val="tx1"/>
-                      </a:solidFill>
-                      <a:prstDash val="solid"/>
-                    </a:lnT>
-                    <a:lnB w="12700">
-                      <a:solidFill>
-                        <a:schemeClr val="tx1"/>
-                      </a:solidFill>
-                      <a:prstDash val="solid"/>
-                    </a:lnB>
-                    <a:solidFill>
-                      <a:schemeClr val="accent1">
-                        <a:lumMod val="20000"/>
-                        <a:lumOff val="80000"/>
-                      </a:schemeClr>
-                    </a:solidFill>
-                  </a:tcPr>
-                </a:tc>
-                <a:tc>
-                  <a:txBody>
-                    <a:bodyPr/>
-                    <a:p>
-                      <a:r>
-                        <a:rPr lang="en-US" altLang="zh-CN" sz="1100">
-                          <a:solidFill>
-                            <a:schemeClr val="tx2"/>
-                          </a:solidFill>
-                        </a:rPr>
-                        <a:t>ReLU</a:t>
-                      </a:r>
-                      <a:endParaRPr lang="en-US" altLang="zh-CN" sz="1100">
-                        <a:solidFill>
-                          <a:schemeClr val="tx2"/>
-                        </a:solidFill>
-                      </a:endParaRPr>
-                    </a:p>
-                  </a:txBody>
-                  <a:tcPr anchor="ctr" anchorCtr="0">
-                    <a:lnL w="12700">
-                      <a:solidFill>
-                        <a:schemeClr val="tx1"/>
-                      </a:solidFill>
-                      <a:prstDash val="solid"/>
-                    </a:lnL>
-                    <a:lnR w="12700">
-                      <a:solidFill>
-                        <a:schemeClr val="tx1"/>
-                      </a:solidFill>
-                      <a:prstDash val="solid"/>
-                    </a:lnR>
-                    <a:lnT w="12700">
-                      <a:solidFill>
-                        <a:schemeClr val="tx1"/>
-                      </a:solidFill>
-                      <a:prstDash val="solid"/>
-                    </a:lnT>
-                    <a:lnB w="12700">
-                      <a:solidFill>
-                        <a:schemeClr val="tx1"/>
-                      </a:solidFill>
-                      <a:prstDash val="solid"/>
-                    </a:lnB>
-                    <a:solidFill>
-                      <a:schemeClr val="accent1">
-                        <a:lumMod val="20000"/>
-                        <a:lumOff val="80000"/>
-                      </a:schemeClr>
-                    </a:solidFill>
-                  </a:tcPr>
-                </a:tc>
-              </a:tr>
-              <a:tr h="410210">
-                <a:tc>
-                  <a:txBody>
-                    <a:bodyPr/>
-                    <a:p>
-                      <a:r>
-                        <a:rPr lang="en-US" altLang="zh-CN" sz="1100">
-                          <a:solidFill>
-                            <a:schemeClr val="tx2"/>
-                          </a:solidFill>
-                        </a:rPr>
-                        <a:t>Çıxış aralığı</a:t>
-                      </a:r>
-                      <a:endParaRPr lang="en-US" altLang="zh-CN" sz="1100">
-                        <a:solidFill>
-                          <a:schemeClr val="tx2"/>
-                        </a:solidFill>
-                      </a:endParaRPr>
-                    </a:p>
-                  </a:txBody>
-                  <a:tcPr anchor="ctr" anchorCtr="0">
-                    <a:lnL w="12700">
-                      <a:solidFill>
-                        <a:schemeClr val="tx1"/>
-                      </a:solidFill>
-                      <a:prstDash val="solid"/>
-                    </a:lnL>
-                    <a:lnR w="12700">
-                      <a:solidFill>
-                        <a:schemeClr val="tx1"/>
-                      </a:solidFill>
-                      <a:prstDash val="solid"/>
-                    </a:lnR>
-                    <a:lnT w="12700">
-                      <a:solidFill>
-                        <a:schemeClr val="tx1"/>
-                      </a:solidFill>
-                      <a:prstDash val="solid"/>
-                    </a:lnT>
-                    <a:lnB w="12700">
-                      <a:solidFill>
-                        <a:schemeClr val="tx1"/>
-                      </a:solidFill>
-                      <a:prstDash val="solid"/>
-                    </a:lnB>
-                    <a:noFill/>
-                  </a:tcPr>
-                </a:tc>
-                <a:tc>
-                  <a:txBody>
-                    <a:bodyPr/>
-                    <a:p>
-                      <a:r>
-                        <a:rPr lang="en-US" altLang="zh-CN" sz="1100">
-                          <a:solidFill>
-                            <a:schemeClr val="tx2"/>
-                          </a:solidFill>
-                        </a:rPr>
-                        <a:t>(0; 1)</a:t>
-                      </a:r>
-                      <a:endParaRPr lang="en-US" altLang="zh-CN" sz="1100">
-                        <a:solidFill>
-                          <a:schemeClr val="tx2"/>
-                        </a:solidFill>
-                      </a:endParaRPr>
-                    </a:p>
-                  </a:txBody>
-                  <a:tcPr anchor="ctr" anchorCtr="0">
-                    <a:lnL w="12700">
-                      <a:solidFill>
-                        <a:schemeClr val="tx1"/>
-                      </a:solidFill>
-                      <a:prstDash val="solid"/>
-                    </a:lnL>
-                    <a:lnR w="12700">
-                      <a:solidFill>
-                        <a:schemeClr val="tx1"/>
-                      </a:solidFill>
-                      <a:prstDash val="solid"/>
-                    </a:lnR>
-                    <a:lnT w="12700">
-                      <a:solidFill>
-                        <a:schemeClr val="tx1"/>
-                      </a:solidFill>
-                      <a:prstDash val="solid"/>
-                    </a:lnT>
-                    <a:lnB w="12700">
-                      <a:solidFill>
-                        <a:schemeClr val="tx1"/>
-                      </a:solidFill>
-                      <a:prstDash val="solid"/>
-                    </a:lnB>
-                    <a:noFill/>
-                  </a:tcPr>
-                </a:tc>
-                <a:tc>
-                  <a:txBody>
-                    <a:bodyPr/>
-                    <a:p>
-                      <a:r>
-                        <a:rPr lang="en-US" altLang="zh-CN" sz="1100">
-                          <a:solidFill>
-                            <a:schemeClr val="tx2"/>
-                          </a:solidFill>
-                        </a:rPr>
-                        <a:t>(-1; 1)</a:t>
-                      </a:r>
-                      <a:endParaRPr lang="en-US" altLang="zh-CN" sz="1100">
-                        <a:solidFill>
-                          <a:schemeClr val="tx2"/>
-                        </a:solidFill>
-                      </a:endParaRPr>
-                    </a:p>
-                  </a:txBody>
-                  <a:tcPr anchor="ctr" anchorCtr="0">
-                    <a:lnL w="12700">
-                      <a:solidFill>
-                        <a:schemeClr val="tx1"/>
-                      </a:solidFill>
-                      <a:prstDash val="solid"/>
-                    </a:lnL>
-                    <a:lnR w="12700">
-                      <a:solidFill>
-                        <a:schemeClr val="tx1"/>
-                      </a:solidFill>
-                      <a:prstDash val="solid"/>
-                    </a:lnR>
-                    <a:lnT w="12700">
-                      <a:solidFill>
-                        <a:schemeClr val="tx1"/>
-                      </a:solidFill>
-                      <a:prstDash val="solid"/>
-                    </a:lnT>
-                    <a:lnB w="12700">
-                      <a:solidFill>
-                        <a:schemeClr val="tx1"/>
-                      </a:solidFill>
-                      <a:prstDash val="solid"/>
-                    </a:lnB>
-                    <a:noFill/>
-                  </a:tcPr>
-                </a:tc>
-                <a:tc>
-                  <a:txBody>
-                    <a:bodyPr/>
-                    <a:p>
-                      <a:r>
-                        <a:rPr lang="en-US" altLang="zh-CN" sz="1100">
-                          <a:solidFill>
-                            <a:schemeClr val="tx2"/>
-                          </a:solidFill>
-                        </a:rPr>
-                        <a:t>[0; ∞)</a:t>
-                      </a:r>
-                      <a:endParaRPr lang="en-US" altLang="zh-CN" sz="1100">
-                        <a:solidFill>
-                          <a:schemeClr val="tx2"/>
-                        </a:solidFill>
-                      </a:endParaRPr>
-                    </a:p>
-                  </a:txBody>
-                  <a:tcPr anchor="ctr" anchorCtr="0">
-                    <a:lnL w="12700">
-                      <a:solidFill>
-                        <a:schemeClr val="tx1"/>
-                      </a:solidFill>
-                      <a:prstDash val="solid"/>
-                    </a:lnL>
-                    <a:lnR w="12700">
-                      <a:solidFill>
-                        <a:schemeClr val="tx1"/>
-                      </a:solidFill>
-                      <a:prstDash val="solid"/>
-                    </a:lnR>
-                    <a:lnT w="12700">
-                      <a:solidFill>
-                        <a:schemeClr val="tx1"/>
-                      </a:solidFill>
-                      <a:prstDash val="solid"/>
-                    </a:lnT>
-                    <a:lnB w="12700">
-                      <a:solidFill>
-                        <a:schemeClr val="tx1"/>
-                      </a:solidFill>
-                      <a:prstDash val="solid"/>
-                    </a:lnB>
-                    <a:noFill/>
-                  </a:tcPr>
-                </a:tc>
-              </a:tr>
-              <a:tr h="410210">
-                <a:tc>
-                  <a:txBody>
-                    <a:bodyPr/>
-                    <a:p>
-                      <a:r>
-                        <a:rPr lang="en-US" altLang="zh-CN" sz="1100">
-                          <a:solidFill>
-                            <a:schemeClr val="tx2"/>
-                          </a:solidFill>
-                        </a:rPr>
-                        <a:t>Sıfır mərkəzli?</a:t>
-                      </a:r>
-                      <a:endParaRPr lang="en-US" altLang="zh-CN" sz="1100">
-                        <a:solidFill>
-                          <a:schemeClr val="tx2"/>
-                        </a:solidFill>
-                      </a:endParaRPr>
-                    </a:p>
-                  </a:txBody>
-                  <a:tcPr anchor="ctr" anchorCtr="0">
-                    <a:lnL w="12700">
-                      <a:solidFill>
-                        <a:schemeClr val="tx1"/>
-                      </a:solidFill>
-                      <a:prstDash val="solid"/>
-                    </a:lnL>
-                    <a:lnR w="12700">
-                      <a:solidFill>
-                        <a:schemeClr val="tx1"/>
-                      </a:solidFill>
-                      <a:prstDash val="solid"/>
-                    </a:lnR>
-                    <a:lnT w="12700">
-                      <a:solidFill>
-                        <a:schemeClr val="tx1"/>
-                      </a:solidFill>
-                      <a:prstDash val="solid"/>
-                    </a:lnT>
-                    <a:lnB w="12700">
-                      <a:solidFill>
-                        <a:schemeClr val="tx1"/>
-                      </a:solidFill>
-                      <a:prstDash val="solid"/>
-                    </a:lnB>
-                    <a:noFill/>
-                  </a:tcPr>
-                </a:tc>
-                <a:tc>
-                  <a:txBody>
-                    <a:bodyPr/>
-                    <a:p>
-                      <a:r>
-                        <a:rPr lang="en-US" altLang="zh-CN" sz="1100">
-                          <a:solidFill>
-                            <a:schemeClr val="tx2"/>
-                          </a:solidFill>
-                        </a:rPr>
-                        <a:t>Xeyr</a:t>
-                      </a:r>
-                      <a:endParaRPr lang="en-US" altLang="zh-CN" sz="1100">
-                        <a:solidFill>
-                          <a:schemeClr val="tx2"/>
-                        </a:solidFill>
-                      </a:endParaRPr>
-                    </a:p>
-                  </a:txBody>
-                  <a:tcPr anchor="ctr" anchorCtr="0">
-                    <a:lnL w="12700">
-                      <a:solidFill>
-                        <a:schemeClr val="tx1"/>
-                      </a:solidFill>
-                      <a:prstDash val="solid"/>
-                    </a:lnL>
-                    <a:lnR w="12700">
-                      <a:solidFill>
-                        <a:schemeClr val="tx1"/>
-                      </a:solidFill>
-                      <a:prstDash val="solid"/>
-                    </a:lnR>
-                    <a:lnT w="12700">
-                      <a:solidFill>
-                        <a:schemeClr val="tx1"/>
-                      </a:solidFill>
-                      <a:prstDash val="solid"/>
-                    </a:lnT>
-                    <a:lnB w="12700">
-                      <a:solidFill>
-                        <a:schemeClr val="tx1"/>
-                      </a:solidFill>
-                      <a:prstDash val="solid"/>
-                    </a:lnB>
-                    <a:noFill/>
-                  </a:tcPr>
-                </a:tc>
-                <a:tc>
-                  <a:txBody>
-                    <a:bodyPr/>
-                    <a:p>
-                      <a:r>
-                        <a:rPr lang="en-US" altLang="zh-CN" sz="1100">
-                          <a:solidFill>
-                            <a:schemeClr val="tx2"/>
-                          </a:solidFill>
-                        </a:rPr>
-                        <a:t>Bəli</a:t>
-                      </a:r>
-                      <a:endParaRPr lang="en-US" altLang="zh-CN" sz="1100">
-                        <a:solidFill>
-                          <a:schemeClr val="tx2"/>
-                        </a:solidFill>
-                      </a:endParaRPr>
-                    </a:p>
-                  </a:txBody>
-                  <a:tcPr anchor="ctr" anchorCtr="0">
-                    <a:lnL w="12700">
-                      <a:solidFill>
-                        <a:schemeClr val="tx1"/>
-                      </a:solidFill>
-                      <a:prstDash val="solid"/>
-                    </a:lnL>
-                    <a:lnR w="12700">
-                      <a:solidFill>
-                        <a:schemeClr val="tx1"/>
-                      </a:solidFill>
-                      <a:prstDash val="solid"/>
-                    </a:lnR>
-                    <a:lnT w="12700">
-                      <a:solidFill>
-                        <a:schemeClr val="tx1"/>
-                      </a:solidFill>
-                      <a:prstDash val="solid"/>
-                    </a:lnT>
-                    <a:lnB w="12700">
-                      <a:solidFill>
-                        <a:schemeClr val="tx1"/>
-                      </a:solidFill>
-                      <a:prstDash val="solid"/>
-                    </a:lnB>
-                    <a:noFill/>
-                  </a:tcPr>
-                </a:tc>
-                <a:tc>
-                  <a:txBody>
-                    <a:bodyPr/>
-                    <a:p>
-                      <a:r>
-                        <a:rPr lang="en-US" altLang="zh-CN" sz="1100">
-                          <a:solidFill>
-                            <a:schemeClr val="tx2"/>
-                          </a:solidFill>
-                        </a:rPr>
-                        <a:t>Xeyr</a:t>
-                      </a:r>
-                      <a:endParaRPr lang="en-US" altLang="zh-CN" sz="1100">
-                        <a:solidFill>
-                          <a:schemeClr val="tx2"/>
-                        </a:solidFill>
-                      </a:endParaRPr>
-                    </a:p>
-                  </a:txBody>
-                  <a:tcPr anchor="ctr" anchorCtr="0">
-                    <a:lnL w="12700">
-                      <a:solidFill>
-                        <a:schemeClr val="tx1"/>
-                      </a:solidFill>
-                      <a:prstDash val="solid"/>
-                    </a:lnL>
-                    <a:lnR w="12700">
-                      <a:solidFill>
-                        <a:schemeClr val="tx1"/>
-                      </a:solidFill>
-                      <a:prstDash val="solid"/>
-                    </a:lnR>
-                    <a:lnT w="12700">
-                      <a:solidFill>
-                        <a:schemeClr val="tx1"/>
-                      </a:solidFill>
-                      <a:prstDash val="solid"/>
-                    </a:lnT>
-                    <a:lnB w="12700">
-                      <a:solidFill>
-                        <a:schemeClr val="tx1"/>
-                      </a:solidFill>
-                      <a:prstDash val="solid"/>
-                    </a:lnB>
-                    <a:noFill/>
-                  </a:tcPr>
-                </a:tc>
-              </a:tr>
-              <a:tr h="410210">
-                <a:tc>
-                  <a:txBody>
-                    <a:bodyPr/>
-                    <a:p>
-                      <a:r>
-                        <a:rPr lang="en-US" altLang="zh-CN" sz="1100">
-                          <a:solidFill>
-                            <a:schemeClr val="tx2"/>
-                          </a:solidFill>
-                        </a:rPr>
-                        <a:t>Maksimum törəmə</a:t>
-                      </a:r>
-                      <a:endParaRPr lang="en-US" altLang="zh-CN" sz="1100">
-                        <a:solidFill>
-                          <a:schemeClr val="tx2"/>
-                        </a:solidFill>
-                      </a:endParaRPr>
-                    </a:p>
-                  </a:txBody>
-                  <a:tcPr anchor="ctr" anchorCtr="0">
-                    <a:lnL w="12700">
-                      <a:solidFill>
-                        <a:schemeClr val="tx1"/>
-                      </a:solidFill>
-                      <a:prstDash val="solid"/>
-                    </a:lnL>
-                    <a:lnR w="12700">
-                      <a:solidFill>
-                        <a:schemeClr val="tx1"/>
-                      </a:solidFill>
-                      <a:prstDash val="solid"/>
-                    </a:lnR>
-                    <a:lnT w="12700">
-                      <a:solidFill>
-                        <a:schemeClr val="tx1"/>
-                      </a:solidFill>
-                      <a:prstDash val="solid"/>
-                    </a:lnT>
-                    <a:lnB w="12700">
-                      <a:solidFill>
-                        <a:schemeClr val="tx1"/>
-                      </a:solidFill>
-                      <a:prstDash val="solid"/>
-                    </a:lnB>
-                    <a:noFill/>
-                  </a:tcPr>
-                </a:tc>
-                <a:tc>
-                  <a:txBody>
-                    <a:bodyPr/>
-                    <a:p>
-                      <a:r>
-                        <a:rPr lang="en-US" altLang="zh-CN" sz="1100">
-                          <a:solidFill>
-                            <a:schemeClr val="tx2"/>
-                          </a:solidFill>
-                        </a:rPr>
-                        <a:t>0.25</a:t>
-                      </a:r>
-                      <a:endParaRPr lang="en-US" altLang="zh-CN" sz="1100">
-                        <a:solidFill>
-                          <a:schemeClr val="tx2"/>
-                        </a:solidFill>
-                      </a:endParaRPr>
-                    </a:p>
-                  </a:txBody>
-                  <a:tcPr anchor="ctr" anchorCtr="0">
-                    <a:lnL w="12700">
-                      <a:solidFill>
-                        <a:schemeClr val="tx1"/>
-                      </a:solidFill>
-                      <a:prstDash val="solid"/>
-                    </a:lnL>
-                    <a:lnR w="12700">
-                      <a:solidFill>
-                        <a:schemeClr val="tx1"/>
-                      </a:solidFill>
-                      <a:prstDash val="solid"/>
-                    </a:lnR>
-                    <a:lnT w="12700">
-                      <a:solidFill>
-                        <a:schemeClr val="tx1"/>
-                      </a:solidFill>
-                      <a:prstDash val="solid"/>
-                    </a:lnT>
-                    <a:lnB w="12700">
-                      <a:solidFill>
-                        <a:schemeClr val="tx1"/>
-                      </a:solidFill>
-                      <a:prstDash val="solid"/>
-                    </a:lnB>
-                    <a:noFill/>
-                  </a:tcPr>
-                </a:tc>
-                <a:tc>
-                  <a:txBody>
-                    <a:bodyPr/>
-                    <a:p>
-                      <a:r>
-                        <a:rPr lang="en-US" altLang="zh-CN" sz="1100">
-                          <a:solidFill>
-                            <a:schemeClr val="tx2"/>
-                          </a:solidFill>
-                        </a:rPr>
-                        <a:t>1</a:t>
-                      </a:r>
-                      <a:endParaRPr lang="en-US" altLang="zh-CN" sz="1100">
-                        <a:solidFill>
-                          <a:schemeClr val="tx2"/>
-                        </a:solidFill>
-                      </a:endParaRPr>
-                    </a:p>
-                  </a:txBody>
-                  <a:tcPr anchor="ctr" anchorCtr="0">
-                    <a:lnL w="12700">
-                      <a:solidFill>
-                        <a:schemeClr val="tx1"/>
-                      </a:solidFill>
-                      <a:prstDash val="solid"/>
-                    </a:lnL>
-                    <a:lnR w="12700">
-                      <a:solidFill>
-                        <a:schemeClr val="tx1"/>
-                      </a:solidFill>
-                      <a:prstDash val="solid"/>
-                    </a:lnR>
-                    <a:lnT w="12700">
-                      <a:solidFill>
-                        <a:schemeClr val="tx1"/>
-                      </a:solidFill>
-                      <a:prstDash val="solid"/>
-                    </a:lnT>
-                    <a:lnB w="12700">
-                      <a:solidFill>
-                        <a:schemeClr val="tx1"/>
-                      </a:solidFill>
-                      <a:prstDash val="solid"/>
-                    </a:lnB>
-                    <a:noFill/>
-                  </a:tcPr>
-                </a:tc>
-                <a:tc>
-                  <a:txBody>
-                    <a:bodyPr/>
-                    <a:p>
-                      <a:r>
-                        <a:rPr lang="en-US" altLang="zh-CN" sz="1100">
-                          <a:solidFill>
-                            <a:schemeClr val="tx2"/>
-                          </a:solidFill>
-                        </a:rPr>
-                        <a:t>1 (yalnız (x &gt; 0))</a:t>
-                      </a:r>
-                      <a:endParaRPr lang="en-US" altLang="zh-CN" sz="1100">
-                        <a:solidFill>
-                          <a:schemeClr val="tx2"/>
-                        </a:solidFill>
-                      </a:endParaRPr>
-                    </a:p>
-                  </a:txBody>
-                  <a:tcPr anchor="ctr" anchorCtr="0">
-                    <a:lnL w="12700">
-                      <a:solidFill>
-                        <a:schemeClr val="tx1"/>
-                      </a:solidFill>
-                      <a:prstDash val="solid"/>
-                    </a:lnL>
-                    <a:lnR w="12700">
-                      <a:solidFill>
-                        <a:schemeClr val="tx1"/>
-                      </a:solidFill>
-                      <a:prstDash val="solid"/>
-                    </a:lnR>
-                    <a:lnT w="12700">
-                      <a:solidFill>
-                        <a:schemeClr val="tx1"/>
-                      </a:solidFill>
-                      <a:prstDash val="solid"/>
-                    </a:lnT>
-                    <a:lnB w="12700">
-                      <a:solidFill>
-                        <a:schemeClr val="tx1"/>
-                      </a:solidFill>
-                      <a:prstDash val="solid"/>
-                    </a:lnB>
-                    <a:noFill/>
-                  </a:tcPr>
-                </a:tc>
-              </a:tr>
-              <a:tr h="410210">
-                <a:tc>
-                  <a:txBody>
-                    <a:bodyPr/>
-                    <a:p>
-                      <a:r>
-                        <a:rPr lang="en-US" altLang="zh-CN" sz="1100">
-                          <a:solidFill>
-                            <a:schemeClr val="tx2"/>
-                          </a:solidFill>
-                        </a:rPr>
-                        <a:t>Saturasiya (doyma)?</a:t>
-                      </a:r>
-                      <a:endParaRPr lang="en-US" altLang="zh-CN" sz="1100">
-                        <a:solidFill>
-                          <a:schemeClr val="tx2"/>
-                        </a:solidFill>
-                      </a:endParaRPr>
-                    </a:p>
-                  </a:txBody>
-                  <a:tcPr anchor="ctr" anchorCtr="0">
-                    <a:lnL w="12700">
-                      <a:solidFill>
-                        <a:schemeClr val="tx1"/>
-                      </a:solidFill>
-                      <a:prstDash val="solid"/>
-                    </a:lnL>
-                    <a:lnR w="12700">
-                      <a:solidFill>
-                        <a:schemeClr val="tx1"/>
-                      </a:solidFill>
-                      <a:prstDash val="solid"/>
-                    </a:lnR>
-                    <a:lnT w="12700">
-                      <a:solidFill>
-                        <a:schemeClr val="tx1"/>
-                      </a:solidFill>
-                      <a:prstDash val="solid"/>
-                    </a:lnT>
-                    <a:lnB w="12700">
-                      <a:solidFill>
-                        <a:schemeClr val="tx1"/>
-                      </a:solidFill>
-                      <a:prstDash val="solid"/>
-                    </a:lnB>
-                    <a:noFill/>
-                  </a:tcPr>
-                </a:tc>
-                <a:tc>
-                  <a:txBody>
-                    <a:bodyPr/>
-                    <a:p>
-                      <a:r>
-                        <a:rPr lang="en-US" altLang="zh-CN" sz="1100">
-                          <a:solidFill>
-                            <a:schemeClr val="tx2"/>
-                          </a:solidFill>
-                        </a:rPr>
-                        <a:t>Bəli</a:t>
-                      </a:r>
-                      <a:endParaRPr lang="en-US" altLang="zh-CN" sz="1100">
-                        <a:solidFill>
-                          <a:schemeClr val="tx2"/>
-                        </a:solidFill>
-                      </a:endParaRPr>
-                    </a:p>
-                  </a:txBody>
-                  <a:tcPr anchor="ctr" anchorCtr="0">
-                    <a:lnL w="12700">
-                      <a:solidFill>
-                        <a:schemeClr val="tx1"/>
-                      </a:solidFill>
-                      <a:prstDash val="solid"/>
-                    </a:lnL>
-                    <a:lnR w="12700">
-                      <a:solidFill>
-                        <a:schemeClr val="tx1"/>
-                      </a:solidFill>
-                      <a:prstDash val="solid"/>
-                    </a:lnR>
-                    <a:lnT w="12700">
-                      <a:solidFill>
-                        <a:schemeClr val="tx1"/>
-                      </a:solidFill>
-                      <a:prstDash val="solid"/>
-                    </a:lnT>
-                    <a:lnB w="12700">
-                      <a:solidFill>
-                        <a:schemeClr val="tx1"/>
-                      </a:solidFill>
-                      <a:prstDash val="solid"/>
-                    </a:lnB>
-                    <a:noFill/>
-                  </a:tcPr>
-                </a:tc>
-                <a:tc>
-                  <a:txBody>
-                    <a:bodyPr/>
-                    <a:p>
-                      <a:r>
-                        <a:rPr lang="en-US" altLang="zh-CN" sz="1100">
-                          <a:solidFill>
-                            <a:schemeClr val="tx2"/>
-                          </a:solidFill>
-                        </a:rPr>
-                        <a:t>Bəli</a:t>
-                      </a:r>
-                      <a:endParaRPr lang="en-US" altLang="zh-CN" sz="1100">
-                        <a:solidFill>
-                          <a:schemeClr val="tx2"/>
-                        </a:solidFill>
-                      </a:endParaRPr>
-                    </a:p>
-                  </a:txBody>
-                  <a:tcPr anchor="ctr" anchorCtr="0">
-                    <a:lnL w="12700">
-                      <a:solidFill>
-                        <a:schemeClr val="tx1"/>
-                      </a:solidFill>
-                      <a:prstDash val="solid"/>
-                    </a:lnL>
-                    <a:lnR w="12700">
-                      <a:solidFill>
-                        <a:schemeClr val="tx1"/>
-                      </a:solidFill>
-                      <a:prstDash val="solid"/>
-                    </a:lnR>
-                    <a:lnT w="12700">
-                      <a:solidFill>
-                        <a:schemeClr val="tx1"/>
-                      </a:solidFill>
-                      <a:prstDash val="solid"/>
-                    </a:lnT>
-                    <a:lnB w="12700">
-                      <a:solidFill>
-                        <a:schemeClr val="tx1"/>
-                      </a:solidFill>
-                      <a:prstDash val="solid"/>
-                    </a:lnB>
-                    <a:noFill/>
-                  </a:tcPr>
-                </a:tc>
-                <a:tc>
-                  <a:txBody>
-                    <a:bodyPr/>
-                    <a:p>
-                      <a:r>
-                        <a:rPr lang="en-US" altLang="zh-CN" sz="1100">
-                          <a:solidFill>
-                            <a:schemeClr val="tx2"/>
-                          </a:solidFill>
-                        </a:rPr>
-                        <a:t>Yalnız (x &lt; 0)</a:t>
-                      </a:r>
-                      <a:endParaRPr lang="en-US" altLang="zh-CN" sz="1100">
-                        <a:solidFill>
-                          <a:schemeClr val="tx2"/>
-                        </a:solidFill>
-                      </a:endParaRPr>
-                    </a:p>
-                  </a:txBody>
-                  <a:tcPr anchor="ctr" anchorCtr="0">
-                    <a:lnL w="12700">
-                      <a:solidFill>
-                        <a:schemeClr val="tx1"/>
-                      </a:solidFill>
-                      <a:prstDash val="solid"/>
-                    </a:lnL>
-                    <a:lnR w="12700">
-                      <a:solidFill>
-                        <a:schemeClr val="tx1"/>
-                      </a:solidFill>
-                      <a:prstDash val="solid"/>
-                    </a:lnR>
-                    <a:lnT w="12700">
-                      <a:solidFill>
-                        <a:schemeClr val="tx1"/>
-                      </a:solidFill>
-                      <a:prstDash val="solid"/>
-                    </a:lnT>
-                    <a:lnB w="12700">
-                      <a:solidFill>
-                        <a:schemeClr val="tx1"/>
-                      </a:solidFill>
-                      <a:prstDash val="solid"/>
-                    </a:lnB>
-                    <a:noFill/>
-                  </a:tcPr>
-                </a:tc>
-              </a:tr>
-              <a:tr h="410210">
-                <a:tc>
-                  <a:txBody>
-                    <a:bodyPr/>
-                    <a:p>
-                      <a:r>
-                        <a:rPr lang="en-US" altLang="zh-CN" sz="1100">
-                          <a:solidFill>
-                            <a:schemeClr val="tx2"/>
-                          </a:solidFill>
-                        </a:rPr>
-                        <a:t>Gradientin zəifləməsi</a:t>
-                      </a:r>
-                      <a:endParaRPr lang="en-US" altLang="zh-CN" sz="1100">
-                        <a:solidFill>
-                          <a:schemeClr val="tx2"/>
-                        </a:solidFill>
-                      </a:endParaRPr>
-                    </a:p>
-                  </a:txBody>
-                  <a:tcPr anchor="ctr" anchorCtr="0">
-                    <a:lnL w="12700">
-                      <a:solidFill>
-                        <a:schemeClr val="tx1"/>
-                      </a:solidFill>
-                      <a:prstDash val="solid"/>
-                    </a:lnL>
-                    <a:lnR w="12700">
-                      <a:solidFill>
-                        <a:schemeClr val="tx1"/>
-                      </a:solidFill>
-                      <a:prstDash val="solid"/>
-                    </a:lnR>
-                    <a:lnT w="12700">
-                      <a:solidFill>
-                        <a:schemeClr val="tx1"/>
-                      </a:solidFill>
-                      <a:prstDash val="solid"/>
-                    </a:lnT>
-                    <a:lnB w="12700">
-                      <a:solidFill>
-                        <a:schemeClr val="tx1"/>
-                      </a:solidFill>
-                      <a:prstDash val="solid"/>
-                    </a:lnB>
-                    <a:noFill/>
-                  </a:tcPr>
-                </a:tc>
-                <a:tc>
-                  <a:txBody>
-                    <a:bodyPr/>
-                    <a:p>
-                      <a:r>
-                        <a:rPr lang="en-US" altLang="zh-CN" sz="1100">
-                          <a:solidFill>
-                            <a:schemeClr val="tx2"/>
-                          </a:solidFill>
-                        </a:rPr>
-                        <a:t>Güclü</a:t>
-                      </a:r>
-                      <a:endParaRPr lang="en-US" altLang="zh-CN" sz="1100">
-                        <a:solidFill>
-                          <a:schemeClr val="tx2"/>
-                        </a:solidFill>
-                      </a:endParaRPr>
-                    </a:p>
-                  </a:txBody>
-                  <a:tcPr anchor="ctr" anchorCtr="0">
-                    <a:lnL w="12700">
-                      <a:solidFill>
-                        <a:schemeClr val="tx1"/>
-                      </a:solidFill>
-                      <a:prstDash val="solid"/>
-                    </a:lnL>
-                    <a:lnR w="12700">
-                      <a:solidFill>
-                        <a:schemeClr val="tx1"/>
-                      </a:solidFill>
-                      <a:prstDash val="solid"/>
-                    </a:lnR>
-                    <a:lnT w="12700">
-                      <a:solidFill>
-                        <a:schemeClr val="tx1"/>
-                      </a:solidFill>
-                      <a:prstDash val="solid"/>
-                    </a:lnT>
-                    <a:lnB w="12700">
-                      <a:solidFill>
-                        <a:schemeClr val="tx1"/>
-                      </a:solidFill>
-                      <a:prstDash val="solid"/>
-                    </a:lnB>
-                    <a:noFill/>
-                  </a:tcPr>
-                </a:tc>
-                <a:tc>
-                  <a:txBody>
-                    <a:bodyPr/>
-                    <a:p>
-                      <a:r>
-                        <a:rPr lang="en-US" altLang="zh-CN" sz="1100">
-                          <a:solidFill>
-                            <a:schemeClr val="tx2"/>
-                          </a:solidFill>
-                        </a:rPr>
-                        <a:t>Orta</a:t>
-                      </a:r>
-                      <a:endParaRPr lang="en-US" altLang="zh-CN" sz="1100">
-                        <a:solidFill>
-                          <a:schemeClr val="tx2"/>
-                        </a:solidFill>
-                      </a:endParaRPr>
-                    </a:p>
-                  </a:txBody>
-                  <a:tcPr anchor="ctr" anchorCtr="0">
-                    <a:lnL w="12700">
-                      <a:solidFill>
-                        <a:schemeClr val="tx1"/>
-                      </a:solidFill>
-                      <a:prstDash val="solid"/>
-                    </a:lnL>
-                    <a:lnR w="12700">
-                      <a:solidFill>
-                        <a:schemeClr val="tx1"/>
-                      </a:solidFill>
-                      <a:prstDash val="solid"/>
-                    </a:lnR>
-                    <a:lnT w="12700">
-                      <a:solidFill>
-                        <a:schemeClr val="tx1"/>
-                      </a:solidFill>
-                      <a:prstDash val="solid"/>
-                    </a:lnT>
-                    <a:lnB w="12700">
-                      <a:solidFill>
-                        <a:schemeClr val="tx1"/>
-                      </a:solidFill>
-                      <a:prstDash val="solid"/>
-                    </a:lnB>
-                    <a:noFill/>
-                  </a:tcPr>
-                </a:tc>
-                <a:tc>
-                  <a:txBody>
-                    <a:bodyPr/>
-                    <a:p>
-                      <a:r>
-                        <a:rPr lang="en-US" altLang="zh-CN" sz="1100">
-                          <a:solidFill>
-                            <a:schemeClr val="tx2"/>
-                          </a:solidFill>
-                        </a:rPr>
-                        <a:t>Yox (pozitiv sahədə)</a:t>
-                      </a:r>
-                      <a:endParaRPr lang="en-US" altLang="zh-CN" sz="1100">
-                        <a:solidFill>
-                          <a:schemeClr val="tx2"/>
-                        </a:solidFill>
-                      </a:endParaRPr>
-                    </a:p>
-                  </a:txBody>
-                  <a:tcPr anchor="ctr" anchorCtr="0">
-                    <a:lnL w="12700">
-                      <a:solidFill>
-                        <a:schemeClr val="tx1"/>
-                      </a:solidFill>
-                      <a:prstDash val="solid"/>
-                    </a:lnL>
-                    <a:lnR w="12700">
-                      <a:solidFill>
-                        <a:schemeClr val="tx1"/>
-                      </a:solidFill>
-                      <a:prstDash val="solid"/>
-                    </a:lnR>
-                    <a:lnT w="12700">
-                      <a:solidFill>
-                        <a:schemeClr val="tx1"/>
-                      </a:solidFill>
-                      <a:prstDash val="solid"/>
-                    </a:lnT>
-                    <a:lnB w="12700">
-                      <a:solidFill>
-                        <a:schemeClr val="tx1"/>
-                      </a:solidFill>
-                      <a:prstDash val="solid"/>
-                    </a:lnB>
-                    <a:noFill/>
-                  </a:tcPr>
-                </a:tc>
-              </a:tr>
-              <a:tr h="410210">
-                <a:tc>
-                  <a:txBody>
-                    <a:bodyPr/>
-                    <a:p>
-                      <a:r>
-                        <a:rPr lang="en-US" altLang="zh-CN" sz="1100">
-                          <a:solidFill>
-                            <a:schemeClr val="tx2"/>
-                          </a:solidFill>
-                        </a:rPr>
-                        <a:t>Dead neuron problemi</a:t>
-                      </a:r>
-                      <a:endParaRPr lang="en-US" altLang="zh-CN" sz="1100">
-                        <a:solidFill>
-                          <a:schemeClr val="tx2"/>
-                        </a:solidFill>
-                      </a:endParaRPr>
-                    </a:p>
-                  </a:txBody>
-                  <a:tcPr anchor="ctr" anchorCtr="0">
-                    <a:lnL w="12700">
-                      <a:solidFill>
-                        <a:schemeClr val="tx1"/>
-                      </a:solidFill>
-                      <a:prstDash val="solid"/>
-                    </a:lnL>
-                    <a:lnR w="12700">
-                      <a:solidFill>
-                        <a:schemeClr val="tx1"/>
-                      </a:solidFill>
-                      <a:prstDash val="solid"/>
-                    </a:lnR>
-                    <a:lnT w="12700">
-                      <a:solidFill>
-                        <a:schemeClr val="tx1"/>
-                      </a:solidFill>
-                      <a:prstDash val="solid"/>
-                    </a:lnT>
-                    <a:lnB w="12700">
-                      <a:solidFill>
-                        <a:schemeClr val="tx1"/>
-                      </a:solidFill>
-                      <a:prstDash val="solid"/>
-                    </a:lnB>
-                    <a:noFill/>
-                  </a:tcPr>
-                </a:tc>
-                <a:tc>
-                  <a:txBody>
-                    <a:bodyPr/>
-                    <a:p>
-                      <a:r>
-                        <a:rPr lang="en-US" altLang="zh-CN" sz="1100">
-                          <a:solidFill>
-                            <a:schemeClr val="tx2"/>
-                          </a:solidFill>
-                        </a:rPr>
-                        <a:t>Yox</a:t>
-                      </a:r>
-                      <a:endParaRPr lang="en-US" altLang="zh-CN" sz="1100">
-                        <a:solidFill>
-                          <a:schemeClr val="tx2"/>
-                        </a:solidFill>
-                      </a:endParaRPr>
-                    </a:p>
-                  </a:txBody>
-                  <a:tcPr anchor="ctr" anchorCtr="0">
-                    <a:lnL w="12700">
-                      <a:solidFill>
-                        <a:schemeClr val="tx1"/>
-                      </a:solidFill>
-                      <a:prstDash val="solid"/>
-                    </a:lnL>
-                    <a:lnR w="12700">
-                      <a:solidFill>
-                        <a:schemeClr val="tx1"/>
-                      </a:solidFill>
-                      <a:prstDash val="solid"/>
-                    </a:lnR>
-                    <a:lnT w="12700">
-                      <a:solidFill>
-                        <a:schemeClr val="tx1"/>
-                      </a:solidFill>
-                      <a:prstDash val="solid"/>
-                    </a:lnT>
-                    <a:lnB w="12700">
-                      <a:solidFill>
-                        <a:schemeClr val="tx1"/>
-                      </a:solidFill>
-                      <a:prstDash val="solid"/>
-                    </a:lnB>
-                    <a:noFill/>
-                  </a:tcPr>
-                </a:tc>
-                <a:tc>
-                  <a:txBody>
-                    <a:bodyPr/>
-                    <a:p>
-                      <a:r>
-                        <a:rPr lang="en-US" altLang="zh-CN" sz="1100">
-                          <a:solidFill>
-                            <a:schemeClr val="tx2"/>
-                          </a:solidFill>
-                        </a:rPr>
-                        <a:t>Yox</a:t>
-                      </a:r>
-                      <a:endParaRPr lang="en-US" altLang="zh-CN" sz="1100">
-                        <a:solidFill>
-                          <a:schemeClr val="tx2"/>
-                        </a:solidFill>
-                      </a:endParaRPr>
-                    </a:p>
-                  </a:txBody>
-                  <a:tcPr anchor="ctr" anchorCtr="0">
-                    <a:lnL w="12700">
-                      <a:solidFill>
-                        <a:schemeClr val="tx1"/>
-                      </a:solidFill>
-                      <a:prstDash val="solid"/>
-                    </a:lnL>
-                    <a:lnR w="12700">
-                      <a:solidFill>
-                        <a:schemeClr val="tx1"/>
-                      </a:solidFill>
-                      <a:prstDash val="solid"/>
-                    </a:lnR>
-                    <a:lnT w="12700">
-                      <a:solidFill>
-                        <a:schemeClr val="tx1"/>
-                      </a:solidFill>
-                      <a:prstDash val="solid"/>
-                    </a:lnT>
-                    <a:lnB w="12700">
-                      <a:solidFill>
-                        <a:schemeClr val="tx1"/>
-                      </a:solidFill>
-                      <a:prstDash val="solid"/>
-                    </a:lnB>
-                    <a:noFill/>
-                  </a:tcPr>
-                </a:tc>
-                <a:tc>
-                  <a:txBody>
-                    <a:bodyPr/>
-                    <a:p>
-                      <a:r>
-                        <a:rPr lang="en-US" altLang="zh-CN" sz="1100">
-                          <a:solidFill>
-                            <a:schemeClr val="tx2"/>
-                          </a:solidFill>
-                        </a:rPr>
-                        <a:t>Bəli</a:t>
-                      </a:r>
-                      <a:endParaRPr lang="en-US" altLang="zh-CN" sz="1100">
-                        <a:solidFill>
-                          <a:schemeClr val="tx2"/>
-                        </a:solidFill>
-                      </a:endParaRPr>
-                    </a:p>
-                  </a:txBody>
-                  <a:tcPr anchor="ctr" anchorCtr="0">
-                    <a:lnL w="12700">
-                      <a:solidFill>
-                        <a:schemeClr val="tx1"/>
-                      </a:solidFill>
-                      <a:prstDash val="solid"/>
-                    </a:lnL>
-                    <a:lnR w="12700">
-                      <a:solidFill>
-                        <a:schemeClr val="tx1"/>
-                      </a:solidFill>
-                      <a:prstDash val="solid"/>
-                    </a:lnR>
-                    <a:lnT w="12700">
-                      <a:solidFill>
-                        <a:schemeClr val="tx1"/>
-                      </a:solidFill>
-                      <a:prstDash val="solid"/>
-                    </a:lnT>
-                    <a:lnB w="12700">
-                      <a:solidFill>
-                        <a:schemeClr val="tx1"/>
-                      </a:solidFill>
-                      <a:prstDash val="solid"/>
-                    </a:lnB>
-                    <a:noFill/>
-                  </a:tcPr>
-                </a:tc>
-              </a:tr>
-              <a:tr h="410210">
-                <a:tc>
-                  <a:txBody>
-                    <a:bodyPr/>
-                    <a:p>
-                      <a:r>
-                        <a:rPr lang="en-US" altLang="zh-CN" sz="1100">
-                          <a:solidFill>
-                            <a:schemeClr val="tx2"/>
-                          </a:solidFill>
-                        </a:rPr>
-                        <a:t>Hesablama mürəkkəbliyi</a:t>
-                      </a:r>
-                      <a:endParaRPr lang="en-US" altLang="zh-CN" sz="1100">
-                        <a:solidFill>
-                          <a:schemeClr val="tx2"/>
-                        </a:solidFill>
-                      </a:endParaRPr>
-                    </a:p>
-                  </a:txBody>
-                  <a:tcPr anchor="ctr" anchorCtr="0">
-                    <a:lnL w="12700">
-                      <a:solidFill>
-                        <a:schemeClr val="tx1"/>
-                      </a:solidFill>
-                      <a:prstDash val="solid"/>
-                    </a:lnL>
-                    <a:lnR w="12700">
-                      <a:solidFill>
-                        <a:schemeClr val="tx1"/>
-                      </a:solidFill>
-                      <a:prstDash val="solid"/>
-                    </a:lnR>
-                    <a:lnT w="12700">
-                      <a:solidFill>
-                        <a:schemeClr val="tx1"/>
-                      </a:solidFill>
-                      <a:prstDash val="solid"/>
-                    </a:lnT>
-                    <a:lnB w="12700">
-                      <a:solidFill>
-                        <a:schemeClr val="tx1"/>
-                      </a:solidFill>
-                      <a:prstDash val="solid"/>
-                    </a:lnB>
-                    <a:noFill/>
-                  </a:tcPr>
-                </a:tc>
-                <a:tc>
-                  <a:txBody>
-                    <a:bodyPr/>
-                    <a:p>
-                      <a:r>
-                        <a:rPr lang="en-US" altLang="zh-CN" sz="1100">
-                          <a:solidFill>
-                            <a:schemeClr val="tx2"/>
-                          </a:solidFill>
-                        </a:rPr>
-                        <a:t>Orta (exp)</a:t>
-                      </a:r>
-                      <a:endParaRPr lang="en-US" altLang="zh-CN" sz="1100">
-                        <a:solidFill>
-                          <a:schemeClr val="tx2"/>
-                        </a:solidFill>
-                      </a:endParaRPr>
-                    </a:p>
-                  </a:txBody>
-                  <a:tcPr anchor="ctr" anchorCtr="0">
-                    <a:lnL w="12700">
-                      <a:solidFill>
-                        <a:schemeClr val="tx1"/>
-                      </a:solidFill>
-                      <a:prstDash val="solid"/>
-                    </a:lnL>
-                    <a:lnR w="12700">
-                      <a:solidFill>
-                        <a:schemeClr val="tx1"/>
-                      </a:solidFill>
-                      <a:prstDash val="solid"/>
-                    </a:lnR>
-                    <a:lnT w="12700">
-                      <a:solidFill>
-                        <a:schemeClr val="tx1"/>
-                      </a:solidFill>
-                      <a:prstDash val="solid"/>
-                    </a:lnT>
-                    <a:lnB w="12700">
-                      <a:solidFill>
-                        <a:schemeClr val="tx1"/>
-                      </a:solidFill>
-                      <a:prstDash val="solid"/>
-                    </a:lnB>
-                    <a:noFill/>
-                  </a:tcPr>
-                </a:tc>
-                <a:tc>
-                  <a:txBody>
-                    <a:bodyPr/>
-                    <a:p>
-                      <a:r>
-                        <a:rPr lang="en-US" altLang="zh-CN" sz="1100">
-                          <a:solidFill>
-                            <a:schemeClr val="tx2"/>
-                          </a:solidFill>
-                        </a:rPr>
-                        <a:t>Orta (exp)</a:t>
-                      </a:r>
-                      <a:endParaRPr lang="en-US" altLang="zh-CN" sz="1100">
-                        <a:solidFill>
-                          <a:schemeClr val="tx2"/>
-                        </a:solidFill>
-                      </a:endParaRPr>
-                    </a:p>
-                  </a:txBody>
-                  <a:tcPr anchor="ctr" anchorCtr="0">
-                    <a:lnL w="12700">
-                      <a:solidFill>
-                        <a:schemeClr val="tx1"/>
-                      </a:solidFill>
-                      <a:prstDash val="solid"/>
-                    </a:lnL>
-                    <a:lnR w="12700">
-                      <a:solidFill>
-                        <a:schemeClr val="tx1"/>
-                      </a:solidFill>
-                      <a:prstDash val="solid"/>
-                    </a:lnR>
-                    <a:lnT w="12700">
-                      <a:solidFill>
-                        <a:schemeClr val="tx1"/>
-                      </a:solidFill>
-                      <a:prstDash val="solid"/>
-                    </a:lnT>
-                    <a:lnB w="12700">
-                      <a:solidFill>
-                        <a:schemeClr val="tx1"/>
-                      </a:solidFill>
-                      <a:prstDash val="solid"/>
-                    </a:lnB>
-                    <a:noFill/>
-                  </a:tcPr>
-                </a:tc>
-                <a:tc>
-                  <a:txBody>
-                    <a:bodyPr/>
-                    <a:p>
-                      <a:r>
-                        <a:rPr lang="en-US" altLang="zh-CN" sz="1100">
-                          <a:solidFill>
-                            <a:schemeClr val="tx2"/>
-                          </a:solidFill>
-                        </a:rPr>
-                        <a:t>Aşağı (maksimum)</a:t>
-                      </a:r>
-                      <a:endParaRPr lang="en-US" altLang="zh-CN" sz="1100">
-                        <a:solidFill>
-                          <a:schemeClr val="tx2"/>
-                        </a:solidFill>
-                      </a:endParaRPr>
-                    </a:p>
-                  </a:txBody>
-                  <a:tcPr anchor="ctr" anchorCtr="0">
-                    <a:lnL w="12700">
-                      <a:solidFill>
-                        <a:schemeClr val="tx1"/>
-                      </a:solidFill>
-                      <a:prstDash val="solid"/>
-                    </a:lnL>
-                    <a:lnR w="12700">
-                      <a:solidFill>
-                        <a:schemeClr val="tx1"/>
-                      </a:solidFill>
-                      <a:prstDash val="solid"/>
-                    </a:lnR>
-                    <a:lnT w="12700">
-                      <a:solidFill>
-                        <a:schemeClr val="tx1"/>
-                      </a:solidFill>
-                      <a:prstDash val="solid"/>
-                    </a:lnT>
-                    <a:lnB w="12700">
-                      <a:solidFill>
-                        <a:schemeClr val="tx1"/>
-                      </a:solidFill>
-                      <a:prstDash val="solid"/>
-                    </a:lnB>
-                    <a:noFill/>
-                  </a:tcPr>
-                </a:tc>
-              </a:tr>
-              <a:tr h="410210">
-                <a:tc>
-                  <a:txBody>
-                    <a:bodyPr/>
-                    <a:p>
-                      <a:r>
-                        <a:rPr lang="en-US" altLang="zh-CN" sz="1100">
-                          <a:solidFill>
-                            <a:schemeClr val="tx2"/>
-                          </a:solidFill>
-                        </a:rPr>
-                        <a:t>Tətbiq sahələri</a:t>
-                      </a:r>
-                      <a:endParaRPr lang="en-US" altLang="zh-CN" sz="1100">
-                        <a:solidFill>
-                          <a:schemeClr val="tx2"/>
-                        </a:solidFill>
-                      </a:endParaRPr>
-                    </a:p>
-                  </a:txBody>
-                  <a:tcPr anchor="ctr" anchorCtr="0">
-                    <a:lnL w="12700">
-                      <a:solidFill>
-                        <a:schemeClr val="tx1"/>
-                      </a:solidFill>
-                      <a:prstDash val="solid"/>
-                    </a:lnL>
-                    <a:lnR w="12700">
-                      <a:solidFill>
-                        <a:schemeClr val="tx1"/>
-                      </a:solidFill>
-                      <a:prstDash val="solid"/>
-                    </a:lnR>
-                    <a:lnT w="12700">
-                      <a:solidFill>
-                        <a:schemeClr val="tx1"/>
-                      </a:solidFill>
-                      <a:prstDash val="solid"/>
-                    </a:lnT>
-                    <a:lnB w="12700">
-                      <a:solidFill>
-                        <a:schemeClr val="tx1"/>
-                      </a:solidFill>
-                      <a:prstDash val="solid"/>
-                    </a:lnB>
-                    <a:noFill/>
-                  </a:tcPr>
-                </a:tc>
-                <a:tc>
-                  <a:txBody>
-                    <a:bodyPr/>
-                    <a:p>
-                      <a:r>
-                        <a:rPr lang="en-US" altLang="zh-CN" sz="1100">
-                          <a:solidFill>
-                            <a:schemeClr val="tx2"/>
-                          </a:solidFill>
-                        </a:rPr>
-                        <a:t>Çıxış, LSTM qapıları</a:t>
-                      </a:r>
-                      <a:endParaRPr lang="en-US" altLang="zh-CN" sz="1100">
-                        <a:solidFill>
-                          <a:schemeClr val="tx2"/>
-                        </a:solidFill>
-                      </a:endParaRPr>
-                    </a:p>
-                  </a:txBody>
-                  <a:tcPr anchor="ctr" anchorCtr="0">
-                    <a:lnL w="12700">
-                      <a:solidFill>
-                        <a:schemeClr val="tx1"/>
-                      </a:solidFill>
-                      <a:prstDash val="solid"/>
-                    </a:lnL>
-                    <a:lnR w="12700">
-                      <a:solidFill>
-                        <a:schemeClr val="tx1"/>
-                      </a:solidFill>
-                      <a:prstDash val="solid"/>
-                    </a:lnR>
-                    <a:lnT w="12700">
-                      <a:solidFill>
-                        <a:schemeClr val="tx1"/>
-                      </a:solidFill>
-                      <a:prstDash val="solid"/>
-                    </a:lnT>
-                    <a:lnB w="12700">
-                      <a:solidFill>
-                        <a:schemeClr val="tx1"/>
-                      </a:solidFill>
-                      <a:prstDash val="solid"/>
-                    </a:lnB>
-                    <a:noFill/>
-                  </a:tcPr>
-                </a:tc>
-                <a:tc>
-                  <a:txBody>
-                    <a:bodyPr/>
-                    <a:p>
-                      <a:r>
-                        <a:rPr lang="en-US" altLang="zh-CN" sz="1100">
-                          <a:solidFill>
-                            <a:schemeClr val="tx2"/>
-                          </a:solidFill>
-                        </a:rPr>
-                        <a:t>RNN, LSTM daxili qat</a:t>
-                      </a:r>
-                      <a:endParaRPr lang="en-US" altLang="zh-CN" sz="1100">
-                        <a:solidFill>
-                          <a:schemeClr val="tx2"/>
-                        </a:solidFill>
-                      </a:endParaRPr>
-                    </a:p>
-                  </a:txBody>
-                  <a:tcPr anchor="ctr" anchorCtr="0">
-                    <a:lnL w="12700">
-                      <a:solidFill>
-                        <a:schemeClr val="tx1"/>
-                      </a:solidFill>
-                      <a:prstDash val="solid"/>
-                    </a:lnL>
-                    <a:lnR w="12700">
-                      <a:solidFill>
-                        <a:schemeClr val="tx1"/>
-                      </a:solidFill>
-                      <a:prstDash val="solid"/>
-                    </a:lnR>
-                    <a:lnT w="12700">
-                      <a:solidFill>
-                        <a:schemeClr val="tx1"/>
-                      </a:solidFill>
-                      <a:prstDash val="solid"/>
-                    </a:lnT>
-                    <a:lnB w="12700">
-                      <a:solidFill>
-                        <a:schemeClr val="tx1"/>
-                      </a:solidFill>
-                      <a:prstDash val="solid"/>
-                    </a:lnB>
-                    <a:noFill/>
-                  </a:tcPr>
-                </a:tc>
-                <a:tc>
-                  <a:txBody>
-                    <a:bodyPr/>
-                    <a:p>
-                      <a:r>
-                        <a:rPr lang="en-US" altLang="zh-CN" sz="1100">
-                          <a:solidFill>
-                            <a:schemeClr val="tx2"/>
-                          </a:solidFill>
-                        </a:rPr>
-                        <a:t>Dərin gizli qatlar</a:t>
-                      </a:r>
-                      <a:endParaRPr lang="en-US" altLang="zh-CN" sz="1100">
-                        <a:solidFill>
-                          <a:schemeClr val="tx2"/>
-                        </a:solidFill>
-                      </a:endParaRPr>
-                    </a:p>
-                  </a:txBody>
-                  <a:tcPr anchor="ctr" anchorCtr="0">
-                    <a:lnL w="12700">
-                      <a:solidFill>
-                        <a:schemeClr val="tx1"/>
-                      </a:solidFill>
-                      <a:prstDash val="solid"/>
-                    </a:lnL>
-                    <a:lnR w="12700">
-                      <a:solidFill>
-                        <a:schemeClr val="tx1"/>
-                      </a:solidFill>
-                      <a:prstDash val="solid"/>
-                    </a:lnR>
-                    <a:lnT w="12700">
-                      <a:solidFill>
-                        <a:schemeClr val="tx1"/>
-                      </a:solidFill>
-                      <a:prstDash val="solid"/>
-                    </a:lnT>
-                    <a:lnB w="12700">
-                      <a:solidFill>
-                        <a:schemeClr val="tx1"/>
-                      </a:solidFill>
-                      <a:prstDash val="solid"/>
-                    </a:lnB>
-                    <a:noFill/>
-                  </a:tcPr>
-                </a:tc>
-              </a:tr>
-            </a:tbl>
-          </a:graphicData>
-        </a:graphic>
-      </p:graphicFrame>
+      <p:pic>
+        <p:nvPicPr>
+          <p:cNvPr id="4" name="Изображение 3" descr="comparison"/>
+          <p:cNvPicPr>
+            <a:picLocks noChangeAspect="1"/>
+          </p:cNvPicPr>
+          <p:nvPr/>
+        </p:nvPicPr>
+        <p:blipFill>
+          <a:blip r:embed="rId3"/>
+          <a:stretch>
+            <a:fillRect/>
+          </a:stretch>
+        </p:blipFill>
+        <p:spPr>
+          <a:xfrm>
+            <a:off x="635" y="1464310"/>
+            <a:ext cx="9143365" cy="3048000"/>
+          </a:xfrm>
+          <a:prstGeom prst="rect">
+            <a:avLst/>
+          </a:prstGeom>
+        </p:spPr>
+      </p:pic>
+      <p:sp>
+        <p:nvSpPr>
+          <p:cNvPr id="6" name="Текстовое поле 5"/>
+          <p:cNvSpPr txBox="1"/>
+          <p:nvPr/>
+        </p:nvSpPr>
+        <p:spPr>
+          <a:xfrm>
+            <a:off x="382905" y="789305"/>
+            <a:ext cx="8232140" cy="594995"/>
+          </a:xfrm>
+          <a:prstGeom prst="rect">
+            <a:avLst/>
+          </a:prstGeom>
+          <a:solidFill>
+            <a:schemeClr val="bg1"/>
+          </a:solidFill>
+        </p:spPr>
+        <p:txBody>
+          <a:bodyPr wrap="square" rtlCol="0" anchor="t">
+            <a:noAutofit/>
+          </a:bodyPr>
+          <a:p>
+            <a:pPr marL="0" lvl="0" indent="0" algn="l">
+              <a:buFont typeface="Arial" panose="020B0604020202020204" pitchFamily="34" charset="0"/>
+              <a:buNone/>
+            </a:pPr>
+            <a:r>
+              <a:rPr lang="en-US" altLang="ru-RU" sz="1600">
+                <a:solidFill>
+                  <a:schemeClr val="tx2"/>
+                </a:solidFill>
+                <a:latin typeface="+mj-lt"/>
+                <a:cs typeface="+mj-lt"/>
+              </a:rPr>
+              <a:t>Bu sad</a:t>
+            </a:r>
+            <a:r>
+              <a:rPr lang="" altLang="en-US" sz="1600">
+                <a:solidFill>
+                  <a:schemeClr val="tx2"/>
+                </a:solidFill>
+                <a:latin typeface="+mj-lt"/>
+                <a:cs typeface="+mj-lt"/>
+              </a:rPr>
+              <a:t>ə</a:t>
+            </a:r>
+            <a:r>
+              <a:rPr lang="en-US" altLang="ru-RU" sz="1600">
+                <a:solidFill>
+                  <a:schemeClr val="tx2"/>
+                </a:solidFill>
+                <a:latin typeface="+mj-lt"/>
+                <a:cs typeface="+mj-lt"/>
+              </a:rPr>
+              <a:t> PyTorch modeli Sigmoid, Tanh v</a:t>
+            </a:r>
+            <a:r>
+              <a:rPr lang="" altLang="en-US" sz="1600">
+                <a:solidFill>
+                  <a:schemeClr val="tx2"/>
+                </a:solidFill>
+                <a:latin typeface="+mj-lt"/>
+                <a:cs typeface="+mj-lt"/>
+              </a:rPr>
+              <a:t>ə</a:t>
+            </a:r>
+            <a:r>
+              <a:rPr lang="en-US" altLang="ru-RU" sz="1600">
+                <a:solidFill>
+                  <a:schemeClr val="tx2"/>
+                </a:solidFill>
+                <a:latin typeface="+mj-lt"/>
+                <a:cs typeface="+mj-lt"/>
+              </a:rPr>
+              <a:t> ReLU aktivasiya funksiyalar</a:t>
+            </a:r>
+            <a:r>
+              <a:rPr lang="" altLang="en-US" sz="1600">
+                <a:solidFill>
+                  <a:schemeClr val="tx2"/>
+                </a:solidFill>
+                <a:latin typeface="+mj-lt"/>
+                <a:cs typeface="+mj-lt"/>
+              </a:rPr>
+              <a:t>ı</a:t>
+            </a:r>
+            <a:r>
+              <a:rPr lang="en-US" altLang="ru-RU" sz="1600">
+                <a:solidFill>
+                  <a:schemeClr val="tx2"/>
+                </a:solidFill>
+                <a:latin typeface="+mj-lt"/>
+                <a:cs typeface="+mj-lt"/>
+              </a:rPr>
+              <a:t>n</a:t>
+            </a:r>
+            <a:r>
+              <a:rPr lang="" altLang="en-US" sz="1600">
+                <a:solidFill>
+                  <a:schemeClr val="tx2"/>
+                </a:solidFill>
+                <a:latin typeface="+mj-lt"/>
+                <a:cs typeface="+mj-lt"/>
+              </a:rPr>
+              <a:t>ı</a:t>
+            </a:r>
+            <a:r>
+              <a:rPr lang="en-US" altLang="ru-RU" sz="1600">
+                <a:solidFill>
+                  <a:schemeClr val="tx2"/>
+                </a:solidFill>
+                <a:latin typeface="+mj-lt"/>
+                <a:cs typeface="+mj-lt"/>
+              </a:rPr>
+              <a:t>n </a:t>
+            </a:r>
+            <a:r>
+              <a:rPr lang="en-US" altLang="en-US" sz="1600">
+                <a:solidFill>
+                  <a:schemeClr val="tx2"/>
+                </a:solidFill>
+                <a:latin typeface="+mj-lt"/>
+                <a:cs typeface="+mj-lt"/>
+              </a:rPr>
+              <a:t>ö</a:t>
+            </a:r>
+            <a:r>
+              <a:rPr lang="en-US" altLang="ru-RU" sz="1600">
+                <a:solidFill>
+                  <a:schemeClr val="tx2"/>
+                </a:solidFill>
+                <a:latin typeface="+mj-lt"/>
+                <a:cs typeface="+mj-lt"/>
+              </a:rPr>
+              <a:t>yr</a:t>
+            </a:r>
+            <a:r>
+              <a:rPr lang="" altLang="en-US" sz="1600">
+                <a:solidFill>
+                  <a:schemeClr val="tx2"/>
+                </a:solidFill>
+                <a:latin typeface="+mj-lt"/>
+                <a:cs typeface="+mj-lt"/>
+              </a:rPr>
+              <a:t>ə</a:t>
+            </a:r>
+            <a:r>
+              <a:rPr lang="en-US" altLang="ru-RU" sz="1600">
+                <a:solidFill>
+                  <a:schemeClr val="tx2"/>
+                </a:solidFill>
+                <a:latin typeface="+mj-lt"/>
+                <a:cs typeface="+mj-lt"/>
+              </a:rPr>
+              <a:t>nm</a:t>
+            </a:r>
+            <a:r>
+              <a:rPr lang="" altLang="en-US" sz="1600">
+                <a:solidFill>
+                  <a:schemeClr val="tx2"/>
+                </a:solidFill>
+                <a:latin typeface="+mj-lt"/>
+                <a:cs typeface="+mj-lt"/>
+              </a:rPr>
+              <a:t>ə</a:t>
+            </a:r>
+            <a:r>
+              <a:rPr lang="en-US" altLang="ru-RU" sz="1600">
+                <a:solidFill>
+                  <a:schemeClr val="tx2"/>
+                </a:solidFill>
+                <a:latin typeface="+mj-lt"/>
+                <a:cs typeface="+mj-lt"/>
+              </a:rPr>
+              <a:t> n</a:t>
+            </a:r>
+            <a:r>
+              <a:rPr lang="" altLang="en-US" sz="1600">
+                <a:solidFill>
+                  <a:schemeClr val="tx2"/>
+                </a:solidFill>
+                <a:latin typeface="+mj-lt"/>
+                <a:cs typeface="+mj-lt"/>
+              </a:rPr>
+              <a:t>ə</a:t>
+            </a:r>
+            <a:r>
+              <a:rPr lang="en-US" altLang="ru-RU" sz="1600">
+                <a:solidFill>
+                  <a:schemeClr val="tx2"/>
+                </a:solidFill>
+                <a:latin typeface="+mj-lt"/>
+                <a:cs typeface="+mj-lt"/>
+              </a:rPr>
+              <a:t>tic</a:t>
+            </a:r>
+            <a:r>
+              <a:rPr lang="" altLang="en-US" sz="1600">
+                <a:solidFill>
+                  <a:schemeClr val="tx2"/>
+                </a:solidFill>
+                <a:latin typeface="+mj-lt"/>
+                <a:cs typeface="+mj-lt"/>
+              </a:rPr>
+              <a:t>ə</a:t>
+            </a:r>
+            <a:r>
+              <a:rPr lang="en-US" altLang="ru-RU" sz="1600">
+                <a:solidFill>
+                  <a:schemeClr val="tx2"/>
+                </a:solidFill>
+                <a:latin typeface="+mj-lt"/>
+                <a:cs typeface="+mj-lt"/>
+              </a:rPr>
+              <a:t>l</a:t>
+            </a:r>
+            <a:r>
+              <a:rPr lang="" altLang="en-US" sz="1600">
+                <a:solidFill>
+                  <a:schemeClr val="tx2"/>
+                </a:solidFill>
+                <a:latin typeface="+mj-lt"/>
+                <a:cs typeface="+mj-lt"/>
+              </a:rPr>
+              <a:t>ə</a:t>
+            </a:r>
+            <a:r>
+              <a:rPr lang="en-US" altLang="ru-RU" sz="1600">
+                <a:solidFill>
+                  <a:schemeClr val="tx2"/>
+                </a:solidFill>
+                <a:latin typeface="+mj-lt"/>
+                <a:cs typeface="+mj-lt"/>
+              </a:rPr>
+              <a:t>rini m</a:t>
+            </a:r>
+            <a:r>
+              <a:rPr lang="en-US" altLang="en-US" sz="1600">
+                <a:solidFill>
+                  <a:schemeClr val="tx2"/>
+                </a:solidFill>
+                <a:latin typeface="+mj-lt"/>
+                <a:cs typeface="+mj-lt"/>
+              </a:rPr>
+              <a:t>ü</a:t>
+            </a:r>
+            <a:r>
+              <a:rPr lang="en-US" altLang="ru-RU" sz="1600">
+                <a:solidFill>
+                  <a:schemeClr val="tx2"/>
+                </a:solidFill>
+                <a:latin typeface="+mj-lt"/>
+                <a:cs typeface="+mj-lt"/>
+              </a:rPr>
+              <a:t>qayis</a:t>
+            </a:r>
+            <a:r>
+              <a:rPr lang="" altLang="en-US" sz="1600">
+                <a:solidFill>
+                  <a:schemeClr val="tx2"/>
+                </a:solidFill>
+                <a:latin typeface="+mj-lt"/>
+                <a:cs typeface="+mj-lt"/>
+              </a:rPr>
+              <a:t>ə</a:t>
+            </a:r>
+            <a:r>
+              <a:rPr lang="en-US" altLang="ru-RU" sz="1600">
+                <a:solidFill>
+                  <a:schemeClr val="tx2"/>
+                </a:solidFill>
+                <a:latin typeface="+mj-lt"/>
+                <a:cs typeface="+mj-lt"/>
+              </a:rPr>
+              <a:t> edir.</a:t>
+            </a:r>
+            <a:endParaRPr lang="en-US" altLang="ru-RU" sz="1600">
+              <a:solidFill>
+                <a:schemeClr val="tx2"/>
+              </a:solidFill>
+              <a:latin typeface="+mj-lt"/>
+              <a:cs typeface="+mj-lt"/>
+            </a:endParaRPr>
+          </a:p>
+        </p:txBody>
+      </p:sp>
     </p:spTree>
   </p:cSld>
   <p:clrMapOvr>
@@ -29936,13 +28534,6 @@
 <file path=ppt/tags/tag1.xml><?xml version="1.0" encoding="utf-8"?>
 <p:tagLst xmlns:p="http://schemas.openxmlformats.org/presentationml/2006/main">
   <p:tag name="KSO_WM_DIAGRAM_VIRTUALLY_FRAME" val="{&quot;height&quot;:323.26251968503936,&quot;left&quot;:362.435748031496,&quot;top&quot;:30.507716535433065,&quot;width&quot;:308.5927559055118}"/>
-</p:tagLst>
-</file>
-
-<file path=ppt/tags/tag10.xml><?xml version="1.0" encoding="utf-8"?>
-<p:tagLst xmlns:p="http://schemas.openxmlformats.org/presentationml/2006/main">
-  <p:tag name="TABLE_ENDDRAG_ORIGIN_RECT" val="648*290"/>
-  <p:tag name="TABLE_ENDDRAG_RECT" val="30*61*648*290"/>
 </p:tagLst>
 </file>
 
@@ -30767,7 +29358,7 @@
 </s:customData>
 </file>
 
-<file path=customXml/itemProps11.xml><?xml version="1.0" encoding="utf-8"?>
+<file path=customXml/itemProps10.xml><?xml version="1.0" encoding="utf-8"?>
 <ds:datastoreItem xmlns:ds="http://schemas.openxmlformats.org/officeDocument/2006/customXml" ds:itemID="s:customData">
   <ds:schemaRefs>
     <ds:schemaRef ds:uri="http://www.wps.cn/officeDocument/2013/wpsCustomData"/>

--- a/ann.pptx
+++ b/ann.pptx
@@ -5,35 +5,34 @@
     <p:sldMasterId id="2147483648" r:id="rId1"/>
   </p:sldMasterIdLst>
   <p:notesMasterIdLst>
-    <p:notesMasterId r:id="rId13"/>
+    <p:notesMasterId r:id="rId12"/>
   </p:notesMasterIdLst>
   <p:handoutMasterIdLst>
-    <p:handoutMasterId r:id="rId27"/>
+    <p:handoutMasterId r:id="rId26"/>
   </p:handoutMasterIdLst>
   <p:sldIdLst>
     <p:sldId id="302" r:id="rId3"/>
-    <p:sldId id="535" r:id="rId4"/>
-    <p:sldId id="2347" r:id="rId5"/>
-    <p:sldId id="2348" r:id="rId6"/>
-    <p:sldId id="2349" r:id="rId7"/>
-    <p:sldId id="2350" r:id="rId8"/>
-    <p:sldId id="2352" r:id="rId9"/>
-    <p:sldId id="2353" r:id="rId10"/>
-    <p:sldId id="2354" r:id="rId11"/>
-    <p:sldId id="2356" r:id="rId12"/>
-    <p:sldId id="2357" r:id="rId14"/>
-    <p:sldId id="2358" r:id="rId15"/>
-    <p:sldId id="2360" r:id="rId16"/>
-    <p:sldId id="2368" r:id="rId17"/>
-    <p:sldId id="2361" r:id="rId18"/>
-    <p:sldId id="2370" r:id="rId19"/>
-    <p:sldId id="2362" r:id="rId20"/>
-    <p:sldId id="2371" r:id="rId21"/>
-    <p:sldId id="2372" r:id="rId22"/>
-    <p:sldId id="2364" r:id="rId23"/>
-    <p:sldId id="2366" r:id="rId24"/>
-    <p:sldId id="2374" r:id="rId25"/>
-    <p:sldId id="2319" r:id="rId26"/>
+    <p:sldId id="2347" r:id="rId4"/>
+    <p:sldId id="2348" r:id="rId5"/>
+    <p:sldId id="2349" r:id="rId6"/>
+    <p:sldId id="2350" r:id="rId7"/>
+    <p:sldId id="2352" r:id="rId8"/>
+    <p:sldId id="2353" r:id="rId9"/>
+    <p:sldId id="2354" r:id="rId10"/>
+    <p:sldId id="2356" r:id="rId11"/>
+    <p:sldId id="2357" r:id="rId13"/>
+    <p:sldId id="2358" r:id="rId14"/>
+    <p:sldId id="2360" r:id="rId15"/>
+    <p:sldId id="2368" r:id="rId16"/>
+    <p:sldId id="2361" r:id="rId17"/>
+    <p:sldId id="2370" r:id="rId18"/>
+    <p:sldId id="2362" r:id="rId19"/>
+    <p:sldId id="2371" r:id="rId20"/>
+    <p:sldId id="2372" r:id="rId21"/>
+    <p:sldId id="2364" r:id="rId22"/>
+    <p:sldId id="2366" r:id="rId23"/>
+    <p:sldId id="2374" r:id="rId24"/>
+    <p:sldId id="2319" r:id="rId25"/>
   </p:sldIdLst>
   <p:sldSz cx="9144000" cy="5143500" type="screen16x9"/>
   <p:notesSz cx="6858000" cy="9144000"/>
@@ -3894,1837 +3893,22 @@
   <p:clrMapOvr>
     <a:masterClrMapping/>
   </p:clrMapOvr>
+  <mc:AlternateContent xmlns:mc="http://schemas.openxmlformats.org/markup-compatibility/2006" xmlns:p159="http://schemas.microsoft.com/office/powerpoint/2015/09/main">
+    <mc:Choice Requires="p159">
+      <p:transition xmlns:p14="http://schemas.microsoft.com/office/powerpoint/2010/main" spd="slow" p14:dur="2000">
+        <p159:morph option="byObject"/>
+      </p:transition>
+    </mc:Choice>
+    <mc:Fallback>
+      <p:transition spd="slow">
+        <p:fade/>
+      </p:transition>
+    </mc:Fallback>
+  </mc:AlternateContent>
 </p:sld>
 </file>
 
 <file path=ppt/slides/slide10.xml><?xml version="1.0" encoding="utf-8"?>
-<p:sld xmlns:a="http://schemas.openxmlformats.org/drawingml/2006/main" xmlns:r="http://schemas.openxmlformats.org/officeDocument/2006/relationships" xmlns:p="http://schemas.openxmlformats.org/presentationml/2006/main">
-  <p:cSld>
-    <p:spTree>
-      <p:nvGrpSpPr>
-        <p:cNvPr id="1" name=""/>
-        <p:cNvGrpSpPr/>
-        <p:nvPr/>
-      </p:nvGrpSpPr>
-      <p:grpSpPr/>
-      <p:sp>
-        <p:nvSpPr>
-          <p:cNvPr id="2" name="Текстовое поле 1"/>
-          <p:cNvSpPr txBox="1"/>
-          <p:nvPr/>
-        </p:nvSpPr>
-        <p:spPr>
-          <a:xfrm>
-            <a:off x="382905" y="781685"/>
-            <a:ext cx="8302625" cy="3304540"/>
-          </a:xfrm>
-          <a:prstGeom prst="rect">
-            <a:avLst/>
-          </a:prstGeom>
-          <a:solidFill>
-            <a:schemeClr val="bg1"/>
-          </a:solidFill>
-        </p:spPr>
-        <p:txBody>
-          <a:bodyPr wrap="square" rtlCol="0" anchor="t">
-            <a:noAutofit/>
-          </a:bodyPr>
-          <a:p>
-            <a:pPr marL="0" lvl="0" indent="0" algn="just">
-              <a:buFont typeface="Arial" panose="020B0604020202020204" pitchFamily="34" charset="0"/>
-              <a:buNone/>
-            </a:pPr>
-            <a:r>
-              <a:rPr lang="en-US" altLang="ru-RU" sz="1600" b="1">
-                <a:solidFill>
-                  <a:schemeClr val="tx2"/>
-                </a:solidFill>
-                <a:latin typeface="+mj-lt"/>
-                <a:cs typeface="+mj-lt"/>
-              </a:rPr>
-              <a:t>Backpropagation alqoritmi </a:t>
-            </a:r>
-            <a:r>
-              <a:rPr lang="en-US" altLang="ru-RU" sz="1600">
-                <a:solidFill>
-                  <a:schemeClr val="tx2"/>
-                </a:solidFill>
-                <a:latin typeface="+mj-lt"/>
-                <a:cs typeface="+mj-lt"/>
-              </a:rPr>
-              <a:t>– neyron </a:t>
-            </a:r>
-            <a:r>
-              <a:rPr lang="en-US" altLang="en-US" sz="1600">
-                <a:solidFill>
-                  <a:schemeClr val="tx2"/>
-                </a:solidFill>
-                <a:latin typeface="+mj-lt"/>
-                <a:cs typeface="+mj-lt"/>
-              </a:rPr>
-              <a:t>şə</a:t>
-            </a:r>
-            <a:r>
-              <a:rPr lang="en-US" altLang="ru-RU" sz="1600">
-                <a:solidFill>
-                  <a:schemeClr val="tx2"/>
-                </a:solidFill>
-                <a:latin typeface="+mj-lt"/>
-                <a:cs typeface="+mj-lt"/>
-              </a:rPr>
-              <a:t>b</a:t>
-            </a:r>
-            <a:r>
-              <a:rPr lang="en-US" altLang="en-US" sz="1600">
-                <a:solidFill>
-                  <a:schemeClr val="tx2"/>
-                </a:solidFill>
-                <a:latin typeface="+mj-lt"/>
-                <a:cs typeface="+mj-lt"/>
-              </a:rPr>
-              <a:t>ə</a:t>
-            </a:r>
-            <a:r>
-              <a:rPr lang="en-US" altLang="ru-RU" sz="1600">
-                <a:solidFill>
-                  <a:schemeClr val="tx2"/>
-                </a:solidFill>
-                <a:latin typeface="+mj-lt"/>
-                <a:cs typeface="+mj-lt"/>
-              </a:rPr>
-              <a:t>k</a:t>
-            </a:r>
-            <a:r>
-              <a:rPr lang="en-US" altLang="en-US" sz="1600">
-                <a:solidFill>
-                  <a:schemeClr val="tx2"/>
-                </a:solidFill>
-                <a:latin typeface="+mj-lt"/>
-                <a:cs typeface="+mj-lt"/>
-              </a:rPr>
-              <a:t>ə</a:t>
-            </a:r>
-            <a:r>
-              <a:rPr lang="en-US" altLang="ru-RU" sz="1600">
-                <a:solidFill>
-                  <a:schemeClr val="tx2"/>
-                </a:solidFill>
-                <a:latin typeface="+mj-lt"/>
-                <a:cs typeface="+mj-lt"/>
-              </a:rPr>
-              <a:t>l</a:t>
-            </a:r>
-            <a:r>
-              <a:rPr lang="en-US" altLang="en-US" sz="1600">
-                <a:solidFill>
-                  <a:schemeClr val="tx2"/>
-                </a:solidFill>
-                <a:latin typeface="+mj-lt"/>
-                <a:cs typeface="+mj-lt"/>
-              </a:rPr>
-              <a:t>ə</a:t>
-            </a:r>
-            <a:r>
-              <a:rPr lang="en-US" altLang="ru-RU" sz="1600">
-                <a:solidFill>
-                  <a:schemeClr val="tx2"/>
-                </a:solidFill>
-                <a:latin typeface="+mj-lt"/>
-                <a:cs typeface="+mj-lt"/>
-              </a:rPr>
-              <a:t>rd</a:t>
-            </a:r>
-            <a:r>
-              <a:rPr lang="en-US" altLang="en-US" sz="1600">
-                <a:solidFill>
-                  <a:schemeClr val="tx2"/>
-                </a:solidFill>
-                <a:latin typeface="+mj-lt"/>
-                <a:cs typeface="+mj-lt"/>
-              </a:rPr>
-              <a:t>ə</a:t>
-            </a:r>
-            <a:r>
-              <a:rPr lang="en-US" altLang="ru-RU" sz="1600">
-                <a:solidFill>
-                  <a:schemeClr val="tx2"/>
-                </a:solidFill>
-                <a:latin typeface="+mj-lt"/>
-                <a:cs typeface="+mj-lt"/>
-              </a:rPr>
-              <a:t> parametrl</a:t>
-            </a:r>
-            <a:r>
-              <a:rPr lang="en-US" altLang="en-US" sz="1600">
-                <a:solidFill>
-                  <a:schemeClr val="tx2"/>
-                </a:solidFill>
-                <a:latin typeface="+mj-lt"/>
-                <a:cs typeface="+mj-lt"/>
-              </a:rPr>
-              <a:t>ə</a:t>
-            </a:r>
-            <a:r>
-              <a:rPr lang="en-US" altLang="ru-RU" sz="1600">
-                <a:solidFill>
-                  <a:schemeClr val="tx2"/>
-                </a:solidFill>
-                <a:latin typeface="+mj-lt"/>
-                <a:cs typeface="+mj-lt"/>
-              </a:rPr>
-              <a:t>rin (</a:t>
-            </a:r>
-            <a:r>
-              <a:rPr lang="en-US" altLang="en-US" sz="1600">
-                <a:solidFill>
-                  <a:schemeClr val="tx2"/>
-                </a:solidFill>
-                <a:latin typeface="+mj-lt"/>
-                <a:cs typeface="+mj-lt"/>
-              </a:rPr>
-              <a:t>çə</a:t>
-            </a:r>
-            <a:r>
-              <a:rPr lang="en-US" altLang="ru-RU" sz="1600">
-                <a:solidFill>
-                  <a:schemeClr val="tx2"/>
-                </a:solidFill>
-                <a:latin typeface="+mj-lt"/>
-                <a:cs typeface="+mj-lt"/>
-              </a:rPr>
-              <a:t>kil</a:t>
-            </a:r>
-            <a:r>
-              <a:rPr lang="en-US" altLang="en-US" sz="1600">
-                <a:solidFill>
-                  <a:schemeClr val="tx2"/>
-                </a:solidFill>
-                <a:latin typeface="+mj-lt"/>
-                <a:cs typeface="+mj-lt"/>
-              </a:rPr>
-              <a:t>ə</a:t>
-            </a:r>
-            <a:r>
-              <a:rPr lang="en-US" altLang="ru-RU" sz="1600">
-                <a:solidFill>
-                  <a:schemeClr val="tx2"/>
-                </a:solidFill>
-                <a:latin typeface="+mj-lt"/>
-                <a:cs typeface="+mj-lt"/>
-              </a:rPr>
-              <a:t>r v</a:t>
-            </a:r>
-            <a:r>
-              <a:rPr lang="en-US" altLang="en-US" sz="1600">
-                <a:solidFill>
-                  <a:schemeClr val="tx2"/>
-                </a:solidFill>
-                <a:latin typeface="+mj-lt"/>
-                <a:cs typeface="+mj-lt"/>
-              </a:rPr>
-              <a:t>ə</a:t>
-            </a:r>
-            <a:r>
-              <a:rPr lang="en-US" altLang="ru-RU" sz="1600">
-                <a:solidFill>
-                  <a:schemeClr val="tx2"/>
-                </a:solidFill>
-                <a:latin typeface="+mj-lt"/>
-                <a:cs typeface="+mj-lt"/>
-              </a:rPr>
-              <a:t> bias) </a:t>
-            </a:r>
-            <a:r>
-              <a:rPr lang="en-US" altLang="ru-RU" sz="1600" b="1">
-                <a:solidFill>
-                  <a:schemeClr val="tx2"/>
-                </a:solidFill>
-                <a:latin typeface="+mj-lt"/>
-                <a:cs typeface="+mj-lt"/>
-              </a:rPr>
-              <a:t>gradient descent</a:t>
-            </a:r>
-            <a:r>
-              <a:rPr lang="en-US" altLang="ru-RU" sz="1600">
-                <a:solidFill>
-                  <a:schemeClr val="tx2"/>
-                </a:solidFill>
-                <a:latin typeface="+mj-lt"/>
-                <a:cs typeface="+mj-lt"/>
-              </a:rPr>
-              <a:t> </a:t>
-            </a:r>
-            <a:r>
-              <a:rPr lang="en-US" altLang="en-US" sz="1600">
-                <a:solidFill>
-                  <a:schemeClr val="tx2"/>
-                </a:solidFill>
-                <a:latin typeface="+mj-lt"/>
-                <a:cs typeface="+mj-lt"/>
-              </a:rPr>
-              <a:t>ü</a:t>
-            </a:r>
-            <a:r>
-              <a:rPr lang="en-US" altLang="ru-RU" sz="1600">
-                <a:solidFill>
-                  <a:schemeClr val="tx2"/>
-                </a:solidFill>
-                <a:latin typeface="+mj-lt"/>
-                <a:cs typeface="+mj-lt"/>
-              </a:rPr>
-              <a:t>sulu il</a:t>
-            </a:r>
-            <a:r>
-              <a:rPr lang="en-US" altLang="en-US" sz="1600">
-                <a:solidFill>
-                  <a:schemeClr val="tx2"/>
-                </a:solidFill>
-                <a:latin typeface="+mj-lt"/>
-                <a:cs typeface="+mj-lt"/>
-              </a:rPr>
-              <a:t>ə</a:t>
-            </a:r>
-            <a:r>
-              <a:rPr lang="en-US" altLang="ru-RU" sz="1600">
-                <a:solidFill>
-                  <a:schemeClr val="tx2"/>
-                </a:solidFill>
-                <a:latin typeface="+mj-lt"/>
-                <a:cs typeface="+mj-lt"/>
-              </a:rPr>
-              <a:t> optimalla</a:t>
-            </a:r>
-            <a:r>
-              <a:rPr lang="en-US" altLang="en-US" sz="1600">
-                <a:solidFill>
-                  <a:schemeClr val="tx2"/>
-                </a:solidFill>
-                <a:latin typeface="+mj-lt"/>
-                <a:cs typeface="+mj-lt"/>
-              </a:rPr>
-              <a:t>ş</a:t>
-            </a:r>
-            <a:r>
-              <a:rPr lang="en-US" altLang="ru-RU" sz="1600">
-                <a:solidFill>
-                  <a:schemeClr val="tx2"/>
-                </a:solidFill>
-                <a:latin typeface="+mj-lt"/>
-                <a:cs typeface="+mj-lt"/>
-              </a:rPr>
-              <a:t>d</a:t>
-            </a:r>
-            <a:r>
-              <a:rPr lang="en-US" altLang="en-US" sz="1600">
-                <a:solidFill>
-                  <a:schemeClr val="tx2"/>
-                </a:solidFill>
-                <a:latin typeface="+mj-lt"/>
-                <a:cs typeface="+mj-lt"/>
-              </a:rPr>
-              <a:t>ı</a:t>
-            </a:r>
-            <a:r>
-              <a:rPr lang="en-US" altLang="ru-RU" sz="1600">
-                <a:solidFill>
-                  <a:schemeClr val="tx2"/>
-                </a:solidFill>
-                <a:latin typeface="+mj-lt"/>
-                <a:cs typeface="+mj-lt"/>
-              </a:rPr>
-              <a:t>r</a:t>
-            </a:r>
-            <a:r>
-              <a:rPr lang="en-US" altLang="en-US" sz="1600">
-                <a:solidFill>
-                  <a:schemeClr val="tx2"/>
-                </a:solidFill>
-                <a:latin typeface="+mj-lt"/>
-                <a:cs typeface="+mj-lt"/>
-              </a:rPr>
-              <a:t>ı</a:t>
-            </a:r>
-            <a:r>
-              <a:rPr lang="en-US" altLang="ru-RU" sz="1600">
-                <a:solidFill>
-                  <a:schemeClr val="tx2"/>
-                </a:solidFill>
-                <a:latin typeface="+mj-lt"/>
-                <a:cs typeface="+mj-lt"/>
-              </a:rPr>
-              <a:t>lmas</a:t>
-            </a:r>
-            <a:r>
-              <a:rPr lang="en-US" altLang="en-US" sz="1600">
-                <a:solidFill>
-                  <a:schemeClr val="tx2"/>
-                </a:solidFill>
-                <a:latin typeface="+mj-lt"/>
-                <a:cs typeface="+mj-lt"/>
-              </a:rPr>
-              <a:t>ı</a:t>
-            </a:r>
-            <a:r>
-              <a:rPr lang="en-US" altLang="ru-RU" sz="1600">
-                <a:solidFill>
-                  <a:schemeClr val="tx2"/>
-                </a:solidFill>
-                <a:latin typeface="+mj-lt"/>
-                <a:cs typeface="+mj-lt"/>
-              </a:rPr>
-              <a:t> </a:t>
-            </a:r>
-            <a:r>
-              <a:rPr lang="en-US" altLang="en-US" sz="1600">
-                <a:solidFill>
-                  <a:schemeClr val="tx2"/>
-                </a:solidFill>
-                <a:latin typeface="+mj-lt"/>
-                <a:cs typeface="+mj-lt"/>
-              </a:rPr>
-              <a:t>ü</a:t>
-            </a:r>
-            <a:r>
-              <a:rPr lang="en-US" altLang="en-US" sz="1600">
-                <a:solidFill>
-                  <a:schemeClr val="tx2"/>
-                </a:solidFill>
-                <a:latin typeface="+mj-lt"/>
-                <a:cs typeface="+mj-lt"/>
-              </a:rPr>
-              <a:t>ç</a:t>
-            </a:r>
-            <a:r>
-              <a:rPr lang="en-US" altLang="en-US" sz="1600">
-                <a:solidFill>
-                  <a:schemeClr val="tx2"/>
-                </a:solidFill>
-                <a:latin typeface="+mj-lt"/>
-                <a:cs typeface="+mj-lt"/>
-              </a:rPr>
-              <a:t>ü</a:t>
-            </a:r>
-            <a:r>
-              <a:rPr lang="en-US" altLang="ru-RU" sz="1600">
-                <a:solidFill>
-                  <a:schemeClr val="tx2"/>
-                </a:solidFill>
-                <a:latin typeface="+mj-lt"/>
-                <a:cs typeface="+mj-lt"/>
-              </a:rPr>
-              <a:t>n istifad</a:t>
-            </a:r>
-            <a:r>
-              <a:rPr lang="en-US" altLang="en-US" sz="1600">
-                <a:solidFill>
-                  <a:schemeClr val="tx2"/>
-                </a:solidFill>
-                <a:latin typeface="+mj-lt"/>
-                <a:cs typeface="+mj-lt"/>
-              </a:rPr>
-              <a:t>ə</a:t>
-            </a:r>
-            <a:r>
-              <a:rPr lang="en-US" altLang="ru-RU" sz="1600">
-                <a:solidFill>
-                  <a:schemeClr val="tx2"/>
-                </a:solidFill>
-                <a:latin typeface="+mj-lt"/>
-                <a:cs typeface="+mj-lt"/>
-              </a:rPr>
-              <a:t> olunur. Bu metod </a:t>
-            </a:r>
-            <a:r>
-              <a:rPr lang="en-US" altLang="en-US" sz="1600">
-                <a:solidFill>
-                  <a:schemeClr val="tx2"/>
-                </a:solidFill>
-                <a:latin typeface="+mj-lt"/>
-                <a:cs typeface="+mj-lt"/>
-              </a:rPr>
-              <a:t>şə</a:t>
-            </a:r>
-            <a:r>
-              <a:rPr lang="en-US" altLang="ru-RU" sz="1600">
-                <a:solidFill>
-                  <a:schemeClr val="tx2"/>
-                </a:solidFill>
-                <a:latin typeface="+mj-lt"/>
-                <a:cs typeface="+mj-lt"/>
-              </a:rPr>
-              <a:t>b</a:t>
-            </a:r>
-            <a:r>
-              <a:rPr lang="en-US" altLang="en-US" sz="1600">
-                <a:solidFill>
-                  <a:schemeClr val="tx2"/>
-                </a:solidFill>
-                <a:latin typeface="+mj-lt"/>
-                <a:cs typeface="+mj-lt"/>
-              </a:rPr>
-              <a:t>ə</a:t>
-            </a:r>
-            <a:r>
-              <a:rPr lang="en-US" altLang="ru-RU" sz="1600">
-                <a:solidFill>
-                  <a:schemeClr val="tx2"/>
-                </a:solidFill>
-                <a:latin typeface="+mj-lt"/>
-                <a:cs typeface="+mj-lt"/>
-              </a:rPr>
-              <a:t>k</a:t>
-            </a:r>
-            <a:r>
-              <a:rPr lang="en-US" altLang="en-US" sz="1600">
-                <a:solidFill>
-                  <a:schemeClr val="tx2"/>
-                </a:solidFill>
-                <a:latin typeface="+mj-lt"/>
-                <a:cs typeface="+mj-lt"/>
-              </a:rPr>
-              <a:t>ə</a:t>
-            </a:r>
-            <a:r>
-              <a:rPr lang="en-US" altLang="ru-RU" sz="1600">
-                <a:solidFill>
-                  <a:schemeClr val="tx2"/>
-                </a:solidFill>
-                <a:latin typeface="+mj-lt"/>
-                <a:cs typeface="+mj-lt"/>
-              </a:rPr>
-              <a:t>nin proqnozlar</a:t>
-            </a:r>
-            <a:r>
-              <a:rPr lang="en-US" altLang="en-US" sz="1600">
-                <a:solidFill>
-                  <a:schemeClr val="tx2"/>
-                </a:solidFill>
-                <a:latin typeface="+mj-lt"/>
-                <a:cs typeface="+mj-lt"/>
-              </a:rPr>
-              <a:t>ı</a:t>
-            </a:r>
-            <a:r>
-              <a:rPr lang="en-US" altLang="ru-RU" sz="1600">
-                <a:solidFill>
-                  <a:schemeClr val="tx2"/>
-                </a:solidFill>
-                <a:latin typeface="+mj-lt"/>
-                <a:cs typeface="+mj-lt"/>
-              </a:rPr>
-              <a:t> il</a:t>
-            </a:r>
-            <a:r>
-              <a:rPr lang="en-US" altLang="en-US" sz="1600">
-                <a:solidFill>
-                  <a:schemeClr val="tx2"/>
-                </a:solidFill>
-                <a:latin typeface="+mj-lt"/>
-                <a:cs typeface="+mj-lt"/>
-              </a:rPr>
-              <a:t>ə</a:t>
-            </a:r>
-            <a:r>
-              <a:rPr lang="en-US" altLang="ru-RU" sz="1600">
-                <a:solidFill>
-                  <a:schemeClr val="tx2"/>
-                </a:solidFill>
-                <a:latin typeface="+mj-lt"/>
-                <a:cs typeface="+mj-lt"/>
-              </a:rPr>
-              <a:t> real n</a:t>
-            </a:r>
-            <a:r>
-              <a:rPr lang="en-US" altLang="en-US" sz="1600">
-                <a:solidFill>
-                  <a:schemeClr val="tx2"/>
-                </a:solidFill>
-                <a:latin typeface="+mj-lt"/>
-                <a:cs typeface="+mj-lt"/>
-              </a:rPr>
-              <a:t>ə</a:t>
-            </a:r>
-            <a:r>
-              <a:rPr lang="en-US" altLang="ru-RU" sz="1600">
-                <a:solidFill>
-                  <a:schemeClr val="tx2"/>
-                </a:solidFill>
-                <a:latin typeface="+mj-lt"/>
-                <a:cs typeface="+mj-lt"/>
-              </a:rPr>
-              <a:t>tic</a:t>
-            </a:r>
-            <a:r>
-              <a:rPr lang="en-US" altLang="en-US" sz="1600">
-                <a:solidFill>
-                  <a:schemeClr val="tx2"/>
-                </a:solidFill>
-                <a:latin typeface="+mj-lt"/>
-                <a:cs typeface="+mj-lt"/>
-              </a:rPr>
-              <a:t>ə</a:t>
-            </a:r>
-            <a:r>
-              <a:rPr lang="en-US" altLang="ru-RU" sz="1600">
-                <a:solidFill>
-                  <a:schemeClr val="tx2"/>
-                </a:solidFill>
-                <a:latin typeface="+mj-lt"/>
-                <a:cs typeface="+mj-lt"/>
-              </a:rPr>
-              <a:t>l</a:t>
-            </a:r>
-            <a:r>
-              <a:rPr lang="en-US" altLang="en-US" sz="1600">
-                <a:solidFill>
-                  <a:schemeClr val="tx2"/>
-                </a:solidFill>
-                <a:latin typeface="+mj-lt"/>
-                <a:cs typeface="+mj-lt"/>
-              </a:rPr>
-              <a:t>ə</a:t>
-            </a:r>
-            <a:r>
-              <a:rPr lang="en-US" altLang="ru-RU" sz="1600">
-                <a:solidFill>
-                  <a:schemeClr val="tx2"/>
-                </a:solidFill>
-                <a:latin typeface="+mj-lt"/>
-                <a:cs typeface="+mj-lt"/>
-              </a:rPr>
-              <a:t>r </a:t>
-            </a:r>
-            <a:endParaRPr lang="en-US" altLang="ru-RU" sz="1600">
-              <a:solidFill>
-                <a:schemeClr val="tx2"/>
-              </a:solidFill>
-              <a:latin typeface="+mj-lt"/>
-              <a:cs typeface="+mj-lt"/>
-            </a:endParaRPr>
-          </a:p>
-          <a:p>
-            <a:pPr marL="0" lvl="0" indent="0" algn="just">
-              <a:buFont typeface="Arial" panose="020B0604020202020204" pitchFamily="34" charset="0"/>
-              <a:buNone/>
-            </a:pPr>
-            <a:r>
-              <a:rPr lang="en-US" altLang="ru-RU" sz="1600">
-                <a:solidFill>
-                  <a:schemeClr val="tx2"/>
-                </a:solidFill>
-                <a:latin typeface="+mj-lt"/>
-                <a:cs typeface="+mj-lt"/>
-              </a:rPr>
-              <a:t>aras</a:t>
-            </a:r>
-            <a:r>
-              <a:rPr lang="en-US" altLang="en-US" sz="1600">
-                <a:solidFill>
-                  <a:schemeClr val="tx2"/>
-                </a:solidFill>
-                <a:latin typeface="+mj-lt"/>
-                <a:cs typeface="+mj-lt"/>
-              </a:rPr>
-              <a:t>ı</a:t>
-            </a:r>
-            <a:r>
-              <a:rPr lang="en-US" altLang="ru-RU" sz="1600">
-                <a:solidFill>
-                  <a:schemeClr val="tx2"/>
-                </a:solidFill>
-                <a:latin typeface="+mj-lt"/>
-                <a:cs typeface="+mj-lt"/>
-              </a:rPr>
-              <a:t>ndak</a:t>
-            </a:r>
-            <a:r>
-              <a:rPr lang="en-US" altLang="en-US" sz="1600">
-                <a:solidFill>
-                  <a:schemeClr val="tx2"/>
-                </a:solidFill>
-                <a:latin typeface="+mj-lt"/>
-                <a:cs typeface="+mj-lt"/>
-              </a:rPr>
-              <a:t>ı</a:t>
-            </a:r>
-            <a:r>
-              <a:rPr lang="en-US" altLang="ru-RU" sz="1600">
-                <a:solidFill>
-                  <a:schemeClr val="tx2"/>
-                </a:solidFill>
-                <a:latin typeface="+mj-lt"/>
-                <a:cs typeface="+mj-lt"/>
-              </a:rPr>
-              <a:t> f</a:t>
-            </a:r>
-            <a:r>
-              <a:rPr lang="en-US" altLang="en-US" sz="1600">
-                <a:solidFill>
-                  <a:schemeClr val="tx2"/>
-                </a:solidFill>
-                <a:latin typeface="+mj-lt"/>
-                <a:cs typeface="+mj-lt"/>
-              </a:rPr>
-              <a:t>ə</a:t>
-            </a:r>
-            <a:r>
-              <a:rPr lang="en-US" altLang="ru-RU" sz="1600">
-                <a:solidFill>
-                  <a:schemeClr val="tx2"/>
-                </a:solidFill>
-                <a:latin typeface="+mj-lt"/>
-                <a:cs typeface="+mj-lt"/>
-              </a:rPr>
-              <a:t>rqi (x</a:t>
-            </a:r>
-            <a:r>
-              <a:rPr lang="en-US" altLang="en-US" sz="1600">
-                <a:solidFill>
-                  <a:schemeClr val="tx2"/>
-                </a:solidFill>
-                <a:latin typeface="+mj-lt"/>
-                <a:cs typeface="+mj-lt"/>
-              </a:rPr>
-              <a:t>ə</a:t>
-            </a:r>
-            <a:r>
-              <a:rPr lang="en-US" altLang="ru-RU" sz="1600">
-                <a:solidFill>
-                  <a:schemeClr val="tx2"/>
-                </a:solidFill>
-                <a:latin typeface="+mj-lt"/>
-                <a:cs typeface="+mj-lt"/>
-              </a:rPr>
-              <a:t>tan</a:t>
-            </a:r>
-            <a:r>
-              <a:rPr lang="en-US" altLang="en-US" sz="1600">
-                <a:solidFill>
-                  <a:schemeClr val="tx2"/>
-                </a:solidFill>
-                <a:latin typeface="+mj-lt"/>
-                <a:cs typeface="+mj-lt"/>
-              </a:rPr>
-              <a:t>ı</a:t>
-            </a:r>
-            <a:r>
-              <a:rPr lang="en-US" altLang="ru-RU" sz="1600">
-                <a:solidFill>
-                  <a:schemeClr val="tx2"/>
-                </a:solidFill>
-                <a:latin typeface="+mj-lt"/>
-                <a:cs typeface="+mj-lt"/>
-              </a:rPr>
-              <a:t>) azald</a:t>
-            </a:r>
-            <a:r>
-              <a:rPr lang="en-US" altLang="en-US" sz="1600">
-                <a:solidFill>
-                  <a:schemeClr val="tx2"/>
-                </a:solidFill>
-                <a:latin typeface="+mj-lt"/>
-                <a:cs typeface="+mj-lt"/>
-              </a:rPr>
-              <a:t>ı</a:t>
-            </a:r>
-            <a:r>
-              <a:rPr lang="en-US" altLang="ru-RU" sz="1600">
-                <a:solidFill>
-                  <a:schemeClr val="tx2"/>
-                </a:solidFill>
-                <a:latin typeface="+mj-lt"/>
-                <a:cs typeface="+mj-lt"/>
-              </a:rPr>
-              <a:t>r v</a:t>
-            </a:r>
-            <a:r>
-              <a:rPr lang="en-US" altLang="en-US" sz="1600">
-                <a:solidFill>
-                  <a:schemeClr val="tx2"/>
-                </a:solidFill>
-                <a:latin typeface="+mj-lt"/>
-                <a:cs typeface="+mj-lt"/>
-              </a:rPr>
-              <a:t>ə</a:t>
-            </a:r>
-            <a:r>
-              <a:rPr lang="en-US" altLang="ru-RU" sz="1600">
-                <a:solidFill>
-                  <a:schemeClr val="tx2"/>
-                </a:solidFill>
-                <a:latin typeface="+mj-lt"/>
-                <a:cs typeface="+mj-lt"/>
-              </a:rPr>
-              <a:t> n</a:t>
-            </a:r>
-            <a:r>
-              <a:rPr lang="en-US" altLang="en-US" sz="1600">
-                <a:solidFill>
-                  <a:schemeClr val="tx2"/>
-                </a:solidFill>
-                <a:latin typeface="+mj-lt"/>
-                <a:cs typeface="+mj-lt"/>
-              </a:rPr>
-              <a:t>ə</a:t>
-            </a:r>
-            <a:r>
-              <a:rPr lang="en-US" altLang="ru-RU" sz="1600">
-                <a:solidFill>
-                  <a:schemeClr val="tx2"/>
-                </a:solidFill>
-                <a:latin typeface="+mj-lt"/>
-                <a:cs typeface="+mj-lt"/>
-              </a:rPr>
-              <a:t>tic</a:t>
-            </a:r>
-            <a:r>
-              <a:rPr lang="en-US" altLang="en-US" sz="1600">
-                <a:solidFill>
-                  <a:schemeClr val="tx2"/>
-                </a:solidFill>
-                <a:latin typeface="+mj-lt"/>
-                <a:cs typeface="+mj-lt"/>
-              </a:rPr>
-              <a:t>ə</a:t>
-            </a:r>
-            <a:r>
-              <a:rPr lang="en-US" altLang="ru-RU" sz="1600">
-                <a:solidFill>
-                  <a:schemeClr val="tx2"/>
-                </a:solidFill>
-                <a:latin typeface="+mj-lt"/>
-                <a:cs typeface="+mj-lt"/>
-              </a:rPr>
-              <a:t>d</a:t>
-            </a:r>
-            <a:r>
-              <a:rPr lang="en-US" altLang="en-US" sz="1600">
-                <a:solidFill>
-                  <a:schemeClr val="tx2"/>
-                </a:solidFill>
-                <a:latin typeface="+mj-lt"/>
-                <a:cs typeface="+mj-lt"/>
-              </a:rPr>
-              <a:t>ə</a:t>
-            </a:r>
-            <a:r>
-              <a:rPr lang="en-US" altLang="ru-RU" sz="1600">
-                <a:solidFill>
-                  <a:schemeClr val="tx2"/>
-                </a:solidFill>
-                <a:latin typeface="+mj-lt"/>
-                <a:cs typeface="+mj-lt"/>
-              </a:rPr>
-              <a:t> model daha d</a:t>
-            </a:r>
-            <a:r>
-              <a:rPr lang="en-US" altLang="en-US" sz="1600">
-                <a:solidFill>
-                  <a:schemeClr val="tx2"/>
-                </a:solidFill>
-                <a:latin typeface="+mj-lt"/>
-                <a:cs typeface="+mj-lt"/>
-              </a:rPr>
-              <a:t>ə</a:t>
-            </a:r>
-            <a:r>
-              <a:rPr lang="en-US" altLang="ru-RU" sz="1600">
-                <a:solidFill>
-                  <a:schemeClr val="tx2"/>
-                </a:solidFill>
-                <a:latin typeface="+mj-lt"/>
-                <a:cs typeface="+mj-lt"/>
-              </a:rPr>
-              <a:t>qiq olur.</a:t>
-            </a:r>
-            <a:endParaRPr lang="en-US" altLang="ru-RU" sz="1600">
-              <a:solidFill>
-                <a:schemeClr val="tx2"/>
-              </a:solidFill>
-              <a:latin typeface="+mj-lt"/>
-              <a:cs typeface="+mj-lt"/>
-            </a:endParaRPr>
-          </a:p>
-          <a:p>
-            <a:pPr marL="0" lvl="0" indent="0" algn="just">
-              <a:buFont typeface="Arial" panose="020B0604020202020204" pitchFamily="34" charset="0"/>
-              <a:buNone/>
-            </a:pPr>
-            <a:endParaRPr lang="en-US" altLang="en-US" sz="1600" b="1">
-              <a:solidFill>
-                <a:schemeClr val="tx2"/>
-              </a:solidFill>
-              <a:latin typeface="+mj-lt"/>
-              <a:cs typeface="+mj-lt"/>
-            </a:endParaRPr>
-          </a:p>
-          <a:p>
-            <a:pPr marL="0" lvl="0" indent="457200" algn="just">
-              <a:buFont typeface="Arial" panose="020B0604020202020204" pitchFamily="34" charset="0"/>
-              <a:buNone/>
-            </a:pPr>
-            <a:r>
-              <a:rPr lang="en-US" altLang="en-US" sz="1600" b="1">
-                <a:solidFill>
-                  <a:schemeClr val="tx2"/>
-                </a:solidFill>
-                <a:latin typeface="+mj-lt"/>
-                <a:cs typeface="+mj-lt"/>
-              </a:rPr>
-              <a:t>Ə</a:t>
-            </a:r>
-            <a:r>
-              <a:rPr lang="en-US" altLang="ru-RU" sz="1600" b="1">
-                <a:solidFill>
-                  <a:schemeClr val="tx2"/>
-                </a:solidFill>
-                <a:latin typeface="+mj-lt"/>
-                <a:cs typeface="+mj-lt"/>
-              </a:rPr>
-              <a:t>sas ideya</a:t>
-            </a:r>
-            <a:endParaRPr lang="en-US" altLang="ru-RU" sz="1600" b="1">
-              <a:solidFill>
-                <a:schemeClr val="tx2"/>
-              </a:solidFill>
-              <a:latin typeface="+mj-lt"/>
-              <a:cs typeface="+mj-lt"/>
-            </a:endParaRPr>
-          </a:p>
-          <a:p>
-            <a:pPr marL="0" lvl="0" indent="0" algn="just">
-              <a:buFont typeface="Arial" panose="020B0604020202020204" pitchFamily="34" charset="0"/>
-              <a:buNone/>
-            </a:pPr>
-            <a:r>
-              <a:rPr lang="en-US" altLang="ru-RU" sz="1600">
-                <a:solidFill>
-                  <a:schemeClr val="tx2"/>
-                </a:solidFill>
-                <a:latin typeface="+mj-lt"/>
-                <a:cs typeface="+mj-lt"/>
-              </a:rPr>
-              <a:t>1.</a:t>
-            </a:r>
-            <a:r>
-              <a:rPr lang="en-US" altLang="ru-RU" sz="1600" b="1">
-                <a:solidFill>
-                  <a:schemeClr val="tx2"/>
-                </a:solidFill>
-                <a:latin typeface="+mj-lt"/>
-                <a:cs typeface="+mj-lt"/>
-              </a:rPr>
-              <a:t>Forward pass (ir</a:t>
-            </a:r>
-            <a:r>
-              <a:rPr lang="en-US" altLang="en-US" sz="1600" b="1">
-                <a:solidFill>
-                  <a:schemeClr val="tx2"/>
-                </a:solidFill>
-                <a:latin typeface="+mj-lt"/>
-                <a:cs typeface="+mj-lt"/>
-              </a:rPr>
-              <a:t>ə</a:t>
-            </a:r>
-            <a:r>
-              <a:rPr lang="en-US" altLang="ru-RU" sz="1600" b="1">
-                <a:solidFill>
-                  <a:schemeClr val="tx2"/>
-                </a:solidFill>
-                <a:latin typeface="+mj-lt"/>
-                <a:cs typeface="+mj-lt"/>
-              </a:rPr>
-              <a:t>li </a:t>
-            </a:r>
-            <a:r>
-              <a:rPr lang="en-US" altLang="en-US" sz="1600" b="1">
-                <a:solidFill>
-                  <a:schemeClr val="tx2"/>
-                </a:solidFill>
-                <a:latin typeface="+mj-lt"/>
-                <a:cs typeface="+mj-lt"/>
-              </a:rPr>
-              <a:t>ö</a:t>
-            </a:r>
-            <a:r>
-              <a:rPr lang="en-US" altLang="ru-RU" sz="1600" b="1">
-                <a:solidFill>
-                  <a:schemeClr val="tx2"/>
-                </a:solidFill>
-                <a:latin typeface="+mj-lt"/>
-                <a:cs typeface="+mj-lt"/>
-              </a:rPr>
-              <a:t>t</a:t>
-            </a:r>
-            <a:r>
-              <a:rPr lang="en-US" altLang="en-US" sz="1600" b="1">
-                <a:solidFill>
-                  <a:schemeClr val="tx2"/>
-                </a:solidFill>
-                <a:latin typeface="+mj-lt"/>
-                <a:cs typeface="+mj-lt"/>
-              </a:rPr>
-              <a:t>ü</a:t>
-            </a:r>
-            <a:r>
-              <a:rPr lang="en-US" altLang="ru-RU" sz="1600" b="1">
-                <a:solidFill>
-                  <a:schemeClr val="tx2"/>
-                </a:solidFill>
-                <a:latin typeface="+mj-lt"/>
-                <a:cs typeface="+mj-lt"/>
-              </a:rPr>
-              <a:t>r</a:t>
-            </a:r>
-            <a:r>
-              <a:rPr lang="en-US" altLang="en-US" sz="1600" b="1">
-                <a:solidFill>
-                  <a:schemeClr val="tx2"/>
-                </a:solidFill>
-                <a:latin typeface="+mj-lt"/>
-                <a:cs typeface="+mj-lt"/>
-              </a:rPr>
-              <a:t>ü</a:t>
-            </a:r>
-            <a:r>
-              <a:rPr lang="en-US" altLang="ru-RU" sz="1600" b="1">
-                <a:solidFill>
-                  <a:schemeClr val="tx2"/>
-                </a:solidFill>
-                <a:latin typeface="+mj-lt"/>
-                <a:cs typeface="+mj-lt"/>
-              </a:rPr>
-              <a:t>lm</a:t>
-            </a:r>
-            <a:r>
-              <a:rPr lang="en-US" altLang="en-US" sz="1600" b="1">
-                <a:solidFill>
-                  <a:schemeClr val="tx2"/>
-                </a:solidFill>
-                <a:latin typeface="+mj-lt"/>
-                <a:cs typeface="+mj-lt"/>
-              </a:rPr>
-              <a:t>ə</a:t>
-            </a:r>
-            <a:r>
-              <a:rPr lang="en-US" altLang="ru-RU" sz="1600" b="1">
-                <a:solidFill>
-                  <a:schemeClr val="tx2"/>
-                </a:solidFill>
-                <a:latin typeface="+mj-lt"/>
-                <a:cs typeface="+mj-lt"/>
-              </a:rPr>
-              <a:t>):</a:t>
-            </a:r>
-            <a:endParaRPr lang="en-US" altLang="ru-RU" sz="1600">
-              <a:solidFill>
-                <a:schemeClr val="tx2"/>
-              </a:solidFill>
-              <a:latin typeface="+mj-lt"/>
-              <a:cs typeface="+mj-lt"/>
-            </a:endParaRPr>
-          </a:p>
-          <a:p>
-            <a:pPr marL="0" lvl="0" indent="0" algn="just">
-              <a:buFont typeface="Arial" panose="020B0604020202020204" pitchFamily="34" charset="0"/>
-              <a:buNone/>
-            </a:pPr>
-            <a:r>
-              <a:rPr lang="en-US" altLang="ru-RU" sz="1600">
-                <a:solidFill>
-                  <a:schemeClr val="tx2"/>
-                </a:solidFill>
-                <a:latin typeface="+mj-lt"/>
-                <a:cs typeface="+mj-lt"/>
-              </a:rPr>
-              <a:t>    giri</a:t>
-            </a:r>
-            <a:r>
-              <a:rPr lang="en-US" altLang="en-US" sz="1600">
-                <a:solidFill>
-                  <a:schemeClr val="tx2"/>
-                </a:solidFill>
-                <a:latin typeface="+mj-lt"/>
-                <a:cs typeface="+mj-lt"/>
-              </a:rPr>
-              <a:t>ş</a:t>
-            </a:r>
-            <a:r>
-              <a:rPr lang="en-US" altLang="ru-RU" sz="1600">
-                <a:solidFill>
-                  <a:schemeClr val="tx2"/>
-                </a:solidFill>
-                <a:latin typeface="+mj-lt"/>
-                <a:cs typeface="+mj-lt"/>
-              </a:rPr>
-              <a:t>l</a:t>
-            </a:r>
-            <a:r>
-              <a:rPr lang="en-US" altLang="en-US" sz="1600">
-                <a:solidFill>
-                  <a:schemeClr val="tx2"/>
-                </a:solidFill>
-                <a:latin typeface="+mj-lt"/>
-                <a:cs typeface="+mj-lt"/>
-              </a:rPr>
-              <a:t>ə</a:t>
-            </a:r>
-            <a:r>
-              <a:rPr lang="en-US" altLang="ru-RU" sz="1600">
-                <a:solidFill>
-                  <a:schemeClr val="tx2"/>
-                </a:solidFill>
-                <a:latin typeface="+mj-lt"/>
-                <a:cs typeface="+mj-lt"/>
-              </a:rPr>
-              <a:t>r qat-qat </a:t>
-            </a:r>
-            <a:r>
-              <a:rPr lang="en-US" altLang="en-US" sz="1600">
-                <a:solidFill>
-                  <a:schemeClr val="tx2"/>
-                </a:solidFill>
-                <a:latin typeface="+mj-lt"/>
-                <a:cs typeface="+mj-lt"/>
-              </a:rPr>
-              <a:t>ö</a:t>
-            </a:r>
-            <a:r>
-              <a:rPr lang="en-US" altLang="ru-RU" sz="1600">
-                <a:solidFill>
-                  <a:schemeClr val="tx2"/>
-                </a:solidFill>
-                <a:latin typeface="+mj-lt"/>
-                <a:cs typeface="+mj-lt"/>
-              </a:rPr>
-              <a:t>t</a:t>
-            </a:r>
-            <a:r>
-              <a:rPr lang="en-US" altLang="en-US" sz="1600">
-                <a:solidFill>
-                  <a:schemeClr val="tx2"/>
-                </a:solidFill>
-                <a:latin typeface="+mj-lt"/>
-                <a:cs typeface="+mj-lt"/>
-              </a:rPr>
-              <a:t>ü</a:t>
-            </a:r>
-            <a:r>
-              <a:rPr lang="en-US" altLang="ru-RU" sz="1600">
-                <a:solidFill>
-                  <a:schemeClr val="tx2"/>
-                </a:solidFill>
-                <a:latin typeface="+mj-lt"/>
-                <a:cs typeface="+mj-lt"/>
-              </a:rPr>
-              <a:t>r</a:t>
-            </a:r>
-            <a:r>
-              <a:rPr lang="en-US" altLang="en-US" sz="1600">
-                <a:solidFill>
-                  <a:schemeClr val="tx2"/>
-                </a:solidFill>
-                <a:latin typeface="+mj-lt"/>
-                <a:cs typeface="+mj-lt"/>
-              </a:rPr>
-              <a:t>ü</a:t>
-            </a:r>
-            <a:r>
-              <a:rPr lang="en-US" altLang="ru-RU" sz="1600">
-                <a:solidFill>
-                  <a:schemeClr val="tx2"/>
-                </a:solidFill>
-                <a:latin typeface="+mj-lt"/>
-                <a:cs typeface="+mj-lt"/>
-              </a:rPr>
-              <a:t>l</a:t>
-            </a:r>
-            <a:r>
-              <a:rPr lang="en-US" altLang="en-US" sz="1600">
-                <a:solidFill>
-                  <a:schemeClr val="tx2"/>
-                </a:solidFill>
-                <a:latin typeface="+mj-lt"/>
-                <a:cs typeface="+mj-lt"/>
-              </a:rPr>
-              <a:t>ü</a:t>
-            </a:r>
-            <a:r>
-              <a:rPr lang="en-US" altLang="ru-RU" sz="1600">
-                <a:solidFill>
-                  <a:schemeClr val="tx2"/>
-                </a:solidFill>
-                <a:latin typeface="+mj-lt"/>
-                <a:cs typeface="+mj-lt"/>
-              </a:rPr>
-              <a:t>rv</a:t>
-            </a:r>
-            <a:r>
-              <a:rPr lang="en-US" altLang="en-US" sz="1600">
-                <a:solidFill>
-                  <a:schemeClr val="tx2"/>
-                </a:solidFill>
-                <a:latin typeface="+mj-lt"/>
-                <a:cs typeface="+mj-lt"/>
-              </a:rPr>
-              <a:t>ə</a:t>
-            </a:r>
-            <a:r>
-              <a:rPr lang="en-US" sz="1600">
-                <a:solidFill>
-                  <a:schemeClr val="tx2"/>
-                </a:solidFill>
-                <a:latin typeface="+mj-lt"/>
-                <a:cs typeface="+mj-lt"/>
-              </a:rPr>
-              <a:t> </a:t>
-            </a:r>
-            <a:r>
-              <a:rPr lang="en-US" altLang="en-US" sz="1600">
-                <a:solidFill>
-                  <a:schemeClr val="tx2"/>
-                </a:solidFill>
-                <a:latin typeface="+mj-lt"/>
-                <a:cs typeface="+mj-lt"/>
-              </a:rPr>
-              <a:t>çı</a:t>
-            </a:r>
-            <a:r>
-              <a:rPr lang="en-US" altLang="ru-RU" sz="1600">
-                <a:solidFill>
-                  <a:schemeClr val="tx2"/>
-                </a:solidFill>
-                <a:latin typeface="+mj-lt"/>
-                <a:cs typeface="+mj-lt"/>
-              </a:rPr>
-              <a:t>x</a:t>
-            </a:r>
-            <a:r>
-              <a:rPr lang="en-US" altLang="en-US" sz="1600">
-                <a:solidFill>
-                  <a:schemeClr val="tx2"/>
-                </a:solidFill>
-                <a:latin typeface="+mj-lt"/>
-                <a:cs typeface="+mj-lt"/>
-              </a:rPr>
-              <a:t>ış</a:t>
-            </a:r>
-            <a:r>
-              <a:rPr lang="en-US" altLang="ru-RU" sz="1600">
-                <a:solidFill>
-                  <a:schemeClr val="tx2"/>
-                </a:solidFill>
-                <a:latin typeface="+mj-lt"/>
-                <a:cs typeface="+mj-lt"/>
-              </a:rPr>
-              <a:t> hesablan</a:t>
-            </a:r>
-            <a:r>
-              <a:rPr lang="en-US" altLang="en-US" sz="1600">
-                <a:solidFill>
-                  <a:schemeClr val="tx2"/>
-                </a:solidFill>
-                <a:latin typeface="+mj-lt"/>
-                <a:cs typeface="+mj-lt"/>
-              </a:rPr>
-              <a:t>ı</a:t>
-            </a:r>
-            <a:r>
-              <a:rPr lang="en-US" altLang="ru-RU" sz="1600">
-                <a:solidFill>
-                  <a:schemeClr val="tx2"/>
-                </a:solidFill>
-                <a:latin typeface="+mj-lt"/>
-                <a:cs typeface="+mj-lt"/>
-              </a:rPr>
-              <a:t>r.</a:t>
-            </a:r>
-            <a:endParaRPr lang="en-US" altLang="ru-RU" sz="1600">
-              <a:solidFill>
-                <a:schemeClr val="tx2"/>
-              </a:solidFill>
-              <a:latin typeface="+mj-lt"/>
-              <a:cs typeface="+mj-lt"/>
-            </a:endParaRPr>
-          </a:p>
-          <a:p>
-            <a:pPr marL="0" lvl="0" indent="0" algn="just">
-              <a:buFont typeface="Arial" panose="020B0604020202020204" pitchFamily="34" charset="0"/>
-              <a:buNone/>
-            </a:pPr>
-            <a:r>
-              <a:rPr lang="en-US" altLang="ru-RU" sz="1600">
-                <a:solidFill>
-                  <a:schemeClr val="tx2"/>
-                </a:solidFill>
-                <a:latin typeface="+mj-lt"/>
-                <a:cs typeface="+mj-lt"/>
-              </a:rPr>
-              <a:t>2.</a:t>
-            </a:r>
-            <a:r>
-              <a:rPr lang="en-US" altLang="ru-RU" sz="1600" b="1">
-                <a:solidFill>
-                  <a:schemeClr val="tx2"/>
-                </a:solidFill>
-                <a:latin typeface="+mj-lt"/>
-                <a:cs typeface="+mj-lt"/>
-              </a:rPr>
-              <a:t>Backward pass (geri yay</a:t>
-            </a:r>
-            <a:r>
-              <a:rPr lang="en-US" altLang="en-US" sz="1600" b="1">
-                <a:solidFill>
-                  <a:schemeClr val="tx2"/>
-                </a:solidFill>
-                <a:latin typeface="+mj-lt"/>
-                <a:cs typeface="+mj-lt"/>
-              </a:rPr>
-              <a:t>ı</a:t>
-            </a:r>
-            <a:r>
-              <a:rPr lang="en-US" altLang="ru-RU" sz="1600" b="1">
-                <a:solidFill>
-                  <a:schemeClr val="tx2"/>
-                </a:solidFill>
-                <a:latin typeface="+mj-lt"/>
-                <a:cs typeface="+mj-lt"/>
-              </a:rPr>
-              <a:t>lma):</a:t>
-            </a:r>
-            <a:endParaRPr lang="en-US" altLang="ru-RU" sz="1600">
-              <a:solidFill>
-                <a:schemeClr val="tx2"/>
-              </a:solidFill>
-              <a:latin typeface="+mj-lt"/>
-              <a:cs typeface="+mj-lt"/>
-            </a:endParaRPr>
-          </a:p>
-          <a:p>
-            <a:pPr marL="0" lvl="0" indent="0" algn="just">
-              <a:buFont typeface="Arial" panose="020B0604020202020204" pitchFamily="34" charset="0"/>
-              <a:buNone/>
-            </a:pPr>
-            <a:r>
-              <a:rPr lang="en-US" altLang="ru-RU" sz="1600">
-                <a:solidFill>
-                  <a:schemeClr val="tx2"/>
-                </a:solidFill>
-                <a:latin typeface="+mj-lt"/>
-                <a:cs typeface="+mj-lt"/>
-              </a:rPr>
-              <a:t>    </a:t>
-            </a:r>
-            <a:r>
-              <a:rPr lang="en-US" altLang="en-US" sz="1600">
-                <a:solidFill>
-                  <a:schemeClr val="tx2"/>
-                </a:solidFill>
-                <a:latin typeface="+mj-lt"/>
-                <a:cs typeface="+mj-lt"/>
-              </a:rPr>
-              <a:t>çı</a:t>
-            </a:r>
-            <a:r>
-              <a:rPr lang="en-US" altLang="ru-RU" sz="1600">
-                <a:solidFill>
-                  <a:schemeClr val="tx2"/>
-                </a:solidFill>
-                <a:latin typeface="+mj-lt"/>
-                <a:cs typeface="+mj-lt"/>
-              </a:rPr>
-              <a:t>x</a:t>
-            </a:r>
-            <a:r>
-              <a:rPr lang="en-US" altLang="en-US" sz="1600">
-                <a:solidFill>
-                  <a:schemeClr val="tx2"/>
-                </a:solidFill>
-                <a:latin typeface="+mj-lt"/>
-                <a:cs typeface="+mj-lt"/>
-              </a:rPr>
-              <a:t>ış</a:t>
-            </a:r>
-            <a:r>
-              <a:rPr lang="en-US" altLang="ru-RU" sz="1600">
-                <a:solidFill>
-                  <a:schemeClr val="tx2"/>
-                </a:solidFill>
-                <a:latin typeface="+mj-lt"/>
-                <a:cs typeface="+mj-lt"/>
-              </a:rPr>
-              <a:t>dak</a:t>
-            </a:r>
-            <a:r>
-              <a:rPr lang="en-US" altLang="en-US" sz="1600">
-                <a:solidFill>
-                  <a:schemeClr val="tx2"/>
-                </a:solidFill>
-                <a:latin typeface="+mj-lt"/>
-                <a:cs typeface="+mj-lt"/>
-              </a:rPr>
-              <a:t>ı</a:t>
-            </a:r>
-            <a:r>
-              <a:rPr lang="en-US" altLang="ru-RU" sz="1600">
-                <a:solidFill>
-                  <a:schemeClr val="tx2"/>
-                </a:solidFill>
-                <a:latin typeface="+mj-lt"/>
-                <a:cs typeface="+mj-lt"/>
-              </a:rPr>
-              <a:t> x</a:t>
-            </a:r>
-            <a:r>
-              <a:rPr lang="en-US" altLang="en-US" sz="1600">
-                <a:solidFill>
-                  <a:schemeClr val="tx2"/>
-                </a:solidFill>
-                <a:latin typeface="+mj-lt"/>
-                <a:cs typeface="+mj-lt"/>
-              </a:rPr>
-              <a:t>ə</a:t>
-            </a:r>
-            <a:r>
-              <a:rPr lang="en-US" altLang="ru-RU" sz="1600">
-                <a:solidFill>
-                  <a:schemeClr val="tx2"/>
-                </a:solidFill>
-                <a:latin typeface="+mj-lt"/>
-                <a:cs typeface="+mj-lt"/>
-              </a:rPr>
-              <a:t>ta geri istiqam</a:t>
-            </a:r>
-            <a:r>
-              <a:rPr lang="en-US" altLang="en-US" sz="1600">
-                <a:solidFill>
-                  <a:schemeClr val="tx2"/>
-                </a:solidFill>
-                <a:latin typeface="+mj-lt"/>
-                <a:cs typeface="+mj-lt"/>
-              </a:rPr>
-              <a:t>ə</a:t>
-            </a:r>
-            <a:r>
-              <a:rPr lang="en-US" altLang="ru-RU" sz="1600">
-                <a:solidFill>
-                  <a:schemeClr val="tx2"/>
-                </a:solidFill>
-                <a:latin typeface="+mj-lt"/>
-                <a:cs typeface="+mj-lt"/>
-              </a:rPr>
-              <a:t>td</a:t>
-            </a:r>
-            <a:r>
-              <a:rPr lang="en-US" altLang="en-US" sz="1600">
-                <a:solidFill>
-                  <a:schemeClr val="tx2"/>
-                </a:solidFill>
-                <a:latin typeface="+mj-lt"/>
-                <a:cs typeface="+mj-lt"/>
-              </a:rPr>
-              <a:t>ə </a:t>
-            </a:r>
-            <a:r>
-              <a:rPr lang="en-US" altLang="ru-RU" sz="1600">
-                <a:solidFill>
-                  <a:schemeClr val="tx2"/>
-                </a:solidFill>
-                <a:latin typeface="+mj-lt"/>
-                <a:cs typeface="+mj-lt"/>
-              </a:rPr>
-              <a:t>yay</a:t>
-            </a:r>
-            <a:r>
-              <a:rPr lang="en-US" altLang="en-US" sz="1600">
-                <a:solidFill>
-                  <a:schemeClr val="tx2"/>
-                </a:solidFill>
-                <a:latin typeface="+mj-lt"/>
-                <a:cs typeface="+mj-lt"/>
-              </a:rPr>
-              <a:t>ı</a:t>
-            </a:r>
-            <a:r>
-              <a:rPr lang="en-US" altLang="ru-RU" sz="1600">
-                <a:solidFill>
-                  <a:schemeClr val="tx2"/>
-                </a:solidFill>
-                <a:latin typeface="+mj-lt"/>
-                <a:cs typeface="+mj-lt"/>
-              </a:rPr>
-              <a:t>l</a:t>
-            </a:r>
-            <a:r>
-              <a:rPr lang="en-US" altLang="en-US" sz="1600">
-                <a:solidFill>
-                  <a:schemeClr val="tx2"/>
-                </a:solidFill>
-                <a:latin typeface="+mj-lt"/>
-                <a:cs typeface="+mj-lt"/>
-              </a:rPr>
-              <a:t>ı</a:t>
-            </a:r>
-            <a:r>
-              <a:rPr lang="en-US" altLang="ru-RU" sz="1600">
-                <a:solidFill>
-                  <a:schemeClr val="tx2"/>
-                </a:solidFill>
-                <a:latin typeface="+mj-lt"/>
-                <a:cs typeface="+mj-lt"/>
-              </a:rPr>
-              <a:t>r v</a:t>
-            </a:r>
-            <a:r>
-              <a:rPr lang="en-US" altLang="en-US" sz="1600">
-                <a:solidFill>
-                  <a:schemeClr val="tx2"/>
-                </a:solidFill>
-                <a:latin typeface="+mj-lt"/>
-                <a:cs typeface="+mj-lt"/>
-              </a:rPr>
-              <a:t>ə</a:t>
-            </a:r>
-            <a:endParaRPr lang="en-US" altLang="en-US" sz="1600">
-              <a:solidFill>
-                <a:schemeClr val="tx2"/>
-              </a:solidFill>
-              <a:latin typeface="+mj-lt"/>
-              <a:cs typeface="+mj-lt"/>
-            </a:endParaRPr>
-          </a:p>
-          <a:p>
-            <a:pPr marL="0" lvl="0" indent="0" algn="just">
-              <a:buFont typeface="Arial" panose="020B0604020202020204" pitchFamily="34" charset="0"/>
-              <a:buNone/>
-            </a:pPr>
-            <a:r>
-              <a:rPr lang="en-US" altLang="en-US" sz="1600">
-                <a:solidFill>
-                  <a:schemeClr val="tx2"/>
-                </a:solidFill>
-                <a:latin typeface="+mj-lt"/>
-                <a:cs typeface="+mj-lt"/>
-              </a:rPr>
-              <a:t> </a:t>
-            </a:r>
-            <a:r>
-              <a:rPr lang="en-US" sz="1600">
-                <a:solidFill>
-                  <a:schemeClr val="tx2"/>
-                </a:solidFill>
-                <a:latin typeface="+mj-lt"/>
-                <a:cs typeface="+mj-lt"/>
-              </a:rPr>
-              <a:t>   </a:t>
-            </a:r>
-            <a:r>
-              <a:rPr lang="en-US" altLang="en-US" sz="1600">
-                <a:solidFill>
-                  <a:schemeClr val="tx2"/>
-                </a:solidFill>
-                <a:latin typeface="+mj-lt"/>
-                <a:cs typeface="+mj-lt"/>
-              </a:rPr>
-              <a:t>çə</a:t>
-            </a:r>
-            <a:r>
-              <a:rPr lang="en-US" altLang="ru-RU" sz="1600">
-                <a:solidFill>
-                  <a:schemeClr val="tx2"/>
-                </a:solidFill>
-                <a:latin typeface="+mj-lt"/>
-                <a:cs typeface="+mj-lt"/>
-              </a:rPr>
-              <a:t>kil</a:t>
-            </a:r>
-            <a:r>
-              <a:rPr lang="en-US" altLang="en-US" sz="1600">
-                <a:solidFill>
-                  <a:schemeClr val="tx2"/>
-                </a:solidFill>
-                <a:latin typeface="+mj-lt"/>
-                <a:cs typeface="+mj-lt"/>
-              </a:rPr>
-              <a:t>ə</a:t>
-            </a:r>
-            <a:r>
-              <a:rPr lang="en-US" altLang="ru-RU" sz="1600">
-                <a:solidFill>
-                  <a:schemeClr val="tx2"/>
-                </a:solidFill>
-                <a:latin typeface="+mj-lt"/>
-                <a:cs typeface="+mj-lt"/>
-              </a:rPr>
-              <a:t>r yenil</a:t>
-            </a:r>
-            <a:r>
-              <a:rPr lang="en-US" altLang="en-US" sz="1600">
-                <a:solidFill>
-                  <a:schemeClr val="tx2"/>
-                </a:solidFill>
-                <a:latin typeface="+mj-lt"/>
-                <a:cs typeface="+mj-lt"/>
-              </a:rPr>
-              <a:t>ə</a:t>
-            </a:r>
-            <a:r>
-              <a:rPr lang="en-US" altLang="ru-RU" sz="1600">
-                <a:solidFill>
-                  <a:schemeClr val="tx2"/>
-                </a:solidFill>
-                <a:latin typeface="+mj-lt"/>
-                <a:cs typeface="+mj-lt"/>
-              </a:rPr>
-              <a:t>nir.</a:t>
-            </a:r>
-            <a:endParaRPr lang="en-US" altLang="ru-RU" sz="1600">
-              <a:solidFill>
-                <a:schemeClr val="tx2"/>
-              </a:solidFill>
-              <a:latin typeface="+mj-lt"/>
-              <a:cs typeface="+mj-lt"/>
-            </a:endParaRPr>
-          </a:p>
-        </p:txBody>
-      </p:sp>
-      <p:sp>
-        <p:nvSpPr>
-          <p:cNvPr id="5" name="Текстовое поле 4"/>
-          <p:cNvSpPr txBox="1"/>
-          <p:nvPr/>
-        </p:nvSpPr>
-        <p:spPr>
-          <a:xfrm>
-            <a:off x="382905" y="235585"/>
-            <a:ext cx="5759450" cy="368300"/>
-          </a:xfrm>
-          <a:prstGeom prst="rect">
-            <a:avLst/>
-          </a:prstGeom>
-          <a:solidFill>
-            <a:schemeClr val="bg1"/>
-          </a:solidFill>
-        </p:spPr>
-        <p:txBody>
-          <a:bodyPr wrap="square" rtlCol="0">
-            <a:spAutoFit/>
-          </a:bodyPr>
-          <a:p>
-            <a:r>
-              <a:rPr lang="en-US" altLang="ru-RU" sz="1800" b="1" dirty="0">
-                <a:solidFill>
-                  <a:schemeClr val="accent1"/>
-                </a:solidFill>
-                <a:effectLst>
-                  <a:outerShdw blurRad="38100" dist="25400" dir="5400000" algn="ctr" rotWithShape="0">
-                    <a:srgbClr val="6E747A">
-                      <a:alpha val="43000"/>
-                    </a:srgbClr>
-                  </a:outerShdw>
-                </a:effectLst>
-                <a:ea typeface="Calibri" panose="020F0502020204030204" pitchFamily="34" charset="0"/>
-                <a:cs typeface="Calibri" panose="020F0502020204030204" pitchFamily="34" charset="0"/>
-                <a:sym typeface="+mn-lt"/>
-              </a:rPr>
-              <a:t>X</a:t>
-            </a:r>
-            <a:r>
-              <a:rPr lang="en-US" altLang="en-US" sz="1800" b="1" dirty="0">
-                <a:solidFill>
-                  <a:schemeClr val="accent1"/>
-                </a:solidFill>
-                <a:effectLst>
-                  <a:outerShdw blurRad="38100" dist="25400" dir="5400000" algn="ctr" rotWithShape="0">
-                    <a:srgbClr val="6E747A">
-                      <a:alpha val="43000"/>
-                    </a:srgbClr>
-                  </a:outerShdw>
-                </a:effectLst>
-                <a:ea typeface="Calibri" panose="020F0502020204030204" pitchFamily="34" charset="0"/>
-                <a:cs typeface="Calibri" panose="020F0502020204030204" pitchFamily="34" charset="0"/>
-                <a:sym typeface="+mn-lt"/>
-              </a:rPr>
-              <a:t>ə</a:t>
-            </a:r>
-            <a:r>
-              <a:rPr lang="en-US" altLang="ru-RU" sz="1800" b="1" dirty="0">
-                <a:solidFill>
-                  <a:schemeClr val="accent1"/>
-                </a:solidFill>
-                <a:effectLst>
-                  <a:outerShdw blurRad="38100" dist="25400" dir="5400000" algn="ctr" rotWithShape="0">
-                    <a:srgbClr val="6E747A">
-                      <a:alpha val="43000"/>
-                    </a:srgbClr>
-                  </a:outerShdw>
-                </a:effectLst>
-                <a:ea typeface="Calibri" panose="020F0502020204030204" pitchFamily="34" charset="0"/>
-                <a:cs typeface="Calibri" panose="020F0502020204030204" pitchFamily="34" charset="0"/>
-                <a:sym typeface="+mn-lt"/>
-              </a:rPr>
-              <a:t>tan</a:t>
-            </a:r>
-            <a:r>
-              <a:rPr lang="en-US" altLang="en-US" sz="1800" b="1" dirty="0">
-                <a:solidFill>
-                  <a:schemeClr val="accent1"/>
-                </a:solidFill>
-                <a:effectLst>
-                  <a:outerShdw blurRad="38100" dist="25400" dir="5400000" algn="ctr" rotWithShape="0">
-                    <a:srgbClr val="6E747A">
-                      <a:alpha val="43000"/>
-                    </a:srgbClr>
-                  </a:outerShdw>
-                </a:effectLst>
-                <a:ea typeface="Calibri" panose="020F0502020204030204" pitchFamily="34" charset="0"/>
-                <a:cs typeface="Calibri" panose="020F0502020204030204" pitchFamily="34" charset="0"/>
-                <a:sym typeface="+mn-lt"/>
-              </a:rPr>
-              <a:t>ı</a:t>
-            </a:r>
-            <a:r>
-              <a:rPr lang="en-US" altLang="ru-RU" sz="1800" b="1" dirty="0">
-                <a:solidFill>
-                  <a:schemeClr val="accent1"/>
-                </a:solidFill>
-                <a:effectLst>
-                  <a:outerShdw blurRad="38100" dist="25400" dir="5400000" algn="ctr" rotWithShape="0">
-                    <a:srgbClr val="6E747A">
-                      <a:alpha val="43000"/>
-                    </a:srgbClr>
-                  </a:outerShdw>
-                </a:effectLst>
-                <a:ea typeface="Calibri" panose="020F0502020204030204" pitchFamily="34" charset="0"/>
-                <a:cs typeface="Calibri" panose="020F0502020204030204" pitchFamily="34" charset="0"/>
-                <a:sym typeface="+mn-lt"/>
-              </a:rPr>
-              <a:t>n geri yay</a:t>
-            </a:r>
-            <a:r>
-              <a:rPr lang="en-US" altLang="en-US" sz="1800" b="1" dirty="0">
-                <a:solidFill>
-                  <a:schemeClr val="accent1"/>
-                </a:solidFill>
-                <a:effectLst>
-                  <a:outerShdw blurRad="38100" dist="25400" dir="5400000" algn="ctr" rotWithShape="0">
-                    <a:srgbClr val="6E747A">
-                      <a:alpha val="43000"/>
-                    </a:srgbClr>
-                  </a:outerShdw>
-                </a:effectLst>
-                <a:ea typeface="Calibri" panose="020F0502020204030204" pitchFamily="34" charset="0"/>
-                <a:cs typeface="Calibri" panose="020F0502020204030204" pitchFamily="34" charset="0"/>
-                <a:sym typeface="+mn-lt"/>
-              </a:rPr>
-              <a:t>ı</a:t>
-            </a:r>
-            <a:r>
-              <a:rPr lang="en-US" altLang="ru-RU" sz="1800" b="1" dirty="0">
-                <a:solidFill>
-                  <a:schemeClr val="accent1"/>
-                </a:solidFill>
-                <a:effectLst>
-                  <a:outerShdw blurRad="38100" dist="25400" dir="5400000" algn="ctr" rotWithShape="0">
-                    <a:srgbClr val="6E747A">
-                      <a:alpha val="43000"/>
-                    </a:srgbClr>
-                  </a:outerShdw>
-                </a:effectLst>
-                <a:ea typeface="Calibri" panose="020F0502020204030204" pitchFamily="34" charset="0"/>
-                <a:cs typeface="Calibri" panose="020F0502020204030204" pitchFamily="34" charset="0"/>
-                <a:sym typeface="+mn-lt"/>
-              </a:rPr>
-              <a:t>lmas</a:t>
-            </a:r>
-            <a:r>
-              <a:rPr lang="en-US" altLang="en-US" sz="1800" b="1" dirty="0">
-                <a:solidFill>
-                  <a:schemeClr val="accent1"/>
-                </a:solidFill>
-                <a:effectLst>
-                  <a:outerShdw blurRad="38100" dist="25400" dir="5400000" algn="ctr" rotWithShape="0">
-                    <a:srgbClr val="6E747A">
-                      <a:alpha val="43000"/>
-                    </a:srgbClr>
-                  </a:outerShdw>
-                </a:effectLst>
-                <a:ea typeface="Calibri" panose="020F0502020204030204" pitchFamily="34" charset="0"/>
-                <a:cs typeface="Calibri" panose="020F0502020204030204" pitchFamily="34" charset="0"/>
-                <a:sym typeface="+mn-lt"/>
-              </a:rPr>
-              <a:t>ı</a:t>
-            </a:r>
-            <a:r>
-              <a:rPr lang="en-US" altLang="ru-RU" sz="1800" b="1" dirty="0">
-                <a:solidFill>
-                  <a:schemeClr val="accent1"/>
-                </a:solidFill>
-                <a:effectLst>
-                  <a:outerShdw blurRad="38100" dist="25400" dir="5400000" algn="ctr" rotWithShape="0">
-                    <a:srgbClr val="6E747A">
-                      <a:alpha val="43000"/>
-                    </a:srgbClr>
-                  </a:outerShdw>
-                </a:effectLst>
-                <a:ea typeface="Calibri" panose="020F0502020204030204" pitchFamily="34" charset="0"/>
-                <a:cs typeface="Calibri" panose="020F0502020204030204" pitchFamily="34" charset="0"/>
-                <a:sym typeface="+mn-lt"/>
-              </a:rPr>
-              <a:t> (Backpropagation) alqoritmi</a:t>
-            </a:r>
-            <a:endParaRPr lang="en-US" altLang="ru-RU" sz="1800" b="1" dirty="0">
-              <a:solidFill>
-                <a:schemeClr val="accent1"/>
-              </a:solidFill>
-              <a:effectLst>
-                <a:outerShdw blurRad="38100" dist="25400" dir="5400000" algn="ctr" rotWithShape="0">
-                  <a:srgbClr val="6E747A">
-                    <a:alpha val="43000"/>
-                  </a:srgbClr>
-                </a:outerShdw>
-              </a:effectLst>
-              <a:ea typeface="Calibri" panose="020F0502020204030204" pitchFamily="34" charset="0"/>
-              <a:cs typeface="Calibri" panose="020F0502020204030204" pitchFamily="34" charset="0"/>
-              <a:sym typeface="+mn-lt"/>
-            </a:endParaRPr>
-          </a:p>
-        </p:txBody>
-      </p:sp>
-      <p:pic>
-        <p:nvPicPr>
-          <p:cNvPr id="4" name="Изображение 3" descr="Backpropagation-in-Neural-Network-1"/>
-          <p:cNvPicPr>
-            <a:picLocks noChangeAspect="1"/>
-          </p:cNvPicPr>
-          <p:nvPr/>
-        </p:nvPicPr>
-        <p:blipFill>
-          <a:blip r:embed="rId1"/>
-          <a:srcRect l="6133" r="3621"/>
-          <a:stretch>
-            <a:fillRect/>
-          </a:stretch>
-        </p:blipFill>
-        <p:spPr>
-          <a:xfrm>
-            <a:off x="4471670" y="1720850"/>
-            <a:ext cx="4133215" cy="2290445"/>
-          </a:xfrm>
-          <a:prstGeom prst="rect">
-            <a:avLst/>
-          </a:prstGeom>
-        </p:spPr>
-      </p:pic>
-    </p:spTree>
-  </p:cSld>
-  <p:clrMapOvr>
-    <a:masterClrMapping/>
-  </p:clrMapOvr>
-</p:sld>
-</file>
-
-<file path=ppt/slides/slide11.xml><?xml version="1.0" encoding="utf-8"?>
 <p:sld xmlns:a="http://schemas.openxmlformats.org/drawingml/2006/main" xmlns:r="http://schemas.openxmlformats.org/officeDocument/2006/relationships" xmlns:p="http://schemas.openxmlformats.org/presentationml/2006/main">
   <p:cSld>
     <p:spTree>
@@ -7464,10 +5648,22 @@
   <p:clrMapOvr>
     <a:masterClrMapping/>
   </p:clrMapOvr>
+  <mc:AlternateContent xmlns:mc="http://schemas.openxmlformats.org/markup-compatibility/2006" xmlns:p159="http://schemas.microsoft.com/office/powerpoint/2015/09/main">
+    <mc:Choice Requires="p159">
+      <p:transition xmlns:p14="http://schemas.microsoft.com/office/powerpoint/2010/main" spd="slow" p14:dur="2000">
+        <p159:morph option="byObject"/>
+      </p:transition>
+    </mc:Choice>
+    <mc:Fallback>
+      <p:transition spd="slow">
+        <p:fade/>
+      </p:transition>
+    </mc:Fallback>
+  </mc:AlternateContent>
 </p:sld>
 </file>
 
-<file path=ppt/slides/slide12.xml><?xml version="1.0" encoding="utf-8"?>
+<file path=ppt/slides/slide11.xml><?xml version="1.0" encoding="utf-8"?>
 <p:sld xmlns:a="http://schemas.openxmlformats.org/drawingml/2006/main" xmlns:r="http://schemas.openxmlformats.org/officeDocument/2006/relationships" xmlns:p="http://schemas.openxmlformats.org/presentationml/2006/main">
   <p:cSld>
     <p:spTree>
@@ -8641,10 +6837,22 @@
   <p:clrMapOvr>
     <a:masterClrMapping/>
   </p:clrMapOvr>
+  <mc:AlternateContent xmlns:mc="http://schemas.openxmlformats.org/markup-compatibility/2006" xmlns:p159="http://schemas.microsoft.com/office/powerpoint/2015/09/main">
+    <mc:Choice Requires="p159">
+      <p:transition xmlns:p14="http://schemas.microsoft.com/office/powerpoint/2010/main" spd="slow" p14:dur="2000">
+        <p159:morph option="byObject"/>
+      </p:transition>
+    </mc:Choice>
+    <mc:Fallback>
+      <p:transition spd="slow">
+        <p:fade/>
+      </p:transition>
+    </mc:Fallback>
+  </mc:AlternateContent>
 </p:sld>
 </file>
 
-<file path=ppt/slides/slide13.xml><?xml version="1.0" encoding="utf-8"?>
+<file path=ppt/slides/slide12.xml><?xml version="1.0" encoding="utf-8"?>
 <p:sld xmlns:a="http://schemas.openxmlformats.org/drawingml/2006/main" xmlns:r="http://schemas.openxmlformats.org/officeDocument/2006/relationships" xmlns:p="http://schemas.openxmlformats.org/presentationml/2006/main">
   <p:cSld>
     <p:spTree>
@@ -8692,7 +6900,7 @@
               <a:t>Sigmoid funksiyas</a:t>
             </a:r>
             <a:r>
-              <a:rPr lang="" altLang="en-US" sz="1600">
+              <a:rPr lang="en-US" altLang="en-US" sz="1600">
                 <a:solidFill>
                   <a:schemeClr val="tx2"/>
                 </a:solidFill>
@@ -10603,7 +8811,7 @@
       </p:pic>
       <p:pic>
         <p:nvPicPr>
-          <p:cNvPr id="8" name="2384804F-3998-4D57-9195-F3826E402611-12" descr="wpp"/>
+          <p:cNvPr id="8" name="2384804F-3998-4D57-9195-F3826E402611-12" descr="C:/Users/receb/AppData/Local/Temp/wpp.yPxalDwpp"/>
           <p:cNvPicPr>
             <a:picLocks noChangeAspect="1"/>
           </p:cNvPicPr>
@@ -10623,8 +8831,8 @@
         </p:blipFill>
         <p:spPr>
           <a:xfrm>
-            <a:off x="1409700" y="1295400"/>
-            <a:ext cx="2222500" cy="236620"/>
+            <a:off x="1450975" y="1303655"/>
+            <a:ext cx="2301962" cy="238125"/>
           </a:xfrm>
           <a:prstGeom prst="rect">
             <a:avLst/>
@@ -10636,10 +8844,22 @@
   <p:clrMapOvr>
     <a:masterClrMapping/>
   </p:clrMapOvr>
+  <mc:AlternateContent xmlns:mc="http://schemas.openxmlformats.org/markup-compatibility/2006" xmlns:p159="http://schemas.microsoft.com/office/powerpoint/2015/09/main">
+    <mc:Choice Requires="p159">
+      <p:transition xmlns:p14="http://schemas.microsoft.com/office/powerpoint/2010/main" spd="slow" p14:dur="2000">
+        <p159:morph option="byObject"/>
+      </p:transition>
+    </mc:Choice>
+    <mc:Fallback>
+      <p:transition spd="slow">
+        <p:fade/>
+      </p:transition>
+    </mc:Fallback>
+  </mc:AlternateContent>
 </p:sld>
 </file>
 
-<file path=ppt/slides/slide14.xml><?xml version="1.0" encoding="utf-8"?>
+<file path=ppt/slides/slide13.xml><?xml version="1.0" encoding="utf-8"?>
 <p:sld xmlns:a="http://schemas.openxmlformats.org/drawingml/2006/main" xmlns:r="http://schemas.openxmlformats.org/officeDocument/2006/relationships" xmlns:p="http://schemas.openxmlformats.org/presentationml/2006/main">
   <p:cSld>
     <p:spTree>
@@ -10797,10 +9017,22 @@
   <p:clrMapOvr>
     <a:masterClrMapping/>
   </p:clrMapOvr>
+  <mc:AlternateContent xmlns:mc="http://schemas.openxmlformats.org/markup-compatibility/2006" xmlns:p159="http://schemas.microsoft.com/office/powerpoint/2015/09/main">
+    <mc:Choice Requires="p159">
+      <p:transition xmlns:p14="http://schemas.microsoft.com/office/powerpoint/2010/main" spd="slow" p14:dur="2000">
+        <p159:morph option="byObject"/>
+      </p:transition>
+    </mc:Choice>
+    <mc:Fallback>
+      <p:transition spd="slow">
+        <p:fade/>
+      </p:transition>
+    </mc:Fallback>
+  </mc:AlternateContent>
 </p:sld>
 </file>
 
-<file path=ppt/slides/slide15.xml><?xml version="1.0" encoding="utf-8"?>
+<file path=ppt/slides/slide14.xml><?xml version="1.0" encoding="utf-8"?>
 <p:sld xmlns:a="http://schemas.openxmlformats.org/drawingml/2006/main" xmlns:r="http://schemas.openxmlformats.org/officeDocument/2006/relationships" xmlns:p="http://schemas.openxmlformats.org/presentationml/2006/main">
   <p:cSld>
     <p:spTree>
@@ -10848,7 +9080,7 @@
               <a:t>ReLU  funksiyas</a:t>
             </a:r>
             <a:r>
-              <a:rPr lang="" altLang="en-US" sz="1600">
+              <a:rPr lang="en-US" altLang="en-US" sz="1600">
                 <a:solidFill>
                   <a:schemeClr val="tx2"/>
                 </a:solidFill>
@@ -10867,7 +9099,7 @@
               </a:rPr>
               <a:t>: </a:t>
             </a:r>
-            <a:endParaRPr lang="" altLang="en-US" sz="1600">
+            <a:endParaRPr lang="en-US" altLang="en-US" sz="1600">
               <a:solidFill>
                 <a:schemeClr val="tx2"/>
               </a:solidFill>
@@ -12471,10 +10703,22 @@
   <p:clrMapOvr>
     <a:masterClrMapping/>
   </p:clrMapOvr>
+  <mc:AlternateContent xmlns:mc="http://schemas.openxmlformats.org/markup-compatibility/2006" xmlns:p159="http://schemas.microsoft.com/office/powerpoint/2015/09/main">
+    <mc:Choice Requires="p159">
+      <p:transition xmlns:p14="http://schemas.microsoft.com/office/powerpoint/2010/main" spd="slow" p14:dur="2000">
+        <p159:morph option="byObject"/>
+      </p:transition>
+    </mc:Choice>
+    <mc:Fallback>
+      <p:transition spd="slow">
+        <p:fade/>
+      </p:transition>
+    </mc:Fallback>
+  </mc:AlternateContent>
 </p:sld>
 </file>
 
-<file path=ppt/slides/slide16.xml><?xml version="1.0" encoding="utf-8"?>
+<file path=ppt/slides/slide15.xml><?xml version="1.0" encoding="utf-8"?>
 <p:sld xmlns:a="http://schemas.openxmlformats.org/drawingml/2006/main" xmlns:r="http://schemas.openxmlformats.org/officeDocument/2006/relationships" xmlns:p="http://schemas.openxmlformats.org/presentationml/2006/main">
   <p:cSld>
     <p:spTree>
@@ -12526,7 +10770,7 @@
               <a:t>ReLU (Rectified Linear Unit) funksiyas</a:t>
             </a:r>
             <a:r>
-              <a:rPr lang="" altLang="en-US" sz="1800" b="1" dirty="0">
+              <a:rPr lang="en-US" altLang="en-US" sz="1800" b="1" dirty="0">
                 <a:solidFill>
                   <a:schemeClr val="accent1"/>
                 </a:solidFill>
@@ -12543,7 +10787,7 @@
               </a:rPr>
               <a:t>ı</a:t>
             </a:r>
-            <a:endParaRPr lang="" altLang="en-US" sz="1800" b="1" dirty="0">
+            <a:endParaRPr lang="en-US" altLang="en-US" sz="1800" b="1" dirty="0">
               <a:solidFill>
                 <a:schemeClr val="accent1"/>
               </a:solidFill>
@@ -12560,7 +10804,7 @@
             </a:endParaRPr>
           </a:p>
           <a:p>
-            <a:endParaRPr lang="" altLang="en-US" sz="1800" b="1" dirty="0">
+            <a:endParaRPr lang="en-US" altLang="en-US" sz="1800" b="1" dirty="0">
               <a:solidFill>
                 <a:schemeClr val="accent1"/>
               </a:solidFill>
@@ -12633,10 +10877,22 @@
   <p:clrMapOvr>
     <a:masterClrMapping/>
   </p:clrMapOvr>
+  <mc:AlternateContent xmlns:mc="http://schemas.openxmlformats.org/markup-compatibility/2006" xmlns:p159="http://schemas.microsoft.com/office/powerpoint/2015/09/main">
+    <mc:Choice Requires="p159">
+      <p:transition xmlns:p14="http://schemas.microsoft.com/office/powerpoint/2010/main" spd="slow" p14:dur="2000">
+        <p159:morph option="byObject"/>
+      </p:transition>
+    </mc:Choice>
+    <mc:Fallback>
+      <p:transition spd="slow">
+        <p:fade/>
+      </p:transition>
+    </mc:Fallback>
+  </mc:AlternateContent>
 </p:sld>
 </file>
 
-<file path=ppt/slides/slide17.xml><?xml version="1.0" encoding="utf-8"?>
+<file path=ppt/slides/slide16.xml><?xml version="1.0" encoding="utf-8"?>
 <p:sld xmlns:a="http://schemas.openxmlformats.org/drawingml/2006/main" xmlns:r="http://schemas.openxmlformats.org/officeDocument/2006/relationships" xmlns:p="http://schemas.openxmlformats.org/presentationml/2006/main">
   <p:cSld>
     <p:spTree>
@@ -12684,7 +10940,7 @@
               <a:t>ReLU funksiyas</a:t>
             </a:r>
             <a:r>
-              <a:rPr lang="" altLang="en-US" sz="1600">
+              <a:rPr lang="en-US" altLang="en-US" sz="1600">
                 <a:solidFill>
                   <a:schemeClr val="tx2"/>
                 </a:solidFill>
@@ -12703,7 +10959,7 @@
               </a:rPr>
               <a:t>: </a:t>
             </a:r>
-            <a:endParaRPr lang="" altLang="en-US" sz="1600">
+            <a:endParaRPr lang="en-US" altLang="en-US" sz="1600">
               <a:solidFill>
                 <a:schemeClr val="tx2"/>
               </a:solidFill>
@@ -14008,10 +12264,22 @@
   <p:clrMapOvr>
     <a:masterClrMapping/>
   </p:clrMapOvr>
+  <mc:AlternateContent xmlns:mc="http://schemas.openxmlformats.org/markup-compatibility/2006" xmlns:p159="http://schemas.microsoft.com/office/powerpoint/2015/09/main">
+    <mc:Choice Requires="p159">
+      <p:transition xmlns:p14="http://schemas.microsoft.com/office/powerpoint/2010/main" spd="slow" p14:dur="2000">
+        <p159:morph option="byObject"/>
+      </p:transition>
+    </mc:Choice>
+    <mc:Fallback>
+      <p:transition spd="slow">
+        <p:fade/>
+      </p:transition>
+    </mc:Fallback>
+  </mc:AlternateContent>
 </p:sld>
 </file>
 
-<file path=ppt/slides/slide18.xml><?xml version="1.0" encoding="utf-8"?>
+<file path=ppt/slides/slide17.xml><?xml version="1.0" encoding="utf-8"?>
 <p:sld xmlns:a="http://schemas.openxmlformats.org/drawingml/2006/main" xmlns:r="http://schemas.openxmlformats.org/officeDocument/2006/relationships" xmlns:p="http://schemas.openxmlformats.org/presentationml/2006/main">
   <p:cSld>
     <p:spTree>
@@ -14153,10 +12421,22 @@
   <p:clrMapOvr>
     <a:masterClrMapping/>
   </p:clrMapOvr>
+  <mc:AlternateContent xmlns:mc="http://schemas.openxmlformats.org/markup-compatibility/2006" xmlns:p159="http://schemas.microsoft.com/office/powerpoint/2015/09/main">
+    <mc:Choice Requires="p159">
+      <p:transition xmlns:p14="http://schemas.microsoft.com/office/powerpoint/2010/main" spd="slow" p14:dur="2000">
+        <p159:morph option="byObject"/>
+      </p:transition>
+    </mc:Choice>
+    <mc:Fallback>
+      <p:transition spd="slow">
+        <p:fade/>
+      </p:transition>
+    </mc:Fallback>
+  </mc:AlternateContent>
 </p:sld>
 </file>
 
-<file path=ppt/slides/slide19.xml><?xml version="1.0" encoding="utf-8"?>
+<file path=ppt/slides/slide18.xml><?xml version="1.0" encoding="utf-8"?>
 <p:sld xmlns:a="http://schemas.openxmlformats.org/drawingml/2006/main" xmlns:r="http://schemas.openxmlformats.org/officeDocument/2006/relationships" xmlns:p="http://schemas.openxmlformats.org/presentationml/2006/main">
   <p:cSld>
     <p:spTree>
@@ -14254,617 +12534,22 @@
   <p:clrMapOvr>
     <a:masterClrMapping/>
   </p:clrMapOvr>
+  <mc:AlternateContent xmlns:mc="http://schemas.openxmlformats.org/markup-compatibility/2006" xmlns:p159="http://schemas.microsoft.com/office/powerpoint/2015/09/main">
+    <mc:Choice Requires="p159">
+      <p:transition xmlns:p14="http://schemas.microsoft.com/office/powerpoint/2010/main" spd="slow" p14:dur="2000">
+        <p159:morph option="byObject"/>
+      </p:transition>
+    </mc:Choice>
+    <mc:Fallback>
+      <p:transition spd="slow">
+        <p:fade/>
+      </p:transition>
+    </mc:Fallback>
+  </mc:AlternateContent>
 </p:sld>
 </file>
 
-<file path=ppt/slides/slide2.xml><?xml version="1.0" encoding="utf-8"?>
-<p:sld xmlns:a="http://schemas.openxmlformats.org/drawingml/2006/main" xmlns:r="http://schemas.openxmlformats.org/officeDocument/2006/relationships" xmlns:p="http://schemas.openxmlformats.org/presentationml/2006/main" show="0">
-  <p:cSld>
-    <p:spTree>
-      <p:nvGrpSpPr>
-        <p:cNvPr id="1" name=""/>
-        <p:cNvGrpSpPr/>
-        <p:nvPr/>
-      </p:nvGrpSpPr>
-      <p:grpSpPr>
-        <a:xfrm>
-          <a:off x="0" y="0"/>
-          <a:ext cx="0" cy="0"/>
-          <a:chOff x="0" y="0"/>
-          <a:chExt cx="0" cy="0"/>
-        </a:xfrm>
-      </p:grpSpPr>
-      <p:sp>
-        <p:nvSpPr>
-          <p:cNvPr id="28" name="文本框 5"/>
-          <p:cNvSpPr txBox="1">
-            <a:spLocks noChangeArrowheads="1"/>
-          </p:cNvSpPr>
-          <p:nvPr/>
-        </p:nvSpPr>
-        <p:spPr bwMode="auto">
-          <a:xfrm>
-            <a:off x="1749402" y="2310795"/>
-            <a:ext cx="826135" cy="521970"/>
-          </a:xfrm>
-          <a:prstGeom prst="rect">
-            <a:avLst/>
-          </a:prstGeom>
-          <a:noFill/>
-          <a:ln>
-            <a:noFill/>
-          </a:ln>
-          <a:extLst>
-            <a:ext uri="{909E8E84-426E-40DD-AFC4-6F175D3DCCD1}">
-              <a14:hiddenFill xmlns:a14="http://schemas.microsoft.com/office/drawing/2010/main">
-                <a:solidFill>
-                  <a:srgbClr val="FFFFFF"/>
-                </a:solidFill>
-              </a14:hiddenFill>
-            </a:ext>
-            <a:ext uri="{91240B29-F687-4F45-9708-019B960494DF}">
-              <a14:hiddenLine xmlns:a14="http://schemas.microsoft.com/office/drawing/2010/main" w="9525">
-                <a:solidFill>
-                  <a:srgbClr val="000000"/>
-                </a:solidFill>
-                <a:miter lim="800000"/>
-                <a:headEnd/>
-                <a:tailEnd/>
-              </a14:hiddenLine>
-            </a:ext>
-          </a:extLst>
-        </p:spPr>
-        <p:txBody>
-          <a:bodyPr wrap="none">
-            <a:spAutoFit/>
-          </a:bodyPr>
-          <a:lstStyle>
-            <a:lvl1pPr>
-              <a:defRPr sz="1300">
-                <a:solidFill>
-                  <a:schemeClr val="tx1"/>
-                </a:solidFill>
-                <a:latin typeface="Calibri Light" panose="020F0302020204030204" pitchFamily="34" charset="0"/>
-                <a:ea typeface="方正宋刻本秀楷简体" panose="02000000000000000000" pitchFamily="2" charset="-122"/>
-              </a:defRPr>
-            </a:lvl1pPr>
-            <a:lvl2pPr marL="742950" indent="-285750">
-              <a:defRPr sz="1300">
-                <a:solidFill>
-                  <a:schemeClr val="tx1"/>
-                </a:solidFill>
-                <a:latin typeface="Calibri Light" panose="020F0302020204030204" pitchFamily="34" charset="0"/>
-                <a:ea typeface="方正宋刻本秀楷简体" panose="02000000000000000000" pitchFamily="2" charset="-122"/>
-              </a:defRPr>
-            </a:lvl2pPr>
-            <a:lvl3pPr marL="1143000" indent="-228600">
-              <a:defRPr sz="1300">
-                <a:solidFill>
-                  <a:schemeClr val="tx1"/>
-                </a:solidFill>
-                <a:latin typeface="Calibri Light" panose="020F0302020204030204" pitchFamily="34" charset="0"/>
-                <a:ea typeface="方正宋刻本秀楷简体" panose="02000000000000000000" pitchFamily="2" charset="-122"/>
-              </a:defRPr>
-            </a:lvl3pPr>
-            <a:lvl4pPr marL="1600200" indent="-228600">
-              <a:defRPr sz="1300">
-                <a:solidFill>
-                  <a:schemeClr val="tx1"/>
-                </a:solidFill>
-                <a:latin typeface="Calibri Light" panose="020F0302020204030204" pitchFamily="34" charset="0"/>
-                <a:ea typeface="方正宋刻本秀楷简体" panose="02000000000000000000" pitchFamily="2" charset="-122"/>
-              </a:defRPr>
-            </a:lvl4pPr>
-            <a:lvl5pPr marL="2057400" indent="-228600">
-              <a:defRPr sz="1300">
-                <a:solidFill>
-                  <a:schemeClr val="tx1"/>
-                </a:solidFill>
-                <a:latin typeface="Calibri Light" panose="020F0302020204030204" pitchFamily="34" charset="0"/>
-                <a:ea typeface="方正宋刻本秀楷简体" panose="02000000000000000000" pitchFamily="2" charset="-122"/>
-              </a:defRPr>
-            </a:lvl5pPr>
-            <a:lvl6pPr marL="2514600" indent="-228600" defTabSz="685800" eaLnBrk="0" fontAlgn="base" hangingPunct="0">
-              <a:spcBef>
-                <a:spcPct val="0"/>
-              </a:spcBef>
-              <a:spcAft>
-                <a:spcPct val="0"/>
-              </a:spcAft>
-              <a:defRPr sz="1300">
-                <a:solidFill>
-                  <a:schemeClr val="tx1"/>
-                </a:solidFill>
-                <a:latin typeface="Calibri Light" panose="020F0302020204030204" pitchFamily="34" charset="0"/>
-                <a:ea typeface="方正宋刻本秀楷简体" panose="02000000000000000000" pitchFamily="2" charset="-122"/>
-              </a:defRPr>
-            </a:lvl6pPr>
-            <a:lvl7pPr marL="2971800" indent="-228600" defTabSz="685800" eaLnBrk="0" fontAlgn="base" hangingPunct="0">
-              <a:spcBef>
-                <a:spcPct val="0"/>
-              </a:spcBef>
-              <a:spcAft>
-                <a:spcPct val="0"/>
-              </a:spcAft>
-              <a:defRPr sz="1300">
-                <a:solidFill>
-                  <a:schemeClr val="tx1"/>
-                </a:solidFill>
-                <a:latin typeface="Calibri Light" panose="020F0302020204030204" pitchFamily="34" charset="0"/>
-                <a:ea typeface="方正宋刻本秀楷简体" panose="02000000000000000000" pitchFamily="2" charset="-122"/>
-              </a:defRPr>
-            </a:lvl7pPr>
-            <a:lvl8pPr marL="3429000" indent="-228600" defTabSz="685800" eaLnBrk="0" fontAlgn="base" hangingPunct="0">
-              <a:spcBef>
-                <a:spcPct val="0"/>
-              </a:spcBef>
-              <a:spcAft>
-                <a:spcPct val="0"/>
-              </a:spcAft>
-              <a:defRPr sz="1300">
-                <a:solidFill>
-                  <a:schemeClr val="tx1"/>
-                </a:solidFill>
-                <a:latin typeface="Calibri Light" panose="020F0302020204030204" pitchFamily="34" charset="0"/>
-                <a:ea typeface="方正宋刻本秀楷简体" panose="02000000000000000000" pitchFamily="2" charset="-122"/>
-              </a:defRPr>
-            </a:lvl8pPr>
-            <a:lvl9pPr marL="3886200" indent="-228600" defTabSz="685800" eaLnBrk="0" fontAlgn="base" hangingPunct="0">
-              <a:spcBef>
-                <a:spcPct val="0"/>
-              </a:spcBef>
-              <a:spcAft>
-                <a:spcPct val="0"/>
-              </a:spcAft>
-              <a:defRPr sz="1300">
-                <a:solidFill>
-                  <a:schemeClr val="tx1"/>
-                </a:solidFill>
-                <a:latin typeface="Calibri Light" panose="020F0302020204030204" pitchFamily="34" charset="0"/>
-                <a:ea typeface="方正宋刻本秀楷简体" panose="02000000000000000000" pitchFamily="2" charset="-122"/>
-              </a:defRPr>
-            </a:lvl9pPr>
-          </a:lstStyle>
-          <a:p>
-            <a:pPr algn="ctr" fontAlgn="base">
-              <a:spcBef>
-                <a:spcPct val="0"/>
-              </a:spcBef>
-              <a:spcAft>
-                <a:spcPct val="0"/>
-              </a:spcAft>
-              <a:defRPr/>
-            </a:pPr>
-            <a:r>
-              <a:rPr lang="en-US" altLang="zh-CN" sz="2800" b="1" dirty="0">
-                <a:solidFill>
-                  <a:schemeClr val="accent1"/>
-                </a:solidFill>
-                <a:latin typeface="+mn-lt"/>
-                <a:ea typeface="Calibri" panose="020F0502020204030204" pitchFamily="34" charset="0"/>
-                <a:cs typeface="Calibri" panose="020F0502020204030204" pitchFamily="34" charset="0"/>
-                <a:sym typeface="+mn-lt"/>
-              </a:rPr>
-              <a:t>Plan</a:t>
-            </a:r>
-            <a:endParaRPr lang="en-US" altLang="zh-CN" sz="2800" b="1" dirty="0">
-              <a:solidFill>
-                <a:schemeClr val="accent1"/>
-              </a:solidFill>
-              <a:latin typeface="+mn-lt"/>
-              <a:ea typeface="Calibri" panose="020F0502020204030204" pitchFamily="34" charset="0"/>
-              <a:cs typeface="Calibri" panose="020F0502020204030204" pitchFamily="34" charset="0"/>
-              <a:sym typeface="+mn-lt"/>
-            </a:endParaRPr>
-          </a:p>
-        </p:txBody>
-      </p:sp>
-      <p:sp>
-        <p:nvSpPr>
-          <p:cNvPr id="71" name="矩形 70"/>
-          <p:cNvSpPr/>
-          <p:nvPr>
-            <p:custDataLst>
-              <p:tags r:id="rId1"/>
-            </p:custDataLst>
-          </p:nvPr>
-        </p:nvSpPr>
-        <p:spPr>
-          <a:xfrm>
-            <a:off x="5267687" y="950103"/>
-            <a:ext cx="2689225" cy="368300"/>
-          </a:xfrm>
-          <a:prstGeom prst="rect">
-            <a:avLst/>
-          </a:prstGeom>
-        </p:spPr>
-        <p:txBody>
-          <a:bodyPr wrap="none">
-            <a:spAutoFit/>
-          </a:bodyPr>
-          <a:lstStyle/>
-          <a:p>
-            <a:pPr algn="l"/>
-            <a:r>
-              <a:rPr lang="en-US" altLang="ru-RU" sz="1800" b="1">
-                <a:solidFill>
-                  <a:schemeClr val="tx2"/>
-                </a:solidFill>
-                <a:latin typeface="+mj-lt"/>
-                <a:cs typeface="+mj-lt"/>
-                <a:sym typeface="+mn-ea"/>
-              </a:rPr>
-              <a:t>Artificial Neural Networks </a:t>
-            </a:r>
-            <a:endParaRPr lang="en-US" altLang="ru-RU" sz="1800" b="1" dirty="0">
-              <a:solidFill>
-                <a:schemeClr val="tx2"/>
-              </a:solidFill>
-              <a:ea typeface="Calibri" panose="020F0502020204030204" pitchFamily="34" charset="0"/>
-              <a:cs typeface="Calibri" panose="020F0502020204030204" pitchFamily="34" charset="0"/>
-              <a:sym typeface="+mn-lt"/>
-            </a:endParaRPr>
-          </a:p>
-        </p:txBody>
-      </p:sp>
-      <p:sp>
-        <p:nvSpPr>
-          <p:cNvPr id="82" name="椭圆 81"/>
-          <p:cNvSpPr/>
-          <p:nvPr>
-            <p:custDataLst>
-              <p:tags r:id="rId2"/>
-            </p:custDataLst>
-          </p:nvPr>
-        </p:nvSpPr>
-        <p:spPr>
-          <a:xfrm>
-            <a:off x="4614999" y="852903"/>
-            <a:ext cx="561600" cy="562630"/>
-          </a:xfrm>
-          <a:prstGeom prst="ellipse">
-            <a:avLst/>
-          </a:prstGeom>
-          <a:solidFill>
-            <a:schemeClr val="accent1"/>
-          </a:solidFill>
-        </p:spPr>
-        <p:txBody>
-          <a:bodyPr wrap="none">
-            <a:noAutofit/>
-          </a:bodyPr>
-          <a:lstStyle/>
-          <a:p>
-            <a:pPr algn="ctr"/>
-            <a:r>
-              <a:rPr lang="en-US" altLang="zh-CN" sz="2000" b="1" dirty="0">
-                <a:solidFill>
-                  <a:schemeClr val="bg1"/>
-                </a:solidFill>
-                <a:ea typeface="Calibri" panose="020F0502020204030204" pitchFamily="34" charset="0"/>
-                <a:cs typeface="Calibri" panose="020F0502020204030204" pitchFamily="34" charset="0"/>
-                <a:sym typeface="+mn-lt"/>
-              </a:rPr>
-              <a:t>01</a:t>
-            </a:r>
-            <a:endParaRPr lang="zh-CN" altLang="en-US" sz="1600" b="1" dirty="0">
-              <a:solidFill>
-                <a:schemeClr val="bg1"/>
-              </a:solidFill>
-              <a:ea typeface="Calibri" panose="020F0502020204030204" pitchFamily="34" charset="0"/>
-              <a:cs typeface="Calibri" panose="020F0502020204030204" pitchFamily="34" charset="0"/>
-              <a:sym typeface="+mn-lt"/>
-            </a:endParaRPr>
-          </a:p>
-        </p:txBody>
-      </p:sp>
-      <p:sp>
-        <p:nvSpPr>
-          <p:cNvPr id="90" name="椭圆 89"/>
-          <p:cNvSpPr/>
-          <p:nvPr>
-            <p:custDataLst>
-              <p:tags r:id="rId3"/>
-            </p:custDataLst>
-          </p:nvPr>
-        </p:nvSpPr>
-        <p:spPr>
-          <a:xfrm>
-            <a:off x="4614999" y="1746735"/>
-            <a:ext cx="561600" cy="562630"/>
-          </a:xfrm>
-          <a:prstGeom prst="ellipse">
-            <a:avLst/>
-          </a:prstGeom>
-          <a:solidFill>
-            <a:schemeClr val="accent1"/>
-          </a:solidFill>
-        </p:spPr>
-        <p:txBody>
-          <a:bodyPr wrap="none">
-            <a:noAutofit/>
-          </a:bodyPr>
-          <a:lstStyle/>
-          <a:p>
-            <a:pPr algn="ctr"/>
-            <a:r>
-              <a:rPr lang="en-US" altLang="zh-CN" sz="2000" b="1" dirty="0">
-                <a:solidFill>
-                  <a:schemeClr val="bg1"/>
-                </a:solidFill>
-                <a:ea typeface="Calibri" panose="020F0502020204030204" pitchFamily="34" charset="0"/>
-                <a:cs typeface="Calibri" panose="020F0502020204030204" pitchFamily="34" charset="0"/>
-                <a:sym typeface="+mn-lt"/>
-              </a:rPr>
-              <a:t>02</a:t>
-            </a:r>
-            <a:endParaRPr lang="zh-CN" altLang="en-US" sz="1600" b="1" dirty="0">
-              <a:solidFill>
-                <a:schemeClr val="bg1"/>
-              </a:solidFill>
-              <a:ea typeface="Calibri" panose="020F0502020204030204" pitchFamily="34" charset="0"/>
-              <a:cs typeface="Calibri" panose="020F0502020204030204" pitchFamily="34" charset="0"/>
-              <a:sym typeface="+mn-lt"/>
-            </a:endParaRPr>
-          </a:p>
-        </p:txBody>
-      </p:sp>
-      <p:sp>
-        <p:nvSpPr>
-          <p:cNvPr id="95" name="椭圆 94"/>
-          <p:cNvSpPr/>
-          <p:nvPr>
-            <p:custDataLst>
-              <p:tags r:id="rId4"/>
-            </p:custDataLst>
-          </p:nvPr>
-        </p:nvSpPr>
-        <p:spPr>
-          <a:xfrm>
-            <a:off x="4614999" y="2640567"/>
-            <a:ext cx="561600" cy="562630"/>
-          </a:xfrm>
-          <a:prstGeom prst="ellipse">
-            <a:avLst/>
-          </a:prstGeom>
-          <a:solidFill>
-            <a:schemeClr val="accent1"/>
-          </a:solidFill>
-        </p:spPr>
-        <p:txBody>
-          <a:bodyPr wrap="none">
-            <a:noAutofit/>
-          </a:bodyPr>
-          <a:lstStyle/>
-          <a:p>
-            <a:pPr algn="ctr"/>
-            <a:r>
-              <a:rPr lang="en-US" altLang="zh-CN" sz="2000" b="1" dirty="0">
-                <a:solidFill>
-                  <a:schemeClr val="bg1"/>
-                </a:solidFill>
-                <a:ea typeface="Calibri" panose="020F0502020204030204" pitchFamily="34" charset="0"/>
-                <a:cs typeface="Calibri" panose="020F0502020204030204" pitchFamily="34" charset="0"/>
-                <a:sym typeface="+mn-lt"/>
-              </a:rPr>
-              <a:t>03</a:t>
-            </a:r>
-            <a:endParaRPr lang="zh-CN" altLang="en-US" sz="1600" b="1" dirty="0">
-              <a:solidFill>
-                <a:schemeClr val="bg1"/>
-              </a:solidFill>
-              <a:ea typeface="Calibri" panose="020F0502020204030204" pitchFamily="34" charset="0"/>
-              <a:cs typeface="Calibri" panose="020F0502020204030204" pitchFamily="34" charset="0"/>
-              <a:sym typeface="+mn-lt"/>
-            </a:endParaRPr>
-          </a:p>
-        </p:txBody>
-      </p:sp>
-      <p:sp>
-        <p:nvSpPr>
-          <p:cNvPr id="100" name="椭圆 99"/>
-          <p:cNvSpPr/>
-          <p:nvPr>
-            <p:custDataLst>
-              <p:tags r:id="rId5"/>
-            </p:custDataLst>
-          </p:nvPr>
-        </p:nvSpPr>
-        <p:spPr>
-          <a:xfrm>
-            <a:off x="4614999" y="3534400"/>
-            <a:ext cx="561600" cy="562630"/>
-          </a:xfrm>
-          <a:prstGeom prst="ellipse">
-            <a:avLst/>
-          </a:prstGeom>
-          <a:solidFill>
-            <a:schemeClr val="accent1"/>
-          </a:solidFill>
-        </p:spPr>
-        <p:txBody>
-          <a:bodyPr wrap="none">
-            <a:noAutofit/>
-          </a:bodyPr>
-          <a:lstStyle/>
-          <a:p>
-            <a:pPr algn="ctr"/>
-            <a:r>
-              <a:rPr lang="en-US" altLang="zh-CN" sz="2000" b="1" dirty="0">
-                <a:solidFill>
-                  <a:schemeClr val="bg1"/>
-                </a:solidFill>
-                <a:ea typeface="Calibri" panose="020F0502020204030204" pitchFamily="34" charset="0"/>
-                <a:cs typeface="Calibri" panose="020F0502020204030204" pitchFamily="34" charset="0"/>
-                <a:sym typeface="+mn-lt"/>
-              </a:rPr>
-              <a:t>04</a:t>
-            </a:r>
-            <a:endParaRPr lang="zh-CN" altLang="en-US" sz="1600" b="1" dirty="0">
-              <a:solidFill>
-                <a:schemeClr val="bg1"/>
-              </a:solidFill>
-              <a:ea typeface="Calibri" panose="020F0502020204030204" pitchFamily="34" charset="0"/>
-              <a:cs typeface="Calibri" panose="020F0502020204030204" pitchFamily="34" charset="0"/>
-              <a:sym typeface="+mn-lt"/>
-            </a:endParaRPr>
-          </a:p>
-        </p:txBody>
-      </p:sp>
-      <p:sp>
-        <p:nvSpPr>
-          <p:cNvPr id="2" name="矩形 70"/>
-          <p:cNvSpPr/>
-          <p:nvPr>
-            <p:custDataLst>
-              <p:tags r:id="rId6"/>
-            </p:custDataLst>
-          </p:nvPr>
-        </p:nvSpPr>
-        <p:spPr>
-          <a:xfrm>
-            <a:off x="5279752" y="1845453"/>
-            <a:ext cx="298450" cy="368300"/>
-          </a:xfrm>
-          <a:prstGeom prst="rect">
-            <a:avLst/>
-          </a:prstGeom>
-        </p:spPr>
-        <p:txBody>
-          <a:bodyPr wrap="none">
-            <a:spAutoFit/>
-          </a:bodyPr>
-          <a:lstStyle/>
-          <a:p>
-            <a:pPr algn="l"/>
-            <a:r>
-              <a:rPr lang="en-US" altLang="ru-RU" sz="1800" b="1" dirty="0">
-                <a:solidFill>
-                  <a:schemeClr val="tx2"/>
-                </a:solidFill>
-                <a:ea typeface="Calibri" panose="020F0502020204030204" pitchFamily="34" charset="0"/>
-                <a:cs typeface="Calibri" panose="020F0502020204030204" pitchFamily="34" charset="0"/>
-                <a:sym typeface="+mn-lt"/>
-              </a:rPr>
-              <a:t>1</a:t>
-            </a:r>
-            <a:endParaRPr lang="en-US" altLang="ru-RU" sz="1800" b="1" dirty="0">
-              <a:solidFill>
-                <a:schemeClr val="tx2"/>
-              </a:solidFill>
-              <a:ea typeface="Calibri" panose="020F0502020204030204" pitchFamily="34" charset="0"/>
-              <a:cs typeface="Calibri" panose="020F0502020204030204" pitchFamily="34" charset="0"/>
-              <a:sym typeface="+mn-lt"/>
-            </a:endParaRPr>
-          </a:p>
-        </p:txBody>
-      </p:sp>
-      <p:sp>
-        <p:nvSpPr>
-          <p:cNvPr id="5" name="矩形 70"/>
-          <p:cNvSpPr/>
-          <p:nvPr>
-            <p:custDataLst>
-              <p:tags r:id="rId7"/>
-            </p:custDataLst>
-          </p:nvPr>
-        </p:nvSpPr>
-        <p:spPr>
-          <a:xfrm>
-            <a:off x="5279752" y="2740803"/>
-            <a:ext cx="298450" cy="368300"/>
-          </a:xfrm>
-          <a:prstGeom prst="rect">
-            <a:avLst/>
-          </a:prstGeom>
-        </p:spPr>
-        <p:txBody>
-          <a:bodyPr wrap="none">
-            <a:spAutoFit/>
-          </a:bodyPr>
-          <a:lstStyle/>
-          <a:p>
-            <a:pPr algn="l"/>
-            <a:r>
-              <a:rPr lang="en-US" altLang="ru-RU" sz="1800" b="1" dirty="0">
-                <a:solidFill>
-                  <a:schemeClr val="tx2"/>
-                </a:solidFill>
-                <a:ea typeface="Calibri" panose="020F0502020204030204" pitchFamily="34" charset="0"/>
-                <a:cs typeface="Calibri" panose="020F0502020204030204" pitchFamily="34" charset="0"/>
-                <a:sym typeface="+mn-lt"/>
-              </a:rPr>
-              <a:t>1</a:t>
-            </a:r>
-            <a:endParaRPr lang="en-US" altLang="ru-RU" sz="1800" b="1" dirty="0">
-              <a:solidFill>
-                <a:schemeClr val="tx2"/>
-              </a:solidFill>
-              <a:ea typeface="Calibri" panose="020F0502020204030204" pitchFamily="34" charset="0"/>
-              <a:cs typeface="Calibri" panose="020F0502020204030204" pitchFamily="34" charset="0"/>
-              <a:sym typeface="+mn-lt"/>
-            </a:endParaRPr>
-          </a:p>
-        </p:txBody>
-      </p:sp>
-      <p:sp>
-        <p:nvSpPr>
-          <p:cNvPr id="7" name="矩形 70"/>
-          <p:cNvSpPr/>
-          <p:nvPr>
-            <p:custDataLst>
-              <p:tags r:id="rId8"/>
-            </p:custDataLst>
-          </p:nvPr>
-        </p:nvSpPr>
-        <p:spPr>
-          <a:xfrm>
-            <a:off x="5303247" y="3631708"/>
-            <a:ext cx="298450" cy="368300"/>
-          </a:xfrm>
-          <a:prstGeom prst="rect">
-            <a:avLst/>
-          </a:prstGeom>
-        </p:spPr>
-        <p:txBody>
-          <a:bodyPr wrap="none">
-            <a:spAutoFit/>
-          </a:bodyPr>
-          <a:lstStyle/>
-          <a:p>
-            <a:pPr algn="l"/>
-            <a:r>
-              <a:rPr lang="en-US" altLang="ru-RU" sz="1800" b="1" dirty="0">
-                <a:solidFill>
-                  <a:schemeClr val="tx2"/>
-                </a:solidFill>
-                <a:ea typeface="Calibri" panose="020F0502020204030204" pitchFamily="34" charset="0"/>
-                <a:cs typeface="Calibri" panose="020F0502020204030204" pitchFamily="34" charset="0"/>
-                <a:sym typeface="+mn-lt"/>
-              </a:rPr>
-              <a:t>1</a:t>
-            </a:r>
-            <a:endParaRPr lang="en-US" altLang="ru-RU" sz="1800" b="1" dirty="0">
-              <a:solidFill>
-                <a:schemeClr val="tx2"/>
-              </a:solidFill>
-              <a:ea typeface="Calibri" panose="020F0502020204030204" pitchFamily="34" charset="0"/>
-              <a:cs typeface="Calibri" panose="020F0502020204030204" pitchFamily="34" charset="0"/>
-              <a:sym typeface="+mn-lt"/>
-            </a:endParaRPr>
-          </a:p>
-        </p:txBody>
-      </p:sp>
-    </p:spTree>
-  </p:cSld>
-  <p:clrMapOvr>
-    <a:masterClrMapping/>
-  </p:clrMapOvr>
-  <p:transition/>
-</p:sld>
-</file>
-
-<file path=ppt/slides/slide20.xml><?xml version="1.0" encoding="utf-8"?>
+<file path=ppt/slides/slide19.xml><?xml version="1.0" encoding="utf-8"?>
 <p:sld xmlns:a="http://schemas.openxmlformats.org/drawingml/2006/main" xmlns:r="http://schemas.openxmlformats.org/officeDocument/2006/relationships" xmlns:p="http://schemas.openxmlformats.org/presentationml/2006/main">
   <p:cSld>
     <p:spTree>
@@ -15303,10 +12988,1090 @@
   <p:clrMapOvr>
     <a:masterClrMapping/>
   </p:clrMapOvr>
+  <mc:AlternateContent xmlns:mc="http://schemas.openxmlformats.org/markup-compatibility/2006" xmlns:p159="http://schemas.microsoft.com/office/powerpoint/2015/09/main">
+    <mc:Choice Requires="p159">
+      <p:transition xmlns:p14="http://schemas.microsoft.com/office/powerpoint/2010/main" spd="slow" p14:dur="2000">
+        <p159:morph option="byObject"/>
+      </p:transition>
+    </mc:Choice>
+    <mc:Fallback>
+      <p:transition spd="slow">
+        <p:fade/>
+      </p:transition>
+    </mc:Fallback>
+  </mc:AlternateContent>
 </p:sld>
 </file>
 
-<file path=ppt/slides/slide21.xml><?xml version="1.0" encoding="utf-8"?>
+<file path=ppt/slides/slide2.xml><?xml version="1.0" encoding="utf-8"?>
+<p:sld xmlns:a="http://schemas.openxmlformats.org/drawingml/2006/main" xmlns:r="http://schemas.openxmlformats.org/officeDocument/2006/relationships" xmlns:p="http://schemas.openxmlformats.org/presentationml/2006/main">
+  <p:cSld>
+    <p:spTree>
+      <p:nvGrpSpPr>
+        <p:cNvPr id="1" name=""/>
+        <p:cNvGrpSpPr/>
+        <p:nvPr/>
+      </p:nvGrpSpPr>
+      <p:grpSpPr/>
+      <p:sp>
+        <p:nvSpPr>
+          <p:cNvPr id="2" name="Текстовое поле 1"/>
+          <p:cNvSpPr txBox="1"/>
+          <p:nvPr/>
+        </p:nvSpPr>
+        <p:spPr>
+          <a:xfrm>
+            <a:off x="405765" y="1542415"/>
+            <a:ext cx="4979670" cy="2058670"/>
+          </a:xfrm>
+          <a:prstGeom prst="rect">
+            <a:avLst/>
+          </a:prstGeom>
+          <a:solidFill>
+            <a:schemeClr val="bg1"/>
+          </a:solidFill>
+        </p:spPr>
+        <p:txBody>
+          <a:bodyPr wrap="square" rtlCol="0" anchor="t">
+            <a:noAutofit/>
+          </a:bodyPr>
+          <a:p>
+            <a:pPr algn="just"/>
+            <a:r>
+              <a:rPr lang="en-US" altLang="ru-RU" sz="1800" b="1">
+                <a:solidFill>
+                  <a:schemeClr val="tx2"/>
+                </a:solidFill>
+                <a:latin typeface="+mj-lt"/>
+                <a:cs typeface="+mj-lt"/>
+              </a:rPr>
+              <a:t>S</a:t>
+            </a:r>
+            <a:r>
+              <a:rPr lang="en-US" altLang="en-US" sz="1800" b="1">
+                <a:solidFill>
+                  <a:schemeClr val="tx2"/>
+                </a:solidFill>
+                <a:latin typeface="+mj-lt"/>
+                <a:cs typeface="+mj-lt"/>
+              </a:rPr>
+              <a:t>ü</a:t>
+            </a:r>
+            <a:r>
+              <a:rPr lang="en-US" altLang="ru-RU" sz="1800" b="1">
+                <a:solidFill>
+                  <a:schemeClr val="tx2"/>
+                </a:solidFill>
+                <a:latin typeface="+mj-lt"/>
+                <a:cs typeface="+mj-lt"/>
+              </a:rPr>
+              <a:t>ni neyron </a:t>
+            </a:r>
+            <a:r>
+              <a:rPr lang="en-US" altLang="en-US" sz="1800" b="1">
+                <a:solidFill>
+                  <a:schemeClr val="tx2"/>
+                </a:solidFill>
+                <a:latin typeface="+mj-lt"/>
+                <a:cs typeface="+mj-lt"/>
+              </a:rPr>
+              <a:t>şə</a:t>
+            </a:r>
+            <a:r>
+              <a:rPr lang="en-US" altLang="ru-RU" sz="1800" b="1">
+                <a:solidFill>
+                  <a:schemeClr val="tx2"/>
+                </a:solidFill>
+                <a:latin typeface="+mj-lt"/>
+                <a:cs typeface="+mj-lt"/>
+              </a:rPr>
+              <a:t>b</a:t>
+            </a:r>
+            <a:r>
+              <a:rPr lang="en-US" altLang="en-US" sz="1800" b="1">
+                <a:solidFill>
+                  <a:schemeClr val="tx2"/>
+                </a:solidFill>
+                <a:latin typeface="+mj-lt"/>
+                <a:cs typeface="+mj-lt"/>
+              </a:rPr>
+              <a:t>ə</a:t>
+            </a:r>
+            <a:r>
+              <a:rPr lang="en-US" altLang="ru-RU" sz="1800" b="1">
+                <a:solidFill>
+                  <a:schemeClr val="tx2"/>
+                </a:solidFill>
+                <a:latin typeface="+mj-lt"/>
+                <a:cs typeface="+mj-lt"/>
+              </a:rPr>
+              <a:t>k</a:t>
+            </a:r>
+            <a:r>
+              <a:rPr lang="en-US" altLang="en-US" sz="1800" b="1">
+                <a:solidFill>
+                  <a:schemeClr val="tx2"/>
+                </a:solidFill>
+                <a:latin typeface="+mj-lt"/>
+                <a:cs typeface="+mj-lt"/>
+              </a:rPr>
+              <a:t>ə</a:t>
+            </a:r>
+            <a:r>
+              <a:rPr lang="en-US" altLang="ru-RU" sz="1800" b="1">
+                <a:solidFill>
+                  <a:schemeClr val="tx2"/>
+                </a:solidFill>
+                <a:latin typeface="+mj-lt"/>
+                <a:cs typeface="+mj-lt"/>
+              </a:rPr>
+              <a:t>l</a:t>
+            </a:r>
+            <a:r>
+              <a:rPr lang="en-US" altLang="en-US" sz="1800" b="1">
+                <a:solidFill>
+                  <a:schemeClr val="tx2"/>
+                </a:solidFill>
+                <a:latin typeface="+mj-lt"/>
+                <a:cs typeface="+mj-lt"/>
+              </a:rPr>
+              <a:t>ə</a:t>
+            </a:r>
+            <a:r>
+              <a:rPr lang="en-US" altLang="ru-RU" sz="1800" b="1">
+                <a:solidFill>
+                  <a:schemeClr val="tx2"/>
+                </a:solidFill>
+                <a:latin typeface="+mj-lt"/>
+                <a:cs typeface="+mj-lt"/>
+              </a:rPr>
+              <a:t>ri (Artificial Neural Networks – ANN) </a:t>
+            </a:r>
+            <a:r>
+              <a:rPr lang="en-US" altLang="ru-RU" sz="1800">
+                <a:solidFill>
+                  <a:schemeClr val="tx2"/>
+                </a:solidFill>
+                <a:latin typeface="+mj-lt"/>
+                <a:cs typeface="+mj-lt"/>
+              </a:rPr>
+              <a:t>insan beynind</a:t>
+            </a:r>
+            <a:r>
+              <a:rPr lang="en-US" altLang="en-US" sz="1800">
+                <a:solidFill>
+                  <a:schemeClr val="tx2"/>
+                </a:solidFill>
+                <a:latin typeface="+mj-lt"/>
+                <a:cs typeface="+mj-lt"/>
+              </a:rPr>
+              <a:t>ə</a:t>
+            </a:r>
+            <a:r>
+              <a:rPr lang="en-US" altLang="ru-RU" sz="1800">
+                <a:solidFill>
+                  <a:schemeClr val="tx2"/>
+                </a:solidFill>
+                <a:latin typeface="+mj-lt"/>
+                <a:cs typeface="+mj-lt"/>
+              </a:rPr>
+              <a:t>ki neyronlar v</a:t>
+            </a:r>
+            <a:r>
+              <a:rPr lang="en-US" altLang="en-US" sz="1800">
+                <a:solidFill>
+                  <a:schemeClr val="tx2"/>
+                </a:solidFill>
+                <a:latin typeface="+mj-lt"/>
+                <a:cs typeface="+mj-lt"/>
+              </a:rPr>
+              <a:t>ə</a:t>
+            </a:r>
+            <a:r>
+              <a:rPr lang="en-US" altLang="ru-RU" sz="1800">
+                <a:solidFill>
+                  <a:schemeClr val="tx2"/>
+                </a:solidFill>
+                <a:latin typeface="+mj-lt"/>
+                <a:cs typeface="+mj-lt"/>
+              </a:rPr>
+              <a:t> sinapslardan ilham alaraq yarad</a:t>
+            </a:r>
+            <a:r>
+              <a:rPr lang="en-US" altLang="en-US" sz="1800">
+                <a:solidFill>
+                  <a:schemeClr val="tx2"/>
+                </a:solidFill>
+                <a:latin typeface="+mj-lt"/>
+                <a:cs typeface="+mj-lt"/>
+              </a:rPr>
+              <a:t>ı</a:t>
+            </a:r>
+            <a:r>
+              <a:rPr lang="en-US" altLang="ru-RU" sz="1800">
+                <a:solidFill>
+                  <a:schemeClr val="tx2"/>
+                </a:solidFill>
+                <a:latin typeface="+mj-lt"/>
+                <a:cs typeface="+mj-lt"/>
+              </a:rPr>
+              <a:t>lm</a:t>
+            </a:r>
+            <a:r>
+              <a:rPr lang="en-US" altLang="en-US" sz="1800">
+                <a:solidFill>
+                  <a:schemeClr val="tx2"/>
+                </a:solidFill>
+                <a:latin typeface="+mj-lt"/>
+                <a:cs typeface="+mj-lt"/>
+              </a:rPr>
+              <a:t>ış</a:t>
+            </a:r>
+            <a:r>
+              <a:rPr lang="en-US" altLang="ru-RU" sz="1800">
+                <a:solidFill>
+                  <a:schemeClr val="tx2"/>
+                </a:solidFill>
+                <a:latin typeface="+mj-lt"/>
+                <a:cs typeface="+mj-lt"/>
+              </a:rPr>
+              <a:t> riyazi modell</a:t>
+            </a:r>
+            <a:r>
+              <a:rPr lang="en-US" altLang="en-US" sz="1800">
+                <a:solidFill>
+                  <a:schemeClr val="tx2"/>
+                </a:solidFill>
+                <a:latin typeface="+mj-lt"/>
+                <a:cs typeface="+mj-lt"/>
+              </a:rPr>
+              <a:t>ə</a:t>
+            </a:r>
+            <a:r>
+              <a:rPr lang="en-US" altLang="ru-RU" sz="1800">
+                <a:solidFill>
+                  <a:schemeClr val="tx2"/>
+                </a:solidFill>
+                <a:latin typeface="+mj-lt"/>
+                <a:cs typeface="+mj-lt"/>
+              </a:rPr>
+              <a:t>rdir. Bu </a:t>
+            </a:r>
+            <a:r>
+              <a:rPr lang="en-US" altLang="en-US" sz="1800">
+                <a:solidFill>
+                  <a:schemeClr val="tx2"/>
+                </a:solidFill>
+                <a:latin typeface="+mj-lt"/>
+                <a:cs typeface="+mj-lt"/>
+              </a:rPr>
+              <a:t>şə</a:t>
+            </a:r>
+            <a:r>
+              <a:rPr lang="en-US" altLang="ru-RU" sz="1800">
+                <a:solidFill>
+                  <a:schemeClr val="tx2"/>
+                </a:solidFill>
+                <a:latin typeface="+mj-lt"/>
+                <a:cs typeface="+mj-lt"/>
+              </a:rPr>
+              <a:t>b</a:t>
+            </a:r>
+            <a:r>
+              <a:rPr lang="en-US" altLang="en-US" sz="1800">
+                <a:solidFill>
+                  <a:schemeClr val="tx2"/>
+                </a:solidFill>
+                <a:latin typeface="+mj-lt"/>
+                <a:cs typeface="+mj-lt"/>
+              </a:rPr>
+              <a:t>ə</a:t>
+            </a:r>
+            <a:r>
+              <a:rPr lang="en-US" altLang="ru-RU" sz="1800">
+                <a:solidFill>
+                  <a:schemeClr val="tx2"/>
+                </a:solidFill>
+                <a:latin typeface="+mj-lt"/>
+                <a:cs typeface="+mj-lt"/>
+              </a:rPr>
+              <a:t>k</a:t>
+            </a:r>
+            <a:r>
+              <a:rPr lang="en-US" altLang="en-US" sz="1800">
+                <a:solidFill>
+                  <a:schemeClr val="tx2"/>
+                </a:solidFill>
+                <a:latin typeface="+mj-lt"/>
+                <a:cs typeface="+mj-lt"/>
+              </a:rPr>
+              <a:t>ə</a:t>
+            </a:r>
+            <a:r>
+              <a:rPr lang="en-US" altLang="ru-RU" sz="1800">
+                <a:solidFill>
+                  <a:schemeClr val="tx2"/>
+                </a:solidFill>
+                <a:latin typeface="+mj-lt"/>
+                <a:cs typeface="+mj-lt"/>
+              </a:rPr>
+              <a:t>l</a:t>
+            </a:r>
+            <a:r>
+              <a:rPr lang="en-US" altLang="en-US" sz="1800">
+                <a:solidFill>
+                  <a:schemeClr val="tx2"/>
+                </a:solidFill>
+                <a:latin typeface="+mj-lt"/>
+                <a:cs typeface="+mj-lt"/>
+              </a:rPr>
+              <a:t>ə</a:t>
+            </a:r>
+            <a:r>
+              <a:rPr lang="en-US" altLang="ru-RU" sz="1800">
+                <a:solidFill>
+                  <a:schemeClr val="tx2"/>
+                </a:solidFill>
+                <a:latin typeface="+mj-lt"/>
+                <a:cs typeface="+mj-lt"/>
+              </a:rPr>
+              <a:t>r m</a:t>
+            </a:r>
+            <a:r>
+              <a:rPr lang="en-US" altLang="en-US" sz="1800">
+                <a:solidFill>
+                  <a:schemeClr val="tx2"/>
+                </a:solidFill>
+                <a:latin typeface="+mj-lt"/>
+                <a:cs typeface="+mj-lt"/>
+              </a:rPr>
+              <a:t>ə</a:t>
+            </a:r>
+            <a:r>
+              <a:rPr lang="en-US" altLang="ru-RU" sz="1800">
+                <a:solidFill>
+                  <a:schemeClr val="tx2"/>
+                </a:solidFill>
+                <a:latin typeface="+mj-lt"/>
+                <a:cs typeface="+mj-lt"/>
+              </a:rPr>
+              <a:t>lumatlar</a:t>
+            </a:r>
+            <a:r>
+              <a:rPr lang="en-US" altLang="en-US" sz="1800">
+                <a:solidFill>
+                  <a:schemeClr val="tx2"/>
+                </a:solidFill>
+                <a:latin typeface="+mj-lt"/>
+                <a:cs typeface="+mj-lt"/>
+              </a:rPr>
+              <a:t>ı</a:t>
+            </a:r>
+            <a:r>
+              <a:rPr lang="en-US" altLang="ru-RU" sz="1800">
+                <a:solidFill>
+                  <a:schemeClr val="tx2"/>
+                </a:solidFill>
+                <a:latin typeface="+mj-lt"/>
+                <a:cs typeface="+mj-lt"/>
+              </a:rPr>
+              <a:t> q</a:t>
+            </a:r>
+            <a:r>
+              <a:rPr lang="en-US" altLang="en-US" sz="1800">
+                <a:solidFill>
+                  <a:schemeClr val="tx2"/>
+                </a:solidFill>
+                <a:latin typeface="+mj-lt"/>
+                <a:cs typeface="+mj-lt"/>
+              </a:rPr>
+              <a:t>ə</a:t>
+            </a:r>
+            <a:r>
+              <a:rPr lang="en-US" altLang="ru-RU" sz="1800">
+                <a:solidFill>
+                  <a:schemeClr val="tx2"/>
+                </a:solidFill>
+                <a:latin typeface="+mj-lt"/>
+                <a:cs typeface="+mj-lt"/>
+              </a:rPr>
+              <a:t>bul edir, emal edir v</a:t>
+            </a:r>
+            <a:r>
+              <a:rPr lang="en-US" altLang="en-US" sz="1800">
+                <a:solidFill>
+                  <a:schemeClr val="tx2"/>
+                </a:solidFill>
+                <a:latin typeface="+mj-lt"/>
+                <a:cs typeface="+mj-lt"/>
+              </a:rPr>
+              <a:t>ə</a:t>
+            </a:r>
+            <a:r>
+              <a:rPr lang="en-US" altLang="ru-RU" sz="1800">
+                <a:solidFill>
+                  <a:schemeClr val="tx2"/>
+                </a:solidFill>
+                <a:latin typeface="+mj-lt"/>
+                <a:cs typeface="+mj-lt"/>
+              </a:rPr>
+              <a:t> n</a:t>
+            </a:r>
+            <a:r>
+              <a:rPr lang="en-US" altLang="en-US" sz="1800">
+                <a:solidFill>
+                  <a:schemeClr val="tx2"/>
+                </a:solidFill>
+                <a:latin typeface="+mj-lt"/>
+                <a:cs typeface="+mj-lt"/>
+              </a:rPr>
+              <a:t>ə</a:t>
+            </a:r>
+            <a:r>
+              <a:rPr lang="en-US" altLang="ru-RU" sz="1800">
+                <a:solidFill>
+                  <a:schemeClr val="tx2"/>
+                </a:solidFill>
+                <a:latin typeface="+mj-lt"/>
+                <a:cs typeface="+mj-lt"/>
+              </a:rPr>
+              <a:t>tic</a:t>
+            </a:r>
+            <a:r>
+              <a:rPr lang="en-US" altLang="en-US" sz="1800">
+                <a:solidFill>
+                  <a:schemeClr val="tx2"/>
+                </a:solidFill>
+                <a:latin typeface="+mj-lt"/>
+                <a:cs typeface="+mj-lt"/>
+              </a:rPr>
+              <a:t>ə</a:t>
+            </a:r>
+            <a:r>
+              <a:rPr lang="en-US" altLang="ru-RU" sz="1800">
+                <a:solidFill>
+                  <a:schemeClr val="tx2"/>
+                </a:solidFill>
+                <a:latin typeface="+mj-lt"/>
+                <a:cs typeface="+mj-lt"/>
+              </a:rPr>
+              <a:t> </a:t>
+            </a:r>
+            <a:r>
+              <a:rPr lang="en-US" altLang="en-US" sz="1800">
+                <a:solidFill>
+                  <a:schemeClr val="tx2"/>
+                </a:solidFill>
+                <a:latin typeface="+mj-lt"/>
+                <a:cs typeface="+mj-lt"/>
+              </a:rPr>
+              <a:t>çı</a:t>
+            </a:r>
+            <a:r>
+              <a:rPr lang="en-US" altLang="ru-RU" sz="1800">
+                <a:solidFill>
+                  <a:schemeClr val="tx2"/>
+                </a:solidFill>
+                <a:latin typeface="+mj-lt"/>
+                <a:cs typeface="+mj-lt"/>
+              </a:rPr>
+              <a:t>xar</a:t>
+            </a:r>
+            <a:r>
+              <a:rPr lang="en-US" altLang="en-US" sz="1800">
+                <a:solidFill>
+                  <a:schemeClr val="tx2"/>
+                </a:solidFill>
+                <a:latin typeface="+mj-lt"/>
+                <a:cs typeface="+mj-lt"/>
+              </a:rPr>
+              <a:t>ı</a:t>
+            </a:r>
+            <a:r>
+              <a:rPr lang="en-US" altLang="ru-RU" sz="1800">
+                <a:solidFill>
+                  <a:schemeClr val="tx2"/>
+                </a:solidFill>
+                <a:latin typeface="+mj-lt"/>
+                <a:cs typeface="+mj-lt"/>
+              </a:rPr>
+              <a:t>r. Onlar </a:t>
+            </a:r>
+            <a:r>
+              <a:rPr lang="en-US" altLang="en-US" sz="1800">
+                <a:solidFill>
+                  <a:schemeClr val="tx2"/>
+                </a:solidFill>
+                <a:latin typeface="+mj-lt"/>
+                <a:cs typeface="+mj-lt"/>
+              </a:rPr>
+              <a:t>ö</a:t>
+            </a:r>
+            <a:r>
+              <a:rPr lang="en-US" altLang="ru-RU" sz="1800">
+                <a:solidFill>
+                  <a:schemeClr val="tx2"/>
+                </a:solidFill>
+                <a:latin typeface="+mj-lt"/>
+                <a:cs typeface="+mj-lt"/>
+              </a:rPr>
+              <a:t>yr</a:t>
+            </a:r>
+            <a:r>
+              <a:rPr lang="en-US" altLang="en-US" sz="1800">
+                <a:solidFill>
+                  <a:schemeClr val="tx2"/>
+                </a:solidFill>
+                <a:latin typeface="+mj-lt"/>
+                <a:cs typeface="+mj-lt"/>
+              </a:rPr>
+              <a:t>ə</a:t>
+            </a:r>
+            <a:r>
+              <a:rPr lang="en-US" altLang="ru-RU" sz="1800">
+                <a:solidFill>
+                  <a:schemeClr val="tx2"/>
+                </a:solidFill>
+                <a:latin typeface="+mj-lt"/>
+                <a:cs typeface="+mj-lt"/>
+              </a:rPr>
+              <a:t>n</a:t>
+            </a:r>
+            <a:r>
+              <a:rPr lang="en-US" altLang="en-US" sz="1800">
+                <a:solidFill>
+                  <a:schemeClr val="tx2"/>
+                </a:solidFill>
+                <a:latin typeface="+mj-lt"/>
+                <a:cs typeface="+mj-lt"/>
+              </a:rPr>
+              <a:t>ə</a:t>
+            </a:r>
+            <a:r>
+              <a:rPr lang="en-US" altLang="ru-RU" sz="1800">
+                <a:solidFill>
+                  <a:schemeClr val="tx2"/>
+                </a:solidFill>
+                <a:latin typeface="+mj-lt"/>
+                <a:cs typeface="+mj-lt"/>
+              </a:rPr>
+              <a:t>, adaptasiya ola v</a:t>
+            </a:r>
+            <a:r>
+              <a:rPr lang="en-US" altLang="en-US" sz="1800">
+                <a:solidFill>
+                  <a:schemeClr val="tx2"/>
+                </a:solidFill>
+                <a:latin typeface="+mj-lt"/>
+                <a:cs typeface="+mj-lt"/>
+              </a:rPr>
+              <a:t>ə</a:t>
+            </a:r>
+            <a:r>
+              <a:rPr lang="en-US" altLang="ru-RU" sz="1800">
+                <a:solidFill>
+                  <a:schemeClr val="tx2"/>
+                </a:solidFill>
+                <a:latin typeface="+mj-lt"/>
+                <a:cs typeface="+mj-lt"/>
+              </a:rPr>
+              <a:t> </a:t>
+            </a:r>
+            <a:r>
+              <a:rPr lang="en-US" altLang="en-US" sz="1800">
+                <a:solidFill>
+                  <a:schemeClr val="tx2"/>
+                </a:solidFill>
+                <a:latin typeface="+mj-lt"/>
+                <a:cs typeface="+mj-lt"/>
+              </a:rPr>
+              <a:t>ə</a:t>
+            </a:r>
+            <a:r>
+              <a:rPr lang="en-US" altLang="ru-RU" sz="1800">
+                <a:solidFill>
+                  <a:schemeClr val="tx2"/>
+                </a:solidFill>
+                <a:latin typeface="+mj-lt"/>
+                <a:cs typeface="+mj-lt"/>
+              </a:rPr>
+              <a:t>vv</a:t>
+            </a:r>
+            <a:r>
+              <a:rPr lang="en-US" altLang="en-US" sz="1800">
+                <a:solidFill>
+                  <a:schemeClr val="tx2"/>
+                </a:solidFill>
+                <a:latin typeface="+mj-lt"/>
+                <a:cs typeface="+mj-lt"/>
+              </a:rPr>
+              <a:t>ə</a:t>
+            </a:r>
+            <a:r>
+              <a:rPr lang="en-US" altLang="ru-RU" sz="1800">
+                <a:solidFill>
+                  <a:schemeClr val="tx2"/>
+                </a:solidFill>
+                <a:latin typeface="+mj-lt"/>
+                <a:cs typeface="+mj-lt"/>
+              </a:rPr>
+              <a:t>lki n</a:t>
+            </a:r>
+            <a:r>
+              <a:rPr lang="en-US" altLang="en-US" sz="1800">
+                <a:solidFill>
+                  <a:schemeClr val="tx2"/>
+                </a:solidFill>
+                <a:latin typeface="+mj-lt"/>
+                <a:cs typeface="+mj-lt"/>
+              </a:rPr>
+              <a:t>ü</a:t>
+            </a:r>
+            <a:r>
+              <a:rPr lang="en-US" altLang="ru-RU" sz="1800">
+                <a:solidFill>
+                  <a:schemeClr val="tx2"/>
+                </a:solidFill>
+                <a:latin typeface="+mj-lt"/>
+                <a:cs typeface="+mj-lt"/>
+              </a:rPr>
+              <a:t>mun</a:t>
+            </a:r>
+            <a:r>
+              <a:rPr lang="en-US" altLang="en-US" sz="1800">
+                <a:solidFill>
+                  <a:schemeClr val="tx2"/>
+                </a:solidFill>
+                <a:latin typeface="+mj-lt"/>
+                <a:cs typeface="+mj-lt"/>
+              </a:rPr>
+              <a:t>ə</a:t>
+            </a:r>
+            <a:r>
+              <a:rPr lang="en-US" altLang="ru-RU" sz="1800">
+                <a:solidFill>
+                  <a:schemeClr val="tx2"/>
+                </a:solidFill>
+                <a:latin typeface="+mj-lt"/>
+                <a:cs typeface="+mj-lt"/>
+              </a:rPr>
+              <a:t>l</a:t>
+            </a:r>
+            <a:r>
+              <a:rPr lang="en-US" altLang="en-US" sz="1800">
+                <a:solidFill>
+                  <a:schemeClr val="tx2"/>
+                </a:solidFill>
+                <a:latin typeface="+mj-lt"/>
+                <a:cs typeface="+mj-lt"/>
+              </a:rPr>
+              <a:t>ə</a:t>
+            </a:r>
+            <a:r>
+              <a:rPr lang="en-US" altLang="ru-RU" sz="1800">
+                <a:solidFill>
+                  <a:schemeClr val="tx2"/>
+                </a:solidFill>
+                <a:latin typeface="+mj-lt"/>
+                <a:cs typeface="+mj-lt"/>
+              </a:rPr>
+              <a:t>r</a:t>
+            </a:r>
+            <a:r>
+              <a:rPr lang="en-US" altLang="en-US" sz="1800">
+                <a:solidFill>
+                  <a:schemeClr val="tx2"/>
+                </a:solidFill>
+                <a:latin typeface="+mj-lt"/>
+                <a:cs typeface="+mj-lt"/>
+              </a:rPr>
+              <a:t>ə</a:t>
+            </a:r>
+            <a:r>
+              <a:rPr lang="en-US" altLang="ru-RU" sz="1800">
+                <a:solidFill>
+                  <a:schemeClr val="tx2"/>
+                </a:solidFill>
+                <a:latin typeface="+mj-lt"/>
+                <a:cs typeface="+mj-lt"/>
+              </a:rPr>
+              <a:t> </a:t>
+            </a:r>
+            <a:r>
+              <a:rPr lang="en-US" altLang="en-US" sz="1800">
+                <a:solidFill>
+                  <a:schemeClr val="tx2"/>
+                </a:solidFill>
+                <a:latin typeface="+mj-lt"/>
+                <a:cs typeface="+mj-lt"/>
+              </a:rPr>
+              <a:t>ə</a:t>
+            </a:r>
+            <a:r>
+              <a:rPr lang="en-US" altLang="ru-RU" sz="1800">
+                <a:solidFill>
+                  <a:schemeClr val="tx2"/>
+                </a:solidFill>
+                <a:latin typeface="+mj-lt"/>
+                <a:cs typeface="+mj-lt"/>
+              </a:rPr>
+              <a:t>saslanaraq yeni m</a:t>
+            </a:r>
+            <a:r>
+              <a:rPr lang="en-US" altLang="en-US" sz="1800">
+                <a:solidFill>
+                  <a:schemeClr val="tx2"/>
+                </a:solidFill>
+                <a:latin typeface="+mj-lt"/>
+                <a:cs typeface="+mj-lt"/>
+              </a:rPr>
+              <a:t>ə</a:t>
+            </a:r>
+            <a:r>
+              <a:rPr lang="en-US" altLang="ru-RU" sz="1800">
+                <a:solidFill>
+                  <a:schemeClr val="tx2"/>
+                </a:solidFill>
+                <a:latin typeface="+mj-lt"/>
+                <a:cs typeface="+mj-lt"/>
+              </a:rPr>
+              <a:t>lumatlara cavab ver</a:t>
+            </a:r>
+            <a:r>
+              <a:rPr lang="en-US" altLang="en-US" sz="1800">
+                <a:solidFill>
+                  <a:schemeClr val="tx2"/>
+                </a:solidFill>
+                <a:latin typeface="+mj-lt"/>
+                <a:cs typeface="+mj-lt"/>
+              </a:rPr>
+              <a:t>ə</a:t>
+            </a:r>
+            <a:r>
+              <a:rPr lang="en-US" altLang="ru-RU" sz="1800">
+                <a:solidFill>
+                  <a:schemeClr val="tx2"/>
+                </a:solidFill>
+                <a:latin typeface="+mj-lt"/>
+                <a:cs typeface="+mj-lt"/>
+              </a:rPr>
+              <a:t> bilirl</a:t>
+            </a:r>
+            <a:r>
+              <a:rPr lang="en-US" altLang="en-US" sz="1800">
+                <a:solidFill>
+                  <a:schemeClr val="tx2"/>
+                </a:solidFill>
+                <a:latin typeface="+mj-lt"/>
+                <a:cs typeface="+mj-lt"/>
+              </a:rPr>
+              <a:t>ə</a:t>
+            </a:r>
+            <a:r>
+              <a:rPr lang="en-US" altLang="ru-RU" sz="1800">
+                <a:solidFill>
+                  <a:schemeClr val="tx2"/>
+                </a:solidFill>
+                <a:latin typeface="+mj-lt"/>
+                <a:cs typeface="+mj-lt"/>
+              </a:rPr>
+              <a:t>r.</a:t>
+            </a:r>
+            <a:endParaRPr lang="en-US" altLang="ru-RU" sz="1800">
+              <a:solidFill>
+                <a:schemeClr val="tx2"/>
+              </a:solidFill>
+              <a:latin typeface="+mj-lt"/>
+              <a:cs typeface="+mj-lt"/>
+            </a:endParaRPr>
+          </a:p>
+        </p:txBody>
+      </p:sp>
+      <p:pic>
+        <p:nvPicPr>
+          <p:cNvPr id="4" name="Изображение 3" descr="Pasted image 20251023103229"/>
+          <p:cNvPicPr>
+            <a:picLocks noChangeAspect="1"/>
+          </p:cNvPicPr>
+          <p:nvPr/>
+        </p:nvPicPr>
+        <p:blipFill>
+          <a:blip r:embed="rId1"/>
+          <a:srcRect l="1308" t="1704" r="24770" b="6654"/>
+          <a:stretch>
+            <a:fillRect/>
+          </a:stretch>
+        </p:blipFill>
+        <p:spPr>
+          <a:xfrm>
+            <a:off x="5350510" y="1076325"/>
+            <a:ext cx="3528060" cy="2990850"/>
+          </a:xfrm>
+          <a:prstGeom prst="rect">
+            <a:avLst/>
+          </a:prstGeom>
+        </p:spPr>
+      </p:pic>
+      <p:sp>
+        <p:nvSpPr>
+          <p:cNvPr id="5" name="Текстовое поле 4"/>
+          <p:cNvSpPr txBox="1"/>
+          <p:nvPr/>
+        </p:nvSpPr>
+        <p:spPr>
+          <a:xfrm>
+            <a:off x="405765" y="407035"/>
+            <a:ext cx="3830955" cy="368300"/>
+          </a:xfrm>
+          <a:prstGeom prst="rect">
+            <a:avLst/>
+          </a:prstGeom>
+          <a:solidFill>
+            <a:schemeClr val="bg1"/>
+          </a:solidFill>
+        </p:spPr>
+        <p:txBody>
+          <a:bodyPr wrap="square" rtlCol="0">
+            <a:spAutoFit/>
+          </a:bodyPr>
+          <a:p>
+            <a:r>
+              <a:rPr lang="en-US" altLang="ru-RU" sz="1800" b="1" dirty="0">
+                <a:solidFill>
+                  <a:schemeClr val="accent1"/>
+                </a:solidFill>
+                <a:effectLst>
+                  <a:outerShdw blurRad="38100" dist="25400" dir="5400000" algn="ctr" rotWithShape="0">
+                    <a:srgbClr val="6E747A">
+                      <a:alpha val="43000"/>
+                    </a:srgbClr>
+                  </a:outerShdw>
+                </a:effectLst>
+                <a:ea typeface="Calibri" panose="020F0502020204030204" pitchFamily="34" charset="0"/>
+                <a:cs typeface="Calibri" panose="020F0502020204030204" pitchFamily="34" charset="0"/>
+                <a:sym typeface="+mn-lt"/>
+              </a:rPr>
+              <a:t>S</a:t>
+            </a:r>
+            <a:r>
+              <a:rPr lang="en-US" altLang="en-US" sz="1800" b="1" dirty="0">
+                <a:solidFill>
+                  <a:schemeClr val="accent1"/>
+                </a:solidFill>
+                <a:effectLst>
+                  <a:outerShdw blurRad="38100" dist="25400" dir="5400000" algn="ctr" rotWithShape="0">
+                    <a:srgbClr val="6E747A">
+                      <a:alpha val="43000"/>
+                    </a:srgbClr>
+                  </a:outerShdw>
+                </a:effectLst>
+                <a:ea typeface="Calibri" panose="020F0502020204030204" pitchFamily="34" charset="0"/>
+                <a:cs typeface="Calibri" panose="020F0502020204030204" pitchFamily="34" charset="0"/>
+                <a:sym typeface="+mn-lt"/>
+              </a:rPr>
+              <a:t>ü</a:t>
+            </a:r>
+            <a:r>
+              <a:rPr lang="en-US" altLang="ru-RU" sz="1800" b="1" dirty="0">
+                <a:solidFill>
+                  <a:schemeClr val="accent1"/>
+                </a:solidFill>
+                <a:effectLst>
+                  <a:outerShdw blurRad="38100" dist="25400" dir="5400000" algn="ctr" rotWithShape="0">
+                    <a:srgbClr val="6E747A">
+                      <a:alpha val="43000"/>
+                    </a:srgbClr>
+                  </a:outerShdw>
+                </a:effectLst>
+                <a:ea typeface="Calibri" panose="020F0502020204030204" pitchFamily="34" charset="0"/>
+                <a:cs typeface="Calibri" panose="020F0502020204030204" pitchFamily="34" charset="0"/>
+                <a:sym typeface="+mn-lt"/>
+              </a:rPr>
+              <a:t>ni neyron </a:t>
+            </a:r>
+            <a:r>
+              <a:rPr lang="en-US" altLang="en-US" sz="1800" b="1" dirty="0">
+                <a:solidFill>
+                  <a:schemeClr val="accent1"/>
+                </a:solidFill>
+                <a:effectLst>
+                  <a:outerShdw blurRad="38100" dist="25400" dir="5400000" algn="ctr" rotWithShape="0">
+                    <a:srgbClr val="6E747A">
+                      <a:alpha val="43000"/>
+                    </a:srgbClr>
+                  </a:outerShdw>
+                </a:effectLst>
+                <a:ea typeface="Calibri" panose="020F0502020204030204" pitchFamily="34" charset="0"/>
+                <a:cs typeface="Calibri" panose="020F0502020204030204" pitchFamily="34" charset="0"/>
+                <a:sym typeface="+mn-lt"/>
+              </a:rPr>
+              <a:t>şə</a:t>
+            </a:r>
+            <a:r>
+              <a:rPr lang="en-US" altLang="ru-RU" sz="1800" b="1" dirty="0">
+                <a:solidFill>
+                  <a:schemeClr val="accent1"/>
+                </a:solidFill>
+                <a:effectLst>
+                  <a:outerShdw blurRad="38100" dist="25400" dir="5400000" algn="ctr" rotWithShape="0">
+                    <a:srgbClr val="6E747A">
+                      <a:alpha val="43000"/>
+                    </a:srgbClr>
+                  </a:outerShdw>
+                </a:effectLst>
+                <a:ea typeface="Calibri" panose="020F0502020204030204" pitchFamily="34" charset="0"/>
+                <a:cs typeface="Calibri" panose="020F0502020204030204" pitchFamily="34" charset="0"/>
+                <a:sym typeface="+mn-lt"/>
+              </a:rPr>
+              <a:t>b</a:t>
+            </a:r>
+            <a:r>
+              <a:rPr lang="en-US" altLang="en-US" sz="1800" b="1" dirty="0">
+                <a:solidFill>
+                  <a:schemeClr val="accent1"/>
+                </a:solidFill>
+                <a:effectLst>
+                  <a:outerShdw blurRad="38100" dist="25400" dir="5400000" algn="ctr" rotWithShape="0">
+                    <a:srgbClr val="6E747A">
+                      <a:alpha val="43000"/>
+                    </a:srgbClr>
+                  </a:outerShdw>
+                </a:effectLst>
+                <a:ea typeface="Calibri" panose="020F0502020204030204" pitchFamily="34" charset="0"/>
+                <a:cs typeface="Calibri" panose="020F0502020204030204" pitchFamily="34" charset="0"/>
+                <a:sym typeface="+mn-lt"/>
+              </a:rPr>
+              <a:t>ə</a:t>
+            </a:r>
+            <a:r>
+              <a:rPr lang="en-US" altLang="ru-RU" sz="1800" b="1" dirty="0">
+                <a:solidFill>
+                  <a:schemeClr val="accent1"/>
+                </a:solidFill>
+                <a:effectLst>
+                  <a:outerShdw blurRad="38100" dist="25400" dir="5400000" algn="ctr" rotWithShape="0">
+                    <a:srgbClr val="6E747A">
+                      <a:alpha val="43000"/>
+                    </a:srgbClr>
+                  </a:outerShdw>
+                </a:effectLst>
+                <a:ea typeface="Calibri" panose="020F0502020204030204" pitchFamily="34" charset="0"/>
+                <a:cs typeface="Calibri" panose="020F0502020204030204" pitchFamily="34" charset="0"/>
+                <a:sym typeface="+mn-lt"/>
+              </a:rPr>
+              <a:t>k</a:t>
+            </a:r>
+            <a:r>
+              <a:rPr lang="en-US" altLang="en-US" sz="1800" b="1" dirty="0">
+                <a:solidFill>
+                  <a:schemeClr val="accent1"/>
+                </a:solidFill>
+                <a:effectLst>
+                  <a:outerShdw blurRad="38100" dist="25400" dir="5400000" algn="ctr" rotWithShape="0">
+                    <a:srgbClr val="6E747A">
+                      <a:alpha val="43000"/>
+                    </a:srgbClr>
+                  </a:outerShdw>
+                </a:effectLst>
+                <a:ea typeface="Calibri" panose="020F0502020204030204" pitchFamily="34" charset="0"/>
+                <a:cs typeface="Calibri" panose="020F0502020204030204" pitchFamily="34" charset="0"/>
+                <a:sym typeface="+mn-lt"/>
+              </a:rPr>
+              <a:t>ə</a:t>
+            </a:r>
+            <a:r>
+              <a:rPr lang="en-US" altLang="ru-RU" sz="1800" b="1" dirty="0">
+                <a:solidFill>
+                  <a:schemeClr val="accent1"/>
+                </a:solidFill>
+                <a:effectLst>
+                  <a:outerShdw blurRad="38100" dist="25400" dir="5400000" algn="ctr" rotWithShape="0">
+                    <a:srgbClr val="6E747A">
+                      <a:alpha val="43000"/>
+                    </a:srgbClr>
+                  </a:outerShdw>
+                </a:effectLst>
+                <a:ea typeface="Calibri" panose="020F0502020204030204" pitchFamily="34" charset="0"/>
+                <a:cs typeface="Calibri" panose="020F0502020204030204" pitchFamily="34" charset="0"/>
+                <a:sym typeface="+mn-lt"/>
+              </a:rPr>
+              <a:t>l</a:t>
+            </a:r>
+            <a:r>
+              <a:rPr lang="en-US" altLang="en-US" sz="1800" b="1" dirty="0">
+                <a:solidFill>
+                  <a:schemeClr val="accent1"/>
+                </a:solidFill>
+                <a:effectLst>
+                  <a:outerShdw blurRad="38100" dist="25400" dir="5400000" algn="ctr" rotWithShape="0">
+                    <a:srgbClr val="6E747A">
+                      <a:alpha val="43000"/>
+                    </a:srgbClr>
+                  </a:outerShdw>
+                </a:effectLst>
+                <a:ea typeface="Calibri" panose="020F0502020204030204" pitchFamily="34" charset="0"/>
+                <a:cs typeface="Calibri" panose="020F0502020204030204" pitchFamily="34" charset="0"/>
+                <a:sym typeface="+mn-lt"/>
+              </a:rPr>
+              <a:t>ə</a:t>
+            </a:r>
+            <a:r>
+              <a:rPr lang="en-US" altLang="ru-RU" sz="1800" b="1" dirty="0">
+                <a:solidFill>
+                  <a:schemeClr val="accent1"/>
+                </a:solidFill>
+                <a:effectLst>
+                  <a:outerShdw blurRad="38100" dist="25400" dir="5400000" algn="ctr" rotWithShape="0">
+                    <a:srgbClr val="6E747A">
+                      <a:alpha val="43000"/>
+                    </a:srgbClr>
+                  </a:outerShdw>
+                </a:effectLst>
+                <a:ea typeface="Calibri" panose="020F0502020204030204" pitchFamily="34" charset="0"/>
+                <a:cs typeface="Calibri" panose="020F0502020204030204" pitchFamily="34" charset="0"/>
+                <a:sym typeface="+mn-lt"/>
+              </a:rPr>
+              <a:t>ri</a:t>
+            </a:r>
+            <a:endParaRPr lang="en-US" altLang="ru-RU" sz="1800" b="1" dirty="0">
+              <a:solidFill>
+                <a:schemeClr val="accent1"/>
+              </a:solidFill>
+              <a:effectLst>
+                <a:outerShdw blurRad="38100" dist="25400" dir="5400000" algn="ctr" rotWithShape="0">
+                  <a:srgbClr val="6E747A">
+                    <a:alpha val="43000"/>
+                  </a:srgbClr>
+                </a:outerShdw>
+              </a:effectLst>
+              <a:ea typeface="Calibri" panose="020F0502020204030204" pitchFamily="34" charset="0"/>
+              <a:cs typeface="Calibri" panose="020F0502020204030204" pitchFamily="34" charset="0"/>
+              <a:sym typeface="+mn-lt"/>
+            </a:endParaRPr>
+          </a:p>
+        </p:txBody>
+      </p:sp>
+    </p:spTree>
+  </p:cSld>
+  <p:clrMapOvr>
+    <a:masterClrMapping/>
+  </p:clrMapOvr>
+  <mc:AlternateContent xmlns:mc="http://schemas.openxmlformats.org/markup-compatibility/2006" xmlns:p159="http://schemas.microsoft.com/office/powerpoint/2015/09/main">
+    <mc:Choice Requires="p159">
+      <p:transition xmlns:p14="http://schemas.microsoft.com/office/powerpoint/2010/main" spd="slow" p14:dur="2000">
+        <p159:morph option="byObject"/>
+      </p:transition>
+    </mc:Choice>
+    <mc:Fallback>
+      <p:transition spd="slow">
+        <p:fade/>
+      </p:transition>
+    </mc:Fallback>
+  </mc:AlternateContent>
+</p:sld>
+</file>
+
+<file path=ppt/slides/slide20.xml><?xml version="1.0" encoding="utf-8"?>
 <p:sld xmlns:a="http://schemas.openxmlformats.org/drawingml/2006/main" xmlns:r="http://schemas.openxmlformats.org/officeDocument/2006/relationships" xmlns:p="http://schemas.openxmlformats.org/presentationml/2006/main">
   <p:cSld>
     <p:spTree>
@@ -17427,10 +16192,22 @@
   <p:clrMapOvr>
     <a:masterClrMapping/>
   </p:clrMapOvr>
+  <mc:AlternateContent xmlns:mc="http://schemas.openxmlformats.org/markup-compatibility/2006" xmlns:p159="http://schemas.microsoft.com/office/powerpoint/2015/09/main">
+    <mc:Choice Requires="p159">
+      <p:transition xmlns:p14="http://schemas.microsoft.com/office/powerpoint/2010/main" spd="slow" p14:dur="2000">
+        <p159:morph option="byObject"/>
+      </p:transition>
+    </mc:Choice>
+    <mc:Fallback>
+      <p:transition spd="slow">
+        <p:fade/>
+      </p:transition>
+    </mc:Fallback>
+  </mc:AlternateContent>
 </p:sld>
 </file>
 
-<file path=ppt/slides/slide22.xml><?xml version="1.0" encoding="utf-8"?>
+<file path=ppt/slides/slide21.xml><?xml version="1.0" encoding="utf-8"?>
 <p:sld xmlns:a="http://schemas.openxmlformats.org/drawingml/2006/main" xmlns:r="http://schemas.openxmlformats.org/officeDocument/2006/relationships" xmlns:p="http://schemas.openxmlformats.org/presentationml/2006/main">
   <p:cSld>
     <p:spTree>
@@ -17443,7 +16220,7 @@
       <p:sp>
         <p:nvSpPr>
           <p:cNvPr id="2" name="Текстовое поле 1">
-            <a:hlinkClick r:id="rId1" tooltip="" action="ppaction://hlinkfile"/>
+            <a:hlinkClick r:id="rId1" action="ppaction://hlinkfile"/>
           </p:cNvPr>
           <p:cNvSpPr txBox="1"/>
           <p:nvPr/>
@@ -17476,7 +16253,7 @@
                 </a:solidFill>
                 <a:latin typeface="+mj-lt"/>
                 <a:cs typeface="+mj-lt"/>
-                <a:hlinkClick r:id="rId2" tooltip="" action="ppaction://hlinkfile"/>
+                <a:hlinkClick r:id="rId2" action="ppaction://hlinkfile"/>
               </a:rPr>
               <a:t>Code: </a:t>
             </a:r>
@@ -17487,7 +16264,7 @@
                 </a:solidFill>
                 <a:latin typeface="+mj-lt"/>
                 <a:cs typeface="+mj-lt"/>
-                <a:hlinkClick r:id="rId2" tooltip="" action="ppaction://hlinkfile"/>
+                <a:hlinkClick r:id="rId2" action="ppaction://hlinkfile"/>
               </a:rPr>
               <a:t>https://github.com/sananradjabov/ANN-ActivationFunction-sigmoid-relu-tanh</a:t>
             </a:r>
@@ -17676,7 +16453,7 @@
               <a:t>Bu sad</a:t>
             </a:r>
             <a:r>
-              <a:rPr lang="" altLang="en-US" sz="1600">
+              <a:rPr lang="en-US" altLang="en-US" sz="1600">
                 <a:solidFill>
                   <a:schemeClr val="tx2"/>
                 </a:solidFill>
@@ -17696,7 +16473,7 @@
               <a:t> PyTorch modeli Sigmoid, Tanh v</a:t>
             </a:r>
             <a:r>
-              <a:rPr lang="" altLang="en-US" sz="1600">
+              <a:rPr lang="en-US" altLang="en-US" sz="1600">
                 <a:solidFill>
                   <a:schemeClr val="tx2"/>
                 </a:solidFill>
@@ -17716,7 +16493,7 @@
               <a:t> ReLU aktivasiya funksiyalar</a:t>
             </a:r>
             <a:r>
-              <a:rPr lang="" altLang="en-US" sz="1600">
+              <a:rPr lang="en-US" altLang="en-US" sz="1600">
                 <a:solidFill>
                   <a:schemeClr val="tx2"/>
                 </a:solidFill>
@@ -17736,7 +16513,7 @@
               <a:t>n</a:t>
             </a:r>
             <a:r>
-              <a:rPr lang="" altLang="en-US" sz="1600">
+              <a:rPr lang="en-US" altLang="en-US" sz="1600">
                 <a:solidFill>
                   <a:schemeClr val="tx2"/>
                 </a:solidFill>
@@ -17776,7 +16553,7 @@
               <a:t>yr</a:t>
             </a:r>
             <a:r>
-              <a:rPr lang="" altLang="en-US" sz="1600">
+              <a:rPr lang="en-US" altLang="en-US" sz="1600">
                 <a:solidFill>
                   <a:schemeClr val="tx2"/>
                 </a:solidFill>
@@ -17796,7 +16573,7 @@
               <a:t>nm</a:t>
             </a:r>
             <a:r>
-              <a:rPr lang="" altLang="en-US" sz="1600">
+              <a:rPr lang="en-US" altLang="en-US" sz="1600">
                 <a:solidFill>
                   <a:schemeClr val="tx2"/>
                 </a:solidFill>
@@ -17816,7 +16593,7 @@
               <a:t> n</a:t>
             </a:r>
             <a:r>
-              <a:rPr lang="" altLang="en-US" sz="1600">
+              <a:rPr lang="en-US" altLang="en-US" sz="1600">
                 <a:solidFill>
                   <a:schemeClr val="tx2"/>
                 </a:solidFill>
@@ -17836,7 +16613,7 @@
               <a:t>tic</a:t>
             </a:r>
             <a:r>
-              <a:rPr lang="" altLang="en-US" sz="1600">
+              <a:rPr lang="en-US" altLang="en-US" sz="1600">
                 <a:solidFill>
                   <a:schemeClr val="tx2"/>
                 </a:solidFill>
@@ -17856,7 +16633,7 @@
               <a:t>l</a:t>
             </a:r>
             <a:r>
-              <a:rPr lang="" altLang="en-US" sz="1600">
+              <a:rPr lang="en-US" altLang="en-US" sz="1600">
                 <a:solidFill>
                   <a:schemeClr val="tx2"/>
                 </a:solidFill>
@@ -17896,7 +16673,7 @@
               <a:t>qayis</a:t>
             </a:r>
             <a:r>
-              <a:rPr lang="" altLang="en-US" sz="1600">
+              <a:rPr lang="en-US" altLang="en-US" sz="1600">
                 <a:solidFill>
                   <a:schemeClr val="tx2"/>
                 </a:solidFill>
@@ -17930,10 +16707,22 @@
   <p:clrMapOvr>
     <a:masterClrMapping/>
   </p:clrMapOvr>
+  <mc:AlternateContent xmlns:mc="http://schemas.openxmlformats.org/markup-compatibility/2006" xmlns:p159="http://schemas.microsoft.com/office/powerpoint/2015/09/main">
+    <mc:Choice Requires="p159">
+      <p:transition xmlns:p14="http://schemas.microsoft.com/office/powerpoint/2010/main" spd="slow" p14:dur="2000">
+        <p159:morph option="byObject"/>
+      </p:transition>
+    </mc:Choice>
+    <mc:Fallback>
+      <p:transition spd="slow">
+        <p:fade/>
+      </p:transition>
+    </mc:Fallback>
+  </mc:AlternateContent>
 </p:sld>
 </file>
 
-<file path=ppt/slides/slide23.xml><?xml version="1.0" encoding="utf-8"?>
+<file path=ppt/slides/slide22.xml><?xml version="1.0" encoding="utf-8"?>
 <p:sld xmlns:a="http://schemas.openxmlformats.org/drawingml/2006/main" xmlns:r="http://schemas.openxmlformats.org/officeDocument/2006/relationships" xmlns:p="http://schemas.openxmlformats.org/presentationml/2006/main">
   <p:cSld>
     <p:spTree>
@@ -18199,1066 +16988,22 @@
   <p:clrMapOvr>
     <a:masterClrMapping/>
   </p:clrMapOvr>
+  <mc:AlternateContent xmlns:mc="http://schemas.openxmlformats.org/markup-compatibility/2006" xmlns:p159="http://schemas.microsoft.com/office/powerpoint/2015/09/main">
+    <mc:Choice Requires="p159">
+      <p:transition xmlns:p14="http://schemas.microsoft.com/office/powerpoint/2010/main" spd="slow" p14:dur="2000">
+        <p159:morph option="byObject"/>
+      </p:transition>
+    </mc:Choice>
+    <mc:Fallback>
+      <p:transition spd="slow">
+        <p:fade/>
+      </p:transition>
+    </mc:Fallback>
+  </mc:AlternateContent>
 </p:sld>
 </file>
 
 <file path=ppt/slides/slide3.xml><?xml version="1.0" encoding="utf-8"?>
-<p:sld xmlns:a="http://schemas.openxmlformats.org/drawingml/2006/main" xmlns:r="http://schemas.openxmlformats.org/officeDocument/2006/relationships" xmlns:p="http://schemas.openxmlformats.org/presentationml/2006/main">
-  <p:cSld>
-    <p:spTree>
-      <p:nvGrpSpPr>
-        <p:cNvPr id="1" name=""/>
-        <p:cNvGrpSpPr/>
-        <p:nvPr/>
-      </p:nvGrpSpPr>
-      <p:grpSpPr/>
-      <p:sp>
-        <p:nvSpPr>
-          <p:cNvPr id="2" name="Текстовое поле 1"/>
-          <p:cNvSpPr txBox="1"/>
-          <p:nvPr/>
-        </p:nvSpPr>
-        <p:spPr>
-          <a:xfrm>
-            <a:off x="405765" y="1542415"/>
-            <a:ext cx="4979670" cy="2058670"/>
-          </a:xfrm>
-          <a:prstGeom prst="rect">
-            <a:avLst/>
-          </a:prstGeom>
-          <a:solidFill>
-            <a:schemeClr val="bg1"/>
-          </a:solidFill>
-        </p:spPr>
-        <p:txBody>
-          <a:bodyPr wrap="square" rtlCol="0" anchor="t">
-            <a:noAutofit/>
-          </a:bodyPr>
-          <a:p>
-            <a:pPr algn="just"/>
-            <a:r>
-              <a:rPr lang="en-US" altLang="ru-RU" sz="1800" b="1">
-                <a:solidFill>
-                  <a:schemeClr val="tx2"/>
-                </a:solidFill>
-                <a:latin typeface="+mj-lt"/>
-                <a:cs typeface="+mj-lt"/>
-              </a:rPr>
-              <a:t>S</a:t>
-            </a:r>
-            <a:r>
-              <a:rPr lang="en-US" altLang="en-US" sz="1800" b="1">
-                <a:solidFill>
-                  <a:schemeClr val="tx2"/>
-                </a:solidFill>
-                <a:latin typeface="+mj-lt"/>
-                <a:cs typeface="+mj-lt"/>
-              </a:rPr>
-              <a:t>ü</a:t>
-            </a:r>
-            <a:r>
-              <a:rPr lang="en-US" altLang="ru-RU" sz="1800" b="1">
-                <a:solidFill>
-                  <a:schemeClr val="tx2"/>
-                </a:solidFill>
-                <a:latin typeface="+mj-lt"/>
-                <a:cs typeface="+mj-lt"/>
-              </a:rPr>
-              <a:t>ni neyron </a:t>
-            </a:r>
-            <a:r>
-              <a:rPr lang="en-US" altLang="en-US" sz="1800" b="1">
-                <a:solidFill>
-                  <a:schemeClr val="tx2"/>
-                </a:solidFill>
-                <a:latin typeface="+mj-lt"/>
-                <a:cs typeface="+mj-lt"/>
-              </a:rPr>
-              <a:t>şə</a:t>
-            </a:r>
-            <a:r>
-              <a:rPr lang="en-US" altLang="ru-RU" sz="1800" b="1">
-                <a:solidFill>
-                  <a:schemeClr val="tx2"/>
-                </a:solidFill>
-                <a:latin typeface="+mj-lt"/>
-                <a:cs typeface="+mj-lt"/>
-              </a:rPr>
-              <a:t>b</a:t>
-            </a:r>
-            <a:r>
-              <a:rPr lang="en-US" altLang="en-US" sz="1800" b="1">
-                <a:solidFill>
-                  <a:schemeClr val="tx2"/>
-                </a:solidFill>
-                <a:latin typeface="+mj-lt"/>
-                <a:cs typeface="+mj-lt"/>
-              </a:rPr>
-              <a:t>ə</a:t>
-            </a:r>
-            <a:r>
-              <a:rPr lang="en-US" altLang="ru-RU" sz="1800" b="1">
-                <a:solidFill>
-                  <a:schemeClr val="tx2"/>
-                </a:solidFill>
-                <a:latin typeface="+mj-lt"/>
-                <a:cs typeface="+mj-lt"/>
-              </a:rPr>
-              <a:t>k</a:t>
-            </a:r>
-            <a:r>
-              <a:rPr lang="en-US" altLang="en-US" sz="1800" b="1">
-                <a:solidFill>
-                  <a:schemeClr val="tx2"/>
-                </a:solidFill>
-                <a:latin typeface="+mj-lt"/>
-                <a:cs typeface="+mj-lt"/>
-              </a:rPr>
-              <a:t>ə</a:t>
-            </a:r>
-            <a:r>
-              <a:rPr lang="en-US" altLang="ru-RU" sz="1800" b="1">
-                <a:solidFill>
-                  <a:schemeClr val="tx2"/>
-                </a:solidFill>
-                <a:latin typeface="+mj-lt"/>
-                <a:cs typeface="+mj-lt"/>
-              </a:rPr>
-              <a:t>l</a:t>
-            </a:r>
-            <a:r>
-              <a:rPr lang="en-US" altLang="en-US" sz="1800" b="1">
-                <a:solidFill>
-                  <a:schemeClr val="tx2"/>
-                </a:solidFill>
-                <a:latin typeface="+mj-lt"/>
-                <a:cs typeface="+mj-lt"/>
-              </a:rPr>
-              <a:t>ə</a:t>
-            </a:r>
-            <a:r>
-              <a:rPr lang="en-US" altLang="ru-RU" sz="1800" b="1">
-                <a:solidFill>
-                  <a:schemeClr val="tx2"/>
-                </a:solidFill>
-                <a:latin typeface="+mj-lt"/>
-                <a:cs typeface="+mj-lt"/>
-              </a:rPr>
-              <a:t>ri (Artificial Neural Networks – ANN) </a:t>
-            </a:r>
-            <a:r>
-              <a:rPr lang="en-US" altLang="ru-RU" sz="1800">
-                <a:solidFill>
-                  <a:schemeClr val="tx2"/>
-                </a:solidFill>
-                <a:latin typeface="+mj-lt"/>
-                <a:cs typeface="+mj-lt"/>
-              </a:rPr>
-              <a:t>insan beynind</a:t>
-            </a:r>
-            <a:r>
-              <a:rPr lang="en-US" altLang="en-US" sz="1800">
-                <a:solidFill>
-                  <a:schemeClr val="tx2"/>
-                </a:solidFill>
-                <a:latin typeface="+mj-lt"/>
-                <a:cs typeface="+mj-lt"/>
-              </a:rPr>
-              <a:t>ə</a:t>
-            </a:r>
-            <a:r>
-              <a:rPr lang="en-US" altLang="ru-RU" sz="1800">
-                <a:solidFill>
-                  <a:schemeClr val="tx2"/>
-                </a:solidFill>
-                <a:latin typeface="+mj-lt"/>
-                <a:cs typeface="+mj-lt"/>
-              </a:rPr>
-              <a:t>ki neyronlar v</a:t>
-            </a:r>
-            <a:r>
-              <a:rPr lang="en-US" altLang="en-US" sz="1800">
-                <a:solidFill>
-                  <a:schemeClr val="tx2"/>
-                </a:solidFill>
-                <a:latin typeface="+mj-lt"/>
-                <a:cs typeface="+mj-lt"/>
-              </a:rPr>
-              <a:t>ə</a:t>
-            </a:r>
-            <a:r>
-              <a:rPr lang="en-US" altLang="ru-RU" sz="1800">
-                <a:solidFill>
-                  <a:schemeClr val="tx2"/>
-                </a:solidFill>
-                <a:latin typeface="+mj-lt"/>
-                <a:cs typeface="+mj-lt"/>
-              </a:rPr>
-              <a:t> sinapslardan ilham alaraq yarad</a:t>
-            </a:r>
-            <a:r>
-              <a:rPr lang="en-US" altLang="en-US" sz="1800">
-                <a:solidFill>
-                  <a:schemeClr val="tx2"/>
-                </a:solidFill>
-                <a:latin typeface="+mj-lt"/>
-                <a:cs typeface="+mj-lt"/>
-              </a:rPr>
-              <a:t>ı</a:t>
-            </a:r>
-            <a:r>
-              <a:rPr lang="en-US" altLang="ru-RU" sz="1800">
-                <a:solidFill>
-                  <a:schemeClr val="tx2"/>
-                </a:solidFill>
-                <a:latin typeface="+mj-lt"/>
-                <a:cs typeface="+mj-lt"/>
-              </a:rPr>
-              <a:t>lm</a:t>
-            </a:r>
-            <a:r>
-              <a:rPr lang="en-US" altLang="en-US" sz="1800">
-                <a:solidFill>
-                  <a:schemeClr val="tx2"/>
-                </a:solidFill>
-                <a:latin typeface="+mj-lt"/>
-                <a:cs typeface="+mj-lt"/>
-              </a:rPr>
-              <a:t>ış</a:t>
-            </a:r>
-            <a:r>
-              <a:rPr lang="en-US" altLang="ru-RU" sz="1800">
-                <a:solidFill>
-                  <a:schemeClr val="tx2"/>
-                </a:solidFill>
-                <a:latin typeface="+mj-lt"/>
-                <a:cs typeface="+mj-lt"/>
-              </a:rPr>
-              <a:t> riyazi modell</a:t>
-            </a:r>
-            <a:r>
-              <a:rPr lang="en-US" altLang="en-US" sz="1800">
-                <a:solidFill>
-                  <a:schemeClr val="tx2"/>
-                </a:solidFill>
-                <a:latin typeface="+mj-lt"/>
-                <a:cs typeface="+mj-lt"/>
-              </a:rPr>
-              <a:t>ə</a:t>
-            </a:r>
-            <a:r>
-              <a:rPr lang="en-US" altLang="ru-RU" sz="1800">
-                <a:solidFill>
-                  <a:schemeClr val="tx2"/>
-                </a:solidFill>
-                <a:latin typeface="+mj-lt"/>
-                <a:cs typeface="+mj-lt"/>
-              </a:rPr>
-              <a:t>rdir. Bu </a:t>
-            </a:r>
-            <a:r>
-              <a:rPr lang="en-US" altLang="en-US" sz="1800">
-                <a:solidFill>
-                  <a:schemeClr val="tx2"/>
-                </a:solidFill>
-                <a:latin typeface="+mj-lt"/>
-                <a:cs typeface="+mj-lt"/>
-              </a:rPr>
-              <a:t>şə</a:t>
-            </a:r>
-            <a:r>
-              <a:rPr lang="en-US" altLang="ru-RU" sz="1800">
-                <a:solidFill>
-                  <a:schemeClr val="tx2"/>
-                </a:solidFill>
-                <a:latin typeface="+mj-lt"/>
-                <a:cs typeface="+mj-lt"/>
-              </a:rPr>
-              <a:t>b</a:t>
-            </a:r>
-            <a:r>
-              <a:rPr lang="en-US" altLang="en-US" sz="1800">
-                <a:solidFill>
-                  <a:schemeClr val="tx2"/>
-                </a:solidFill>
-                <a:latin typeface="+mj-lt"/>
-                <a:cs typeface="+mj-lt"/>
-              </a:rPr>
-              <a:t>ə</a:t>
-            </a:r>
-            <a:r>
-              <a:rPr lang="en-US" altLang="ru-RU" sz="1800">
-                <a:solidFill>
-                  <a:schemeClr val="tx2"/>
-                </a:solidFill>
-                <a:latin typeface="+mj-lt"/>
-                <a:cs typeface="+mj-lt"/>
-              </a:rPr>
-              <a:t>k</a:t>
-            </a:r>
-            <a:r>
-              <a:rPr lang="en-US" altLang="en-US" sz="1800">
-                <a:solidFill>
-                  <a:schemeClr val="tx2"/>
-                </a:solidFill>
-                <a:latin typeface="+mj-lt"/>
-                <a:cs typeface="+mj-lt"/>
-              </a:rPr>
-              <a:t>ə</a:t>
-            </a:r>
-            <a:r>
-              <a:rPr lang="en-US" altLang="ru-RU" sz="1800">
-                <a:solidFill>
-                  <a:schemeClr val="tx2"/>
-                </a:solidFill>
-                <a:latin typeface="+mj-lt"/>
-                <a:cs typeface="+mj-lt"/>
-              </a:rPr>
-              <a:t>l</a:t>
-            </a:r>
-            <a:r>
-              <a:rPr lang="en-US" altLang="en-US" sz="1800">
-                <a:solidFill>
-                  <a:schemeClr val="tx2"/>
-                </a:solidFill>
-                <a:latin typeface="+mj-lt"/>
-                <a:cs typeface="+mj-lt"/>
-              </a:rPr>
-              <a:t>ə</a:t>
-            </a:r>
-            <a:r>
-              <a:rPr lang="en-US" altLang="ru-RU" sz="1800">
-                <a:solidFill>
-                  <a:schemeClr val="tx2"/>
-                </a:solidFill>
-                <a:latin typeface="+mj-lt"/>
-                <a:cs typeface="+mj-lt"/>
-              </a:rPr>
-              <a:t>r m</a:t>
-            </a:r>
-            <a:r>
-              <a:rPr lang="en-US" altLang="en-US" sz="1800">
-                <a:solidFill>
-                  <a:schemeClr val="tx2"/>
-                </a:solidFill>
-                <a:latin typeface="+mj-lt"/>
-                <a:cs typeface="+mj-lt"/>
-              </a:rPr>
-              <a:t>ə</a:t>
-            </a:r>
-            <a:r>
-              <a:rPr lang="en-US" altLang="ru-RU" sz="1800">
-                <a:solidFill>
-                  <a:schemeClr val="tx2"/>
-                </a:solidFill>
-                <a:latin typeface="+mj-lt"/>
-                <a:cs typeface="+mj-lt"/>
-              </a:rPr>
-              <a:t>lumatlar</a:t>
-            </a:r>
-            <a:r>
-              <a:rPr lang="en-US" altLang="en-US" sz="1800">
-                <a:solidFill>
-                  <a:schemeClr val="tx2"/>
-                </a:solidFill>
-                <a:latin typeface="+mj-lt"/>
-                <a:cs typeface="+mj-lt"/>
-              </a:rPr>
-              <a:t>ı</a:t>
-            </a:r>
-            <a:r>
-              <a:rPr lang="en-US" altLang="ru-RU" sz="1800">
-                <a:solidFill>
-                  <a:schemeClr val="tx2"/>
-                </a:solidFill>
-                <a:latin typeface="+mj-lt"/>
-                <a:cs typeface="+mj-lt"/>
-              </a:rPr>
-              <a:t> q</a:t>
-            </a:r>
-            <a:r>
-              <a:rPr lang="en-US" altLang="en-US" sz="1800">
-                <a:solidFill>
-                  <a:schemeClr val="tx2"/>
-                </a:solidFill>
-                <a:latin typeface="+mj-lt"/>
-                <a:cs typeface="+mj-lt"/>
-              </a:rPr>
-              <a:t>ə</a:t>
-            </a:r>
-            <a:r>
-              <a:rPr lang="en-US" altLang="ru-RU" sz="1800">
-                <a:solidFill>
-                  <a:schemeClr val="tx2"/>
-                </a:solidFill>
-                <a:latin typeface="+mj-lt"/>
-                <a:cs typeface="+mj-lt"/>
-              </a:rPr>
-              <a:t>bul edir, emal edir v</a:t>
-            </a:r>
-            <a:r>
-              <a:rPr lang="en-US" altLang="en-US" sz="1800">
-                <a:solidFill>
-                  <a:schemeClr val="tx2"/>
-                </a:solidFill>
-                <a:latin typeface="+mj-lt"/>
-                <a:cs typeface="+mj-lt"/>
-              </a:rPr>
-              <a:t>ə</a:t>
-            </a:r>
-            <a:r>
-              <a:rPr lang="en-US" altLang="ru-RU" sz="1800">
-                <a:solidFill>
-                  <a:schemeClr val="tx2"/>
-                </a:solidFill>
-                <a:latin typeface="+mj-lt"/>
-                <a:cs typeface="+mj-lt"/>
-              </a:rPr>
-              <a:t> n</a:t>
-            </a:r>
-            <a:r>
-              <a:rPr lang="en-US" altLang="en-US" sz="1800">
-                <a:solidFill>
-                  <a:schemeClr val="tx2"/>
-                </a:solidFill>
-                <a:latin typeface="+mj-lt"/>
-                <a:cs typeface="+mj-lt"/>
-              </a:rPr>
-              <a:t>ə</a:t>
-            </a:r>
-            <a:r>
-              <a:rPr lang="en-US" altLang="ru-RU" sz="1800">
-                <a:solidFill>
-                  <a:schemeClr val="tx2"/>
-                </a:solidFill>
-                <a:latin typeface="+mj-lt"/>
-                <a:cs typeface="+mj-lt"/>
-              </a:rPr>
-              <a:t>tic</a:t>
-            </a:r>
-            <a:r>
-              <a:rPr lang="en-US" altLang="en-US" sz="1800">
-                <a:solidFill>
-                  <a:schemeClr val="tx2"/>
-                </a:solidFill>
-                <a:latin typeface="+mj-lt"/>
-                <a:cs typeface="+mj-lt"/>
-              </a:rPr>
-              <a:t>ə</a:t>
-            </a:r>
-            <a:r>
-              <a:rPr lang="en-US" altLang="ru-RU" sz="1800">
-                <a:solidFill>
-                  <a:schemeClr val="tx2"/>
-                </a:solidFill>
-                <a:latin typeface="+mj-lt"/>
-                <a:cs typeface="+mj-lt"/>
-              </a:rPr>
-              <a:t> </a:t>
-            </a:r>
-            <a:r>
-              <a:rPr lang="en-US" altLang="en-US" sz="1800">
-                <a:solidFill>
-                  <a:schemeClr val="tx2"/>
-                </a:solidFill>
-                <a:latin typeface="+mj-lt"/>
-                <a:cs typeface="+mj-lt"/>
-              </a:rPr>
-              <a:t>çı</a:t>
-            </a:r>
-            <a:r>
-              <a:rPr lang="en-US" altLang="ru-RU" sz="1800">
-                <a:solidFill>
-                  <a:schemeClr val="tx2"/>
-                </a:solidFill>
-                <a:latin typeface="+mj-lt"/>
-                <a:cs typeface="+mj-lt"/>
-              </a:rPr>
-              <a:t>xar</a:t>
-            </a:r>
-            <a:r>
-              <a:rPr lang="en-US" altLang="en-US" sz="1800">
-                <a:solidFill>
-                  <a:schemeClr val="tx2"/>
-                </a:solidFill>
-                <a:latin typeface="+mj-lt"/>
-                <a:cs typeface="+mj-lt"/>
-              </a:rPr>
-              <a:t>ı</a:t>
-            </a:r>
-            <a:r>
-              <a:rPr lang="en-US" altLang="ru-RU" sz="1800">
-                <a:solidFill>
-                  <a:schemeClr val="tx2"/>
-                </a:solidFill>
-                <a:latin typeface="+mj-lt"/>
-                <a:cs typeface="+mj-lt"/>
-              </a:rPr>
-              <a:t>r. Onlar </a:t>
-            </a:r>
-            <a:r>
-              <a:rPr lang="en-US" altLang="en-US" sz="1800">
-                <a:solidFill>
-                  <a:schemeClr val="tx2"/>
-                </a:solidFill>
-                <a:latin typeface="+mj-lt"/>
-                <a:cs typeface="+mj-lt"/>
-              </a:rPr>
-              <a:t>ö</a:t>
-            </a:r>
-            <a:r>
-              <a:rPr lang="en-US" altLang="ru-RU" sz="1800">
-                <a:solidFill>
-                  <a:schemeClr val="tx2"/>
-                </a:solidFill>
-                <a:latin typeface="+mj-lt"/>
-                <a:cs typeface="+mj-lt"/>
-              </a:rPr>
-              <a:t>yr</a:t>
-            </a:r>
-            <a:r>
-              <a:rPr lang="en-US" altLang="en-US" sz="1800">
-                <a:solidFill>
-                  <a:schemeClr val="tx2"/>
-                </a:solidFill>
-                <a:latin typeface="+mj-lt"/>
-                <a:cs typeface="+mj-lt"/>
-              </a:rPr>
-              <a:t>ə</a:t>
-            </a:r>
-            <a:r>
-              <a:rPr lang="en-US" altLang="ru-RU" sz="1800">
-                <a:solidFill>
-                  <a:schemeClr val="tx2"/>
-                </a:solidFill>
-                <a:latin typeface="+mj-lt"/>
-                <a:cs typeface="+mj-lt"/>
-              </a:rPr>
-              <a:t>n</a:t>
-            </a:r>
-            <a:r>
-              <a:rPr lang="en-US" altLang="en-US" sz="1800">
-                <a:solidFill>
-                  <a:schemeClr val="tx2"/>
-                </a:solidFill>
-                <a:latin typeface="+mj-lt"/>
-                <a:cs typeface="+mj-lt"/>
-              </a:rPr>
-              <a:t>ə</a:t>
-            </a:r>
-            <a:r>
-              <a:rPr lang="en-US" altLang="ru-RU" sz="1800">
-                <a:solidFill>
-                  <a:schemeClr val="tx2"/>
-                </a:solidFill>
-                <a:latin typeface="+mj-lt"/>
-                <a:cs typeface="+mj-lt"/>
-              </a:rPr>
-              <a:t>, adaptasiya ola v</a:t>
-            </a:r>
-            <a:r>
-              <a:rPr lang="en-US" altLang="en-US" sz="1800">
-                <a:solidFill>
-                  <a:schemeClr val="tx2"/>
-                </a:solidFill>
-                <a:latin typeface="+mj-lt"/>
-                <a:cs typeface="+mj-lt"/>
-              </a:rPr>
-              <a:t>ə</a:t>
-            </a:r>
-            <a:r>
-              <a:rPr lang="en-US" altLang="ru-RU" sz="1800">
-                <a:solidFill>
-                  <a:schemeClr val="tx2"/>
-                </a:solidFill>
-                <a:latin typeface="+mj-lt"/>
-                <a:cs typeface="+mj-lt"/>
-              </a:rPr>
-              <a:t> </a:t>
-            </a:r>
-            <a:r>
-              <a:rPr lang="en-US" altLang="en-US" sz="1800">
-                <a:solidFill>
-                  <a:schemeClr val="tx2"/>
-                </a:solidFill>
-                <a:latin typeface="+mj-lt"/>
-                <a:cs typeface="+mj-lt"/>
-              </a:rPr>
-              <a:t>ə</a:t>
-            </a:r>
-            <a:r>
-              <a:rPr lang="en-US" altLang="ru-RU" sz="1800">
-                <a:solidFill>
-                  <a:schemeClr val="tx2"/>
-                </a:solidFill>
-                <a:latin typeface="+mj-lt"/>
-                <a:cs typeface="+mj-lt"/>
-              </a:rPr>
-              <a:t>vv</a:t>
-            </a:r>
-            <a:r>
-              <a:rPr lang="en-US" altLang="en-US" sz="1800">
-                <a:solidFill>
-                  <a:schemeClr val="tx2"/>
-                </a:solidFill>
-                <a:latin typeface="+mj-lt"/>
-                <a:cs typeface="+mj-lt"/>
-              </a:rPr>
-              <a:t>ə</a:t>
-            </a:r>
-            <a:r>
-              <a:rPr lang="en-US" altLang="ru-RU" sz="1800">
-                <a:solidFill>
-                  <a:schemeClr val="tx2"/>
-                </a:solidFill>
-                <a:latin typeface="+mj-lt"/>
-                <a:cs typeface="+mj-lt"/>
-              </a:rPr>
-              <a:t>lki n</a:t>
-            </a:r>
-            <a:r>
-              <a:rPr lang="en-US" altLang="en-US" sz="1800">
-                <a:solidFill>
-                  <a:schemeClr val="tx2"/>
-                </a:solidFill>
-                <a:latin typeface="+mj-lt"/>
-                <a:cs typeface="+mj-lt"/>
-              </a:rPr>
-              <a:t>ü</a:t>
-            </a:r>
-            <a:r>
-              <a:rPr lang="en-US" altLang="ru-RU" sz="1800">
-                <a:solidFill>
-                  <a:schemeClr val="tx2"/>
-                </a:solidFill>
-                <a:latin typeface="+mj-lt"/>
-                <a:cs typeface="+mj-lt"/>
-              </a:rPr>
-              <a:t>mun</a:t>
-            </a:r>
-            <a:r>
-              <a:rPr lang="en-US" altLang="en-US" sz="1800">
-                <a:solidFill>
-                  <a:schemeClr val="tx2"/>
-                </a:solidFill>
-                <a:latin typeface="+mj-lt"/>
-                <a:cs typeface="+mj-lt"/>
-              </a:rPr>
-              <a:t>ə</a:t>
-            </a:r>
-            <a:r>
-              <a:rPr lang="en-US" altLang="ru-RU" sz="1800">
-                <a:solidFill>
-                  <a:schemeClr val="tx2"/>
-                </a:solidFill>
-                <a:latin typeface="+mj-lt"/>
-                <a:cs typeface="+mj-lt"/>
-              </a:rPr>
-              <a:t>l</a:t>
-            </a:r>
-            <a:r>
-              <a:rPr lang="en-US" altLang="en-US" sz="1800">
-                <a:solidFill>
-                  <a:schemeClr val="tx2"/>
-                </a:solidFill>
-                <a:latin typeface="+mj-lt"/>
-                <a:cs typeface="+mj-lt"/>
-              </a:rPr>
-              <a:t>ə</a:t>
-            </a:r>
-            <a:r>
-              <a:rPr lang="en-US" altLang="ru-RU" sz="1800">
-                <a:solidFill>
-                  <a:schemeClr val="tx2"/>
-                </a:solidFill>
-                <a:latin typeface="+mj-lt"/>
-                <a:cs typeface="+mj-lt"/>
-              </a:rPr>
-              <a:t>r</a:t>
-            </a:r>
-            <a:r>
-              <a:rPr lang="en-US" altLang="en-US" sz="1800">
-                <a:solidFill>
-                  <a:schemeClr val="tx2"/>
-                </a:solidFill>
-                <a:latin typeface="+mj-lt"/>
-                <a:cs typeface="+mj-lt"/>
-              </a:rPr>
-              <a:t>ə</a:t>
-            </a:r>
-            <a:r>
-              <a:rPr lang="en-US" altLang="ru-RU" sz="1800">
-                <a:solidFill>
-                  <a:schemeClr val="tx2"/>
-                </a:solidFill>
-                <a:latin typeface="+mj-lt"/>
-                <a:cs typeface="+mj-lt"/>
-              </a:rPr>
-              <a:t> </a:t>
-            </a:r>
-            <a:r>
-              <a:rPr lang="en-US" altLang="en-US" sz="1800">
-                <a:solidFill>
-                  <a:schemeClr val="tx2"/>
-                </a:solidFill>
-                <a:latin typeface="+mj-lt"/>
-                <a:cs typeface="+mj-lt"/>
-              </a:rPr>
-              <a:t>ə</a:t>
-            </a:r>
-            <a:r>
-              <a:rPr lang="en-US" altLang="ru-RU" sz="1800">
-                <a:solidFill>
-                  <a:schemeClr val="tx2"/>
-                </a:solidFill>
-                <a:latin typeface="+mj-lt"/>
-                <a:cs typeface="+mj-lt"/>
-              </a:rPr>
-              <a:t>saslanaraq yeni m</a:t>
-            </a:r>
-            <a:r>
-              <a:rPr lang="en-US" altLang="en-US" sz="1800">
-                <a:solidFill>
-                  <a:schemeClr val="tx2"/>
-                </a:solidFill>
-                <a:latin typeface="+mj-lt"/>
-                <a:cs typeface="+mj-lt"/>
-              </a:rPr>
-              <a:t>ə</a:t>
-            </a:r>
-            <a:r>
-              <a:rPr lang="en-US" altLang="ru-RU" sz="1800">
-                <a:solidFill>
-                  <a:schemeClr val="tx2"/>
-                </a:solidFill>
-                <a:latin typeface="+mj-lt"/>
-                <a:cs typeface="+mj-lt"/>
-              </a:rPr>
-              <a:t>lumatlara cavab ver</a:t>
-            </a:r>
-            <a:r>
-              <a:rPr lang="en-US" altLang="en-US" sz="1800">
-                <a:solidFill>
-                  <a:schemeClr val="tx2"/>
-                </a:solidFill>
-                <a:latin typeface="+mj-lt"/>
-                <a:cs typeface="+mj-lt"/>
-              </a:rPr>
-              <a:t>ə</a:t>
-            </a:r>
-            <a:r>
-              <a:rPr lang="en-US" altLang="ru-RU" sz="1800">
-                <a:solidFill>
-                  <a:schemeClr val="tx2"/>
-                </a:solidFill>
-                <a:latin typeface="+mj-lt"/>
-                <a:cs typeface="+mj-lt"/>
-              </a:rPr>
-              <a:t> bilirl</a:t>
-            </a:r>
-            <a:r>
-              <a:rPr lang="en-US" altLang="en-US" sz="1800">
-                <a:solidFill>
-                  <a:schemeClr val="tx2"/>
-                </a:solidFill>
-                <a:latin typeface="+mj-lt"/>
-                <a:cs typeface="+mj-lt"/>
-              </a:rPr>
-              <a:t>ə</a:t>
-            </a:r>
-            <a:r>
-              <a:rPr lang="en-US" altLang="ru-RU" sz="1800">
-                <a:solidFill>
-                  <a:schemeClr val="tx2"/>
-                </a:solidFill>
-                <a:latin typeface="+mj-lt"/>
-                <a:cs typeface="+mj-lt"/>
-              </a:rPr>
-              <a:t>r.</a:t>
-            </a:r>
-            <a:endParaRPr lang="en-US" altLang="ru-RU" sz="1800">
-              <a:solidFill>
-                <a:schemeClr val="tx2"/>
-              </a:solidFill>
-              <a:latin typeface="+mj-lt"/>
-              <a:cs typeface="+mj-lt"/>
-            </a:endParaRPr>
-          </a:p>
-        </p:txBody>
-      </p:sp>
-      <p:pic>
-        <p:nvPicPr>
-          <p:cNvPr id="4" name="Изображение 3" descr="Pasted image 20251023103229"/>
-          <p:cNvPicPr>
-            <a:picLocks noChangeAspect="1"/>
-          </p:cNvPicPr>
-          <p:nvPr/>
-        </p:nvPicPr>
-        <p:blipFill>
-          <a:blip r:embed="rId1"/>
-          <a:srcRect l="1308" t="1704" r="24770" b="6654"/>
-          <a:stretch>
-            <a:fillRect/>
-          </a:stretch>
-        </p:blipFill>
-        <p:spPr>
-          <a:xfrm>
-            <a:off x="5350510" y="1076325"/>
-            <a:ext cx="3528060" cy="2990850"/>
-          </a:xfrm>
-          <a:prstGeom prst="rect">
-            <a:avLst/>
-          </a:prstGeom>
-        </p:spPr>
-      </p:pic>
-      <p:sp>
-        <p:nvSpPr>
-          <p:cNvPr id="5" name="Текстовое поле 4"/>
-          <p:cNvSpPr txBox="1"/>
-          <p:nvPr/>
-        </p:nvSpPr>
-        <p:spPr>
-          <a:xfrm>
-            <a:off x="405765" y="407035"/>
-            <a:ext cx="3830955" cy="368300"/>
-          </a:xfrm>
-          <a:prstGeom prst="rect">
-            <a:avLst/>
-          </a:prstGeom>
-          <a:solidFill>
-            <a:schemeClr val="bg1"/>
-          </a:solidFill>
-        </p:spPr>
-        <p:txBody>
-          <a:bodyPr wrap="square" rtlCol="0">
-            <a:spAutoFit/>
-          </a:bodyPr>
-          <a:p>
-            <a:r>
-              <a:rPr lang="en-US" altLang="ru-RU" sz="1800" b="1" dirty="0">
-                <a:solidFill>
-                  <a:schemeClr val="accent1"/>
-                </a:solidFill>
-                <a:effectLst>
-                  <a:outerShdw blurRad="38100" dist="25400" dir="5400000" algn="ctr" rotWithShape="0">
-                    <a:srgbClr val="6E747A">
-                      <a:alpha val="43000"/>
-                    </a:srgbClr>
-                  </a:outerShdw>
-                </a:effectLst>
-                <a:ea typeface="Calibri" panose="020F0502020204030204" pitchFamily="34" charset="0"/>
-                <a:cs typeface="Calibri" panose="020F0502020204030204" pitchFamily="34" charset="0"/>
-                <a:sym typeface="+mn-lt"/>
-              </a:rPr>
-              <a:t>S</a:t>
-            </a:r>
-            <a:r>
-              <a:rPr lang="en-US" altLang="en-US" sz="1800" b="1" dirty="0">
-                <a:solidFill>
-                  <a:schemeClr val="accent1"/>
-                </a:solidFill>
-                <a:effectLst>
-                  <a:outerShdw blurRad="38100" dist="25400" dir="5400000" algn="ctr" rotWithShape="0">
-                    <a:srgbClr val="6E747A">
-                      <a:alpha val="43000"/>
-                    </a:srgbClr>
-                  </a:outerShdw>
-                </a:effectLst>
-                <a:ea typeface="Calibri" panose="020F0502020204030204" pitchFamily="34" charset="0"/>
-                <a:cs typeface="Calibri" panose="020F0502020204030204" pitchFamily="34" charset="0"/>
-                <a:sym typeface="+mn-lt"/>
-              </a:rPr>
-              <a:t>ü</a:t>
-            </a:r>
-            <a:r>
-              <a:rPr lang="en-US" altLang="ru-RU" sz="1800" b="1" dirty="0">
-                <a:solidFill>
-                  <a:schemeClr val="accent1"/>
-                </a:solidFill>
-                <a:effectLst>
-                  <a:outerShdw blurRad="38100" dist="25400" dir="5400000" algn="ctr" rotWithShape="0">
-                    <a:srgbClr val="6E747A">
-                      <a:alpha val="43000"/>
-                    </a:srgbClr>
-                  </a:outerShdw>
-                </a:effectLst>
-                <a:ea typeface="Calibri" panose="020F0502020204030204" pitchFamily="34" charset="0"/>
-                <a:cs typeface="Calibri" panose="020F0502020204030204" pitchFamily="34" charset="0"/>
-                <a:sym typeface="+mn-lt"/>
-              </a:rPr>
-              <a:t>ni neyron </a:t>
-            </a:r>
-            <a:r>
-              <a:rPr lang="en-US" altLang="en-US" sz="1800" b="1" dirty="0">
-                <a:solidFill>
-                  <a:schemeClr val="accent1"/>
-                </a:solidFill>
-                <a:effectLst>
-                  <a:outerShdw blurRad="38100" dist="25400" dir="5400000" algn="ctr" rotWithShape="0">
-                    <a:srgbClr val="6E747A">
-                      <a:alpha val="43000"/>
-                    </a:srgbClr>
-                  </a:outerShdw>
-                </a:effectLst>
-                <a:ea typeface="Calibri" panose="020F0502020204030204" pitchFamily="34" charset="0"/>
-                <a:cs typeface="Calibri" panose="020F0502020204030204" pitchFamily="34" charset="0"/>
-                <a:sym typeface="+mn-lt"/>
-              </a:rPr>
-              <a:t>şə</a:t>
-            </a:r>
-            <a:r>
-              <a:rPr lang="en-US" altLang="ru-RU" sz="1800" b="1" dirty="0">
-                <a:solidFill>
-                  <a:schemeClr val="accent1"/>
-                </a:solidFill>
-                <a:effectLst>
-                  <a:outerShdw blurRad="38100" dist="25400" dir="5400000" algn="ctr" rotWithShape="0">
-                    <a:srgbClr val="6E747A">
-                      <a:alpha val="43000"/>
-                    </a:srgbClr>
-                  </a:outerShdw>
-                </a:effectLst>
-                <a:ea typeface="Calibri" panose="020F0502020204030204" pitchFamily="34" charset="0"/>
-                <a:cs typeface="Calibri" panose="020F0502020204030204" pitchFamily="34" charset="0"/>
-                <a:sym typeface="+mn-lt"/>
-              </a:rPr>
-              <a:t>b</a:t>
-            </a:r>
-            <a:r>
-              <a:rPr lang="en-US" altLang="en-US" sz="1800" b="1" dirty="0">
-                <a:solidFill>
-                  <a:schemeClr val="accent1"/>
-                </a:solidFill>
-                <a:effectLst>
-                  <a:outerShdw blurRad="38100" dist="25400" dir="5400000" algn="ctr" rotWithShape="0">
-                    <a:srgbClr val="6E747A">
-                      <a:alpha val="43000"/>
-                    </a:srgbClr>
-                  </a:outerShdw>
-                </a:effectLst>
-                <a:ea typeface="Calibri" panose="020F0502020204030204" pitchFamily="34" charset="0"/>
-                <a:cs typeface="Calibri" panose="020F0502020204030204" pitchFamily="34" charset="0"/>
-                <a:sym typeface="+mn-lt"/>
-              </a:rPr>
-              <a:t>ə</a:t>
-            </a:r>
-            <a:r>
-              <a:rPr lang="en-US" altLang="ru-RU" sz="1800" b="1" dirty="0">
-                <a:solidFill>
-                  <a:schemeClr val="accent1"/>
-                </a:solidFill>
-                <a:effectLst>
-                  <a:outerShdw blurRad="38100" dist="25400" dir="5400000" algn="ctr" rotWithShape="0">
-                    <a:srgbClr val="6E747A">
-                      <a:alpha val="43000"/>
-                    </a:srgbClr>
-                  </a:outerShdw>
-                </a:effectLst>
-                <a:ea typeface="Calibri" panose="020F0502020204030204" pitchFamily="34" charset="0"/>
-                <a:cs typeface="Calibri" panose="020F0502020204030204" pitchFamily="34" charset="0"/>
-                <a:sym typeface="+mn-lt"/>
-              </a:rPr>
-              <a:t>k</a:t>
-            </a:r>
-            <a:r>
-              <a:rPr lang="en-US" altLang="en-US" sz="1800" b="1" dirty="0">
-                <a:solidFill>
-                  <a:schemeClr val="accent1"/>
-                </a:solidFill>
-                <a:effectLst>
-                  <a:outerShdw blurRad="38100" dist="25400" dir="5400000" algn="ctr" rotWithShape="0">
-                    <a:srgbClr val="6E747A">
-                      <a:alpha val="43000"/>
-                    </a:srgbClr>
-                  </a:outerShdw>
-                </a:effectLst>
-                <a:ea typeface="Calibri" panose="020F0502020204030204" pitchFamily="34" charset="0"/>
-                <a:cs typeface="Calibri" panose="020F0502020204030204" pitchFamily="34" charset="0"/>
-                <a:sym typeface="+mn-lt"/>
-              </a:rPr>
-              <a:t>ə</a:t>
-            </a:r>
-            <a:r>
-              <a:rPr lang="en-US" altLang="ru-RU" sz="1800" b="1" dirty="0">
-                <a:solidFill>
-                  <a:schemeClr val="accent1"/>
-                </a:solidFill>
-                <a:effectLst>
-                  <a:outerShdw blurRad="38100" dist="25400" dir="5400000" algn="ctr" rotWithShape="0">
-                    <a:srgbClr val="6E747A">
-                      <a:alpha val="43000"/>
-                    </a:srgbClr>
-                  </a:outerShdw>
-                </a:effectLst>
-                <a:ea typeface="Calibri" panose="020F0502020204030204" pitchFamily="34" charset="0"/>
-                <a:cs typeface="Calibri" panose="020F0502020204030204" pitchFamily="34" charset="0"/>
-                <a:sym typeface="+mn-lt"/>
-              </a:rPr>
-              <a:t>l</a:t>
-            </a:r>
-            <a:r>
-              <a:rPr lang="en-US" altLang="en-US" sz="1800" b="1" dirty="0">
-                <a:solidFill>
-                  <a:schemeClr val="accent1"/>
-                </a:solidFill>
-                <a:effectLst>
-                  <a:outerShdw blurRad="38100" dist="25400" dir="5400000" algn="ctr" rotWithShape="0">
-                    <a:srgbClr val="6E747A">
-                      <a:alpha val="43000"/>
-                    </a:srgbClr>
-                  </a:outerShdw>
-                </a:effectLst>
-                <a:ea typeface="Calibri" panose="020F0502020204030204" pitchFamily="34" charset="0"/>
-                <a:cs typeface="Calibri" panose="020F0502020204030204" pitchFamily="34" charset="0"/>
-                <a:sym typeface="+mn-lt"/>
-              </a:rPr>
-              <a:t>ə</a:t>
-            </a:r>
-            <a:r>
-              <a:rPr lang="en-US" altLang="ru-RU" sz="1800" b="1" dirty="0">
-                <a:solidFill>
-                  <a:schemeClr val="accent1"/>
-                </a:solidFill>
-                <a:effectLst>
-                  <a:outerShdw blurRad="38100" dist="25400" dir="5400000" algn="ctr" rotWithShape="0">
-                    <a:srgbClr val="6E747A">
-                      <a:alpha val="43000"/>
-                    </a:srgbClr>
-                  </a:outerShdw>
-                </a:effectLst>
-                <a:ea typeface="Calibri" panose="020F0502020204030204" pitchFamily="34" charset="0"/>
-                <a:cs typeface="Calibri" panose="020F0502020204030204" pitchFamily="34" charset="0"/>
-                <a:sym typeface="+mn-lt"/>
-              </a:rPr>
-              <a:t>ri</a:t>
-            </a:r>
-            <a:endParaRPr lang="en-US" altLang="ru-RU" sz="1800" b="1" dirty="0">
-              <a:solidFill>
-                <a:schemeClr val="accent1"/>
-              </a:solidFill>
-              <a:effectLst>
-                <a:outerShdw blurRad="38100" dist="25400" dir="5400000" algn="ctr" rotWithShape="0">
-                  <a:srgbClr val="6E747A">
-                    <a:alpha val="43000"/>
-                  </a:srgbClr>
-                </a:outerShdw>
-              </a:effectLst>
-              <a:ea typeface="Calibri" panose="020F0502020204030204" pitchFamily="34" charset="0"/>
-              <a:cs typeface="Calibri" panose="020F0502020204030204" pitchFamily="34" charset="0"/>
-              <a:sym typeface="+mn-lt"/>
-            </a:endParaRPr>
-          </a:p>
-        </p:txBody>
-      </p:sp>
-    </p:spTree>
-  </p:cSld>
-  <p:clrMapOvr>
-    <a:masterClrMapping/>
-  </p:clrMapOvr>
-</p:sld>
-</file>
-
-<file path=ppt/slides/slide4.xml><?xml version="1.0" encoding="utf-8"?>
 <p:sld xmlns:a="http://schemas.openxmlformats.org/drawingml/2006/main" xmlns:r="http://schemas.openxmlformats.org/officeDocument/2006/relationships" xmlns:p="http://schemas.openxmlformats.org/presentationml/2006/main">
   <p:cSld>
     <p:spTree>
@@ -20969,10 +18714,22 @@
   <p:clrMapOvr>
     <a:masterClrMapping/>
   </p:clrMapOvr>
+  <mc:AlternateContent xmlns:mc="http://schemas.openxmlformats.org/markup-compatibility/2006" xmlns:p159="http://schemas.microsoft.com/office/powerpoint/2015/09/main">
+    <mc:Choice Requires="p159">
+      <p:transition xmlns:p14="http://schemas.microsoft.com/office/powerpoint/2010/main" spd="slow" p14:dur="2000">
+        <p159:morph option="byObject"/>
+      </p:transition>
+    </mc:Choice>
+    <mc:Fallback>
+      <p:transition spd="slow">
+        <p:fade/>
+      </p:transition>
+    </mc:Fallback>
+  </mc:AlternateContent>
 </p:sld>
 </file>
 
-<file path=ppt/slides/slide5.xml><?xml version="1.0" encoding="utf-8"?>
+<file path=ppt/slides/slide4.xml><?xml version="1.0" encoding="utf-8"?>
 <p:sld xmlns:a="http://schemas.openxmlformats.org/drawingml/2006/main" xmlns:r="http://schemas.openxmlformats.org/officeDocument/2006/relationships" xmlns:p="http://schemas.openxmlformats.org/presentationml/2006/main">
   <p:cSld>
     <p:spTree>
@@ -22072,7 +19829,7 @@
       </p:pic>
       <p:pic>
         <p:nvPicPr>
-          <p:cNvPr id="6" name="2384804F-3998-4D57-9195-F3826E402611-1" descr="wpp"/>
+          <p:cNvPr id="6" name="2384804F-3998-4D57-9195-F3826E402611-1" descr="C:/Users/receb/AppData/Local/Temp/wpp.EsjvwCwpp"/>
           <p:cNvPicPr>
             <a:picLocks noChangeAspect="1"/>
           </p:cNvPicPr>
@@ -22092,8 +19849,8 @@
         </p:blipFill>
         <p:spPr>
           <a:xfrm>
-            <a:off x="938530" y="3441700"/>
-            <a:ext cx="3072946" cy="628674"/>
+            <a:off x="938530" y="3446780"/>
+            <a:ext cx="3118304" cy="623661"/>
           </a:xfrm>
           <a:prstGeom prst="rect">
             <a:avLst/>
@@ -22105,10 +19862,22 @@
   <p:clrMapOvr>
     <a:masterClrMapping/>
   </p:clrMapOvr>
+  <mc:AlternateContent xmlns:mc="http://schemas.openxmlformats.org/markup-compatibility/2006" xmlns:p159="http://schemas.microsoft.com/office/powerpoint/2015/09/main">
+    <mc:Choice Requires="p159">
+      <p:transition xmlns:p14="http://schemas.microsoft.com/office/powerpoint/2010/main" spd="slow" p14:dur="2000">
+        <p159:morph option="byObject"/>
+      </p:transition>
+    </mc:Choice>
+    <mc:Fallback>
+      <p:transition spd="slow">
+        <p:fade/>
+      </p:transition>
+    </mc:Fallback>
+  </mc:AlternateContent>
 </p:sld>
 </file>
 
-<file path=ppt/slides/slide6.xml><?xml version="1.0" encoding="utf-8"?>
+<file path=ppt/slides/slide5.xml><?xml version="1.0" encoding="utf-8"?>
 <p:sld xmlns:a="http://schemas.openxmlformats.org/drawingml/2006/main" xmlns:r="http://schemas.openxmlformats.org/officeDocument/2006/relationships" xmlns:p="http://schemas.openxmlformats.org/presentationml/2006/main">
   <p:cSld>
     <p:spTree>
@@ -24017,10 +21786,22 @@
   <p:clrMapOvr>
     <a:masterClrMapping/>
   </p:clrMapOvr>
+  <mc:AlternateContent xmlns:mc="http://schemas.openxmlformats.org/markup-compatibility/2006" xmlns:p159="http://schemas.microsoft.com/office/powerpoint/2015/09/main">
+    <mc:Choice Requires="p159">
+      <p:transition xmlns:p14="http://schemas.microsoft.com/office/powerpoint/2010/main" spd="slow" p14:dur="2000">
+        <p159:morph option="byObject"/>
+      </p:transition>
+    </mc:Choice>
+    <mc:Fallback>
+      <p:transition spd="slow">
+        <p:fade/>
+      </p:transition>
+    </mc:Fallback>
+  </mc:AlternateContent>
 </p:sld>
 </file>
 
-<file path=ppt/slides/slide7.xml><?xml version="1.0" encoding="utf-8"?>
+<file path=ppt/slides/slide6.xml><?xml version="1.0" encoding="utf-8"?>
 <p:sld xmlns:a="http://schemas.openxmlformats.org/drawingml/2006/main" xmlns:r="http://schemas.openxmlformats.org/officeDocument/2006/relationships" xmlns:p="http://schemas.openxmlformats.org/presentationml/2006/main">
   <p:cSld>
     <p:spTree>
@@ -24488,7 +22269,7 @@
                 <a:latin typeface="+mj-lt"/>
                 <a:cs typeface="+mj-lt"/>
               </a:rPr>
-              <a:t>Gradient Descent)</a:t>
+              <a:t>Gradient Descent) </a:t>
             </a:r>
             <a:r>
               <a:rPr lang="en-US" altLang="ru-RU" sz="1800">
@@ -25453,10 +23234,22 @@
   <p:clrMapOvr>
     <a:masterClrMapping/>
   </p:clrMapOvr>
+  <mc:AlternateContent xmlns:mc="http://schemas.openxmlformats.org/markup-compatibility/2006" xmlns:p159="http://schemas.microsoft.com/office/powerpoint/2015/09/main">
+    <mc:Choice Requires="p159">
+      <p:transition xmlns:p14="http://schemas.microsoft.com/office/powerpoint/2010/main" spd="slow" p14:dur="2000">
+        <p159:morph option="byObject"/>
+      </p:transition>
+    </mc:Choice>
+    <mc:Fallback>
+      <p:transition spd="slow">
+        <p:fade/>
+      </p:transition>
+    </mc:Fallback>
+  </mc:AlternateContent>
 </p:sld>
 </file>
 
-<file path=ppt/slides/slide8.xml><?xml version="1.0" encoding="utf-8"?>
+<file path=ppt/slides/slide7.xml><?xml version="1.0" encoding="utf-8"?>
 <p:sld xmlns:a="http://schemas.openxmlformats.org/drawingml/2006/main" xmlns:r="http://schemas.openxmlformats.org/officeDocument/2006/relationships" xmlns:p="http://schemas.openxmlformats.org/presentationml/2006/main">
   <p:cSld>
     <p:spTree>
@@ -26341,10 +24134,22 @@
   <p:clrMapOvr>
     <a:masterClrMapping/>
   </p:clrMapOvr>
+  <mc:AlternateContent xmlns:mc="http://schemas.openxmlformats.org/markup-compatibility/2006" xmlns:p159="http://schemas.microsoft.com/office/powerpoint/2015/09/main">
+    <mc:Choice Requires="p159">
+      <p:transition xmlns:p14="http://schemas.microsoft.com/office/powerpoint/2010/main" spd="slow" p14:dur="2000">
+        <p159:morph option="byObject"/>
+      </p:transition>
+    </mc:Choice>
+    <mc:Fallback>
+      <p:transition spd="slow">
+        <p:fade/>
+      </p:transition>
+    </mc:Fallback>
+  </mc:AlternateContent>
 </p:sld>
 </file>
 
-<file path=ppt/slides/slide9.xml><?xml version="1.0" encoding="utf-8"?>
+<file path=ppt/slides/slide8.xml><?xml version="1.0" encoding="utf-8"?>
 <p:sld xmlns:a="http://schemas.openxmlformats.org/drawingml/2006/main" xmlns:r="http://schemas.openxmlformats.org/officeDocument/2006/relationships" xmlns:p="http://schemas.openxmlformats.org/presentationml/2006/main">
   <p:cSld>
     <p:spTree>
@@ -28528,58 +26333,1861 @@
   <p:clrMapOvr>
     <a:masterClrMapping/>
   </p:clrMapOvr>
+  <mc:AlternateContent xmlns:mc="http://schemas.openxmlformats.org/markup-compatibility/2006" xmlns:p159="http://schemas.microsoft.com/office/powerpoint/2015/09/main">
+    <mc:Choice Requires="p159">
+      <p:transition xmlns:p14="http://schemas.microsoft.com/office/powerpoint/2010/main" spd="slow" p14:dur="2000">
+        <p159:morph option="byObject"/>
+      </p:transition>
+    </mc:Choice>
+    <mc:Fallback>
+      <p:transition spd="slow">
+        <p:fade/>
+      </p:transition>
+    </mc:Fallback>
+  </mc:AlternateContent>
+</p:sld>
+</file>
+
+<file path=ppt/slides/slide9.xml><?xml version="1.0" encoding="utf-8"?>
+<p:sld xmlns:a="http://schemas.openxmlformats.org/drawingml/2006/main" xmlns:r="http://schemas.openxmlformats.org/officeDocument/2006/relationships" xmlns:p="http://schemas.openxmlformats.org/presentationml/2006/main">
+  <p:cSld>
+    <p:spTree>
+      <p:nvGrpSpPr>
+        <p:cNvPr id="1" name=""/>
+        <p:cNvGrpSpPr/>
+        <p:nvPr/>
+      </p:nvGrpSpPr>
+      <p:grpSpPr/>
+      <p:sp>
+        <p:nvSpPr>
+          <p:cNvPr id="2" name="Текстовое поле 1"/>
+          <p:cNvSpPr txBox="1"/>
+          <p:nvPr/>
+        </p:nvSpPr>
+        <p:spPr>
+          <a:xfrm>
+            <a:off x="382905" y="781685"/>
+            <a:ext cx="8302625" cy="3304540"/>
+          </a:xfrm>
+          <a:prstGeom prst="rect">
+            <a:avLst/>
+          </a:prstGeom>
+          <a:solidFill>
+            <a:schemeClr val="bg1"/>
+          </a:solidFill>
+        </p:spPr>
+        <p:txBody>
+          <a:bodyPr wrap="square" rtlCol="0" anchor="t">
+            <a:noAutofit/>
+          </a:bodyPr>
+          <a:p>
+            <a:pPr marL="0" lvl="0" indent="0" algn="just">
+              <a:buFont typeface="Arial" panose="020B0604020202020204" pitchFamily="34" charset="0"/>
+              <a:buNone/>
+            </a:pPr>
+            <a:r>
+              <a:rPr lang="en-US" altLang="ru-RU" sz="1600" b="1">
+                <a:solidFill>
+                  <a:schemeClr val="tx2"/>
+                </a:solidFill>
+                <a:latin typeface="+mj-lt"/>
+                <a:cs typeface="+mj-lt"/>
+              </a:rPr>
+              <a:t>Backpropagation alqoritmi </a:t>
+            </a:r>
+            <a:r>
+              <a:rPr lang="en-US" altLang="ru-RU" sz="1600">
+                <a:solidFill>
+                  <a:schemeClr val="tx2"/>
+                </a:solidFill>
+                <a:latin typeface="+mj-lt"/>
+                <a:cs typeface="+mj-lt"/>
+              </a:rPr>
+              <a:t>– neyron </a:t>
+            </a:r>
+            <a:r>
+              <a:rPr lang="en-US" altLang="en-US" sz="1600">
+                <a:solidFill>
+                  <a:schemeClr val="tx2"/>
+                </a:solidFill>
+                <a:latin typeface="+mj-lt"/>
+                <a:cs typeface="+mj-lt"/>
+              </a:rPr>
+              <a:t>şə</a:t>
+            </a:r>
+            <a:r>
+              <a:rPr lang="en-US" altLang="ru-RU" sz="1600">
+                <a:solidFill>
+                  <a:schemeClr val="tx2"/>
+                </a:solidFill>
+                <a:latin typeface="+mj-lt"/>
+                <a:cs typeface="+mj-lt"/>
+              </a:rPr>
+              <a:t>b</a:t>
+            </a:r>
+            <a:r>
+              <a:rPr lang="en-US" altLang="en-US" sz="1600">
+                <a:solidFill>
+                  <a:schemeClr val="tx2"/>
+                </a:solidFill>
+                <a:latin typeface="+mj-lt"/>
+                <a:cs typeface="+mj-lt"/>
+              </a:rPr>
+              <a:t>ə</a:t>
+            </a:r>
+            <a:r>
+              <a:rPr lang="en-US" altLang="ru-RU" sz="1600">
+                <a:solidFill>
+                  <a:schemeClr val="tx2"/>
+                </a:solidFill>
+                <a:latin typeface="+mj-lt"/>
+                <a:cs typeface="+mj-lt"/>
+              </a:rPr>
+              <a:t>k</a:t>
+            </a:r>
+            <a:r>
+              <a:rPr lang="en-US" altLang="en-US" sz="1600">
+                <a:solidFill>
+                  <a:schemeClr val="tx2"/>
+                </a:solidFill>
+                <a:latin typeface="+mj-lt"/>
+                <a:cs typeface="+mj-lt"/>
+              </a:rPr>
+              <a:t>ə</a:t>
+            </a:r>
+            <a:r>
+              <a:rPr lang="en-US" altLang="ru-RU" sz="1600">
+                <a:solidFill>
+                  <a:schemeClr val="tx2"/>
+                </a:solidFill>
+                <a:latin typeface="+mj-lt"/>
+                <a:cs typeface="+mj-lt"/>
+              </a:rPr>
+              <a:t>l</a:t>
+            </a:r>
+            <a:r>
+              <a:rPr lang="en-US" altLang="en-US" sz="1600">
+                <a:solidFill>
+                  <a:schemeClr val="tx2"/>
+                </a:solidFill>
+                <a:latin typeface="+mj-lt"/>
+                <a:cs typeface="+mj-lt"/>
+              </a:rPr>
+              <a:t>ə</a:t>
+            </a:r>
+            <a:r>
+              <a:rPr lang="en-US" altLang="ru-RU" sz="1600">
+                <a:solidFill>
+                  <a:schemeClr val="tx2"/>
+                </a:solidFill>
+                <a:latin typeface="+mj-lt"/>
+                <a:cs typeface="+mj-lt"/>
+              </a:rPr>
+              <a:t>rd</a:t>
+            </a:r>
+            <a:r>
+              <a:rPr lang="en-US" altLang="en-US" sz="1600">
+                <a:solidFill>
+                  <a:schemeClr val="tx2"/>
+                </a:solidFill>
+                <a:latin typeface="+mj-lt"/>
+                <a:cs typeface="+mj-lt"/>
+              </a:rPr>
+              <a:t>ə</a:t>
+            </a:r>
+            <a:r>
+              <a:rPr lang="en-US" altLang="ru-RU" sz="1600">
+                <a:solidFill>
+                  <a:schemeClr val="tx2"/>
+                </a:solidFill>
+                <a:latin typeface="+mj-lt"/>
+                <a:cs typeface="+mj-lt"/>
+              </a:rPr>
+              <a:t> parametrl</a:t>
+            </a:r>
+            <a:r>
+              <a:rPr lang="en-US" altLang="en-US" sz="1600">
+                <a:solidFill>
+                  <a:schemeClr val="tx2"/>
+                </a:solidFill>
+                <a:latin typeface="+mj-lt"/>
+                <a:cs typeface="+mj-lt"/>
+              </a:rPr>
+              <a:t>ə</a:t>
+            </a:r>
+            <a:r>
+              <a:rPr lang="en-US" altLang="ru-RU" sz="1600">
+                <a:solidFill>
+                  <a:schemeClr val="tx2"/>
+                </a:solidFill>
+                <a:latin typeface="+mj-lt"/>
+                <a:cs typeface="+mj-lt"/>
+              </a:rPr>
+              <a:t>rin (</a:t>
+            </a:r>
+            <a:r>
+              <a:rPr lang="en-US" altLang="en-US" sz="1600">
+                <a:solidFill>
+                  <a:schemeClr val="tx2"/>
+                </a:solidFill>
+                <a:latin typeface="+mj-lt"/>
+                <a:cs typeface="+mj-lt"/>
+              </a:rPr>
+              <a:t>çə</a:t>
+            </a:r>
+            <a:r>
+              <a:rPr lang="en-US" altLang="ru-RU" sz="1600">
+                <a:solidFill>
+                  <a:schemeClr val="tx2"/>
+                </a:solidFill>
+                <a:latin typeface="+mj-lt"/>
+                <a:cs typeface="+mj-lt"/>
+              </a:rPr>
+              <a:t>kil</a:t>
+            </a:r>
+            <a:r>
+              <a:rPr lang="en-US" altLang="en-US" sz="1600">
+                <a:solidFill>
+                  <a:schemeClr val="tx2"/>
+                </a:solidFill>
+                <a:latin typeface="+mj-lt"/>
+                <a:cs typeface="+mj-lt"/>
+              </a:rPr>
+              <a:t>ə</a:t>
+            </a:r>
+            <a:r>
+              <a:rPr lang="en-US" altLang="ru-RU" sz="1600">
+                <a:solidFill>
+                  <a:schemeClr val="tx2"/>
+                </a:solidFill>
+                <a:latin typeface="+mj-lt"/>
+                <a:cs typeface="+mj-lt"/>
+              </a:rPr>
+              <a:t>r v</a:t>
+            </a:r>
+            <a:r>
+              <a:rPr lang="en-US" altLang="en-US" sz="1600">
+                <a:solidFill>
+                  <a:schemeClr val="tx2"/>
+                </a:solidFill>
+                <a:latin typeface="+mj-lt"/>
+                <a:cs typeface="+mj-lt"/>
+              </a:rPr>
+              <a:t>ə</a:t>
+            </a:r>
+            <a:r>
+              <a:rPr lang="en-US" altLang="ru-RU" sz="1600">
+                <a:solidFill>
+                  <a:schemeClr val="tx2"/>
+                </a:solidFill>
+                <a:latin typeface="+mj-lt"/>
+                <a:cs typeface="+mj-lt"/>
+              </a:rPr>
+              <a:t> bias) </a:t>
+            </a:r>
+            <a:r>
+              <a:rPr lang="en-US" altLang="ru-RU" sz="1600" b="1">
+                <a:solidFill>
+                  <a:schemeClr val="tx2"/>
+                </a:solidFill>
+                <a:latin typeface="+mj-lt"/>
+                <a:cs typeface="+mj-lt"/>
+              </a:rPr>
+              <a:t>gradient descent</a:t>
+            </a:r>
+            <a:r>
+              <a:rPr lang="en-US" altLang="ru-RU" sz="1600">
+                <a:solidFill>
+                  <a:schemeClr val="tx2"/>
+                </a:solidFill>
+                <a:latin typeface="+mj-lt"/>
+                <a:cs typeface="+mj-lt"/>
+              </a:rPr>
+              <a:t> </a:t>
+            </a:r>
+            <a:r>
+              <a:rPr lang="en-US" altLang="en-US" sz="1600">
+                <a:solidFill>
+                  <a:schemeClr val="tx2"/>
+                </a:solidFill>
+                <a:latin typeface="+mj-lt"/>
+                <a:cs typeface="+mj-lt"/>
+              </a:rPr>
+              <a:t>ü</a:t>
+            </a:r>
+            <a:r>
+              <a:rPr lang="en-US" altLang="ru-RU" sz="1600">
+                <a:solidFill>
+                  <a:schemeClr val="tx2"/>
+                </a:solidFill>
+                <a:latin typeface="+mj-lt"/>
+                <a:cs typeface="+mj-lt"/>
+              </a:rPr>
+              <a:t>sulu il</a:t>
+            </a:r>
+            <a:r>
+              <a:rPr lang="en-US" altLang="en-US" sz="1600">
+                <a:solidFill>
+                  <a:schemeClr val="tx2"/>
+                </a:solidFill>
+                <a:latin typeface="+mj-lt"/>
+                <a:cs typeface="+mj-lt"/>
+              </a:rPr>
+              <a:t>ə</a:t>
+            </a:r>
+            <a:r>
+              <a:rPr lang="en-US" altLang="ru-RU" sz="1600">
+                <a:solidFill>
+                  <a:schemeClr val="tx2"/>
+                </a:solidFill>
+                <a:latin typeface="+mj-lt"/>
+                <a:cs typeface="+mj-lt"/>
+              </a:rPr>
+              <a:t> optimalla</a:t>
+            </a:r>
+            <a:r>
+              <a:rPr lang="en-US" altLang="en-US" sz="1600">
+                <a:solidFill>
+                  <a:schemeClr val="tx2"/>
+                </a:solidFill>
+                <a:latin typeface="+mj-lt"/>
+                <a:cs typeface="+mj-lt"/>
+              </a:rPr>
+              <a:t>ş</a:t>
+            </a:r>
+            <a:r>
+              <a:rPr lang="en-US" altLang="ru-RU" sz="1600">
+                <a:solidFill>
+                  <a:schemeClr val="tx2"/>
+                </a:solidFill>
+                <a:latin typeface="+mj-lt"/>
+                <a:cs typeface="+mj-lt"/>
+              </a:rPr>
+              <a:t>d</a:t>
+            </a:r>
+            <a:r>
+              <a:rPr lang="en-US" altLang="en-US" sz="1600">
+                <a:solidFill>
+                  <a:schemeClr val="tx2"/>
+                </a:solidFill>
+                <a:latin typeface="+mj-lt"/>
+                <a:cs typeface="+mj-lt"/>
+              </a:rPr>
+              <a:t>ı</a:t>
+            </a:r>
+            <a:r>
+              <a:rPr lang="en-US" altLang="ru-RU" sz="1600">
+                <a:solidFill>
+                  <a:schemeClr val="tx2"/>
+                </a:solidFill>
+                <a:latin typeface="+mj-lt"/>
+                <a:cs typeface="+mj-lt"/>
+              </a:rPr>
+              <a:t>r</a:t>
+            </a:r>
+            <a:r>
+              <a:rPr lang="en-US" altLang="en-US" sz="1600">
+                <a:solidFill>
+                  <a:schemeClr val="tx2"/>
+                </a:solidFill>
+                <a:latin typeface="+mj-lt"/>
+                <a:cs typeface="+mj-lt"/>
+              </a:rPr>
+              <a:t>ı</a:t>
+            </a:r>
+            <a:r>
+              <a:rPr lang="en-US" altLang="ru-RU" sz="1600">
+                <a:solidFill>
+                  <a:schemeClr val="tx2"/>
+                </a:solidFill>
+                <a:latin typeface="+mj-lt"/>
+                <a:cs typeface="+mj-lt"/>
+              </a:rPr>
+              <a:t>lmas</a:t>
+            </a:r>
+            <a:r>
+              <a:rPr lang="en-US" altLang="en-US" sz="1600">
+                <a:solidFill>
+                  <a:schemeClr val="tx2"/>
+                </a:solidFill>
+                <a:latin typeface="+mj-lt"/>
+                <a:cs typeface="+mj-lt"/>
+              </a:rPr>
+              <a:t>ı</a:t>
+            </a:r>
+            <a:r>
+              <a:rPr lang="en-US" altLang="ru-RU" sz="1600">
+                <a:solidFill>
+                  <a:schemeClr val="tx2"/>
+                </a:solidFill>
+                <a:latin typeface="+mj-lt"/>
+                <a:cs typeface="+mj-lt"/>
+              </a:rPr>
+              <a:t> </a:t>
+            </a:r>
+            <a:r>
+              <a:rPr lang="en-US" altLang="en-US" sz="1600">
+                <a:solidFill>
+                  <a:schemeClr val="tx2"/>
+                </a:solidFill>
+                <a:latin typeface="+mj-lt"/>
+                <a:cs typeface="+mj-lt"/>
+              </a:rPr>
+              <a:t>ü</a:t>
+            </a:r>
+            <a:r>
+              <a:rPr lang="en-US" altLang="en-US" sz="1600">
+                <a:solidFill>
+                  <a:schemeClr val="tx2"/>
+                </a:solidFill>
+                <a:latin typeface="+mj-lt"/>
+                <a:cs typeface="+mj-lt"/>
+              </a:rPr>
+              <a:t>ç</a:t>
+            </a:r>
+            <a:r>
+              <a:rPr lang="en-US" altLang="en-US" sz="1600">
+                <a:solidFill>
+                  <a:schemeClr val="tx2"/>
+                </a:solidFill>
+                <a:latin typeface="+mj-lt"/>
+                <a:cs typeface="+mj-lt"/>
+              </a:rPr>
+              <a:t>ü</a:t>
+            </a:r>
+            <a:r>
+              <a:rPr lang="en-US" altLang="ru-RU" sz="1600">
+                <a:solidFill>
+                  <a:schemeClr val="tx2"/>
+                </a:solidFill>
+                <a:latin typeface="+mj-lt"/>
+                <a:cs typeface="+mj-lt"/>
+              </a:rPr>
+              <a:t>n istifad</a:t>
+            </a:r>
+            <a:r>
+              <a:rPr lang="en-US" altLang="en-US" sz="1600">
+                <a:solidFill>
+                  <a:schemeClr val="tx2"/>
+                </a:solidFill>
+                <a:latin typeface="+mj-lt"/>
+                <a:cs typeface="+mj-lt"/>
+              </a:rPr>
+              <a:t>ə</a:t>
+            </a:r>
+            <a:r>
+              <a:rPr lang="en-US" altLang="ru-RU" sz="1600">
+                <a:solidFill>
+                  <a:schemeClr val="tx2"/>
+                </a:solidFill>
+                <a:latin typeface="+mj-lt"/>
+                <a:cs typeface="+mj-lt"/>
+              </a:rPr>
+              <a:t> olunur. Bu metod </a:t>
+            </a:r>
+            <a:r>
+              <a:rPr lang="en-US" altLang="en-US" sz="1600">
+                <a:solidFill>
+                  <a:schemeClr val="tx2"/>
+                </a:solidFill>
+                <a:latin typeface="+mj-lt"/>
+                <a:cs typeface="+mj-lt"/>
+              </a:rPr>
+              <a:t>şə</a:t>
+            </a:r>
+            <a:r>
+              <a:rPr lang="en-US" altLang="ru-RU" sz="1600">
+                <a:solidFill>
+                  <a:schemeClr val="tx2"/>
+                </a:solidFill>
+                <a:latin typeface="+mj-lt"/>
+                <a:cs typeface="+mj-lt"/>
+              </a:rPr>
+              <a:t>b</a:t>
+            </a:r>
+            <a:r>
+              <a:rPr lang="en-US" altLang="en-US" sz="1600">
+                <a:solidFill>
+                  <a:schemeClr val="tx2"/>
+                </a:solidFill>
+                <a:latin typeface="+mj-lt"/>
+                <a:cs typeface="+mj-lt"/>
+              </a:rPr>
+              <a:t>ə</a:t>
+            </a:r>
+            <a:r>
+              <a:rPr lang="en-US" altLang="ru-RU" sz="1600">
+                <a:solidFill>
+                  <a:schemeClr val="tx2"/>
+                </a:solidFill>
+                <a:latin typeface="+mj-lt"/>
+                <a:cs typeface="+mj-lt"/>
+              </a:rPr>
+              <a:t>k</a:t>
+            </a:r>
+            <a:r>
+              <a:rPr lang="en-US" altLang="en-US" sz="1600">
+                <a:solidFill>
+                  <a:schemeClr val="tx2"/>
+                </a:solidFill>
+                <a:latin typeface="+mj-lt"/>
+                <a:cs typeface="+mj-lt"/>
+              </a:rPr>
+              <a:t>ə</a:t>
+            </a:r>
+            <a:r>
+              <a:rPr lang="en-US" altLang="ru-RU" sz="1600">
+                <a:solidFill>
+                  <a:schemeClr val="tx2"/>
+                </a:solidFill>
+                <a:latin typeface="+mj-lt"/>
+                <a:cs typeface="+mj-lt"/>
+              </a:rPr>
+              <a:t>nin proqnozlar</a:t>
+            </a:r>
+            <a:r>
+              <a:rPr lang="en-US" altLang="en-US" sz="1600">
+                <a:solidFill>
+                  <a:schemeClr val="tx2"/>
+                </a:solidFill>
+                <a:latin typeface="+mj-lt"/>
+                <a:cs typeface="+mj-lt"/>
+              </a:rPr>
+              <a:t>ı</a:t>
+            </a:r>
+            <a:r>
+              <a:rPr lang="en-US" altLang="ru-RU" sz="1600">
+                <a:solidFill>
+                  <a:schemeClr val="tx2"/>
+                </a:solidFill>
+                <a:latin typeface="+mj-lt"/>
+                <a:cs typeface="+mj-lt"/>
+              </a:rPr>
+              <a:t> il</a:t>
+            </a:r>
+            <a:r>
+              <a:rPr lang="en-US" altLang="en-US" sz="1600">
+                <a:solidFill>
+                  <a:schemeClr val="tx2"/>
+                </a:solidFill>
+                <a:latin typeface="+mj-lt"/>
+                <a:cs typeface="+mj-lt"/>
+              </a:rPr>
+              <a:t>ə</a:t>
+            </a:r>
+            <a:r>
+              <a:rPr lang="en-US" altLang="ru-RU" sz="1600">
+                <a:solidFill>
+                  <a:schemeClr val="tx2"/>
+                </a:solidFill>
+                <a:latin typeface="+mj-lt"/>
+                <a:cs typeface="+mj-lt"/>
+              </a:rPr>
+              <a:t> real n</a:t>
+            </a:r>
+            <a:r>
+              <a:rPr lang="en-US" altLang="en-US" sz="1600">
+                <a:solidFill>
+                  <a:schemeClr val="tx2"/>
+                </a:solidFill>
+                <a:latin typeface="+mj-lt"/>
+                <a:cs typeface="+mj-lt"/>
+              </a:rPr>
+              <a:t>ə</a:t>
+            </a:r>
+            <a:r>
+              <a:rPr lang="en-US" altLang="ru-RU" sz="1600">
+                <a:solidFill>
+                  <a:schemeClr val="tx2"/>
+                </a:solidFill>
+                <a:latin typeface="+mj-lt"/>
+                <a:cs typeface="+mj-lt"/>
+              </a:rPr>
+              <a:t>tic</a:t>
+            </a:r>
+            <a:r>
+              <a:rPr lang="en-US" altLang="en-US" sz="1600">
+                <a:solidFill>
+                  <a:schemeClr val="tx2"/>
+                </a:solidFill>
+                <a:latin typeface="+mj-lt"/>
+                <a:cs typeface="+mj-lt"/>
+              </a:rPr>
+              <a:t>ə</a:t>
+            </a:r>
+            <a:r>
+              <a:rPr lang="en-US" altLang="ru-RU" sz="1600">
+                <a:solidFill>
+                  <a:schemeClr val="tx2"/>
+                </a:solidFill>
+                <a:latin typeface="+mj-lt"/>
+                <a:cs typeface="+mj-lt"/>
+              </a:rPr>
+              <a:t>l</a:t>
+            </a:r>
+            <a:r>
+              <a:rPr lang="en-US" altLang="en-US" sz="1600">
+                <a:solidFill>
+                  <a:schemeClr val="tx2"/>
+                </a:solidFill>
+                <a:latin typeface="+mj-lt"/>
+                <a:cs typeface="+mj-lt"/>
+              </a:rPr>
+              <a:t>ə</a:t>
+            </a:r>
+            <a:r>
+              <a:rPr lang="en-US" altLang="ru-RU" sz="1600">
+                <a:solidFill>
+                  <a:schemeClr val="tx2"/>
+                </a:solidFill>
+                <a:latin typeface="+mj-lt"/>
+                <a:cs typeface="+mj-lt"/>
+              </a:rPr>
+              <a:t>r </a:t>
+            </a:r>
+            <a:endParaRPr lang="en-US" altLang="ru-RU" sz="1600">
+              <a:solidFill>
+                <a:schemeClr val="tx2"/>
+              </a:solidFill>
+              <a:latin typeface="+mj-lt"/>
+              <a:cs typeface="+mj-lt"/>
+            </a:endParaRPr>
+          </a:p>
+          <a:p>
+            <a:pPr marL="0" lvl="0" indent="0" algn="just">
+              <a:buFont typeface="Arial" panose="020B0604020202020204" pitchFamily="34" charset="0"/>
+              <a:buNone/>
+            </a:pPr>
+            <a:r>
+              <a:rPr lang="en-US" altLang="ru-RU" sz="1600">
+                <a:solidFill>
+                  <a:schemeClr val="tx2"/>
+                </a:solidFill>
+                <a:latin typeface="+mj-lt"/>
+                <a:cs typeface="+mj-lt"/>
+              </a:rPr>
+              <a:t>aras</a:t>
+            </a:r>
+            <a:r>
+              <a:rPr lang="en-US" altLang="en-US" sz="1600">
+                <a:solidFill>
+                  <a:schemeClr val="tx2"/>
+                </a:solidFill>
+                <a:latin typeface="+mj-lt"/>
+                <a:cs typeface="+mj-lt"/>
+              </a:rPr>
+              <a:t>ı</a:t>
+            </a:r>
+            <a:r>
+              <a:rPr lang="en-US" altLang="ru-RU" sz="1600">
+                <a:solidFill>
+                  <a:schemeClr val="tx2"/>
+                </a:solidFill>
+                <a:latin typeface="+mj-lt"/>
+                <a:cs typeface="+mj-lt"/>
+              </a:rPr>
+              <a:t>ndak</a:t>
+            </a:r>
+            <a:r>
+              <a:rPr lang="en-US" altLang="en-US" sz="1600">
+                <a:solidFill>
+                  <a:schemeClr val="tx2"/>
+                </a:solidFill>
+                <a:latin typeface="+mj-lt"/>
+                <a:cs typeface="+mj-lt"/>
+              </a:rPr>
+              <a:t>ı</a:t>
+            </a:r>
+            <a:r>
+              <a:rPr lang="en-US" altLang="ru-RU" sz="1600">
+                <a:solidFill>
+                  <a:schemeClr val="tx2"/>
+                </a:solidFill>
+                <a:latin typeface="+mj-lt"/>
+                <a:cs typeface="+mj-lt"/>
+              </a:rPr>
+              <a:t> f</a:t>
+            </a:r>
+            <a:r>
+              <a:rPr lang="en-US" altLang="en-US" sz="1600">
+                <a:solidFill>
+                  <a:schemeClr val="tx2"/>
+                </a:solidFill>
+                <a:latin typeface="+mj-lt"/>
+                <a:cs typeface="+mj-lt"/>
+              </a:rPr>
+              <a:t>ə</a:t>
+            </a:r>
+            <a:r>
+              <a:rPr lang="en-US" altLang="ru-RU" sz="1600">
+                <a:solidFill>
+                  <a:schemeClr val="tx2"/>
+                </a:solidFill>
+                <a:latin typeface="+mj-lt"/>
+                <a:cs typeface="+mj-lt"/>
+              </a:rPr>
+              <a:t>rqi (x</a:t>
+            </a:r>
+            <a:r>
+              <a:rPr lang="en-US" altLang="en-US" sz="1600">
+                <a:solidFill>
+                  <a:schemeClr val="tx2"/>
+                </a:solidFill>
+                <a:latin typeface="+mj-lt"/>
+                <a:cs typeface="+mj-lt"/>
+              </a:rPr>
+              <a:t>ə</a:t>
+            </a:r>
+            <a:r>
+              <a:rPr lang="en-US" altLang="ru-RU" sz="1600">
+                <a:solidFill>
+                  <a:schemeClr val="tx2"/>
+                </a:solidFill>
+                <a:latin typeface="+mj-lt"/>
+                <a:cs typeface="+mj-lt"/>
+              </a:rPr>
+              <a:t>tan</a:t>
+            </a:r>
+            <a:r>
+              <a:rPr lang="en-US" altLang="en-US" sz="1600">
+                <a:solidFill>
+                  <a:schemeClr val="tx2"/>
+                </a:solidFill>
+                <a:latin typeface="+mj-lt"/>
+                <a:cs typeface="+mj-lt"/>
+              </a:rPr>
+              <a:t>ı</a:t>
+            </a:r>
+            <a:r>
+              <a:rPr lang="en-US" altLang="ru-RU" sz="1600">
+                <a:solidFill>
+                  <a:schemeClr val="tx2"/>
+                </a:solidFill>
+                <a:latin typeface="+mj-lt"/>
+                <a:cs typeface="+mj-lt"/>
+              </a:rPr>
+              <a:t>) azald</a:t>
+            </a:r>
+            <a:r>
+              <a:rPr lang="en-US" altLang="en-US" sz="1600">
+                <a:solidFill>
+                  <a:schemeClr val="tx2"/>
+                </a:solidFill>
+                <a:latin typeface="+mj-lt"/>
+                <a:cs typeface="+mj-lt"/>
+              </a:rPr>
+              <a:t>ı</a:t>
+            </a:r>
+            <a:r>
+              <a:rPr lang="en-US" altLang="ru-RU" sz="1600">
+                <a:solidFill>
+                  <a:schemeClr val="tx2"/>
+                </a:solidFill>
+                <a:latin typeface="+mj-lt"/>
+                <a:cs typeface="+mj-lt"/>
+              </a:rPr>
+              <a:t>r v</a:t>
+            </a:r>
+            <a:r>
+              <a:rPr lang="en-US" altLang="en-US" sz="1600">
+                <a:solidFill>
+                  <a:schemeClr val="tx2"/>
+                </a:solidFill>
+                <a:latin typeface="+mj-lt"/>
+                <a:cs typeface="+mj-lt"/>
+              </a:rPr>
+              <a:t>ə</a:t>
+            </a:r>
+            <a:r>
+              <a:rPr lang="en-US" altLang="ru-RU" sz="1600">
+                <a:solidFill>
+                  <a:schemeClr val="tx2"/>
+                </a:solidFill>
+                <a:latin typeface="+mj-lt"/>
+                <a:cs typeface="+mj-lt"/>
+              </a:rPr>
+              <a:t> n</a:t>
+            </a:r>
+            <a:r>
+              <a:rPr lang="en-US" altLang="en-US" sz="1600">
+                <a:solidFill>
+                  <a:schemeClr val="tx2"/>
+                </a:solidFill>
+                <a:latin typeface="+mj-lt"/>
+                <a:cs typeface="+mj-lt"/>
+              </a:rPr>
+              <a:t>ə</a:t>
+            </a:r>
+            <a:r>
+              <a:rPr lang="en-US" altLang="ru-RU" sz="1600">
+                <a:solidFill>
+                  <a:schemeClr val="tx2"/>
+                </a:solidFill>
+                <a:latin typeface="+mj-lt"/>
+                <a:cs typeface="+mj-lt"/>
+              </a:rPr>
+              <a:t>tic</a:t>
+            </a:r>
+            <a:r>
+              <a:rPr lang="en-US" altLang="en-US" sz="1600">
+                <a:solidFill>
+                  <a:schemeClr val="tx2"/>
+                </a:solidFill>
+                <a:latin typeface="+mj-lt"/>
+                <a:cs typeface="+mj-lt"/>
+              </a:rPr>
+              <a:t>ə</a:t>
+            </a:r>
+            <a:r>
+              <a:rPr lang="en-US" altLang="ru-RU" sz="1600">
+                <a:solidFill>
+                  <a:schemeClr val="tx2"/>
+                </a:solidFill>
+                <a:latin typeface="+mj-lt"/>
+                <a:cs typeface="+mj-lt"/>
+              </a:rPr>
+              <a:t>d</a:t>
+            </a:r>
+            <a:r>
+              <a:rPr lang="en-US" altLang="en-US" sz="1600">
+                <a:solidFill>
+                  <a:schemeClr val="tx2"/>
+                </a:solidFill>
+                <a:latin typeface="+mj-lt"/>
+                <a:cs typeface="+mj-lt"/>
+              </a:rPr>
+              <a:t>ə</a:t>
+            </a:r>
+            <a:r>
+              <a:rPr lang="en-US" altLang="ru-RU" sz="1600">
+                <a:solidFill>
+                  <a:schemeClr val="tx2"/>
+                </a:solidFill>
+                <a:latin typeface="+mj-lt"/>
+                <a:cs typeface="+mj-lt"/>
+              </a:rPr>
+              <a:t> model daha d</a:t>
+            </a:r>
+            <a:r>
+              <a:rPr lang="en-US" altLang="en-US" sz="1600">
+                <a:solidFill>
+                  <a:schemeClr val="tx2"/>
+                </a:solidFill>
+                <a:latin typeface="+mj-lt"/>
+                <a:cs typeface="+mj-lt"/>
+              </a:rPr>
+              <a:t>ə</a:t>
+            </a:r>
+            <a:r>
+              <a:rPr lang="en-US" altLang="ru-RU" sz="1600">
+                <a:solidFill>
+                  <a:schemeClr val="tx2"/>
+                </a:solidFill>
+                <a:latin typeface="+mj-lt"/>
+                <a:cs typeface="+mj-lt"/>
+              </a:rPr>
+              <a:t>qiq olur.</a:t>
+            </a:r>
+            <a:endParaRPr lang="en-US" altLang="ru-RU" sz="1600">
+              <a:solidFill>
+                <a:schemeClr val="tx2"/>
+              </a:solidFill>
+              <a:latin typeface="+mj-lt"/>
+              <a:cs typeface="+mj-lt"/>
+            </a:endParaRPr>
+          </a:p>
+          <a:p>
+            <a:pPr marL="0" lvl="0" indent="0" algn="just">
+              <a:buFont typeface="Arial" panose="020B0604020202020204" pitchFamily="34" charset="0"/>
+              <a:buNone/>
+            </a:pPr>
+            <a:endParaRPr lang="en-US" altLang="en-US" sz="1600" b="1">
+              <a:solidFill>
+                <a:schemeClr val="tx2"/>
+              </a:solidFill>
+              <a:latin typeface="+mj-lt"/>
+              <a:cs typeface="+mj-lt"/>
+            </a:endParaRPr>
+          </a:p>
+          <a:p>
+            <a:pPr marL="0" lvl="0" indent="457200" algn="just">
+              <a:buFont typeface="Arial" panose="020B0604020202020204" pitchFamily="34" charset="0"/>
+              <a:buNone/>
+            </a:pPr>
+            <a:r>
+              <a:rPr lang="en-US" altLang="en-US" sz="1600" b="1">
+                <a:solidFill>
+                  <a:schemeClr val="tx2"/>
+                </a:solidFill>
+                <a:latin typeface="+mj-lt"/>
+                <a:cs typeface="+mj-lt"/>
+              </a:rPr>
+              <a:t>Ə</a:t>
+            </a:r>
+            <a:r>
+              <a:rPr lang="en-US" altLang="ru-RU" sz="1600" b="1">
+                <a:solidFill>
+                  <a:schemeClr val="tx2"/>
+                </a:solidFill>
+                <a:latin typeface="+mj-lt"/>
+                <a:cs typeface="+mj-lt"/>
+              </a:rPr>
+              <a:t>sas ideya</a:t>
+            </a:r>
+            <a:endParaRPr lang="en-US" altLang="ru-RU" sz="1600" b="1">
+              <a:solidFill>
+                <a:schemeClr val="tx2"/>
+              </a:solidFill>
+              <a:latin typeface="+mj-lt"/>
+              <a:cs typeface="+mj-lt"/>
+            </a:endParaRPr>
+          </a:p>
+          <a:p>
+            <a:pPr marL="0" lvl="0" indent="0" algn="just">
+              <a:buFont typeface="Arial" panose="020B0604020202020204" pitchFamily="34" charset="0"/>
+              <a:buNone/>
+            </a:pPr>
+            <a:r>
+              <a:rPr lang="en-US" altLang="ru-RU" sz="1600">
+                <a:solidFill>
+                  <a:schemeClr val="tx2"/>
+                </a:solidFill>
+                <a:latin typeface="+mj-lt"/>
+                <a:cs typeface="+mj-lt"/>
+              </a:rPr>
+              <a:t>1.</a:t>
+            </a:r>
+            <a:r>
+              <a:rPr lang="en-US" altLang="ru-RU" sz="1600" b="1">
+                <a:solidFill>
+                  <a:schemeClr val="tx2"/>
+                </a:solidFill>
+                <a:latin typeface="+mj-lt"/>
+                <a:cs typeface="+mj-lt"/>
+              </a:rPr>
+              <a:t>Forward pass (ir</a:t>
+            </a:r>
+            <a:r>
+              <a:rPr lang="en-US" altLang="en-US" sz="1600" b="1">
+                <a:solidFill>
+                  <a:schemeClr val="tx2"/>
+                </a:solidFill>
+                <a:latin typeface="+mj-lt"/>
+                <a:cs typeface="+mj-lt"/>
+              </a:rPr>
+              <a:t>ə</a:t>
+            </a:r>
+            <a:r>
+              <a:rPr lang="en-US" altLang="ru-RU" sz="1600" b="1">
+                <a:solidFill>
+                  <a:schemeClr val="tx2"/>
+                </a:solidFill>
+                <a:latin typeface="+mj-lt"/>
+                <a:cs typeface="+mj-lt"/>
+              </a:rPr>
+              <a:t>li </a:t>
+            </a:r>
+            <a:r>
+              <a:rPr lang="en-US" altLang="en-US" sz="1600" b="1">
+                <a:solidFill>
+                  <a:schemeClr val="tx2"/>
+                </a:solidFill>
+                <a:latin typeface="+mj-lt"/>
+                <a:cs typeface="+mj-lt"/>
+              </a:rPr>
+              <a:t>ö</a:t>
+            </a:r>
+            <a:r>
+              <a:rPr lang="en-US" altLang="ru-RU" sz="1600" b="1">
+                <a:solidFill>
+                  <a:schemeClr val="tx2"/>
+                </a:solidFill>
+                <a:latin typeface="+mj-lt"/>
+                <a:cs typeface="+mj-lt"/>
+              </a:rPr>
+              <a:t>t</a:t>
+            </a:r>
+            <a:r>
+              <a:rPr lang="en-US" altLang="en-US" sz="1600" b="1">
+                <a:solidFill>
+                  <a:schemeClr val="tx2"/>
+                </a:solidFill>
+                <a:latin typeface="+mj-lt"/>
+                <a:cs typeface="+mj-lt"/>
+              </a:rPr>
+              <a:t>ü</a:t>
+            </a:r>
+            <a:r>
+              <a:rPr lang="en-US" altLang="ru-RU" sz="1600" b="1">
+                <a:solidFill>
+                  <a:schemeClr val="tx2"/>
+                </a:solidFill>
+                <a:latin typeface="+mj-lt"/>
+                <a:cs typeface="+mj-lt"/>
+              </a:rPr>
+              <a:t>r</a:t>
+            </a:r>
+            <a:r>
+              <a:rPr lang="en-US" altLang="en-US" sz="1600" b="1">
+                <a:solidFill>
+                  <a:schemeClr val="tx2"/>
+                </a:solidFill>
+                <a:latin typeface="+mj-lt"/>
+                <a:cs typeface="+mj-lt"/>
+              </a:rPr>
+              <a:t>ü</a:t>
+            </a:r>
+            <a:r>
+              <a:rPr lang="en-US" altLang="ru-RU" sz="1600" b="1">
+                <a:solidFill>
+                  <a:schemeClr val="tx2"/>
+                </a:solidFill>
+                <a:latin typeface="+mj-lt"/>
+                <a:cs typeface="+mj-lt"/>
+              </a:rPr>
+              <a:t>lm</a:t>
+            </a:r>
+            <a:r>
+              <a:rPr lang="en-US" altLang="en-US" sz="1600" b="1">
+                <a:solidFill>
+                  <a:schemeClr val="tx2"/>
+                </a:solidFill>
+                <a:latin typeface="+mj-lt"/>
+                <a:cs typeface="+mj-lt"/>
+              </a:rPr>
+              <a:t>ə</a:t>
+            </a:r>
+            <a:r>
+              <a:rPr lang="en-US" altLang="ru-RU" sz="1600" b="1">
+                <a:solidFill>
+                  <a:schemeClr val="tx2"/>
+                </a:solidFill>
+                <a:latin typeface="+mj-lt"/>
+                <a:cs typeface="+mj-lt"/>
+              </a:rPr>
+              <a:t>):</a:t>
+            </a:r>
+            <a:endParaRPr lang="en-US" altLang="ru-RU" sz="1600">
+              <a:solidFill>
+                <a:schemeClr val="tx2"/>
+              </a:solidFill>
+              <a:latin typeface="+mj-lt"/>
+              <a:cs typeface="+mj-lt"/>
+            </a:endParaRPr>
+          </a:p>
+          <a:p>
+            <a:pPr marL="0" lvl="0" indent="0" algn="just">
+              <a:buFont typeface="Arial" panose="020B0604020202020204" pitchFamily="34" charset="0"/>
+              <a:buNone/>
+            </a:pPr>
+            <a:r>
+              <a:rPr lang="en-US" altLang="ru-RU" sz="1600">
+                <a:solidFill>
+                  <a:schemeClr val="tx2"/>
+                </a:solidFill>
+                <a:latin typeface="+mj-lt"/>
+                <a:cs typeface="+mj-lt"/>
+              </a:rPr>
+              <a:t>    giri</a:t>
+            </a:r>
+            <a:r>
+              <a:rPr lang="en-US" altLang="en-US" sz="1600">
+                <a:solidFill>
+                  <a:schemeClr val="tx2"/>
+                </a:solidFill>
+                <a:latin typeface="+mj-lt"/>
+                <a:cs typeface="+mj-lt"/>
+              </a:rPr>
+              <a:t>ş</a:t>
+            </a:r>
+            <a:r>
+              <a:rPr lang="en-US" altLang="ru-RU" sz="1600">
+                <a:solidFill>
+                  <a:schemeClr val="tx2"/>
+                </a:solidFill>
+                <a:latin typeface="+mj-lt"/>
+                <a:cs typeface="+mj-lt"/>
+              </a:rPr>
+              <a:t>l</a:t>
+            </a:r>
+            <a:r>
+              <a:rPr lang="en-US" altLang="en-US" sz="1600">
+                <a:solidFill>
+                  <a:schemeClr val="tx2"/>
+                </a:solidFill>
+                <a:latin typeface="+mj-lt"/>
+                <a:cs typeface="+mj-lt"/>
+              </a:rPr>
+              <a:t>ə</a:t>
+            </a:r>
+            <a:r>
+              <a:rPr lang="en-US" altLang="ru-RU" sz="1600">
+                <a:solidFill>
+                  <a:schemeClr val="tx2"/>
+                </a:solidFill>
+                <a:latin typeface="+mj-lt"/>
+                <a:cs typeface="+mj-lt"/>
+              </a:rPr>
+              <a:t>r qat-qat </a:t>
+            </a:r>
+            <a:r>
+              <a:rPr lang="en-US" altLang="en-US" sz="1600">
+                <a:solidFill>
+                  <a:schemeClr val="tx2"/>
+                </a:solidFill>
+                <a:latin typeface="+mj-lt"/>
+                <a:cs typeface="+mj-lt"/>
+              </a:rPr>
+              <a:t>ö</a:t>
+            </a:r>
+            <a:r>
+              <a:rPr lang="en-US" altLang="ru-RU" sz="1600">
+                <a:solidFill>
+                  <a:schemeClr val="tx2"/>
+                </a:solidFill>
+                <a:latin typeface="+mj-lt"/>
+                <a:cs typeface="+mj-lt"/>
+              </a:rPr>
+              <a:t>t</a:t>
+            </a:r>
+            <a:r>
+              <a:rPr lang="en-US" altLang="en-US" sz="1600">
+                <a:solidFill>
+                  <a:schemeClr val="tx2"/>
+                </a:solidFill>
+                <a:latin typeface="+mj-lt"/>
+                <a:cs typeface="+mj-lt"/>
+              </a:rPr>
+              <a:t>ü</a:t>
+            </a:r>
+            <a:r>
+              <a:rPr lang="en-US" altLang="ru-RU" sz="1600">
+                <a:solidFill>
+                  <a:schemeClr val="tx2"/>
+                </a:solidFill>
+                <a:latin typeface="+mj-lt"/>
+                <a:cs typeface="+mj-lt"/>
+              </a:rPr>
+              <a:t>r</a:t>
+            </a:r>
+            <a:r>
+              <a:rPr lang="en-US" altLang="en-US" sz="1600">
+                <a:solidFill>
+                  <a:schemeClr val="tx2"/>
+                </a:solidFill>
+                <a:latin typeface="+mj-lt"/>
+                <a:cs typeface="+mj-lt"/>
+              </a:rPr>
+              <a:t>ü</a:t>
+            </a:r>
+            <a:r>
+              <a:rPr lang="en-US" altLang="ru-RU" sz="1600">
+                <a:solidFill>
+                  <a:schemeClr val="tx2"/>
+                </a:solidFill>
+                <a:latin typeface="+mj-lt"/>
+                <a:cs typeface="+mj-lt"/>
+              </a:rPr>
+              <a:t>l</a:t>
+            </a:r>
+            <a:r>
+              <a:rPr lang="en-US" altLang="en-US" sz="1600">
+                <a:solidFill>
+                  <a:schemeClr val="tx2"/>
+                </a:solidFill>
+                <a:latin typeface="+mj-lt"/>
+                <a:cs typeface="+mj-lt"/>
+              </a:rPr>
+              <a:t>ü</a:t>
+            </a:r>
+            <a:r>
+              <a:rPr lang="en-US" altLang="ru-RU" sz="1600">
+                <a:solidFill>
+                  <a:schemeClr val="tx2"/>
+                </a:solidFill>
+                <a:latin typeface="+mj-lt"/>
+                <a:cs typeface="+mj-lt"/>
+              </a:rPr>
+              <a:t>rv</a:t>
+            </a:r>
+            <a:r>
+              <a:rPr lang="en-US" altLang="en-US" sz="1600">
+                <a:solidFill>
+                  <a:schemeClr val="tx2"/>
+                </a:solidFill>
+                <a:latin typeface="+mj-lt"/>
+                <a:cs typeface="+mj-lt"/>
+              </a:rPr>
+              <a:t>ə</a:t>
+            </a:r>
+            <a:r>
+              <a:rPr lang="en-US" sz="1600">
+                <a:solidFill>
+                  <a:schemeClr val="tx2"/>
+                </a:solidFill>
+                <a:latin typeface="+mj-lt"/>
+                <a:cs typeface="+mj-lt"/>
+              </a:rPr>
+              <a:t> </a:t>
+            </a:r>
+            <a:r>
+              <a:rPr lang="en-US" altLang="en-US" sz="1600">
+                <a:solidFill>
+                  <a:schemeClr val="tx2"/>
+                </a:solidFill>
+                <a:latin typeface="+mj-lt"/>
+                <a:cs typeface="+mj-lt"/>
+              </a:rPr>
+              <a:t>çı</a:t>
+            </a:r>
+            <a:r>
+              <a:rPr lang="en-US" altLang="ru-RU" sz="1600">
+                <a:solidFill>
+                  <a:schemeClr val="tx2"/>
+                </a:solidFill>
+                <a:latin typeface="+mj-lt"/>
+                <a:cs typeface="+mj-lt"/>
+              </a:rPr>
+              <a:t>x</a:t>
+            </a:r>
+            <a:r>
+              <a:rPr lang="en-US" altLang="en-US" sz="1600">
+                <a:solidFill>
+                  <a:schemeClr val="tx2"/>
+                </a:solidFill>
+                <a:latin typeface="+mj-lt"/>
+                <a:cs typeface="+mj-lt"/>
+              </a:rPr>
+              <a:t>ış</a:t>
+            </a:r>
+            <a:r>
+              <a:rPr lang="en-US" altLang="ru-RU" sz="1600">
+                <a:solidFill>
+                  <a:schemeClr val="tx2"/>
+                </a:solidFill>
+                <a:latin typeface="+mj-lt"/>
+                <a:cs typeface="+mj-lt"/>
+              </a:rPr>
+              <a:t> hesablan</a:t>
+            </a:r>
+            <a:r>
+              <a:rPr lang="en-US" altLang="en-US" sz="1600">
+                <a:solidFill>
+                  <a:schemeClr val="tx2"/>
+                </a:solidFill>
+                <a:latin typeface="+mj-lt"/>
+                <a:cs typeface="+mj-lt"/>
+              </a:rPr>
+              <a:t>ı</a:t>
+            </a:r>
+            <a:r>
+              <a:rPr lang="en-US" altLang="ru-RU" sz="1600">
+                <a:solidFill>
+                  <a:schemeClr val="tx2"/>
+                </a:solidFill>
+                <a:latin typeface="+mj-lt"/>
+                <a:cs typeface="+mj-lt"/>
+              </a:rPr>
+              <a:t>r.</a:t>
+            </a:r>
+            <a:endParaRPr lang="en-US" altLang="ru-RU" sz="1600">
+              <a:solidFill>
+                <a:schemeClr val="tx2"/>
+              </a:solidFill>
+              <a:latin typeface="+mj-lt"/>
+              <a:cs typeface="+mj-lt"/>
+            </a:endParaRPr>
+          </a:p>
+          <a:p>
+            <a:pPr marL="0" lvl="0" indent="0" algn="just">
+              <a:buFont typeface="Arial" panose="020B0604020202020204" pitchFamily="34" charset="0"/>
+              <a:buNone/>
+            </a:pPr>
+            <a:r>
+              <a:rPr lang="en-US" altLang="ru-RU" sz="1600">
+                <a:solidFill>
+                  <a:schemeClr val="tx2"/>
+                </a:solidFill>
+                <a:latin typeface="+mj-lt"/>
+                <a:cs typeface="+mj-lt"/>
+              </a:rPr>
+              <a:t>2.</a:t>
+            </a:r>
+            <a:r>
+              <a:rPr lang="en-US" altLang="ru-RU" sz="1600" b="1">
+                <a:solidFill>
+                  <a:schemeClr val="tx2"/>
+                </a:solidFill>
+                <a:latin typeface="+mj-lt"/>
+                <a:cs typeface="+mj-lt"/>
+              </a:rPr>
+              <a:t>Backward pass (geri yay</a:t>
+            </a:r>
+            <a:r>
+              <a:rPr lang="en-US" altLang="en-US" sz="1600" b="1">
+                <a:solidFill>
+                  <a:schemeClr val="tx2"/>
+                </a:solidFill>
+                <a:latin typeface="+mj-lt"/>
+                <a:cs typeface="+mj-lt"/>
+              </a:rPr>
+              <a:t>ı</a:t>
+            </a:r>
+            <a:r>
+              <a:rPr lang="en-US" altLang="ru-RU" sz="1600" b="1">
+                <a:solidFill>
+                  <a:schemeClr val="tx2"/>
+                </a:solidFill>
+                <a:latin typeface="+mj-lt"/>
+                <a:cs typeface="+mj-lt"/>
+              </a:rPr>
+              <a:t>lma):</a:t>
+            </a:r>
+            <a:endParaRPr lang="en-US" altLang="ru-RU" sz="1600">
+              <a:solidFill>
+                <a:schemeClr val="tx2"/>
+              </a:solidFill>
+              <a:latin typeface="+mj-lt"/>
+              <a:cs typeface="+mj-lt"/>
+            </a:endParaRPr>
+          </a:p>
+          <a:p>
+            <a:pPr marL="0" lvl="0" indent="0" algn="just">
+              <a:buFont typeface="Arial" panose="020B0604020202020204" pitchFamily="34" charset="0"/>
+              <a:buNone/>
+            </a:pPr>
+            <a:r>
+              <a:rPr lang="en-US" altLang="ru-RU" sz="1600">
+                <a:solidFill>
+                  <a:schemeClr val="tx2"/>
+                </a:solidFill>
+                <a:latin typeface="+mj-lt"/>
+                <a:cs typeface="+mj-lt"/>
+              </a:rPr>
+              <a:t>    </a:t>
+            </a:r>
+            <a:r>
+              <a:rPr lang="en-US" altLang="en-US" sz="1600">
+                <a:solidFill>
+                  <a:schemeClr val="tx2"/>
+                </a:solidFill>
+                <a:latin typeface="+mj-lt"/>
+                <a:cs typeface="+mj-lt"/>
+              </a:rPr>
+              <a:t>çı</a:t>
+            </a:r>
+            <a:r>
+              <a:rPr lang="en-US" altLang="ru-RU" sz="1600">
+                <a:solidFill>
+                  <a:schemeClr val="tx2"/>
+                </a:solidFill>
+                <a:latin typeface="+mj-lt"/>
+                <a:cs typeface="+mj-lt"/>
+              </a:rPr>
+              <a:t>x</a:t>
+            </a:r>
+            <a:r>
+              <a:rPr lang="en-US" altLang="en-US" sz="1600">
+                <a:solidFill>
+                  <a:schemeClr val="tx2"/>
+                </a:solidFill>
+                <a:latin typeface="+mj-lt"/>
+                <a:cs typeface="+mj-lt"/>
+              </a:rPr>
+              <a:t>ış</a:t>
+            </a:r>
+            <a:r>
+              <a:rPr lang="en-US" altLang="ru-RU" sz="1600">
+                <a:solidFill>
+                  <a:schemeClr val="tx2"/>
+                </a:solidFill>
+                <a:latin typeface="+mj-lt"/>
+                <a:cs typeface="+mj-lt"/>
+              </a:rPr>
+              <a:t>dak</a:t>
+            </a:r>
+            <a:r>
+              <a:rPr lang="en-US" altLang="en-US" sz="1600">
+                <a:solidFill>
+                  <a:schemeClr val="tx2"/>
+                </a:solidFill>
+                <a:latin typeface="+mj-lt"/>
+                <a:cs typeface="+mj-lt"/>
+              </a:rPr>
+              <a:t>ı</a:t>
+            </a:r>
+            <a:r>
+              <a:rPr lang="en-US" altLang="ru-RU" sz="1600">
+                <a:solidFill>
+                  <a:schemeClr val="tx2"/>
+                </a:solidFill>
+                <a:latin typeface="+mj-lt"/>
+                <a:cs typeface="+mj-lt"/>
+              </a:rPr>
+              <a:t> x</a:t>
+            </a:r>
+            <a:r>
+              <a:rPr lang="en-US" altLang="en-US" sz="1600">
+                <a:solidFill>
+                  <a:schemeClr val="tx2"/>
+                </a:solidFill>
+                <a:latin typeface="+mj-lt"/>
+                <a:cs typeface="+mj-lt"/>
+              </a:rPr>
+              <a:t>ə</a:t>
+            </a:r>
+            <a:r>
+              <a:rPr lang="en-US" altLang="ru-RU" sz="1600">
+                <a:solidFill>
+                  <a:schemeClr val="tx2"/>
+                </a:solidFill>
+                <a:latin typeface="+mj-lt"/>
+                <a:cs typeface="+mj-lt"/>
+              </a:rPr>
+              <a:t>ta geri istiqam</a:t>
+            </a:r>
+            <a:r>
+              <a:rPr lang="en-US" altLang="en-US" sz="1600">
+                <a:solidFill>
+                  <a:schemeClr val="tx2"/>
+                </a:solidFill>
+                <a:latin typeface="+mj-lt"/>
+                <a:cs typeface="+mj-lt"/>
+              </a:rPr>
+              <a:t>ə</a:t>
+            </a:r>
+            <a:r>
+              <a:rPr lang="en-US" altLang="ru-RU" sz="1600">
+                <a:solidFill>
+                  <a:schemeClr val="tx2"/>
+                </a:solidFill>
+                <a:latin typeface="+mj-lt"/>
+                <a:cs typeface="+mj-lt"/>
+              </a:rPr>
+              <a:t>td</a:t>
+            </a:r>
+            <a:r>
+              <a:rPr lang="en-US" altLang="en-US" sz="1600">
+                <a:solidFill>
+                  <a:schemeClr val="tx2"/>
+                </a:solidFill>
+                <a:latin typeface="+mj-lt"/>
+                <a:cs typeface="+mj-lt"/>
+              </a:rPr>
+              <a:t>ə </a:t>
+            </a:r>
+            <a:r>
+              <a:rPr lang="en-US" altLang="ru-RU" sz="1600">
+                <a:solidFill>
+                  <a:schemeClr val="tx2"/>
+                </a:solidFill>
+                <a:latin typeface="+mj-lt"/>
+                <a:cs typeface="+mj-lt"/>
+              </a:rPr>
+              <a:t>yay</a:t>
+            </a:r>
+            <a:r>
+              <a:rPr lang="en-US" altLang="en-US" sz="1600">
+                <a:solidFill>
+                  <a:schemeClr val="tx2"/>
+                </a:solidFill>
+                <a:latin typeface="+mj-lt"/>
+                <a:cs typeface="+mj-lt"/>
+              </a:rPr>
+              <a:t>ı</a:t>
+            </a:r>
+            <a:r>
+              <a:rPr lang="en-US" altLang="ru-RU" sz="1600">
+                <a:solidFill>
+                  <a:schemeClr val="tx2"/>
+                </a:solidFill>
+                <a:latin typeface="+mj-lt"/>
+                <a:cs typeface="+mj-lt"/>
+              </a:rPr>
+              <a:t>l</a:t>
+            </a:r>
+            <a:r>
+              <a:rPr lang="en-US" altLang="en-US" sz="1600">
+                <a:solidFill>
+                  <a:schemeClr val="tx2"/>
+                </a:solidFill>
+                <a:latin typeface="+mj-lt"/>
+                <a:cs typeface="+mj-lt"/>
+              </a:rPr>
+              <a:t>ı</a:t>
+            </a:r>
+            <a:r>
+              <a:rPr lang="en-US" altLang="ru-RU" sz="1600">
+                <a:solidFill>
+                  <a:schemeClr val="tx2"/>
+                </a:solidFill>
+                <a:latin typeface="+mj-lt"/>
+                <a:cs typeface="+mj-lt"/>
+              </a:rPr>
+              <a:t>r v</a:t>
+            </a:r>
+            <a:r>
+              <a:rPr lang="en-US" altLang="en-US" sz="1600">
+                <a:solidFill>
+                  <a:schemeClr val="tx2"/>
+                </a:solidFill>
+                <a:latin typeface="+mj-lt"/>
+                <a:cs typeface="+mj-lt"/>
+              </a:rPr>
+              <a:t>ə</a:t>
+            </a:r>
+            <a:endParaRPr lang="en-US" altLang="en-US" sz="1600">
+              <a:solidFill>
+                <a:schemeClr val="tx2"/>
+              </a:solidFill>
+              <a:latin typeface="+mj-lt"/>
+              <a:cs typeface="+mj-lt"/>
+            </a:endParaRPr>
+          </a:p>
+          <a:p>
+            <a:pPr marL="0" lvl="0" indent="0" algn="just">
+              <a:buFont typeface="Arial" panose="020B0604020202020204" pitchFamily="34" charset="0"/>
+              <a:buNone/>
+            </a:pPr>
+            <a:r>
+              <a:rPr lang="en-US" altLang="en-US" sz="1600">
+                <a:solidFill>
+                  <a:schemeClr val="tx2"/>
+                </a:solidFill>
+                <a:latin typeface="+mj-lt"/>
+                <a:cs typeface="+mj-lt"/>
+              </a:rPr>
+              <a:t> </a:t>
+            </a:r>
+            <a:r>
+              <a:rPr lang="en-US" sz="1600">
+                <a:solidFill>
+                  <a:schemeClr val="tx2"/>
+                </a:solidFill>
+                <a:latin typeface="+mj-lt"/>
+                <a:cs typeface="+mj-lt"/>
+              </a:rPr>
+              <a:t>   </a:t>
+            </a:r>
+            <a:r>
+              <a:rPr lang="en-US" altLang="en-US" sz="1600">
+                <a:solidFill>
+                  <a:schemeClr val="tx2"/>
+                </a:solidFill>
+                <a:latin typeface="+mj-lt"/>
+                <a:cs typeface="+mj-lt"/>
+              </a:rPr>
+              <a:t>çə</a:t>
+            </a:r>
+            <a:r>
+              <a:rPr lang="en-US" altLang="ru-RU" sz="1600">
+                <a:solidFill>
+                  <a:schemeClr val="tx2"/>
+                </a:solidFill>
+                <a:latin typeface="+mj-lt"/>
+                <a:cs typeface="+mj-lt"/>
+              </a:rPr>
+              <a:t>kil</a:t>
+            </a:r>
+            <a:r>
+              <a:rPr lang="en-US" altLang="en-US" sz="1600">
+                <a:solidFill>
+                  <a:schemeClr val="tx2"/>
+                </a:solidFill>
+                <a:latin typeface="+mj-lt"/>
+                <a:cs typeface="+mj-lt"/>
+              </a:rPr>
+              <a:t>ə</a:t>
+            </a:r>
+            <a:r>
+              <a:rPr lang="en-US" altLang="ru-RU" sz="1600">
+                <a:solidFill>
+                  <a:schemeClr val="tx2"/>
+                </a:solidFill>
+                <a:latin typeface="+mj-lt"/>
+                <a:cs typeface="+mj-lt"/>
+              </a:rPr>
+              <a:t>r yenil</a:t>
+            </a:r>
+            <a:r>
+              <a:rPr lang="en-US" altLang="en-US" sz="1600">
+                <a:solidFill>
+                  <a:schemeClr val="tx2"/>
+                </a:solidFill>
+                <a:latin typeface="+mj-lt"/>
+                <a:cs typeface="+mj-lt"/>
+              </a:rPr>
+              <a:t>ə</a:t>
+            </a:r>
+            <a:r>
+              <a:rPr lang="en-US" altLang="ru-RU" sz="1600">
+                <a:solidFill>
+                  <a:schemeClr val="tx2"/>
+                </a:solidFill>
+                <a:latin typeface="+mj-lt"/>
+                <a:cs typeface="+mj-lt"/>
+              </a:rPr>
+              <a:t>nir.</a:t>
+            </a:r>
+            <a:endParaRPr lang="en-US" altLang="ru-RU" sz="1600">
+              <a:solidFill>
+                <a:schemeClr val="tx2"/>
+              </a:solidFill>
+              <a:latin typeface="+mj-lt"/>
+              <a:cs typeface="+mj-lt"/>
+            </a:endParaRPr>
+          </a:p>
+        </p:txBody>
+      </p:sp>
+      <p:sp>
+        <p:nvSpPr>
+          <p:cNvPr id="5" name="Текстовое поле 4"/>
+          <p:cNvSpPr txBox="1"/>
+          <p:nvPr/>
+        </p:nvSpPr>
+        <p:spPr>
+          <a:xfrm>
+            <a:off x="382905" y="235585"/>
+            <a:ext cx="5759450" cy="368300"/>
+          </a:xfrm>
+          <a:prstGeom prst="rect">
+            <a:avLst/>
+          </a:prstGeom>
+          <a:solidFill>
+            <a:schemeClr val="bg1"/>
+          </a:solidFill>
+        </p:spPr>
+        <p:txBody>
+          <a:bodyPr wrap="square" rtlCol="0">
+            <a:spAutoFit/>
+          </a:bodyPr>
+          <a:p>
+            <a:r>
+              <a:rPr lang="en-US" altLang="ru-RU" sz="1800" b="1" dirty="0">
+                <a:solidFill>
+                  <a:schemeClr val="accent1"/>
+                </a:solidFill>
+                <a:effectLst>
+                  <a:outerShdw blurRad="38100" dist="25400" dir="5400000" algn="ctr" rotWithShape="0">
+                    <a:srgbClr val="6E747A">
+                      <a:alpha val="43000"/>
+                    </a:srgbClr>
+                  </a:outerShdw>
+                </a:effectLst>
+                <a:ea typeface="Calibri" panose="020F0502020204030204" pitchFamily="34" charset="0"/>
+                <a:cs typeface="Calibri" panose="020F0502020204030204" pitchFamily="34" charset="0"/>
+                <a:sym typeface="+mn-lt"/>
+              </a:rPr>
+              <a:t>X</a:t>
+            </a:r>
+            <a:r>
+              <a:rPr lang="en-US" altLang="en-US" sz="1800" b="1" dirty="0">
+                <a:solidFill>
+                  <a:schemeClr val="accent1"/>
+                </a:solidFill>
+                <a:effectLst>
+                  <a:outerShdw blurRad="38100" dist="25400" dir="5400000" algn="ctr" rotWithShape="0">
+                    <a:srgbClr val="6E747A">
+                      <a:alpha val="43000"/>
+                    </a:srgbClr>
+                  </a:outerShdw>
+                </a:effectLst>
+                <a:ea typeface="Calibri" panose="020F0502020204030204" pitchFamily="34" charset="0"/>
+                <a:cs typeface="Calibri" panose="020F0502020204030204" pitchFamily="34" charset="0"/>
+                <a:sym typeface="+mn-lt"/>
+              </a:rPr>
+              <a:t>ə</a:t>
+            </a:r>
+            <a:r>
+              <a:rPr lang="en-US" altLang="ru-RU" sz="1800" b="1" dirty="0">
+                <a:solidFill>
+                  <a:schemeClr val="accent1"/>
+                </a:solidFill>
+                <a:effectLst>
+                  <a:outerShdw blurRad="38100" dist="25400" dir="5400000" algn="ctr" rotWithShape="0">
+                    <a:srgbClr val="6E747A">
+                      <a:alpha val="43000"/>
+                    </a:srgbClr>
+                  </a:outerShdw>
+                </a:effectLst>
+                <a:ea typeface="Calibri" panose="020F0502020204030204" pitchFamily="34" charset="0"/>
+                <a:cs typeface="Calibri" panose="020F0502020204030204" pitchFamily="34" charset="0"/>
+                <a:sym typeface="+mn-lt"/>
+              </a:rPr>
+              <a:t>tan</a:t>
+            </a:r>
+            <a:r>
+              <a:rPr lang="en-US" altLang="en-US" sz="1800" b="1" dirty="0">
+                <a:solidFill>
+                  <a:schemeClr val="accent1"/>
+                </a:solidFill>
+                <a:effectLst>
+                  <a:outerShdw blurRad="38100" dist="25400" dir="5400000" algn="ctr" rotWithShape="0">
+                    <a:srgbClr val="6E747A">
+                      <a:alpha val="43000"/>
+                    </a:srgbClr>
+                  </a:outerShdw>
+                </a:effectLst>
+                <a:ea typeface="Calibri" panose="020F0502020204030204" pitchFamily="34" charset="0"/>
+                <a:cs typeface="Calibri" panose="020F0502020204030204" pitchFamily="34" charset="0"/>
+                <a:sym typeface="+mn-lt"/>
+              </a:rPr>
+              <a:t>ı</a:t>
+            </a:r>
+            <a:r>
+              <a:rPr lang="en-US" altLang="ru-RU" sz="1800" b="1" dirty="0">
+                <a:solidFill>
+                  <a:schemeClr val="accent1"/>
+                </a:solidFill>
+                <a:effectLst>
+                  <a:outerShdw blurRad="38100" dist="25400" dir="5400000" algn="ctr" rotWithShape="0">
+                    <a:srgbClr val="6E747A">
+                      <a:alpha val="43000"/>
+                    </a:srgbClr>
+                  </a:outerShdw>
+                </a:effectLst>
+                <a:ea typeface="Calibri" panose="020F0502020204030204" pitchFamily="34" charset="0"/>
+                <a:cs typeface="Calibri" panose="020F0502020204030204" pitchFamily="34" charset="0"/>
+                <a:sym typeface="+mn-lt"/>
+              </a:rPr>
+              <a:t>n geri yay</a:t>
+            </a:r>
+            <a:r>
+              <a:rPr lang="en-US" altLang="en-US" sz="1800" b="1" dirty="0">
+                <a:solidFill>
+                  <a:schemeClr val="accent1"/>
+                </a:solidFill>
+                <a:effectLst>
+                  <a:outerShdw blurRad="38100" dist="25400" dir="5400000" algn="ctr" rotWithShape="0">
+                    <a:srgbClr val="6E747A">
+                      <a:alpha val="43000"/>
+                    </a:srgbClr>
+                  </a:outerShdw>
+                </a:effectLst>
+                <a:ea typeface="Calibri" panose="020F0502020204030204" pitchFamily="34" charset="0"/>
+                <a:cs typeface="Calibri" panose="020F0502020204030204" pitchFamily="34" charset="0"/>
+                <a:sym typeface="+mn-lt"/>
+              </a:rPr>
+              <a:t>ı</a:t>
+            </a:r>
+            <a:r>
+              <a:rPr lang="en-US" altLang="ru-RU" sz="1800" b="1" dirty="0">
+                <a:solidFill>
+                  <a:schemeClr val="accent1"/>
+                </a:solidFill>
+                <a:effectLst>
+                  <a:outerShdw blurRad="38100" dist="25400" dir="5400000" algn="ctr" rotWithShape="0">
+                    <a:srgbClr val="6E747A">
+                      <a:alpha val="43000"/>
+                    </a:srgbClr>
+                  </a:outerShdw>
+                </a:effectLst>
+                <a:ea typeface="Calibri" panose="020F0502020204030204" pitchFamily="34" charset="0"/>
+                <a:cs typeface="Calibri" panose="020F0502020204030204" pitchFamily="34" charset="0"/>
+                <a:sym typeface="+mn-lt"/>
+              </a:rPr>
+              <a:t>lmas</a:t>
+            </a:r>
+            <a:r>
+              <a:rPr lang="en-US" altLang="en-US" sz="1800" b="1" dirty="0">
+                <a:solidFill>
+                  <a:schemeClr val="accent1"/>
+                </a:solidFill>
+                <a:effectLst>
+                  <a:outerShdw blurRad="38100" dist="25400" dir="5400000" algn="ctr" rotWithShape="0">
+                    <a:srgbClr val="6E747A">
+                      <a:alpha val="43000"/>
+                    </a:srgbClr>
+                  </a:outerShdw>
+                </a:effectLst>
+                <a:ea typeface="Calibri" panose="020F0502020204030204" pitchFamily="34" charset="0"/>
+                <a:cs typeface="Calibri" panose="020F0502020204030204" pitchFamily="34" charset="0"/>
+                <a:sym typeface="+mn-lt"/>
+              </a:rPr>
+              <a:t>ı</a:t>
+            </a:r>
+            <a:r>
+              <a:rPr lang="en-US" altLang="ru-RU" sz="1800" b="1" dirty="0">
+                <a:solidFill>
+                  <a:schemeClr val="accent1"/>
+                </a:solidFill>
+                <a:effectLst>
+                  <a:outerShdw blurRad="38100" dist="25400" dir="5400000" algn="ctr" rotWithShape="0">
+                    <a:srgbClr val="6E747A">
+                      <a:alpha val="43000"/>
+                    </a:srgbClr>
+                  </a:outerShdw>
+                </a:effectLst>
+                <a:ea typeface="Calibri" panose="020F0502020204030204" pitchFamily="34" charset="0"/>
+                <a:cs typeface="Calibri" panose="020F0502020204030204" pitchFamily="34" charset="0"/>
+                <a:sym typeface="+mn-lt"/>
+              </a:rPr>
+              <a:t> (Backpropagation) alqoritmi</a:t>
+            </a:r>
+            <a:endParaRPr lang="en-US" altLang="ru-RU" sz="1800" b="1" dirty="0">
+              <a:solidFill>
+                <a:schemeClr val="accent1"/>
+              </a:solidFill>
+              <a:effectLst>
+                <a:outerShdw blurRad="38100" dist="25400" dir="5400000" algn="ctr" rotWithShape="0">
+                  <a:srgbClr val="6E747A">
+                    <a:alpha val="43000"/>
+                  </a:srgbClr>
+                </a:outerShdw>
+              </a:effectLst>
+              <a:ea typeface="Calibri" panose="020F0502020204030204" pitchFamily="34" charset="0"/>
+              <a:cs typeface="Calibri" panose="020F0502020204030204" pitchFamily="34" charset="0"/>
+              <a:sym typeface="+mn-lt"/>
+            </a:endParaRPr>
+          </a:p>
+        </p:txBody>
+      </p:sp>
+      <p:pic>
+        <p:nvPicPr>
+          <p:cNvPr id="4" name="Изображение 3" descr="Backpropagation-in-Neural-Network-1"/>
+          <p:cNvPicPr>
+            <a:picLocks noChangeAspect="1"/>
+          </p:cNvPicPr>
+          <p:nvPr/>
+        </p:nvPicPr>
+        <p:blipFill>
+          <a:blip r:embed="rId1"/>
+          <a:srcRect l="6133" r="3621"/>
+          <a:stretch>
+            <a:fillRect/>
+          </a:stretch>
+        </p:blipFill>
+        <p:spPr>
+          <a:xfrm>
+            <a:off x="4471670" y="1720850"/>
+            <a:ext cx="4133215" cy="2290445"/>
+          </a:xfrm>
+          <a:prstGeom prst="rect">
+            <a:avLst/>
+          </a:prstGeom>
+        </p:spPr>
+      </p:pic>
+    </p:spTree>
+  </p:cSld>
+  <p:clrMapOvr>
+    <a:masterClrMapping/>
+  </p:clrMapOvr>
+  <mc:AlternateContent xmlns:mc="http://schemas.openxmlformats.org/markup-compatibility/2006" xmlns:p159="http://schemas.microsoft.com/office/powerpoint/2015/09/main">
+    <mc:Choice Requires="p159">
+      <p:transition xmlns:p14="http://schemas.microsoft.com/office/powerpoint/2010/main" spd="slow" p14:dur="2000">
+        <p159:morph option="byObject"/>
+      </p:transition>
+    </mc:Choice>
+    <mc:Fallback>
+      <p:transition spd="slow">
+        <p:fade/>
+      </p:transition>
+    </mc:Fallback>
+  </mc:AlternateContent>
 </p:sld>
 </file>
 
 <file path=ppt/tags/tag1.xml><?xml version="1.0" encoding="utf-8"?>
-<p:tagLst xmlns:p="http://schemas.openxmlformats.org/presentationml/2006/main">
-  <p:tag name="KSO_WM_DIAGRAM_VIRTUALLY_FRAME" val="{&quot;height&quot;:323.26251968503936,&quot;left&quot;:362.435748031496,&quot;top&quot;:30.507716535433065,&quot;width&quot;:308.5927559055118}"/>
-</p:tagLst>
-</file>
-
-<file path=ppt/tags/tag2.xml><?xml version="1.0" encoding="utf-8"?>
-<p:tagLst xmlns:p="http://schemas.openxmlformats.org/presentationml/2006/main">
-  <p:tag name="KSO_WM_DIAGRAM_VIRTUALLY_FRAME" val="{&quot;height&quot;:323.26251968503936,&quot;left&quot;:362.435748031496,&quot;top&quot;:30.507716535433065,&quot;width&quot;:308.5927559055118}"/>
-</p:tagLst>
-</file>
-
-<file path=ppt/tags/tag3.xml><?xml version="1.0" encoding="utf-8"?>
-<p:tagLst xmlns:p="http://schemas.openxmlformats.org/presentationml/2006/main">
-  <p:tag name="KSO_WM_DIAGRAM_VIRTUALLY_FRAME" val="{&quot;height&quot;:323.26251968503936,&quot;left&quot;:362.435748031496,&quot;top&quot;:30.507716535433065,&quot;width&quot;:308.5927559055118}"/>
-</p:tagLst>
-</file>
-
-<file path=ppt/tags/tag4.xml><?xml version="1.0" encoding="utf-8"?>
-<p:tagLst xmlns:p="http://schemas.openxmlformats.org/presentationml/2006/main">
-  <p:tag name="KSO_WM_DIAGRAM_VIRTUALLY_FRAME" val="{&quot;height&quot;:323.26251968503936,&quot;left&quot;:362.435748031496,&quot;top&quot;:30.507716535433065,&quot;width&quot;:308.5927559055118}"/>
-</p:tagLst>
-</file>
-
-<file path=ppt/tags/tag5.xml><?xml version="1.0" encoding="utf-8"?>
-<p:tagLst xmlns:p="http://schemas.openxmlformats.org/presentationml/2006/main">
-  <p:tag name="KSO_WM_DIAGRAM_VIRTUALLY_FRAME" val="{&quot;height&quot;:323.26251968503936,&quot;left&quot;:362.435748031496,&quot;top&quot;:30.507716535433065,&quot;width&quot;:308.5927559055118}"/>
-</p:tagLst>
-</file>
-
-<file path=ppt/tags/tag6.xml><?xml version="1.0" encoding="utf-8"?>
-<p:tagLst xmlns:p="http://schemas.openxmlformats.org/presentationml/2006/main">
-  <p:tag name="KSO_WM_DIAGRAM_VIRTUALLY_FRAME" val="{&quot;height&quot;:323.26251968503936,&quot;left&quot;:362.435748031496,&quot;top&quot;:30.507716535433065,&quot;width&quot;:308.5927559055118}"/>
-</p:tagLst>
-</file>
-
-<file path=ppt/tags/tag7.xml><?xml version="1.0" encoding="utf-8"?>
-<p:tagLst xmlns:p="http://schemas.openxmlformats.org/presentationml/2006/main">
-  <p:tag name="KSO_WM_DIAGRAM_VIRTUALLY_FRAME" val="{&quot;height&quot;:323.26251968503936,&quot;left&quot;:362.435748031496,&quot;top&quot;:30.507716535433065,&quot;width&quot;:308.5927559055118}"/>
-</p:tagLst>
-</file>
-
-<file path=ppt/tags/tag8.xml><?xml version="1.0" encoding="utf-8"?>
-<p:tagLst xmlns:p="http://schemas.openxmlformats.org/presentationml/2006/main">
-  <p:tag name="KSO_WM_DIAGRAM_VIRTUALLY_FRAME" val="{&quot;height&quot;:323.26251968503936,&quot;left&quot;:362.435748031496,&quot;top&quot;:30.507716535433065,&quot;width&quot;:308.5927559055118}"/>
-</p:tagLst>
-</file>
-
-<file path=ppt/tags/tag9.xml><?xml version="1.0" encoding="utf-8"?>
 <p:tagLst xmlns:p="http://schemas.openxmlformats.org/presentationml/2006/main">
   <p:tag name="TABLE_ENDDRAG_ORIGIN_RECT" val="648*290"/>
   <p:tag name="TABLE_ENDDRAG_RECT" val="30*61*648*290"/>
@@ -29307,7 +28915,7 @@
 <s:customData xmlns="http://www.wps.cn/officeDocument/2013/wpsCustomData" xmlns:s="http://www.wps.cn/officeDocument/2013/wpsCustomData">
   <extobjs>
     <extobj name="2384804F-3998-4D57-9195-F3826E402611-1">
-      <extobjdata type="2384804F-3998-4D57-9195-F3826E402611" data="ewoJIkltZ1NldHRpbmdKc29uIiA6ICJ7XCJoZWlnaHRcIjo0OS4xMDcxNDI4NTcxNDI4NTQsXCJ3aWR0aFwiOjI0MS45NjQyODU3MTQyODU3fSIsCgkiTGF0ZXgiIDogInogPSBcXHN1bV97aT0xfV5uIHdfaSBcXGNkb3QgaV9pICsgYiBcXHRleHR7IH0gPT4gXFx0ZXh0eyB9IFxcaGF0IHkgPSBmKHopIiwKCSJMYXRleEltZ0Jhc2U2NCIgOiAiUEhOMlp5QjRiV3h1Y3owaWFIUjBjRG92TDNkM2R5NTNNeTV2Y21jdk1qQXdNQzl6ZG1jaUlIZHBaSFJvUFNJek1TNHdOVFZsZUNJZ2FHVnBaMmgwUFNJMkxqTTFOR1Y0SWlCeWIyeGxQU0pwYldjaUlHWnZZM1Z6WVdKc1pUMGlabUZzYzJVaUlIWnBaWGRDYjNnOUlqQWdMVEUxTmpJdU5TQXhNemN5Tmk0eElESTRNRGd1TlNJZ2VHMXNibk02ZUd4cGJtczlJbWgwZEhBNkx5OTNkM2N1ZHpNdWIzSm5MekU1T1RrdmVHeHBibXNpSUdGeWFXRXRhR2xrWkdWdVBTSjBjblZsSWlCemRIbHNaVDBpZG1WeWRHbGpZV3d0WVd4cFoyNDZJQzB5TGpneE9XVjRPeUJ0WVhndGQybGtkR2c2SURrNEpUc2lQanhrWldaelBqeHdZWFJvSUdsa1BTSk5TbGd0TVRJeExWUkZXQzFKTFRGRU5EWTNJaUJrUFNKTk16UTNJRE16T0ZFek16Y2dNek00SURJNU5DQXpORGxVTWpNeElETTJNRkV5TVRFZ016WXdJREU1TnlBek5UWlVNVGMwSURNME5sUXhOaklnTXpNMVZERTFOU0F6TWpSTU1UVXpJRE15TUZFeE5UQWdNekUzSURFek9DQXpNVGRSTVRFM0lETXhOeUF4TVRjZ016STFVVEV4TnlBek16QWdNVEl3SURNek9WRXhNek1nTXpjNElERTJNeUEwTURaVU1qSTVJRFEwTUZFeU5ERWdORFF5SURJME5pQTBOREpSTWpjeElEUTBNaUF5T1RFZ05ESTFWRE15T1NBek9USlVNelkzSURNM05WRXpPRGtnTXpjMUlEUXhNU0EwTURoVU5ETTBJRFEwTVZFME16VWdORFF5SURRME9TQTBOREpJTkRZeVVUUTJPQ0EwTXpZZ05EWTRJRFF6TkZFME5qZ2dORE13SURRMk15QTBNakJVTkRRNUlETTVPVlEwTXpJZ016YzNWRFF4T0NBek5UaE1OREV4SURNME9WRXpOamdnTWprNElESTNOU0F5TVRSVU1UWXdJREV3Tmt3eE5EZ2dPVFJNTVRZeklEa3pVVEU0TlNBNU15QXlNamNnT0RKVU1qa3dJRGN4VVRNeU9DQTNNU0F6TmpBZ09UQlVOREF5SURFME1GRTBNRFlnTVRRNUlEUXdPU0F4TlRGVU5ESTBJREUxTTFFME5ETWdNVFV6SURRME15QXhORE5STkRReklERXpPQ0EwTkRJZ01UTTBVVFF5TlNBM01pQXpOellnTXpGVU1qYzRJQzB4TVZFeU5USWdMVEV4SURJek1pQTJWREU1TXlBME1GUXhOVFVnTlRkUk1URXhJRFUzSURjMklDMHpVVGN3SUMweE1TQTFPU0F0TVRGSU5UUklOREZSTXpVZ0xUVWdNelVnTFRKUk16VWdNVE1nT1RNZ09EUlJNVE15SURFeU9TQXlNalVnTWpFMFZETTBNQ0F6TWpKUk16VXlJRE16T0NBek5EY2dNek00V2lJdlBqeHdZWFJvSUdsa1BTSk5TbGd0TVRJeExWUkZXQzFPTFRORUlpQmtQU0pOTlRZZ016UTNVVFUySURNMk1DQTNNQ0F6TmpkSU56QTNVVGN5TWlBek5Ua2dOekl5SURNME4xRTNNaklnTXpNMklEY3dPQ0F6TWpoTU16a3dJRE15TjBnM01sRTFOaUF6TXpJZ05UWWdNelEzV2swMU5pQXhOVE5STlRZZ01UWTRJRGN5SURFM00wZzNNRGhSTnpJeUlERTJNeUEzTWpJZ01UVXpVVGN5TWlBeE5EQWdOekEzSURFek0wZzNNRkUxTmlBeE5EQWdOVFlnTVRVeldpSXZQanh3WVhSb0lHbGtQU0pOU2xndE1USXhMVlJGV0MxTVR5MHlNakV4SWlCa1BTSk5OakFnT1RRNFVUWXpJRGsxTUNBMk5qVWdPVFV3U0RFeU5qZE1NVE15TlNBNE1UVlJNVE00TkNBMk56Y2dNVE00T0NBMk5qbElNVE0wT0V3eE16UXhJRFk0TTFFeE16SXdJRGN5TkNBeE1qZzFJRGMyTVZFeE1qTTFJRGd3T1NBeE1UYzBJRGd6T0ZReE1ETXpJRGc0TVZRNE9ESWdPRGs0VkRZNU9TQTVNREpJTlRjMFNEVTBNMGd5TlRGTU1qVTVJRGc1TVZFM01qSWdNalU0SURjeU5DQXlOVEpSTnpJMUlESTFNQ0EzTWpRZ01qUTJVVGN5TVNBeU5ETWdORFl3SUMwMU5rd3hPVFlnTFRNMU5sRXhPVFlnTFRNMU55QTBNRGNnTFRNMU4xRTBOVGtnTFRNMU55QTFORGdnTFRNMU4xUTJOellnTFRNMU9GRTRNVElnTFRNMU9DQTRPVFlnTFRNMU0xUXhNRFl6SUMwek16SlVNVEl3TkNBdE1qZ3pWREV6TURjZ0xURTVObEV4TXpJNElDMHhOekFnTVRNME9DQXRNVEkwU0RFek9EaFJNVE00T0NBdE1USTFJREV6T0RFZ0xURTBOVlF4TXpVMklDMHlNVEJVTVRNeU5TQXRNamswVERFeU5qY2dMVFEwT1V3Mk5qWWdMVFExTUZFMk5DQXRORFV3SURZeElDMDBORGhSTlRVZ0xUUTBOaUExTlNBdE5ETTVVVFUxSUMwME16Y2dOVGNnTFRRek0wdzFPVEFnTVRjM1VUVTVNQ0F4TnpnZ05UVTNJREl5TWxRME5USWdNelkyVkRNeU1pQTFORFJNTlRZZ09UQTVURFUxSURreU5GRTFOU0E1TkRVZ05qQWdPVFE0V2lJdlBqeHdZWFJvSUdsa1BTSk5TbGd0TVRJeExWUkZXQzFKTFRGRU5EVTJJaUJrUFNKTk1UZzBJRFl3TUZFeE9EUWdOakkwSURJd015QTJOREpVTWpRM0lEWTJNVkV5TmpVZ05qWXhJREkzTnlBMk5EbFVNamt3SURZeE9WRXlPVEFnTlRrMklESTNNQ0ExTnpkVU1qSTJJRFUxTjFFeU1URWdOVFUzSURFNU9DQTFOamRVTVRnMElEWXdNRnBOTWpFZ01qZzNVVEl4SURJNU5TQXpNQ0F6TVRoVU5UUWdNelk1VkRrNElEUXlNRlF4TlRnZ05EUXlVVEU1TnlBME5ESWdNakl6SURReE9WUXlOVEFnTXpVM1VUSTFNQ0F6TkRBZ01qTTJJRE13TVZReE9UWWdNVGsyVkRFMU5DQTRNMUV4TkRrZ05qRWdNVFE1SURVeFVURTBPU0F5TmlBeE5qWWdNalpSTVRjMUlESTJJREU0TlNBeU9WUXlNRGdnTkROVU1qTTFJRGM0VkRJMk1DQXhNemRSTWpZeklERTBPU0F5TmpVZ01UVXhWREk0TWlBeE5UTlJNekF5SURFMU15QXpNRElnTVRRelVUTXdNaUF4TXpVZ01qa3pJREV4TWxReU5qZ2dOakZVTWpJeklERXhWREUyTVNBdE1URlJNVEk1SUMweE1TQXhNRElnTVRCVU56UWdOelJSTnpRZ09URWdOemtnTVRBMlZERXlNaUF5TWpCUk1UWXdJRE15TVNBeE5qWWdNelF4VkRFM015QXpPREJSTVRjeklEUXdOQ0F4TlRZZ05EQTBTREUxTkZFeE1qUWdOREEwSURrNUlETTNNVlEyTVNBeU9EZFJOakFnTWpnMklEVTVJREk0TkZRMU9DQXlPREZVTlRZZ01qYzVWRFV6SURJM09GUTBPU0F5TnpoVU5ERWdNamM0U0RJM1VUSXhJREk0TkNBeU1TQXlPRGRhSWk4K1BIQmhkR2dnYVdROUlrMUtXQzB4TWpFdFZFVllMVTR0TXpFaUlHUTlJazB5TVRNZ05UYzRUREl3TUNBMU56TlJNVGcySURVMk9DQXhOakFnTlRZelZERXdNaUExTlRaSU9ETldOakF5U0RFd01sRXhORGtnTmpBMElERTRPU0EyTVRkVU1qUTFJRFkwTVZReU56TWdOall6VVRJM05TQTJOallnTWpnMUlEWTJObEV5T1RRZ05qWTJJRE13TWlBMk5qQldNell4VERNd015QTJNVkV6TVRBZ05UUWdNekUxSURVeVZETXpPU0EwT0ZRME1ERWdORFpJTkRJM1ZqQklOREUyVVRNNU5TQXpJREkxTnlBelVURXlNU0F6SURFd01DQXdTRGc0VmpRMlNERXhORkV4TXpZZ05EWWdNVFV5SURRMlZERTNOeUEwTjFReE9UTWdOVEJVTWpBeElEVXlWREl3TnlBMU4xUXlNVE1nTmpGV05UYzRXaUl2UGp4d1lYUm9JR2xrUFNKTlNsZ3RNVEl4TFZSRldDMUpMVEZFTkRWQ0lpQmtQU0pOTWpFZ01qZzNVVEl5SURJNU15QXlOQ0F6TUROVU16WWdNelF4VkRVMklETTRPRlE0T1NBME1qVlVNVE0xSURRME1sRXhOekVnTkRReUlERTVOU0EwTWpSVU1qSTFJRE01TUZReU16RWdNelk1VVRJek1TQXpOamNnTWpNeUlETTJOMHd5TkRNZ016YzRVVE13TkNBME5ESWdNemd5SURRME1sRTBNellnTkRReUlEUTJPU0EwTVRWVU5UQXpJRE16TmxRME5qVWdNVGM1VkRReU55QTFNbEUwTWpjZ01qWWdORFEwSURJMlVUUTFNQ0F5TmlBME5UTWdNamRSTkRneUlETXlJRFV3TlNBMk5WUTFOREFnTVRRMVVUVTBNaUF4TlRNZ05UWXdJREUxTTFFMU9EQWdNVFV6SURVNE1DQXhORFZSTlRnd0lERTBOQ0ExTnpZZ01UTXdVVFUyT0NBeE1ERWdOVFUwSURjelZEVXdPQ0F4TjFRME16a2dMVEV3VVRNNU1pQXRNVEFnTXpjeElERTNWRE0xTUNBM00xRXpOVEFnT1RJZ016ZzJJREU1TTFRME1qTWdNelExVVRReU15QTBNRFFnTXpjNUlEUXdORWd6TnpSUk1qZzRJRFF3TkNBeU1qa2dNekF6VERJeU1pQXlPVEZNTVRnNUlERTFOMUV4TlRZZ01qWWdNVFV4SURFMlVURXpPQ0F0TVRFZ01UQTRJQzB4TVZFNU5TQXRNVEVnT0RjZ0xUVlVOellnTjFRM05DQXhOMUUzTkNBek1DQXhNVElnTVRnd1ZERTFNaUF6TkROUk1UVXpJRE0wT0NBeE5UTWdNelkyVVRFMU15QTBNRFVnTVRJNUlEUXdOVkU1TVNBME1EVWdOallnTXpBMVVUWXdJREk0TlNBMk1DQXlPRFJSTlRnZ01qYzRJRFF4SURJM09FZ3lOMUV5TVNBeU9EUWdNakVnTWpnM1dpSXZQanh3WVhSb0lHbGtQU0pOU2xndE1USXhMVlJGV0MxSkxURkVORFkwSWlCa1BTSk5OVGd3SURNNE5WRTFPREFnTkRBMklEVTVPU0EwTWpSVU5qUXhJRFEwTTFFMk5Ua2dORFF6SURZM05DQTBNalZVTmprd0lETTJPRkUyT1RBZ016TTVJRFkzTVNBeU5UTlJOalUySURFNU55QTJORFFnTVRZeFZEWXdPU0E0TUZRMU5UUWdNVEpVTkRneUlDMHhNVkUwTXpnZ0xURXhJRFF3TkNBMVZETTFOU0EwT0ZFek5UUWdORGNnTXpVeUlEUTBVVE14TVNBdE1URWdNalV5SUMweE1WRXlNallnTFRFeElESXdNaUF0TlZReE5UVWdNVFJVTVRFNElEVXpWREV3TkNBeE1UWlJNVEEwSURFM01DQXhNemdnTWpZeVZERTNNeUF6TnpsUk1UY3pJRE00TUNBeE56TWdNemd4VVRFM015QXpPVEFnTVRjeklETTVNMVF4TmprZ05EQXdWREUxT0NBME1EUklNVFUwVVRFek1TQTBNRFFnTVRFeUlETTROVlE0TWlBek5EUlVOalVnTXpBeVZEVTNJREk0TUZFMU5TQXlOemdnTkRFZ01qYzRTREkzVVRJeElESTROQ0F5TVNBeU9EZFJNakVnTWpreklESTVJRE14TlZRMU1pQXpOalpVT1RZZ05ERTRWREUyTVNBME5ERlJNakEwSURRME1TQXlNamNnTkRFMlZESTFNQ0F6TlRoUk1qVXdJRE0wTUNBeU1UY2dNalV3VkRFNE5DQXhNVEZSTVRnMElEWTFJREl3TlNBME5sUXlOVGdnTWpaUk16QXhJREkySURNek5DQTROMHd6TXprZ09UWldNVEU1VVRNek9TQXhNaklnTXpNNUlERXlPRlF6TkRBZ01UTTJWRE0wTVNBeE5ETlVNelF5SURFMU1sUXpORFVnTVRZMVZETTBPQ0F4T0RKVU16VTBJREl3TmxRek5qSWdNak00VkRNM015QXlPREZSTkRBeUlETTVOU0EwTURZZ05EQTBVVFF4T1NBME16RWdORFE1SURRek1WRTBOamdnTkRNeElEUTNOU0EwTWpGVU5EZ3pJRFF3TWxFME9ETWdNemc1SURRMU5DQXlOelJVTkRJeUlERTBNbEUwTWpBZ01UTXhJRFF5TUNBeE1EZFdNVEF3VVRReU1DQTROU0EwTWpNZ056RlVORFF5SURReVZEUTROeUF5TmxFMU5UZ2dNallnTmpBd0lERTBPRkUyTURrZ01UY3hJRFl5TUNBeU1UTlVOak15SURJM00xRTJNeklnTXpBMklEWXhPU0F6TWpWVU5Ua3pJRE0xTjFRMU9EQWdNemcxV2lJdlBqeHdZWFJvSUdsa1BTSk5TbGd0TVRJeExWUkZXQzFPTFRJeVF6VWlJR1E5SWswM09DQXlOVEJSTnpnZ01qYzBJRGsxSURJNU1sUXhNemdnTXpFd1VURTJNaUF6TVRBZ01UZ3dJREk1TkZReE9Ua2dNalV4VVRFNU9TQXlNallnTVRneUlESXdPRlF4TXprZ01Ua3dWRGsySURJd04xUTNPQ0F5TlRCYUlpOCtQSEJoZEdnZ2FXUTlJazFLV0MweE1qRXRWRVZZTFU0dE1rSWlJR1E5SWswMU5pQXlNemRVTlRZZ01qVXdWRGN3SURJM01FZ3pOamxXTkRJd1RETTNNQ0ExTnpCUk16Z3dJRFU0TXlBek9Ea2dOVGd6VVRRd01pQTFPRE1nTkRBNUlEVTJPRll5TnpCSU56QTNVVGN5TWlBeU5qSWdOekl5SURJMU1GUTNNRGNnTWpNd1NEUXdPVll0TmpoUk5EQXhJQzA0TWlBek9URWdMVGd5U0RNNE9VZ3pPRGRSTXpjMUlDMDRNaUF6TmprZ0xUWTRWakl6TUVnM01GRTFOaUF5TXpjZ05UWWdNalV3V2lJdlBqeHdZWFJvSUdsa1BTSk5TbGd0TVRJeExWUkZXQzFKTFRGRU5EUkdJaUJrUFNKTk56TWdOalEzVVRjeklEWTFOeUEzTnlBMk56QlVPRGtnTmpnelVUa3dJRFk0TXlBeE5qRWdOamc0VkRJek5DQTJPVFJSTWpRMklEWTVOQ0F5TkRZZ05qZzFWREl4TWlBMU5ESlJNakEwSURVd09DQXhPVFVnTkRjeVZERTRNQ0EwTVRoTU1UYzJJRE01T1ZFeE56WWdNemsySURFNE1pQTBNREpSTWpNeElEUTBNaUF5T0RNZ05EUXlVVE0wTlNBME5ESWdNemd6SURNNU5sUTBNaklnTWpnd1VUUXlNaUF4TmprZ016UXpJRGM1VkRFM015QXRNVEZSTVRJeklDMHhNU0E0TWlBeU4xUTBNQ0F4TlRCV01UVTVVVFF3SURFNE1DQTBPQ0F5TVRkVU9UY2dOREUwVVRFME55QTJNVEVnTVRRM0lEWXlNMVF4TURrZ05qTTNVVEV3TkNBMk16Y2dNVEF4SURZek4wZzVObEU0TmlBMk16Y2dPRE1nTmpNM1ZEYzJJRFkwTUZRM015QTJORGRhVFRNek5pQXpNalZXTXpNeFVUTXpOaUEwTURVZ01qYzFJRFF3TlZFeU5UZ2dOREExSURJME1DQXpPVGRVTWpBM0lETTNObFF4T0RFZ016VXlWREUyTXlBek16Qk1NVFUzSURNeU1rd3hNellnTWpNMlVURXhOQ0F4TlRBZ01URTBJREV4TkZFeE1UUWdOallnTVRNNElEUXlVVEUxTkNBeU5pQXhOemdnTWpaUk1qRXhJREkySURJME5TQTFPRkV5TnpBZ09ERWdNamcxSURFeE5GUXpNVGdnTWpFNVVUTXpOaUF5T1RFZ016TTJJRE15TlZvaUx6NDhjR0YwYUNCcFpEMGlUVXBZTFRFeU1TMVVSVmd0VGkxQk1DSWdaRDBpSWk4K1BIQmhkR2dnYVdROUlrMUtXQzB4TWpFdFZFVllMVTR0TTBVaUlHUTlJazA0TkNBMU1qQlJPRFFnTlRJNElEZzRJRFV6TTFRNU5pQTFNemxNT1RrZ05UUXdVVEV3TmlBMU5EQWdNalV6SURRM01WUTFORFFnTXpNMFREWTROeUF5TmpWUk5qazBJREkyTUNBMk9UUWdNalV3VkRZNE55QXlNelZSTmpnMUlESXpNeUF6T1RVZ09UWk1NVEEzSUMwME1FZ3hNREZST0RNZ0xUTTRJRGd6SUMweU1GRTRNeUF0TVRrZ09ETWdMVEUzVVRneUlDMHhNQ0E1T0NBdE1WRXhNVGNnT1NBeU5EZ2dOekZSTXpJMklERXdPQ0F6TnpnZ01UTXlURFl5TmlBeU5UQk1NemM0SURNMk9GRTVNQ0ExTURRZ09EWWdOVEE1VVRnMElEVXhNeUE0TkNBMU1qQmFJaTgrUEhCaGRHZ2dhV1E5SWsxS1dDMHhNakV0VkVWWUxVa3RNVVEwTmpZaUlHUTlJazB5TVNBeU9EZFJNakVnTXpBeElETTJJRE16TlZRNE5DQTBNRFpVTVRVNElEUTBNbEV4T1RrZ05EUXlJREl5TkNBME1UbFVNalV3SURNMU5WRXlORGdnTXpNMklESTBOeUF6TXpSUk1qUTNJRE16TVNBeU16RWdNamc0VkRFNU9DQXhPVEZVTVRneUlERXdOVkV4T0RJZ05qSWdNVGsySURRMVZESXpPQ0F5TjFFeU5qRWdNamNnTWpneElETTRWRE14TWlBMk1WUXpNemtnT1RSUk16TTVJRGsxSURNME5DQXhNVFJVTXpVNElERTNNMVF6TnpjZ01qUTNVVFF4TlNBek9UY2dOREU1SURRd05GRTBNeklnTkRNeElEUTJNaUEwTXpGUk5EYzFJRFF6TVNBME9ETWdOREkwVkRRNU5DQTBNVEpVTkRrMklEUXdNMUUwT1RZZ016a3dJRFEwTnlBeE9UTlVNemt4SUMweU0xRXpOak1nTFRFd05pQXlPVFFnTFRFMU5WUXhOVFlnTFRJd05WRXhNVEVnTFRJd05TQTNOeUF0TVRnelZEUXpJQzB4TVRkUk5ETWdMVGsxSURVd0lDMDRNRlEyT1NBdE5UaFVPRGtnTFRRNFZERXdOaUF0TkRWUk1UVXdJQzAwTlNBeE5UQWdMVGczVVRFMU1DQXRNVEEzSURFek9DQXRNVEl5VkRFeE5TQXRNVFF5VkRFd01pQXRNVFEzVERrNUlDMHhORGhSTVRBeElDMHhOVE1nTVRFNElDMHhOakJVTVRVeUlDMHhOamRJTVRZd1VURTNOeUF0TVRZM0lERTROaUF0TVRZMVVUSXhPU0F0TVRVMklESTBOeUF0TVRJM1ZESTVNQ0F0TmpWVU16RXpJQzA1VkRNeU1TQXlNVXd6TVRVZ01UZFJNekE1SURFeklESTVOaUEyVkRJM01DQXRObEV5TlRBZ0xURXhJREl6TVNBdE1URlJNVGcxSUMweE1TQXhOVEFnTVRGVU1UQTBJRGd5VVRFd015QTRPU0F4TURNZ01URXpVVEV3TXlBeE56QWdNVE00SURJMk1sUXhOek1nTXpjNVVURTNNeUF6T0RBZ01UY3pJRE00TVZFeE56TWdNemt3SURFM015QXpPVE5VTVRZNUlEUXdNRlF4TlRnZ05EQTBTREUxTkZFeE16RWdOREEwSURFeE1pQXpPRFZVT0RJZ016UTBWRFkxSURNd01sUTFOeUF5T0RCUk5UVWdNamM0SURReElESTNPRWd5TjFFeU1TQXlPRFFnTWpFZ01qZzNXaUl2UGp4d1lYUm9JR2xrUFNKTlNsZ3RNVEl4TFZSRldDMU9MVFZGSWlCa1BTSk5NVEV5SURVMk1Fd3lORGtnTmprMFRESTFOeUEyT0RaUk16ZzNJRFUyTWlBek9EY2dOVFl3VERNMk1TQTFNekZSTXpVNUlEVXpNaUF6TURNZ05UZ3hUREkxTUNBMk1qZE1NVGsxSURVNE1GRXhPRElnTlRZNUlERTJPU0ExTlRkVU1UUTRJRFV6T0V3eE5EQWdOVE15VVRFek9DQTFNekFnTVRJMUlEVTBOa3d4TVRJZ05UWXdXaUl2UGp4d1lYUm9JR2xrUFNKTlNsZ3RNVEl4TFZSRldDMUpMVEZFTkRVeklpQmtQU0pOTVRFNElDMHhOakpSTVRJd0lDMHhOaklnTVRJMElDMHhOalJVTVRNMUlDMHhOamRVTVRRM0lDMHhOamhSTVRZd0lDMHhOamdnTVRjeElDMHhOVFZVTVRnM0lDMHhNalpSTVRrM0lDMDVPU0F5TWpFZ01qZFVNalkzSURJMk4xUXlPRGtnTXpneVZqTTROVWd5TkRKUk1UazFJRE00TlNBeE9USWdNemczVVRFNE9DQXpPVEFnTVRnNElETTVOMHd4T1RVZ05ESTFVVEU1TnlBME16QWdNakF6SURRek1GUXlOVEFnTkRNeFVUSTVPQ0EwTXpFZ01qazRJRFF6TWxFeU9UZ2dORE0wSURNd055QTBPREpVTXpFNUlEVTBNRkV6TlRZZ056QTFJRFEyTlNBM01EVlJOVEF5SURjd015QTFNallnTmpnelZEVTFNQ0EyTXpCUk5UVXdJRFU1TkNBMU1qa2dOVGM0VkRRNE55QTFOakZSTkRReklEVTJNU0EwTkRNZ05qQXpVVFEwTXlBMk1qSWdORFUwSURZek5sUTBOemdnTmpVM1REUTROeUEyTmpKUk5EY3hJRFkyT0NBME5UY2dOalk0VVRRME5TQTJOamdnTkRNMElEWTFPRlEwTVRrZ05qTXdVVFF4TWlBMk1ERWdOREF6SURVMU1sUXpPRGNnTkRZNVZETTRNQ0EwTXpOUk16Z3dJRFF6TVNBME16VWdORE14VVRRNE1DQTBNekVnTkRnM0lEUXpNRlEwT1RnZ05ESTBVVFE1T1NBME1qQWdORGsySURRd04xUTBPVEVnTXpreFVUUTRPU0F6T0RZZ05EZ3lJRE00TmxRME1qZ2dNemcxU0RNM01rd3pORGtnTWpZelVUTXdNU0F4TlNBeU9ESWdMVFEzVVRJMU5TQXRNVE15SURJeE1pQXRNVGN6VVRFM05TQXRNakExSURFek9TQXRNakExVVRFd055QXRNakExSURneElDMHhPRFpVTlRVZ0xURXpNbEUxTlNBdE9UVWdOellnTFRjNFZERXhPQ0F0TmpGUk1UWXlJQzAyTVNBeE5qSWdMVEV3TTFFeE5qSWdMVEV5TWlBeE5URWdMVEV6TmxReE1qY2dMVEUxTjB3eE1UZ2dMVEUyTWxvaUx6NDhjR0YwYUNCcFpEMGlUVXBZTFRFeU1TMVVSVmd0VGkweU9DSWdaRDBpVFRrMElESTFNRkU1TkNBek1Ua2dNVEEwSURNNE1WUXhNamNnTkRnNFZERTJOQ0ExTnpaVU1qQXlJRFkwTTFReU5EUWdOamsxVkRJM055QTNNamxVTXpBeUlEYzFNRWd6TVRWSU16RTVVVE16TXlBM05UQWdNek16SURjME1WRXpNek1nTnpNNElETXhOaUEzTWpCVU1qYzFJRFkyTjFReU1qWWdOVGd4VkRFNE5DQTBORE5VTVRZM0lESTFNRlF4T0RRZ05UaFVNakkxSUMwNE1WUXlOelFnTFRFMk4xUXpNVFlnTFRJeU1GUXpNek1nTFRJME1WRXpNek1nTFRJMU1DQXpNVGdnTFRJMU1FZ3pNVFZJTXpBeVRESTNOQ0F0TWpJMlVURTRNQ0F0TVRReElERXpOeUF0TVRSVU9UUWdNalV3V2lJdlBqeHdZWFJvSUdsa1BTSk5TbGd0TVRJeExWUkZXQzFPTFRJNUlpQmtQU0pOTmpBZ056UTVURFkwSURjMU1GRTJPU0EzTlRBZ056UWdOelV3U0RnMlRERXhOQ0EzTWpaUk1qQTRJRFkwTVNBeU5URWdOVEUwVkRJNU5DQXlOVEJSTWprMElERTRNaUF5T0RRZ01URTVWREkyTVNBeE1sUXlNalFnTFRjMlZERTROaUF0TVRRelZERTBOU0F0TVRrMFZERXhNeUF0TWpJM1ZEa3dJQzB5TkRaUk9EY2dMVEkwT1NBNE5pQXRNalV3U0RjMFVUWTJJQzB5TlRBZ05qTWdMVEkxTUZRMU9DQXRNalEzVkRVMUlDMHlNemhSTlRZZ0xUSXpOeUEyTmlBdE1qSTFVVEl5TVNBdE5qUWdNakl4SURJMU1GUTJOaUEzTWpWUk5UWWdOek0zSURVMUlEY3pPRkUxTlNBM05EWWdOakFnTnpRNVdpSXZQand2WkdWbWN6NDhaeUJ6ZEhKdmEyVTlJbU4xY25KbGJuUkRiMnh2Y2lJZ1ptbHNiRDBpWTNWeWNtVnVkRU52Ykc5eUlpQnpkSEp2YTJVdGQybGtkR2c5SWpBaUlIUnlZVzV6Wm05eWJUMGljMk5oYkdVb01Td3RNU2tpUGp4bklHUmhkR0V0Ylcxc0xXNXZaR1U5SW0xaGRHZ2lQanhuSUdSaGRHRXRiVzFzTFc1dlpHVTlJbTFwSWo0OGRYTmxJR1JoZEdFdFl6MGlNVVEwTmpjaUlIaHNhVzVyT21oeVpXWTlJaU5OU2xndE1USXhMVlJGV0MxSkxURkVORFkzSWk4K1BDOW5QanhuSUdSaGRHRXRiVzFzTFc1dlpHVTlJbTF2SWlCMGNtRnVjMlp2Y20wOUluUnlZVzV6YkdGMFpTZzNOREl1T0N3d0tTSStQSFZ6WlNCa1lYUmhMV005SWpORUlpQjRiR2x1YXpwb2NtVm1QU0lqVFVwWUxURXlNUzFVUlZndFRpMHpSQ0l2UGp3dlp6NDhaeUJrWVhSaExXMXRiQzF1YjJSbFBTSnRkVzVrWlhKdmRtVnlJaUIwY21GdWMyWnZjbTA5SW5SeVlXNXpiR0YwWlNneE56azRMallzTUNraVBqeG5JR1JoZEdFdGJXMXNMVzV2WkdVOUltMXZJajQ4ZFhObElHUmhkR0V0WXowaU1qSXhNU0lnZUd4cGJtczZhSEpsWmowaUkwMUtXQzB4TWpFdFZFVllMVXhQTFRJeU1URWlMejQ4TDJjK1BHY2daR0YwWVMxdGJXd3RibTlrWlQwaVZHVllRWFJ2YlNJZ2RISmhibk5tYjNKdFBTSjBjbUZ1YzJ4aGRHVW9NVFE0TGpJc0xURXdPRGN1T1NrZ2MyTmhiR1VvTUM0M01EY3BJaUJrWVhSaExXMXFlQzEwWlhoamJHRnpjejBpVDFKRUlqNDhaeUJrWVhSaExXMXRiQzF1YjJSbFBTSnRhU0krUEhWelpTQmtZWFJoTFdNOUlqRkVORFUySWlCNGJHbHVhenBvY21WbVBTSWpUVXBZTFRFeU1TMVVSVmd0U1MweFJEUTFOaUl2UGp3dlp6NDhaeUJrWVhSaExXMXRiQzF1YjJSbFBTSnRieUlnZEhKaGJuTm1iM0p0UFNKMGNtRnVjMnhoZEdVb016UTFMREFwSWo0OGRYTmxJR1JoZEdFdFl6MGlNMFFpSUhoc2FXNXJPbWh5WldZOUlpTk5TbGd0TVRJeExWUkZXQzFPTFRORUlpOCtQQzluUGp4bklHUmhkR0V0Ylcxc0xXNXZaR1U5SW0xdUlpQjBjbUZ1YzJadmNtMDlJblJ5WVc1emJHRjBaU2d4TVRJekxEQXBJajQ4ZFhObElHUmhkR0V0WXowaU16RWlJSGhzYVc1ck9taHlaV1k5SWlOTlNsZ3RNVEl4TFZSRldDMU9MVE14SWk4K1BDOW5Qand2Wno0OFp5QmtZWFJoTFcxdGJDMXViMlJsUFNKdGFTSWdkSEpoYm5ObWIzSnRQU0owY21GdWMyeGhkR1VvTlRBNUxqa3NNVEUxTUNrZ2MyTmhiR1VvTUM0M01EY3BJajQ4ZFhObElHUmhkR0V0WXowaU1VUTBOVUlpSUhoc2FXNXJPbWh5WldZOUlpTk5TbGd0TVRJeExWUkZXQzFKTFRGRU5EVkNJaTgrUEM5blBqd3ZaejQ4WnlCa1lYUmhMVzF0YkMxdWIyUmxQU0p0YzNWaUlpQjBjbUZ1YzJadmNtMDlJblJ5WVc1emJHRjBaU2d6TkRBNUxqSXNNQ2tpUGp4bklHUmhkR0V0Ylcxc0xXNXZaR1U5SW0xcElqNDhkWE5sSUdSaGRHRXRZejBpTVVRME5qUWlJSGhzYVc1ck9taHlaV1k5SWlOTlNsZ3RNVEl4TFZSRldDMUpMVEZFTkRZMElpOCtQQzluUGp4bklHUmhkR0V0Ylcxc0xXNXZaR1U5SW0xcElpQjBjbUZ1YzJadmNtMDlJblJ5WVc1emJHRjBaU2czTkRrc0xURTFNQ2tnYzJOaGJHVW9NQzQzTURjcElqNDhkWE5sSUdSaGRHRXRZejBpTVVRME5UWWlJSGhzYVc1ck9taHlaV1k5SWlOTlNsZ3RNVEl4TFZSRldDMUpMVEZFTkRVMklpOCtQQzluUGp3dlp6NDhaeUJrWVhSaExXMXRiQzF1YjJSbFBTSnRieUlnZEhKaGJuTm1iM0p0UFNKMGNtRnVjMnhoZEdVb05EWTNOQzQwTERBcElqNDhkWE5sSUdSaGRHRXRZejBpTWpKRE5TSWdlR3hwYm1zNmFISmxaajBpSTAxS1dDMHhNakV0VkVWWUxVNHRNakpETlNJdlBqd3ZaejQ4WnlCa1lYUmhMVzF0YkMxdWIyUmxQU0p0YzNWaUlpQjBjbUZ1YzJadmNtMDlJblJ5WVc1emJHRjBaU2cxTVRjMExqWXNNQ2tpUGp4bklHUmhkR0V0Ylcxc0xXNXZaR1U5SW0xcElqNDhkWE5sSUdSaGRHRXRZejBpTVVRME5UWWlJSGhzYVc1ck9taHlaV1k5SWlOTlNsZ3RNVEl4TFZSRldDMUpMVEZFTkRVMklpOCtQQzluUGp4bklHUmhkR0V0Ylcxc0xXNXZaR1U5SW0xcElpQjBjbUZ1YzJadmNtMDlJblJ5WVc1emJHRjBaU2d6Tnpnc0xURTFNQ2tnYzJOaGJHVW9NQzQzTURjcElqNDhkWE5sSUdSaGRHRXRZejBpTVVRME5UWWlJSGhzYVc1ck9taHlaV1k5SWlOTlNsZ3RNVEl4TFZSRldDMUpMVEZFTkRVMklpOCtQQzluUGp3dlp6NDhaeUJrWVhSaExXMXRiQzF1YjJSbFBTSnRieUlnZEhKaGJuTm1iM0p0UFNKMGNtRnVjMnhoZEdVb05qQTJPQzQ0TERBcElqNDhkWE5sSUdSaGRHRXRZejBpTWtJaUlIaHNhVzVyT21oeVpXWTlJaU5OU2xndE1USXhMVlJGV0MxT0xUSkNJaTgrUEM5blBqeG5JR1JoZEdFdGJXMXNMVzV2WkdVOUltMXBJaUIwY21GdWMyWnZjbTA5SW5SeVlXNXpiR0YwWlNnM01EWTVMREFwSWo0OGRYTmxJR1JoZEdFdFl6MGlNVVEwTkVZaUlIaHNhVzVyT21oeVpXWTlJaU5OU2xndE1USXhMVlJGV0MxSkxURkVORFJHSWk4K1BDOW5QanhuSUdSaGRHRXRiVzFzTFc1dlpHVTlJbTEwWlhoMElpQjBjbUZ1YzJadmNtMDlJblJ5WVc1emJHRjBaU2czTkRrNExEQXBJajQ4ZFhObElHUmhkR0V0WXowaVFUQWlJSGhzYVc1ck9taHlaV1k5SWlOTlNsZ3RNVEl4TFZSRldDMU9MVUV3SWk4K1BDOW5QanhuSUdSaGRHRXRiVzFzTFc1dlpHVTlJbTF2SWlCMGNtRnVjMlp2Y20wOUluUnlZVzV6YkdGMFpTZzRNREkxTGpnc01Da2lQanhuSUdSaGRHRXRiVzFzTFc1dlpHVTlJblJsZUhRaVBqeDFjMlVnWkdGMFlTMWpQU0l6UkNJZ2VHeHBibXM2YUhKbFpqMGlJMDFLV0MweE1qRXRWRVZZTFU0dE0wUWlMejQ4TDJjK1BHY2daR0YwWVMxdGJXd3RibTlrWlQwaWRHVjRkQ0lnZEhKaGJuTm1iM0p0UFNKMGNtRnVjMnhoZEdVb056YzRMREFwSWo0OGRYTmxJR1JoZEdFdFl6MGlNMFVpSUhoc2FXNXJPbWh5WldZOUlpTk5TbGd0TVRJeExWUkZXQzFPTFRORklpOCtQQzluUGp3dlp6NDhaeUJrWVhSaExXMXRiQzF1YjJSbFBTSnRkR1Y0ZENJZ2RISmhibk5tYjNKdFBTSjBjbUZ1YzJ4aGRHVW9PVGcxT1M0MkxEQXBJajQ4ZFhObElHUmhkR0V0WXowaVFUQWlJSGhzYVc1ck9taHlaV1k5SWlOTlNsZ3RNVEl4TFZSRldDMU9MVUV3SWk4K1BDOW5QanhuSUdSaGRHRXRiVzFzTFc1dlpHVTlJbFJsV0VGMGIyMGlJR1JoZEdFdGJXcDRMWFJsZUdOc1lYTnpQU0pQVWtRaUlIUnlZVzV6Wm05eWJUMGlkSEpoYm5Oc1lYUmxLREV3TVRBNUxqWXNNQ2tpUGp4bklHUmhkR0V0Ylcxc0xXNXZaR1U5SW0xdmRtVnlJajQ4WnlCa1lYUmhMVzF0YkMxdWIyUmxQU0p0YVNJK1BIVnpaU0JrWVhSaExXTTlJakZFTkRZMklpQjRiR2x1YXpwb2NtVm1QU0lqVFVwWUxURXlNUzFVUlZndFNTMHhSRFEyTmlJdlBqd3ZaejQ4WnlCa1lYUmhMVzF0YkMxdWIyUmxQU0p0YnlJZ2RISmhibk5tYjNKdFBTSjBjbUZ1YzJ4aGRHVW9NekF3TGpZc01UWXBJSFJ5WVc1emJHRjBaU2d0TWpVd0lEQXBJajQ4ZFhObElHUmhkR0V0WXowaU5VVWlJSGhzYVc1ck9taHlaV1k5SWlOTlNsZ3RNVEl4TFZSRldDMU9MVFZGSWk4K1BDOW5Qand2Wno0OEwyYytQR2NnWkdGMFlTMXRiV3d0Ym05a1pUMGliVzhpSUhSeVlXNXpabTl5YlQwaWRISmhibk5zWVhSbEtERXdPRGMzTGpNc01Da2lQangxYzJVZ1pHRjBZUzFqUFNJelJDSWdlR3hwYm1zNmFISmxaajBpSTAxS1dDMHhNakV0VkVWWUxVNHRNMFFpTHo0OEwyYytQR2NnWkdGMFlTMXRiV3d0Ym05a1pUMGliV2tpSUhSeVlXNXpabTl5YlQwaWRISmhibk5zWVhSbEtERXhPVE16TGpFc01Da2lQangxYzJVZ1pHRjBZUzFqUFNJeFJEUTFNeUlnZUd4cGJtczZhSEpsWmowaUkwMUtXQzB4TWpFdFZFVllMVWt0TVVRME5UTWlMejQ4TDJjK1BHY2daR0YwWVMxdGJXd3RibTlrWlQwaWJXOGlJSFJ5WVc1elptOXliVDBpZEhKaGJuTnNZWFJsS0RFeU5EZ3pMakVzTUNraVBqeDFjMlVnWkdGMFlTMWpQU0l5T0NJZ2VHeHBibXM2YUhKbFpqMGlJMDFLV0MweE1qRXRWRVZZTFU0dE1qZ2lMejQ4TDJjK1BHY2daR0YwWVMxdGJXd3RibTlrWlQwaWJXa2lJSFJ5WVc1elptOXliVDBpZEhKaGJuTnNZWFJsS0RFeU9EY3lMakVzTUNraVBqeDFjMlVnWkdGMFlTMWpQU0l4UkRRMk55SWdlR3hwYm1zNmFISmxaajBpSTAxS1dDMHhNakV0VkVWWUxVa3RNVVEwTmpjaUx6NDhMMmMrUEdjZ1pHRjBZUzF0Yld3dGJtOWtaVDBpYlc4aUlIUnlZVzV6Wm05eWJUMGlkSEpoYm5Oc1lYUmxLREV6TXpNM0xqRXNNQ2tpUGp4MWMyVWdaR0YwWVMxalBTSXlPU0lnZUd4cGJtczZhSEpsWmowaUkwMUtXQzB4TWpFdFZFVllMVTR0TWpraUx6NDhMMmMrUEM5blBqd3ZaejQ4TDNOMlp6ND0iLAoJIlJlYWxWaWV3U2l6ZUpzb24iIDogIntcImhlaWdodFwiOjk5MCxcIndpZHRoXCI6NDgzOX0iCn0K"/>
+      <extobjdata type="2384804F-3998-4D57-9195-F3826E402611" data="ewoJIkltZ1NldHRpbmdKc29uIiA6ICJ7XCJoZWlnaHRcIjo0OS4xMDcxNDI4NTcxNDI4NTQsXCJ3aWR0aFwiOjI0NS41MzU3MTQyODU3MTQyNX0iLAoJIkxhdGV4IiA6ICJ6ID0gXFxzdW1fe2k9MX1ebiB3X2kgXFxjZG90IHhfaSArIGIgXFx0ZXh0eyB9ID0+IFxcdGV4dHsgfSBcXGhhdCB5ID0gZih6KSIsCgkiTGF0ZXhJbWdCYXNlNjQiIDogIlBITjJaeUI0Yld4dWN6MGlhSFIwY0RvdkwzZDNkeTUzTXk1dmNtY3ZNakF3TUM5emRtY2lJSGRwWkhSb1BTSXpNUzQxTmpobGVDSWdhR1ZwWjJoMFBTSTJMak0xTkdWNElpQnliMnhsUFNKcGJXY2lJR1p2WTNWellXSnNaVDBpWm1Gc2MyVWlJSFpwWlhkQ2IzZzlJakFnTFRFMU5qSXVOU0F4TXprMU15NHhJREk0TURndU5TSWdlRzFzYm5NNmVHeHBibXM5SW1oMGRIQTZMeTkzZDNjdWR6TXViM0puTHpFNU9Ua3ZlR3hwYm1zaUlHRnlhV0V0YUdsa1pHVnVQU0owY25WbElpQnpkSGxzWlQwaWRtVnlkR2xqWVd3dFlXeHBaMjQ2SUMweUxqZ3hPV1Y0T3lCdFlYZ3RkMmxrZEdnNklEazRKVHNpUGp4a1pXWnpQanh3WVhSb0lHbGtQU0pOU2xndE9DMVVSVmd0U1MweFJEUTJOeUlnWkQwaVRUTTBOeUF6TXpoUk16TTNJRE16T0NBeU9UUWdNelE1VkRJek1TQXpOakJSTWpFeElETTJNQ0F4T1RjZ016VTJWREUzTkNBek5EWlVNVFl5SURNek5WUXhOVFVnTXpJMFRERTFNeUF6TWpCUk1UVXdJRE14TnlBeE16Z2dNekUzVVRFeE55QXpNVGNnTVRFM0lETXlOVkV4TVRjZ016TXdJREV5TUNBek16bFJNVE16SURNM09DQXhOak1nTkRBMlZESXlPU0EwTkRCUk1qUXhJRFEwTWlBeU5EWWdORFF5VVRJM01TQTBORElnTWpreElEUXlOVlF6TWprZ016a3lWRE0yTnlBek56VlJNemc1SURNM05TQTBNVEVnTkRBNFZEUXpOQ0EwTkRGUk5ETTFJRFEwTWlBME5Ea2dORFF5U0RRMk1sRTBOamdnTkRNMklEUTJPQ0EwTXpSUk5EWTRJRFF6TUNBME5qTWdOREl3VkRRME9TQXpPVGxVTkRNeUlETTNOMVEwTVRnZ016VTRURFF4TVNBek5EbFJNelk0SURJNU9DQXlOelVnTWpFMFZERTJNQ0F4TURaTU1UUTRJRGswVERFMk15QTVNMUV4T0RVZ09UTWdNakkzSURneVZESTVNQ0EzTVZFek1qZ2dOekVnTXpZd0lEa3dWRFF3TWlBeE5EQlJOREEySURFME9TQTBNRGtnTVRVeFZEUXlOQ0F4TlROUk5EUXpJREUxTXlBME5ETWdNVFF6VVRRME15QXhNemdnTkRReUlERXpORkUwTWpVZ056SWdNemMySURNeFZESTNPQ0F0TVRGUk1qVXlJQzB4TVNBeU16SWdObFF4T1RNZ05EQlVNVFUxSURVM1VURXhNU0ExTnlBM05pQXRNMUUzTUNBdE1URWdOVGtnTFRFeFNEVTBTRFF4VVRNMUlDMDFJRE0xSUMweVVUTTFJREV6SURreklEZzBVVEV6TWlBeE1qa2dNakkxSURJeE5GUXpOREFnTXpJeVVUTTFNaUF6TXpnZ016UTNJRE16T0ZvaUx6NDhjR0YwYUNCcFpEMGlUVXBZTFRndFZFVllMVTR0TTBRaUlHUTlJazAxTmlBek5EZFJOVFlnTXpZd0lEY3dJRE0yTjBnM01EZFJOekl5SURNMU9TQTNNaklnTXpRM1VUY3lNaUF6TXpZZ056QTRJRE15T0V3ek9UQWdNekkzU0RjeVVUVTJJRE16TWlBMU5pQXpORGRhVFRVMklERTFNMUUxTmlBeE5qZ2dOeklnTVRjelNEY3dPRkUzTWpJZ01UWXpJRGN5TWlBeE5UTlJOekl5SURFME1DQTNNRGNnTVRNelNEY3dVVFUySURFME1DQTFOaUF4TlROYUlpOCtQSEJoZEdnZ2FXUTlJazFLV0MwNExWUkZXQzFNVHkweU1qRXhJaUJrUFNKTk5qQWdPVFE0VVRZeklEazFNQ0EyTmpVZ09UVXdTREV5TmpkTU1UTXlOU0E0TVRWUk1UTTROQ0EyTnpjZ01UTTRPQ0EyTmpsSU1UTTBPRXd4TXpReElEWTRNMUV4TXpJd0lEY3lOQ0F4TWpnMUlEYzJNVkV4TWpNMUlEZ3dPU0F4TVRjMElEZ3pPRlF4TURNeklEZzRNVlE0T0RJZ09EazRWRFk1T1NBNU1ESklOVGMwU0RVME0wZ3lOVEZNTWpVNUlEZzVNVkUzTWpJZ01qVTRJRGN5TkNBeU5USlJOekkxSURJMU1DQTNNalFnTWpRMlVUY3lNU0F5TkRNZ05EWXdJQzAxTmt3eE9UWWdMVE0xTmxFeE9UWWdMVE0xTnlBME1EY2dMVE0xTjFFME5Ua2dMVE0xTnlBMU5EZ2dMVE0xTjFRMk56WWdMVE0xT0ZFNE1USWdMVE0xT0NBNE9UWWdMVE0xTTFReE1EWXpJQzB6TXpKVU1USXdOQ0F0TWpnelZERXpNRGNnTFRFNU5sRXhNekk0SUMweE56QWdNVE0wT0NBdE1USTBTREV6T0RoUk1UTTRPQ0F0TVRJMUlERXpPREVnTFRFME5WUXhNelUySUMweU1UQlVNVE15TlNBdE1qazBUREV5TmpjZ0xUUTBPVXcyTmpZZ0xUUTFNRkUyTkNBdE5EVXdJRFl4SUMwME5EaFJOVFVnTFRRME5pQTFOU0F0TkRNNVVUVTFJQzAwTXpjZ05UY2dMVFF6TTB3MU9UQWdNVGMzVVRVNU1DQXhOemdnTlRVM0lESXlNbFEwTlRJZ016WTJWRE15TWlBMU5EUk1OVFlnT1RBNVREVTFJRGt5TkZFMU5TQTVORFVnTmpBZ09UUTRXaUl2UGp4d1lYUm9JR2xrUFNKTlNsZ3RPQzFVUlZndFNTMHhSRFExTmlJZ1pEMGlUVEU0TkNBMk1EQlJNVGcwSURZeU5DQXlNRE1nTmpReVZESTBOeUEyTmpGUk1qWTFJRFkyTVNBeU56Y2dOalE1VkRJNU1DQTJNVGxSTWprd0lEVTVOaUF5TnpBZ05UYzNWREl5TmlBMU5UZFJNakV4SURVMU55QXhPVGdnTlRZM1ZERTROQ0EyTURCYVRUSXhJREk0TjFFeU1TQXlPVFVnTXpBZ016RTRWRFUwSURNMk9WUTVPQ0EwTWpCVU1UVTRJRFEwTWxFeE9UY2dORFF5SURJeU15QTBNVGxVTWpVd0lETTFOMUV5TlRBZ016UXdJREl6TmlBek1ERlVNVGsySURFNU5sUXhOVFFnT0ROUk1UUTVJRFl4SURFME9TQTFNVkV4TkRrZ01qWWdNVFkySURJMlVURTNOU0F5TmlBeE9EVWdNamxVTWpBNElEUXpWREl6TlNBM09GUXlOakFnTVRNM1VUSTJNeUF4TkRrZ01qWTFJREUxTVZReU9ESWdNVFV6VVRNd01pQXhOVE1nTXpBeUlERTBNMUV6TURJZ01UTTFJREk1TXlBeE1USlVNalk0SURZeFZESXlNeUF4TVZReE5qRWdMVEV4VVRFeU9TQXRNVEVnTVRBeUlERXdWRGMwSURjMFVUYzBJRGt4SURjNUlERXdObFF4TWpJZ01qSXdVVEUyTUNBek1qRWdNVFkySURNME1WUXhOek1nTXpnd1VURTNNeUEwTURRZ01UVTJJRFF3TkVneE5UUlJNVEkwSURRd05DQTVPU0F6TnpGVU5qRWdNamczVVRZd0lESTROaUExT1NBeU9EUlVOVGdnTWpneFZEVTJJREkzT1ZRMU15QXlOemhVTkRrZ01qYzRWRFF4SURJM09FZ3lOMUV5TVNBeU9EUWdNakVnTWpnM1dpSXZQanh3WVhSb0lHbGtQU0pOU2xndE9DMVVSVmd0VGkwek1TSWdaRDBpVFRJeE15QTFOemhNTWpBd0lEVTNNMUV4T0RZZ05UWTRJREUyTUNBMU5qTlVNVEF5SURVMU5rZzRNMVkyTURKSU1UQXlVVEUwT1NBMk1EUWdNVGc1SURZeE4xUXlORFVnTmpReFZESTNNeUEyTmpOUk1qYzFJRFkyTmlBeU9EVWdOalkyVVRJNU5DQTJOallnTXpBeUlEWTJNRll6TmpGTU16QXpJRFl4VVRNeE1DQTFOQ0F6TVRVZ05USlVNek01SURRNFZEUXdNU0EwTmtnME1qZFdNRWcwTVRaUk16azFJRE1nTWpVM0lETlJNVEl4SURNZ01UQXdJREJJT0RoV05EWklNVEUwVVRFek5pQTBOaUF4TlRJZ05EWlVNVGMzSURRM1ZERTVNeUExTUZReU1ERWdOVEpVTWpBM0lEVTNWREl4TXlBMk1WWTFOemhhSWk4K1BIQmhkR2dnYVdROUlrMUtXQzA0TFZSRldDMUpMVEZFTkRWQ0lpQmtQU0pOTWpFZ01qZzNVVEl5SURJNU15QXlOQ0F6TUROVU16WWdNelF4VkRVMklETTRPRlE0T1NBME1qVlVNVE0xSURRME1sRXhOekVnTkRReUlERTVOU0EwTWpSVU1qSTFJRE01TUZReU16RWdNelk1VVRJek1TQXpOamNnTWpNeUlETTJOMHd5TkRNZ016YzRVVE13TkNBME5ESWdNemd5SURRME1sRTBNellnTkRReUlEUTJPU0EwTVRWVU5UQXpJRE16TmxRME5qVWdNVGM1VkRReU55QTFNbEUwTWpjZ01qWWdORFEwSURJMlVUUTFNQ0F5TmlBME5UTWdNamRSTkRneUlETXlJRFV3TlNBMk5WUTFOREFnTVRRMVVUVTBNaUF4TlRNZ05UWXdJREUxTTFFMU9EQWdNVFV6SURVNE1DQXhORFZSTlRnd0lERTBOQ0ExTnpZZ01UTXdVVFUyT0NBeE1ERWdOVFUwSURjelZEVXdPQ0F4TjFRME16a2dMVEV3VVRNNU1pQXRNVEFnTXpjeElERTNWRE0xTUNBM00xRXpOVEFnT1RJZ016ZzJJREU1TTFRME1qTWdNelExVVRReU15QTBNRFFnTXpjNUlEUXdORWd6TnpSUk1qZzRJRFF3TkNBeU1qa2dNekF6VERJeU1pQXlPVEZNTVRnNUlERTFOMUV4TlRZZ01qWWdNVFV4SURFMlVURXpPQ0F0TVRFZ01UQTRJQzB4TVZFNU5TQXRNVEVnT0RjZ0xUVlVOellnTjFRM05DQXhOMUUzTkNBek1DQXhNVElnTVRnd1ZERTFNaUF6TkROUk1UVXpJRE0wT0NBeE5UTWdNelkyVVRFMU15QTBNRFVnTVRJNUlEUXdOVkU1TVNBME1EVWdOallnTXpBMVVUWXdJREk0TlNBMk1DQXlPRFJSTlRnZ01qYzRJRFF4SURJM09FZ3lOMUV5TVNBeU9EUWdNakVnTWpnM1dpSXZQanh3WVhSb0lHbGtQU0pOU2xndE9DMVVSVmd0U1MweFJEUTJOQ0lnWkQwaVRUVTRNQ0F6T0RWUk5UZ3dJRFF3TmlBMU9Ua2dOREkwVkRZME1TQTBORE5STmpVNUlEUTBNeUEyTnpRZ05ESTFWRFk1TUNBek5qaFJOamt3SURNek9TQTJOekVnTWpVelVUWTFOaUF4T1RjZ05qUTBJREUyTVZRMk1Ea2dPREJVTlRVMElERXlWRFE0TWlBdE1URlJORE00SUMweE1TQTBNRFFnTlZRek5UVWdORGhSTXpVMElEUTNJRE0xTWlBME5GRXpNVEVnTFRFeElESTFNaUF0TVRGUk1qSTJJQzB4TVNBeU1ESWdMVFZVTVRVMUlERTBWREV4T0NBMU0xUXhNRFFnTVRFMlVURXdOQ0F4TnpBZ01UTTRJREkyTWxReE56TWdNemM1VVRFM015QXpPREFnTVRjeklETTRNVkV4TnpNZ016a3dJREUzTXlBek9UTlVNVFk1SURRd01GUXhOVGdnTkRBMFNERTFORkV4TXpFZ05EQTBJREV4TWlBek9EVlVPRElnTXpRMFZEWTFJRE13TWxRMU55QXlPREJSTlRVZ01qYzRJRFF4SURJM09FZ3lOMUV5TVNBeU9EUWdNakVnTWpnM1VUSXhJREk1TXlBeU9TQXpNVFZVTlRJZ016WTJWRGsySURReE9GUXhOakVnTkRReFVUSXdOQ0EwTkRFZ01qSTNJRFF4TmxReU5UQWdNelU0VVRJMU1DQXpOREFnTWpFM0lESTFNRlF4T0RRZ01URXhVVEU0TkNBMk5TQXlNRFVnTkRaVU1qVTRJREkyVVRNd01TQXlOaUF6TXpRZ09EZE1Nek01SURrMlZqRXhPVkV6TXprZ01USXlJRE16T1NBeE1qaFVNelF3SURFek5sUXpOREVnTVRRelZETTBNaUF4TlRKVU16UTFJREUyTlZRek5EZ2dNVGd5VkRNMU5DQXlNRFpVTXpZeUlESXpPRlF6TnpNZ01qZ3hVVFF3TWlBek9UVWdOREEySURRd05GRTBNVGtnTkRNeElEUTBPU0EwTXpGUk5EWTRJRFF6TVNBME56VWdOREl4VkRRNE15QTBNREpSTkRneklETTRPU0EwTlRRZ01qYzBWRFF5TWlBeE5ESlJOREl3SURFek1TQTBNakFnTVRBM1ZqRXdNRkUwTWpBZ09EVWdOREl6SURjeFZEUTBNaUEwTWxRME9EY2dNalpSTlRVNElESTJJRFl3TUNBeE5EaFJOakE1SURFM01TQTJNakFnTWpFelZEWXpNaUF5TnpOUk5qTXlJRE13TmlBMk1Ua2dNekkxVkRVNU15QXpOVGRVTlRnd0lETTROVm9pTHo0OGNHRjBhQ0JwWkQwaVRVcFlMVGd0VkVWWUxVNHRNakpETlNJZ1pEMGlUVGM0SURJMU1GRTNPQ0F5TnpRZ09UVWdNamt5VkRFek9DQXpNVEJSTVRZeUlETXhNQ0F4T0RBZ01qazBWREU1T1NBeU5URlJNVGs1SURJeU5pQXhPRElnTWpBNFZERXpPU0F4T1RCVU9UWWdNakEzVkRjNElESTFNRm9pTHo0OGNHRjBhQ0JwWkQwaVRVcFlMVGd0VkVWWUxVa3RNVVEwTmpVaUlHUTlJazAxTWlBeU9EbFJOVGtnTXpNeElERXdOaUF6T0RaVU1qSXlJRFEwTWxFeU5UY2dORFF5SURJNE5pQTBNalJVTXpJNUlETTNPVkV6TnpFZ05EUXlJRFF6TUNBME5ESlJORFkzSURRME1pQTBPVFFnTkRJd1ZEVXlNaUF6TmpGUk5USXlJRE16TWlBMU1EZ2dNekUwVkRRNE1TQXlPVEpVTkRVNElESTRPRkUwTXprZ01qZzRJRFF5TnlBeU9UbFVOREUxSURNeU9GRTBNVFVnTXpjMElEUTJOU0F6T1RGUk5EVTBJRFF3TkNBME1qVWdOREEwVVRReE1pQTBNRFFnTkRBMklEUXdNbEV6TmpnZ016ZzJJRE0xTUNBek16WlJNamt3SURFeE5TQXlPVEFnTnpoUk1qa3dJRFV3SURNd05pQXpPRlF6TkRFZ01qWlJNemM0SURJMklEUXhOQ0ExT1ZRME5qTWdNVFF3VVRRMk5pQXhOVEFnTkRZNUlERTFNVlEwT0RVZ01UVXpTRFE0T1ZFMU1EUWdNVFV6SURVd05DQXhORFZSTlRBMElERTBOQ0ExTURJZ01UTTBVVFE0TmlBM055QTBOREFnTXpOVU16TXpJQzB4TVZFeU5qTWdMVEV4SURJeU55QTFNbEV4T0RZZ0xURXdJREV6TXlBdE1UQklNVEkzVVRjNElDMHhNQ0ExTnlBeE5sUXpOU0EzTVZFek5TQXhNRE1nTlRRZ01USXpWRGs1SURFME0xRXhORElnTVRReklERTBNaUF4TURGUk1UUXlJRGd4SURFek1DQTJObFF4TURjZ05EWlVPVFFnTkRGTU9URWdOREJST1RFZ016a2dPVGNnTXpaVU1URXpJREk1VkRFek1pQXlObEV4TmpnZ01qWWdNVGswSURjeFVUSXdNeUE0TnlBeU1UY2dNVE01VkRJME5TQXlORGRVTWpZeElETXhNMUV5TmpZZ016UXdJREkyTmlBek5USlJNalkySURNNE1DQXlOVEVnTXpreVZESXhOeUEwTURSUk1UYzNJRFF3TkNBeE5ESWdNemN5VkRreklESTVNRkU1TVNBeU9ERWdPRGdnTWpnd1ZEY3lJREkzT0VnMU9GRTFNaUF5T0RRZ05USWdNamc1V2lJdlBqeHdZWFJvSUdsa1BTSk5TbGd0T0MxVVJWZ3RUaTB5UWlJZ1pEMGlUVFUySURJek4xUTFOaUF5TlRCVU56QWdNamN3U0RNMk9WWTBNakJNTXpjd0lEVTNNRkV6T0RBZ05UZ3pJRE00T1NBMU9ETlJOREF5SURVNE15QTBNRGtnTlRZNFZqSTNNRWczTURkUk56SXlJREkyTWlBM01qSWdNalV3VkRjd055QXlNekJJTkRBNVZpMDJPRkUwTURFZ0xUZ3lJRE01TVNBdE9ESklNemc1U0RNNE4xRXpOelVnTFRneUlETTJPU0F0TmpoV01qTXdTRGN3VVRVMklESXpOeUExTmlBeU5UQmFJaTgrUEhCaGRHZ2dhV1E5SWsxS1dDMDRMVlJGV0MxSkxURkVORFJHSWlCa1BTSk5Oek1nTmpRM1VUY3pJRFkxTnlBM055QTJOekJVT0RrZ05qZ3pVVGt3SURZNE15QXhOakVnTmpnNFZESXpOQ0EyT1RSUk1qUTJJRFk1TkNBeU5EWWdOamcxVkRJeE1pQTFOREpSTWpBMElEVXdPQ0F4T1RVZ05EY3lWREU0TUNBME1UaE1NVGMySURNNU9WRXhOellnTXprMklERTRNaUEwTURKUk1qTXhJRFEwTWlBeU9ETWdORFF5VVRNME5TQTBORElnTXpneklETTVObFEwTWpJZ01qZ3dVVFF5TWlBeE5qa2dNelF6SURjNVZERTNNeUF0TVRGUk1USXpJQzB4TVNBNE1pQXlOMVEwTUNBeE5UQldNVFU1VVRRd0lERTRNQ0EwT0NBeU1UZFVPVGNnTkRFMFVURTBOeUEyTVRFZ01UUTNJRFl5TTFReE1Ea2dOak0zVVRFd05DQTJNemNnTVRBeElEWXpOMGc1TmxFNE5pQTJNemNnT0RNZ05qTTNWRGMySURZME1GUTNNeUEyTkRkYVRUTXpOaUF6TWpWV016TXhVVE16TmlBME1EVWdNamMxSURRd05WRXlOVGdnTkRBMUlESTBNQ0F6T1RkVU1qQTNJRE0zTmxReE9ERWdNelV5VkRFMk15QXpNekJNTVRVM0lETXlNa3d4TXpZZ01qTTJVVEV4TkNBeE5UQWdNVEUwSURFeE5GRXhNVFFnTmpZZ01UTTRJRFF5VVRFMU5DQXlOaUF4TnpnZ01qWlJNakV4SURJMklESTBOU0ExT0ZFeU56QWdPREVnTWpnMUlERXhORlF6TVRnZ01qRTVVVE16TmlBeU9URWdNek0ySURNeU5Wb2lMejQ4Y0dGMGFDQnBaRDBpVFVwWUxUZ3RWRVZZTFU0dFFUQWlJR1E5SWlJdlBqeHdZWFJvSUdsa1BTSk5TbGd0T0MxVVJWZ3RUaTB6UlNJZ1pEMGlUVGcwSURVeU1GRTROQ0ExTWpnZ09EZ2dOVE16VkRrMklEVXpPVXc1T1NBMU5EQlJNVEEySURVME1DQXlOVE1nTkRjeFZEVTBOQ0F6TXpSTU5qZzNJREkyTlZFMk9UUWdNall3SURZNU5DQXlOVEJVTmpnM0lESXpOVkUyT0RVZ01qTXpJRE01TlNBNU5rd3hNRGNnTFRRd1NERXdNVkU0TXlBdE16Z2dPRE1nTFRJd1VUZ3pJQzB4T1NBNE15QXRNVGRST0RJZ0xURXdJRGs0SUMweFVURXhOeUE1SURJME9DQTNNVkV6TWpZZ01UQTRJRE0zT0NBeE16Sk1OakkySURJMU1Fd3pOemdnTXpZNFVUa3dJRFV3TkNBNE5pQTFNRGxST0RRZ05URXpJRGcwSURVeU1Gb2lMejQ4Y0dGMGFDQnBaRDBpVFVwWUxUZ3RWRVZZTFVrdE1VUTBOallpSUdROUlrMHlNU0F5T0RkUk1qRWdNekF4SURNMklETXpOVlE0TkNBME1EWlVNVFU0SURRME1sRXhPVGtnTkRReUlESXlOQ0EwTVRsVU1qVXdJRE0xTlZFeU5EZ2dNek0ySURJME55QXpNelJSTWpRM0lETXpNU0F5TXpFZ01qZzRWREU1T0NBeE9URlVNVGd5SURFd05WRXhPRElnTmpJZ01UazJJRFExVkRJek9DQXlOMUV5TmpFZ01qY2dNamd4SURNNFZETXhNaUEyTVZRek16a2dPVFJSTXpNNUlEazFJRE0wTkNBeE1UUlVNelU0SURFM00xUXpOemNnTWpRM1VUUXhOU0F6T1RjZ05ERTVJRFF3TkZFME16SWdORE14SURRMk1pQTBNekZSTkRjMUlEUXpNU0EwT0RNZ05ESTBWRFE1TkNBME1USlVORGsySURRd00xRTBPVFlnTXprd0lEUTBOeUF4T1ROVU16a3hJQzB5TTFFek5qTWdMVEV3TmlBeU9UUWdMVEUxTlZReE5UWWdMVEl3TlZFeE1URWdMVEl3TlNBM055QXRNVGd6VkRReklDMHhNVGRSTkRNZ0xUazFJRFV3SUMwNE1GUTJPU0F0TlRoVU9Ea2dMVFE0VkRFd05pQXRORFZSTVRVd0lDMDBOU0F4TlRBZ0xUZzNVVEUxTUNBdE1UQTNJREV6T0NBdE1USXlWREV4TlNBdE1UUXlWREV3TWlBdE1UUTNURGs1SUMweE5EaFJNVEF4SUMweE5UTWdNVEU0SUMweE5qQlVNVFV5SUMweE5qZElNVFl3VVRFM055QXRNVFkzSURFNE5pQXRNVFkxVVRJeE9TQXRNVFUySURJME55QXRNVEkzVkRJNU1DQXROalZVTXpFeklDMDVWRE15TVNBeU1Vd3pNVFVnTVRkUk16QTVJREV6SURJNU5pQTJWREkzTUNBdE5sRXlOVEFnTFRFeElESXpNU0F0TVRGUk1UZzFJQzB4TVNBeE5UQWdNVEZVTVRBMElEZ3lVVEV3TXlBNE9TQXhNRE1nTVRFelVURXdNeUF4TnpBZ01UTTRJREkyTWxReE56TWdNemM1VVRFM015QXpPREFnTVRjeklETTRNVkV4TnpNZ016a3dJREUzTXlBek9UTlVNVFk1SURRd01GUXhOVGdnTkRBMFNERTFORkV4TXpFZ05EQTBJREV4TWlBek9EVlVPRElnTXpRMFZEWTFJRE13TWxRMU55QXlPREJSTlRVZ01qYzRJRFF4SURJM09FZ3lOMUV5TVNBeU9EUWdNakVnTWpnM1dpSXZQanh3WVhSb0lHbGtQU0pOU2xndE9DMVVSVmd0VGkwMVJTSWdaRDBpVFRFeE1pQTFOakJNTWpRNUlEWTVORXd5TlRjZ05qZzJVVE00TnlBMU5qSWdNemczSURVMk1Fd3pOakVnTlRNeFVUTTFPU0ExTXpJZ016QXpJRFU0TVV3eU5UQWdOakkzVERFNU5TQTFPREJSTVRneUlEVTJPU0F4TmprZ05UVTNWREUwT0NBMU16aE1NVFF3SURVek1sRXhNemdnTlRNd0lERXlOU0ExTkRaTU1URXlJRFUyTUZvaUx6NDhjR0YwYUNCcFpEMGlUVXBZTFRndFZFVllMVWt0TVVRME5UTWlJR1E5SWsweE1UZ2dMVEUyTWxFeE1qQWdMVEUyTWlBeE1qUWdMVEUyTkZReE16VWdMVEUyTjFReE5EY2dMVEUyT0ZFeE5qQWdMVEUyT0NBeE56RWdMVEUxTlZReE9EY2dMVEV5TmxFeE9UY2dMVGs1SURJeU1TQXlOMVF5TmpjZ01qWTNWREk0T1NBek9ESldNemcxU0RJME1sRXhPVFVnTXpnMUlERTVNaUF6T0RkUk1UZzRJRE01TUNBeE9EZ2dNemszVERFNU5TQTBNalZSTVRrM0lEUXpNQ0F5TURNZ05ETXdWREkxTUNBME16RlJNams0SURRek1TQXlPVGdnTkRNeVVUSTVPQ0EwTXpRZ016QTNJRFE0TWxRek1Ua2dOVFF3VVRNMU5pQTNNRFVnTkRZMUlEY3dOVkUxTURJZ056QXpJRFV5TmlBMk9ETlVOVFV3SURZek1GRTFOVEFnTlRrMElEVXlPU0ExTnpoVU5EZzNJRFUyTVZFME5ETWdOVFl4SURRME15QTJNRE5STkRReklEWXlNaUEwTlRRZ05qTTJWRFEzT0NBMk5UZE1ORGczSURZMk1sRTBOekVnTmpZNElEUTFOeUEyTmpoUk5EUTFJRFkyT0NBME16UWdOalU0VkRReE9TQTJNekJSTkRFeUlEWXdNU0EwTURNZ05UVXlWRE00TnlBME5qbFVNemd3SURRek0xRXpPREFnTkRNeElEUXpOU0EwTXpGUk5EZ3dJRFF6TVNBME9EY2dORE13VkRRNU9DQTBNalJSTkRrNUlEUXlNQ0EwT1RZZ05EQTNWRFE1TVNBek9URlJORGc1SURNNE5pQTBPRElnTXpnMlZEUXlPQ0F6T0RWSU16Y3lURE0wT1NBeU5qTlJNekF4SURFMUlESTRNaUF0TkRkUk1qVTFJQzB4TXpJZ01qRXlJQzB4TnpOUk1UYzFJQzB5TURVZ01UTTVJQzB5TURWUk1UQTNJQzB5TURVZ09ERWdMVEU0TmxRMU5TQXRNVE15VVRVMUlDMDVOU0EzTmlBdE56aFVNVEU0SUMwMk1WRXhOaklnTFRZeElERTJNaUF0TVRBelVURTJNaUF0TVRJeUlERTFNU0F0TVRNMlZERXlOeUF0TVRVM1RERXhPQ0F0TVRZeVdpSXZQanh3WVhSb0lHbGtQU0pOU2xndE9DMVVSVmd0VGkweU9DSWdaRDBpVFRrMElESTFNRkU1TkNBek1Ua2dNVEEwSURNNE1WUXhNamNnTkRnNFZERTJOQ0ExTnpaVU1qQXlJRFkwTTFReU5EUWdOamsxVkRJM055QTNNamxVTXpBeUlEYzFNRWd6TVRWSU16RTVVVE16TXlBM05UQWdNek16SURjME1WRXpNek1nTnpNNElETXhOaUEzTWpCVU1qYzFJRFkyTjFReU1qWWdOVGd4VkRFNE5DQTBORE5VTVRZM0lESTFNRlF4T0RRZ05UaFVNakkxSUMwNE1WUXlOelFnTFRFMk4xUXpNVFlnTFRJeU1GUXpNek1nTFRJME1WRXpNek1nTFRJMU1DQXpNVGdnTFRJMU1FZ3pNVFZJTXpBeVRESTNOQ0F0TWpJMlVURTRNQ0F0TVRReElERXpOeUF0TVRSVU9UUWdNalV3V2lJdlBqeHdZWFJvSUdsa1BTSk5TbGd0T0MxVVJWZ3RUaTB5T1NJZ1pEMGlUVFl3SURjME9VdzJOQ0EzTlRCUk5qa2dOelV3SURjMElEYzFNRWc0Tmt3eE1UUWdOekkyVVRJd09DQTJOREVnTWpVeElEVXhORlF5T1RRZ01qVXdVVEk1TkNBeE9ESWdNamcwSURFeE9WUXlOakVnTVRKVU1qSTBJQzAzTmxReE9EWWdMVEUwTTFReE5EVWdMVEU1TkZReE1UTWdMVEl5TjFRNU1DQXRNalEyVVRnM0lDMHlORGtnT0RZZ0xUSTFNRWczTkZFMk5pQXRNalV3SURZeklDMHlOVEJVTlRnZ0xUSTBOMVExTlNBdE1qTTRVVFUySUMweU16Y2dOallnTFRJeU5WRXlNakVnTFRZMElESXlNU0F5TlRCVU5qWWdOekkxVVRVMklEY3pOeUExTlNBM016aFJOVFVnTnpRMklEWXdJRGMwT1ZvaUx6NDhMMlJsWm5NK1BHY2djM1J5YjJ0bFBTSmpkWEp5Wlc1MFEyOXNiM0lpSUdacGJHdzlJbU4xY25KbGJuUkRiMnh2Y2lJZ2MzUnliMnRsTFhkcFpIUm9QU0l3SWlCMGNtRnVjMlp2Y20wOUluTmpZV3hsS0RFc0xURXBJajQ4WnlCa1lYUmhMVzF0YkMxdWIyUmxQU0p0WVhSb0lqNDhaeUJrWVhSaExXMXRiQzF1YjJSbFBTSnRhU0krUEhWelpTQmtZWFJoTFdNOUlqRkVORFkzSWlCNGJHbHVhenBvY21WbVBTSWpUVXBZTFRndFZFVllMVWt0TVVRME5qY2lMejQ4TDJjK1BHY2daR0YwWVMxdGJXd3RibTlrWlQwaWJXOGlJSFJ5WVc1elptOXliVDBpZEhKaGJuTnNZWFJsS0RjME1pNDRMREFwSWo0OGRYTmxJR1JoZEdFdFl6MGlNMFFpSUhoc2FXNXJPbWh5WldZOUlpTk5TbGd0T0MxVVJWZ3RUaTB6UkNJdlBqd3ZaejQ4WnlCa1lYUmhMVzF0YkMxdWIyUmxQU0p0ZFc1a1pYSnZkbVZ5SWlCMGNtRnVjMlp2Y20wOUluUnlZVzV6YkdGMFpTZ3hOems0TGpZc01Da2lQanhuSUdSaGRHRXRiVzFzTFc1dlpHVTlJbTF2SWo0OGRYTmxJR1JoZEdFdFl6MGlNakl4TVNJZ2VHeHBibXM2YUhKbFpqMGlJMDFLV0MwNExWUkZXQzFNVHkweU1qRXhJaTgrUEM5blBqeG5JR1JoZEdFdGJXMXNMVzV2WkdVOUlsUmxXRUYwYjIwaUlIUnlZVzV6Wm05eWJUMGlkSEpoYm5Oc1lYUmxLREUwT0M0eUxDMHhNRGczTGprcElITmpZV3hsS0RBdU56QTNLU0lnWkdGMFlTMXRhbmd0ZEdWNFkyeGhjM005SWs5U1JDSStQR2NnWkdGMFlTMXRiV3d0Ym05a1pUMGliV2tpUGp4MWMyVWdaR0YwWVMxalBTSXhSRFExTmlJZ2VHeHBibXM2YUhKbFpqMGlJMDFLV0MwNExWUkZXQzFKTFRGRU5EVTJJaTgrUEM5blBqeG5JR1JoZEdFdGJXMXNMVzV2WkdVOUltMXZJaUIwY21GdWMyWnZjbTA5SW5SeVlXNXpiR0YwWlNnek5EVXNNQ2tpUGp4MWMyVWdaR0YwWVMxalBTSXpSQ0lnZUd4cGJtczZhSEpsWmowaUkwMUtXQzA0TFZSRldDMU9MVE5FSWk4K1BDOW5QanhuSUdSaGRHRXRiVzFzTFc1dlpHVTlJbTF1SWlCMGNtRnVjMlp2Y20wOUluUnlZVzV6YkdGMFpTZ3hNVEl6TERBcElqNDhkWE5sSUdSaGRHRXRZejBpTXpFaUlIaHNhVzVyT21oeVpXWTlJaU5OU2xndE9DMVVSVmd0VGkwek1TSXZQand2Wno0OEwyYytQR2NnWkdGMFlTMXRiV3d0Ym05a1pUMGliV2tpSUhSeVlXNXpabTl5YlQwaWRISmhibk5zWVhSbEtEVXdPUzQ1TERFeE5UQXBJSE5qWVd4bEtEQXVOekEzS1NJK1BIVnpaU0JrWVhSaExXTTlJakZFTkRWQ0lpQjRiR2x1YXpwb2NtVm1QU0lqVFVwWUxUZ3RWRVZZTFVrdE1VUTBOVUlpTHo0OEwyYytQQzluUGp4bklHUmhkR0V0Ylcxc0xXNXZaR1U5SW0xemRXSWlJSFJ5WVc1elptOXliVDBpZEhKaGJuTnNZWFJsS0RNME1Ea3VNaXd3S1NJK1BHY2daR0YwWVMxdGJXd3RibTlrWlQwaWJXa2lQangxYzJVZ1pHRjBZUzFqUFNJeFJEUTJOQ0lnZUd4cGJtczZhSEpsWmowaUkwMUtXQzA0TFZSRldDMUpMVEZFTkRZMElpOCtQQzluUGp4bklHUmhkR0V0Ylcxc0xXNXZaR1U5SW0xcElpQjBjbUZ1YzJadmNtMDlJblJ5WVc1emJHRjBaU2czTkRrc0xURTFNQ2tnYzJOaGJHVW9NQzQzTURjcElqNDhkWE5sSUdSaGRHRXRZejBpTVVRME5UWWlJSGhzYVc1ck9taHlaV1k5SWlOTlNsZ3RPQzFVUlZndFNTMHhSRFExTmlJdlBqd3ZaejQ4TDJjK1BHY2daR0YwWVMxdGJXd3RibTlrWlQwaWJXOGlJSFJ5WVc1elptOXliVDBpZEhKaGJuTnNZWFJsS0RRMk56UXVOQ3d3S1NJK1BIVnpaU0JrWVhSaExXTTlJakl5UXpVaUlIaHNhVzVyT21oeVpXWTlJaU5OU2xndE9DMVVSVmd0VGkweU1rTTFJaTgrUEM5blBqeG5JR1JoZEdFdGJXMXNMVzV2WkdVOUltMXpkV0lpSUhSeVlXNXpabTl5YlQwaWRISmhibk5zWVhSbEtEVXhOelF1Tml3d0tTSStQR2NnWkdGMFlTMXRiV3d0Ym05a1pUMGliV2tpUGp4MWMyVWdaR0YwWVMxalBTSXhSRFEyTlNJZ2VHeHBibXM2YUhKbFpqMGlJMDFLV0MwNExWUkZXQzFKTFRGRU5EWTFJaTgrUEM5blBqeG5JR1JoZEdFdGJXMXNMVzV2WkdVOUltMXBJaUIwY21GdWMyWnZjbTA5SW5SeVlXNXpiR0YwWlNnMk1EVXNMVEUxTUNrZ2MyTmhiR1VvTUM0M01EY3BJajQ4ZFhObElHUmhkR0V0WXowaU1VUTBOVFlpSUhoc2FXNXJPbWh5WldZOUlpTk5TbGd0T0MxVVJWZ3RTUzB4UkRRMU5pSXZQand2Wno0OEwyYytQR2NnWkdGMFlTMXRiV3d0Ym05a1pUMGliVzhpSUhSeVlXNXpabTl5YlQwaWRISmhibk5zWVhSbEtEWXlPVFV1T0N3d0tTSStQSFZ6WlNCa1lYUmhMV005SWpKQ0lpQjRiR2x1YXpwb2NtVm1QU0lqVFVwWUxUZ3RWRVZZTFU0dE1rSWlMejQ4TDJjK1BHY2daR0YwWVMxdGJXd3RibTlrWlQwaWJXa2lJSFJ5WVc1elptOXliVDBpZEhKaGJuTnNZWFJsS0RjeU9UWXNNQ2tpUGp4MWMyVWdaR0YwWVMxalBTSXhSRFEwUmlJZ2VHeHBibXM2YUhKbFpqMGlJMDFLV0MwNExWUkZXQzFKTFRGRU5EUkdJaTgrUEM5blBqeG5JR1JoZEdFdGJXMXNMVzV2WkdVOUltMTBaWGgwSWlCMGNtRnVjMlp2Y20wOUluUnlZVzV6YkdGMFpTZzNOekkxTERBcElqNDhkWE5sSUdSaGRHRXRZejBpUVRBaUlIaHNhVzVyT21oeVpXWTlJaU5OU2xndE9DMVVSVmd0VGkxQk1DSXZQand2Wno0OFp5QmtZWFJoTFcxdGJDMXViMlJsUFNKdGJ5SWdkSEpoYm5ObWIzSnRQU0owY21GdWMyeGhkR1VvT0RJMU1pNDRMREFwSWo0OFp5QmtZWFJoTFcxdGJDMXViMlJsUFNKMFpYaDBJajQ4ZFhObElHUmhkR0V0WXowaU0wUWlJSGhzYVc1ck9taHlaV1k5SWlOTlNsZ3RPQzFVUlZndFRpMHpSQ0l2UGp3dlp6NDhaeUJrWVhSaExXMXRiQzF1YjJSbFBTSjBaWGgwSWlCMGNtRnVjMlp2Y20wOUluUnlZVzV6YkdGMFpTZzNOemdzTUNraVBqeDFjMlVnWkdGMFlTMWpQU0l6UlNJZ2VHeHBibXM2YUhKbFpqMGlJMDFLV0MwNExWUkZXQzFPTFRORklpOCtQQzluUGp3dlp6NDhaeUJrWVhSaExXMXRiQzF1YjJSbFBTSnRkR1Y0ZENJZ2RISmhibk5tYjNKdFBTSjBjbUZ1YzJ4aGRHVW9NVEF3T0RZdU5pd3dLU0krUEhWelpTQmtZWFJoTFdNOUlrRXdJaUI0YkdsdWF6cG9jbVZtUFNJalRVcFlMVGd0VkVWWUxVNHRRVEFpTHo0OEwyYytQR2NnWkdGMFlTMXRiV3d0Ym05a1pUMGlWR1ZZUVhSdmJTSWdaR0YwWVMxdGFuZ3RkR1Y0WTJ4aGMzTTlJazlTUkNJZ2RISmhibk5tYjNKdFBTSjBjbUZ1YzJ4aGRHVW9NVEF6TXpZdU5pd3dLU0krUEdjZ1pHRjBZUzF0Yld3dGJtOWtaVDBpYlc5MlpYSWlQanhuSUdSaGRHRXRiVzFzTFc1dlpHVTlJbTFwSWo0OGRYTmxJR1JoZEdFdFl6MGlNVVEwTmpZaUlIaHNhVzVyT21oeVpXWTlJaU5OU2xndE9DMVVSVmd0U1MweFJEUTJOaUl2UGp3dlp6NDhaeUJrWVhSaExXMXRiQzF1YjJSbFBTSnRieUlnZEhKaGJuTm1iM0p0UFNKMGNtRnVjMnhoZEdVb016QXdMallzTVRZcElIUnlZVzV6YkdGMFpTZ3RNalV3SURBcElqNDhkWE5sSUdSaGRHRXRZejBpTlVVaUlIaHNhVzVyT21oeVpXWTlJaU5OU2xndE9DMVVSVmd0VGkwMVJTSXZQand2Wno0OEwyYytQQzluUGp4bklHUmhkR0V0Ylcxc0xXNXZaR1U5SW0xdklpQjBjbUZ1YzJadmNtMDlJblJ5WVc1emJHRjBaU2d4TVRFd05DNHpMREFwSWo0OGRYTmxJR1JoZEdFdFl6MGlNMFFpSUhoc2FXNXJPbWh5WldZOUlpTk5TbGd0T0MxVVJWZ3RUaTB6UkNJdlBqd3ZaejQ4WnlCa1lYUmhMVzF0YkMxdWIyUmxQU0p0YVNJZ2RISmhibk5tYjNKdFBTSjBjbUZ1YzJ4aGRHVW9NVEl4TmpBdU1Td3dLU0krUEhWelpTQmtZWFJoTFdNOUlqRkVORFV6SWlCNGJHbHVhenBvY21WbVBTSWpUVXBZTFRndFZFVllMVWt0TVVRME5UTWlMejQ4TDJjK1BHY2daR0YwWVMxdGJXd3RibTlrWlQwaWJXOGlJSFJ5WVc1elptOXliVDBpZEhKaGJuTnNZWFJsS0RFeU56RXdMakVzTUNraVBqeDFjMlVnWkdGMFlTMWpQU0l5T0NJZ2VHeHBibXM2YUhKbFpqMGlJMDFLV0MwNExWUkZXQzFPTFRJNElpOCtQQzluUGp4bklHUmhkR0V0Ylcxc0xXNXZaR1U5SW0xcElpQjBjbUZ1YzJadmNtMDlJblJ5WVc1emJHRjBaU2d4TXpBNU9TNHhMREFwSWo0OGRYTmxJR1JoZEdFdFl6MGlNVVEwTmpjaUlIaHNhVzVyT21oeVpXWTlJaU5OU2xndE9DMVVSVmd0U1MweFJEUTJOeUl2UGp3dlp6NDhaeUJrWVhSaExXMXRiQzF1YjJSbFBTSnRieUlnZEhKaGJuTm1iM0p0UFNKMGNtRnVjMnhoZEdVb01UTTFOalF1TVN3d0tTSStQSFZ6WlNCa1lYUmhMV005SWpJNUlpQjRiR2x1YXpwb2NtVm1QU0lqVFVwWUxUZ3RWRVZZTFU0dE1qa2lMejQ4TDJjK1BDOW5Qand2Wno0OEwzTjJaejQ9IiwKCSJSZWFsVmlld1NpemVKc29uIiA6ICJ7XCJoZWlnaHRcIjo5ODIuMTQyODY4MDQxOTkyMixcIndpZHRoXCI6NDkxMC43MTQ0MTY1MDM5MDZ9Igp9Cg=="/>
     </extobj>
     <extobj name="2384804F-3998-4D57-9195-F3826E402611-2">
       <extobjdata type="2384804F-3998-4D57-9195-F3826E402611" data="ewoJIkltZ1NldHRpbmdKc29uIiA6ICJ7XCJoZWlnaHRcIjoxNy44NTcxNDI4NTcxNDI4NTQsXCJ3aWR0aFwiOjEyOC41NzE0Mjg1NzE0Mjg1Nn0iLAoJIkxhdGV4IiA6ICJmKHopID0gbWF4KDAsIHopIiwKCSJMYXRleEltZ0Jhc2U2NCIgOiAiUEhOMlp5QjRiV3h1Y3owaWFIUjBjRG92TDNkM2R5NTNNeTV2Y21jdk1qQXdNQzl6ZG1jaUlIZHBaSFJvUFNJeE5pNDFNREZsZUNJZ2FHVnBaMmgwUFNJeUxqSTJNbVY0SWlCeWIyeGxQU0pwYldjaUlHWnZZM1Z6WVdKc1pUMGlabUZzYzJVaUlIWnBaWGRDYjNnOUlqQWdMVGMxTUNBM01qa3pMaklnTVRBd01DSWdlRzFzYm5NNmVHeHBibXM5SW1oMGRIQTZMeTkzZDNjdWR6TXViM0puTHpFNU9Ua3ZlR3hwYm1zaUlHRnlhV0V0YUdsa1pHVnVQU0owY25WbElpQnpkSGxzWlQwaWRtVnlkR2xqWVd3dFlXeHBaMjQ2SUMwd0xqVTJObVY0T3lCdFlYZ3RkMmxrZEdnNklEazRKVHNpUGp4a1pXWnpQanh3WVhSb0lHbGtQU0pOU2xndE55MVVSVmd0U1MweFJEUTFNeUlnWkQwaVRURXhPQ0F0TVRZeVVURXlNQ0F0TVRZeUlERXlOQ0F0TVRZMFZERXpOU0F0TVRZM1ZERTBOeUF0TVRZNFVURTJNQ0F0TVRZNElERTNNU0F0TVRVMVZERTROeUF0TVRJMlVURTVOeUF0T1RrZ01qSXhJREkzVkRJMk55QXlOamRVTWpnNUlETTRNbFl6T0RWSU1qUXlVVEU1TlNBek9EVWdNVGt5SURNNE4xRXhPRGdnTXprd0lERTRPQ0F6T1RkTU1UazFJRFF5TlZFeE9UY2dORE13SURJd015QTBNekJVTWpVd0lEUXpNVkV5T1RnZ05ETXhJREk1T0NBME16SlJNams0SURRek5DQXpNRGNnTkRneVZETXhPU0ExTkRCUk16VTJJRGN3TlNBME5qVWdOekExVVRVd01pQTNNRE1nTlRJMklEWTRNMVExTlRBZ05qTXdVVFUxTUNBMU9UUWdOVEk1SURVM09GUTBPRGNnTlRZeFVUUTBNeUExTmpFZ05EUXpJRFl3TTFFME5ETWdOakl5SURRMU5DQTJNelpVTkRjNElEWTFOMHcwT0RjZ05qWXlVVFEzTVNBMk5qZ2dORFUzSURZMk9GRTBORFVnTmpZNElEUXpOQ0EyTlRoVU5ERTVJRFl6TUZFME1USWdOakF4SURRd015QTFOVEpVTXpnM0lEUTJPVlF6T0RBZ05ETXpVVE00TUNBME16RWdORE0xSURRek1WRTBPREFnTkRNeElEUTROeUEwTXpCVU5EazRJRFF5TkZFME9Ua2dOREl3SURRNU5pQTBNRGRVTkRreElETTVNVkUwT0RrZ016ZzJJRFE0TWlBek9EWlVOREk0SURNNE5VZ3pOekpNTXpRNUlESTJNMUV6TURFZ01UVWdNamd5SUMwME4xRXlOVFVnTFRFek1pQXlNVElnTFRFM00xRXhOelVnTFRJd05TQXhNemtnTFRJd05WRXhNRGNnTFRJd05TQTRNU0F0TVRnMlZEVTFJQzB4TXpKUk5UVWdMVGsxSURjMklDMDNPRlF4TVRnZ0xUWXhVVEUyTWlBdE5qRWdNVFl5SUMweE1ETlJNVFl5SUMweE1qSWdNVFV4SUMweE16WlVNVEkzSUMweE5UZE1NVEU0SUMweE5qSmFJaTgrUEhCaGRHZ2dhV1E5SWsxS1dDMDNMVlJGV0MxT0xUSTRJaUJrUFNKTk9UUWdNalV3VVRrMElETXhPU0F4TURRZ016Z3hWREV5TnlBME9EaFVNVFkwSURVM05sUXlNRElnTmpRelZESTBOQ0EyT1RWVU1qYzNJRGN5T1ZRek1ESWdOelV3U0RNeE5VZ3pNVGxSTXpNeklEYzFNQ0F6TXpNZ056UXhVVE16TXlBM016Z2dNekUySURjeU1GUXlOelVnTmpZM1ZESXlOaUExT0RGVU1UZzBJRFEwTTFReE5qY2dNalV3VkRFNE5DQTFPRlF5TWpVZ0xUZ3hWREkzTkNBdE1UWTNWRE14TmlBdE1qSXdWRE16TXlBdE1qUXhVVE16TXlBdE1qVXdJRE14T0NBdE1qVXdTRE14TlVnek1ESk1NamMwSUMweU1qWlJNVGd3SUMweE5ERWdNVE0zSUMweE5GUTVOQ0F5TlRCYUlpOCtQSEJoZEdnZ2FXUTlJazFLV0MwM0xWUkZXQzFKTFRGRU5EWTNJaUJrUFNKTk16UTNJRE16T0ZFek16Y2dNek00SURJNU5DQXpORGxVTWpNeElETTJNRkV5TVRFZ016WXdJREU1TnlBek5UWlVNVGMwSURNME5sUXhOaklnTXpNMVZERTFOU0F6TWpSTU1UVXpJRE15TUZFeE5UQWdNekUzSURFek9DQXpNVGRSTVRFM0lETXhOeUF4TVRjZ016STFVVEV4TnlBek16QWdNVEl3SURNek9WRXhNek1nTXpjNElERTJNeUEwTURaVU1qSTVJRFEwTUZFeU5ERWdORFF5SURJME5pQTBOREpSTWpjeElEUTBNaUF5T1RFZ05ESTFWRE15T1NBek9USlVNelkzSURNM05WRXpPRGtnTXpjMUlEUXhNU0EwTURoVU5ETTBJRFEwTVZFME16VWdORFF5SURRME9TQTBOREpJTkRZeVVUUTJPQ0EwTXpZZ05EWTRJRFF6TkZFME5qZ2dORE13SURRMk15QTBNakJVTkRRNUlETTVPVlEwTXpJZ016YzNWRFF4T0NBek5UaE1OREV4SURNME9WRXpOamdnTWprNElESTNOU0F5TVRSVU1UWXdJREV3Tmt3eE5EZ2dPVFJNTVRZeklEa3pVVEU0TlNBNU15QXlNamNnT0RKVU1qa3dJRGN4VVRNeU9DQTNNU0F6TmpBZ09UQlVOREF5SURFME1GRTBNRFlnTVRRNUlEUXdPU0F4TlRGVU5ESTBJREUxTTFFME5ETWdNVFV6SURRME15QXhORE5STkRReklERXpPQ0EwTkRJZ01UTTBVVFF5TlNBM01pQXpOellnTXpGVU1qYzRJQzB4TVZFeU5USWdMVEV4SURJek1pQTJWREU1TXlBME1GUXhOVFVnTlRkUk1URXhJRFUzSURjMklDMHpVVGN3SUMweE1TQTFPU0F0TVRGSU5UUklOREZSTXpVZ0xUVWdNelVnTFRKUk16VWdNVE1nT1RNZ09EUlJNVE15SURFeU9TQXlNalVnTWpFMFZETTBNQ0F6TWpKUk16VXlJRE16T0NBek5EY2dNek00V2lJdlBqeHdZWFJvSUdsa1BTSk5TbGd0TnkxVVJWZ3RUaTB5T1NJZ1pEMGlUVFl3SURjME9VdzJOQ0EzTlRCUk5qa2dOelV3SURjMElEYzFNRWc0Tmt3eE1UUWdOekkyVVRJd09DQTJOREVnTWpVeElEVXhORlF5T1RRZ01qVXdVVEk1TkNBeE9ESWdNamcwSURFeE9WUXlOakVnTVRKVU1qSTBJQzAzTmxReE9EWWdMVEUwTTFReE5EVWdMVEU1TkZReE1UTWdMVEl5TjFRNU1DQXRNalEyVVRnM0lDMHlORGtnT0RZZ0xUSTFNRWczTkZFMk5pQXRNalV3SURZeklDMHlOVEJVTlRnZ0xUSTBOMVExTlNBdE1qTTRVVFUySUMweU16Y2dOallnTFRJeU5WRXlNakVnTFRZMElESXlNU0F5TlRCVU5qWWdOekkxVVRVMklEY3pOeUExTlNBM016aFJOVFVnTnpRMklEWXdJRGMwT1ZvaUx6NDhjR0YwYUNCcFpEMGlUVXBZTFRjdFZFVllMVTR0TTBRaUlHUTlJazAxTmlBek5EZFJOVFlnTXpZd0lEY3dJRE0yTjBnM01EZFJOekl5SURNMU9TQTNNaklnTXpRM1VUY3lNaUF6TXpZZ056QTRJRE15T0V3ek9UQWdNekkzU0RjeVVUVTJJRE16TWlBMU5pQXpORGRhVFRVMklERTFNMUUxTmlBeE5qZ2dOeklnTVRjelNEY3dPRkUzTWpJZ01UWXpJRGN5TWlBeE5UTlJOekl5SURFME1DQTNNRGNnTVRNelNEY3dVVFUySURFME1DQTFOaUF4TlROYUlpOCtQSEJoZEdnZ2FXUTlJazFLV0MwM0xWUkZXQzFKTFRGRU5EVkJJaUJrUFNKTk1qRWdNamczVVRJeUlESTVNeUF5TkNBek1ETlVNellnTXpReFZEVTJJRE00T0ZRNE9DQTBNalZVTVRNeUlEUTBNbFF4TnpVZ05ETTFWREl3TlNBME1UZFVNakl4SURNNU5WUXlNamtnTXpjMlRESXpNU0F6TmpsUk1qTXhJRE0yTnlBeU16SWdNelkzVERJME15QXpOemhSTXpBeklEUTBNaUF6T0RRZ05EUXlVVFF3TVNBME5ESWdOREUxSURRME1GUTBOREVnTkRNelZEUTJNQ0EwTWpOVU5EYzFJRFF4TVZRME9EVWdNems0VkRRNU15QXpPRFZVTkRrM0lETTNNMVExTURBZ016WTBWRFV3TWlBek5UZE1OVEV3SURNMk4xRTFOek1nTkRReUlEWTFPU0EwTkRKUk56RXpJRFEwTWlBM05EWWdOREUxVkRjNE1DQXpNelpSTnpnd0lESTROU0EzTkRJZ01UYzRWRGN3TkNBMU1GRTNNRFVnTXpZZ056QTVJRE14VkRjeU5DQXlObEUzTlRJZ01qWWdOemMySURVMlZEZ3hOU0F4TXpoUk9ERTRJREUwT1NBNE1qRWdNVFV4VkRnek55QXhOVE5ST0RVM0lERTFNeUE0TlRjZ01UUTFVVGcxTnlBeE5EUWdPRFV6SURFek1GRTRORFVnTVRBeElEZ3pNU0EzTTFRM09EVWdNVGRVTnpFMklDMHhNRkUyTmprZ0xURXdJRFkwT0NBeE4xUTJNamNnTnpOUk5qSTNJRGt5SURZMk15QXhPVE5VTnpBd0lETTBOVkUzTURBZ05EQTBJRFkxTmlBME1EUklOalV4VVRVMk5TQTBNRFFnTlRBMklETXdNMHcwT1RrZ01qa3hURFEyTmlBeE5UZFJORE16SURJMklEUXlPQ0F4TmxFME1UVWdMVEV4SURNNE5TQXRNVEZSTXpjeUlDMHhNU0F6TmpRZ0xUUlVNelV6SURoVU16VXdJREU0VVRNMU1DQXlPU0F6T0RRZ01UWXhURFF5TUNBek1EZFJOREl6SURNeU1pQTBNak1nTXpRMVVUUXlNeUEwTURRZ016YzVJRFF3TkVnek56UlJNamc0SURRd05DQXlNamtnTXpBelRESXlNaUF5T1RGTU1UZzVJREUxTjFFeE5UWWdNallnTVRVeElERTJVVEV6T0NBdE1URWdNVEE0SUMweE1WRTVOU0F0TVRFZ09EY2dMVFZVTnpZZ04xUTNOQ0F4TjFFM05DQXpNQ0F4TVRJZ01UZ3hVVEUxTVNBek16VWdNVFV4SURNME1sRXhOVFFnTXpVM0lERTFOQ0F6TmpsUk1UVTBJRFF3TlNBeE1qa2dOREExVVRFd055QTBNRFVnT1RJZ016YzNWRFk1SURNeE5sUTFOeUF5T0RCUk5UVWdNamM0SURReElESTNPRWd5TjFFeU1TQXlPRFFnTWpFZ01qZzNXaUl2UGp4d1lYUm9JR2xrUFNKTlNsZ3ROeTFVUlZndFNTMHhSRFEwUlNJZ1pEMGlUVE16SURFMU4xRXpNeUF5TlRnZ01UQTVJRE0wT1ZReU9EQWdORFF4VVRNek1TQTBOREVnTXpjd0lETTVNbEV6T0RZZ05ESXlJRFF4TmlBME1qSlJOREk1SURReU1pQTBNemtnTkRFMFZEUTBPU0F6T1RSUk5EUTVJRE00TVNBME1USWdNak0wVkRNM05DQTJPRkV6TnpRZ05ETWdNemd4SURNMVZEUXdNaUF5TmxFME1URWdNamNnTkRJeUlETTFVVFEwTXlBMU5TQTBOak1nTVRNeFVUUTJPU0F4TlRFZ05EY3pJREUxTWxFME56VWdNVFV6SURRNE15QXhOVE5JTkRnM1VUVXdOaUF4TlRNZ05UQTJJREUwTkZFMU1EWWdNVE00SURVd01TQXhNVGRVTkRneElEWXpWRFEwT1NBeE0xRTBNellnTUNBME1UY2dMVGhSTkRBNUlDMHhNQ0F6T1RNZ0xURXdVVE0xT1NBdE1UQWdNek0ySURWVU16QTJJRE0yVERNd01DQTFNVkV5T1RrZ05USWdNamsySURVd1VUSTVOQ0EwT0NBeU9USWdORFpSTWpNeklDMHhNQ0F4TnpJZ0xURXdVVEV4TnlBdE1UQWdOelVnTXpCVU16TWdNVFUzV2swek5URWdNekk0VVRNMU1TQXpNelFnTXpRMklETTFNRlF6TWpNZ016ZzFWREkzTnlBME1EVlJNalF5SURRd05TQXlNVEFnTXpjMFZERTJNQ0F5T1ROUk1UTXhJREl4TkNBeE1Ua2dNVEk1VVRFeE9TQXhNallnTVRFNUlERXhPRlF4TVRnZ01UQTJVVEV4T0NBMk1TQXhNellnTkRSVU1UYzVJREkyVVRJeE55QXlOaUF5TlRRZ05UbFVNams0SURFeE1GRXpNREFnTVRFMElETXlOU0F5TVRkVU16VXhJRE15T0ZvaUx6NDhjR0YwYUNCcFpEMGlUVXBZTFRjdFZFVllMVWt0TVVRME5qVWlJR1E5SWswMU1pQXlPRGxSTlRrZ016TXhJREV3TmlBek9EWlVNakl5SURRME1sRXlOVGNnTkRReUlESTROaUEwTWpSVU16STVJRE0zT1ZFek56RWdORFF5SURRek1DQTBOREpSTkRZM0lEUTBNaUEwT1RRZ05ESXdWRFV5TWlBek5qRlJOVEl5SURNek1pQTFNRGdnTXpFMFZEUTRNU0F5T1RKVU5EVTRJREk0T0ZFME16a2dNamc0SURReU55QXlPVGxVTkRFMUlETXlPRkUwTVRVZ016YzBJRFEyTlNBek9URlJORFUwSURRd05DQTBNalVnTkRBMFVUUXhNaUEwTURRZ05EQTJJRFF3TWxFek5qZ2dNemcySURNMU1DQXpNelpSTWprd0lERXhOU0F5T1RBZ056aFJNamt3SURVd0lETXdOaUF6T0ZRek5ERWdNalpSTXpjNElESTJJRFF4TkNBMU9WUTBOak1nTVRRd1VUUTJOaUF4TlRBZ05EWTVJREUxTVZRME9EVWdNVFV6U0RRNE9WRTFNRFFnTVRVeklEVXdOQ0F4TkRWUk5UQTBJREUwTkNBMU1ESWdNVE0wVVRRNE5pQTNOeUEwTkRBZ016TlVNek16SUMweE1WRXlOak1nTFRFeElESXlOeUExTWxFeE9EWWdMVEV3SURFek15QXRNVEJJTVRJM1VUYzRJQzB4TUNBMU55QXhObFF6TlNBM01WRXpOU0F4TURNZ05UUWdNVEl6VkRrNUlERTBNMUV4TkRJZ01UUXpJREUwTWlBeE1ERlJNVFF5SURneElERXpNQ0EyTmxReE1EY2dORFpVT1RRZ05ERk1PVEVnTkRCUk9URWdNemtnT1RjZ016WlVNVEV6SURJNVZERXpNaUF5TmxFeE5qZ2dNallnTVRrMElEY3hVVEl3TXlBNE55QXlNVGNnTVRNNVZESTBOU0F5TkRkVU1qWXhJRE14TTFFeU5qWWdNelF3SURJMk5pQXpOVEpSTWpZMklETTRNQ0F5TlRFZ016a3lWREl4TnlBME1EUlJNVGMzSURRd05DQXhORElnTXpjeVZEa3pJREk1TUZFNU1TQXlPREVnT0RnZ01qZ3dWRGN5SURJM09FZzFPRkUxTWlBeU9EUWdOVElnTWpnNVdpSXZQanh3WVhSb0lHbGtQU0pOU2xndE55MVVSVmd0VGkwek1DSWdaRDBpVFRrMklEVTROVkV4TlRJZ05qWTJJREkwT1NBMk5qWlJNamszSURZMk5pQXpORFVnTmpRd1ZEUXlNeUExTkRoUk5EWXdJRFEyTlNBME5qQWdNekl3VVRRMk1DQXhOalVnTkRFM0lEZ3pVVE01TnlBME1TQXpOaklnTVRaVU16QXhJQzB4TlZReU5UQWdMVEl5VVRJeU5DQXRNaklnTVRrNElDMHhObFF4TXpjZ01UWlVPRElnT0ROUk16a2dNVFkxSURNNUlETXlNRkV6T1NBME9UUWdPVFlnTlRnMVdrMHpNakVnTlRrM1VUSTVNU0EyTWprZ01qVXdJRFl5T1ZFeU1EZ2dOakk1SURFM09DQTFPVGRSTVRVeklEVTNNU0F4TkRVZ05USTFWREV6TnlBek16TlJNVE0zSURFM05TQXhORFVnTVRJMVZERTRNU0EwTmxFeU1Ea2dNVFlnTWpVd0lERTJVVEk1TUNBeE5pQXpNVGdnTkRaUk16UTNJRGMySURNMU5DQXhNekJVTXpZeUlETXpNMUV6TmpJZ05EYzRJRE0xTkNBMU1qUlVNekl4SURVNU4xb2lMejQ4Y0dGMGFDQnBaRDBpVFVwWUxUY3RWRVZZTFU0dE1rTWlJR1E5SWswM09DQXpOVlEzT0NBMk1GUTVOQ0F4TUROVU1UTTNJREV5TVZFeE5qVWdNVEl4SURFNE55QTVObFF5TVRBZ09GRXlNVEFnTFRJM0lESXdNU0F0TmpCVU1UZ3dJQzB4TVRkVU1UVTBJQzB4TlRoVU1UTXdJQzB4T0RWVU1URTNJQzB4T1RSUk1URXpJQzB4T1RRZ01UQTBJQzB4T0RWVU9UVWdMVEUzTWxFNU5TQXRNVFk0SURFd05pQXRNVFUyVkRFek1TQXRNVEkyVkRFMU55QXROelpVTVRjeklDMHpWamxNTVRjeUlEaFJNVGN3SURjZ01UWTNJRFpVTVRZeElETlVNVFV5SURGVU1UUXdJREJSTVRFeklEQWdPVFlnTVRkYUlpOCtQQzlrWldaelBqeG5JSE4wY205clpUMGlZM1Z5Y21WdWRFTnZiRzl5SWlCbWFXeHNQU0pqZFhKeVpXNTBRMjlzYjNJaUlITjBjbTlyWlMxM2FXUjBhRDBpTUNJZ2RISmhibk5tYjNKdFBTSnpZMkZzWlNneExDMHhLU0krUEdjZ1pHRjBZUzF0Yld3dGJtOWtaVDBpYldGMGFDSStQR2NnWkdGMFlTMXRiV3d0Ym05a1pUMGliV2tpUGp4MWMyVWdaR0YwWVMxalBTSXhSRFExTXlJZ2VHeHBibXM2YUhKbFpqMGlJMDFLV0MwM0xWUkZXQzFKTFRGRU5EVXpJaTgrUEM5blBqeG5JR1JoZEdFdGJXMXNMVzV2WkdVOUltMXZJaUIwY21GdWMyWnZjbTA5SW5SeVlXNXpiR0YwWlNnMU5UQXNNQ2tpUGp4MWMyVWdaR0YwWVMxalBTSXlPQ0lnZUd4cGJtczZhSEpsWmowaUkwMUtXQzAzTFZSRldDMU9MVEk0SWk4K1BDOW5QanhuSUdSaGRHRXRiVzFzTFc1dlpHVTlJbTFwSWlCMGNtRnVjMlp2Y20wOUluUnlZVzV6YkdGMFpTZzVNemtzTUNraVBqeDFjMlVnWkdGMFlTMWpQU0l4UkRRMk55SWdlR3hwYm1zNmFISmxaajBpSTAxS1dDMDNMVlJGV0MxSkxURkVORFkzSWk4K1BDOW5QanhuSUdSaGRHRXRiVzFzTFc1dlpHVTlJbTF2SWlCMGNtRnVjMlp2Y20wOUluUnlZVzV6YkdGMFpTZ3hOREEwTERBcElqNDhkWE5sSUdSaGRHRXRZejBpTWpraUlIaHNhVzVyT21oeVpXWTlJaU5OU2xndE55MVVSVmd0VGkweU9TSXZQand2Wno0OFp5QmtZWFJoTFcxdGJDMXViMlJsUFNKdGJ5SWdkSEpoYm5ObWIzSnRQU0owY21GdWMyeGhkR1VvTWpBM01DNDRMREFwSWo0OGRYTmxJR1JoZEdFdFl6MGlNMFFpSUhoc2FXNXJPbWh5WldZOUlpTk5TbGd0TnkxVVJWZ3RUaTB6UkNJdlBqd3ZaejQ4WnlCa1lYUmhMVzF0YkMxdWIyUmxQU0p0YVNJZ2RISmhibk5tYjNKdFBTSjBjbUZ1YzJ4aGRHVW9NekV5Tmk0MkxEQXBJajQ4ZFhObElHUmhkR0V0WXowaU1VUTBOVUVpSUhoc2FXNXJPbWh5WldZOUlpTk5TbGd0TnkxVVJWZ3RTUzB4UkRRMVFTSXZQand2Wno0OFp5QmtZWFJoTFcxdGJDMXViMlJsUFNKdGFTSWdkSEpoYm5ObWIzSnRQU0owY21GdWMyeGhkR1VvTkRBd05DNDJMREFwSWo0OGRYTmxJR1JoZEdFdFl6MGlNVVEwTkVVaUlIaHNhVzVyT21oeVpXWTlJaU5OU2xndE55MVVSVmd0U1MweFJEUTBSU0l2UGp3dlp6NDhaeUJrWVhSaExXMXRiQzF1YjJSbFBTSnRhU0lnZEhKaGJuTm1iM0p0UFNKMGNtRnVjMnhoZEdVb05EVXpNeTQyTERBcElqNDhkWE5sSUdSaGRHRXRZejBpTVVRME5qVWlJSGhzYVc1ck9taHlaV1k5SWlOTlNsZ3ROeTFVUlZndFNTMHhSRFEyTlNJdlBqd3ZaejQ4WnlCa1lYUmhMVzF0YkMxdWIyUmxQU0p0YnlJZ2RISmhibk5tYjNKdFBTSjBjbUZ1YzJ4aGRHVW9OVEV3TlM0MkxEQXBJajQ4ZFhObElHUmhkR0V0WXowaU1qZ2lJSGhzYVc1ck9taHlaV1k5SWlOTlNsZ3ROeTFVUlZndFRpMHlPQ0l2UGp3dlp6NDhaeUJrWVhSaExXMXRiQzF1YjJSbFBTSnRiaUlnZEhKaGJuTm1iM0p0UFNKMGNtRnVjMnhoZEdVb05UUTVOQzQyTERBcElqNDhkWE5sSUdSaGRHRXRZejBpTXpBaUlIaHNhVzVyT21oeVpXWTlJaU5OU2xndE55MVVSVmd0VGkwek1DSXZQand2Wno0OFp5QmtZWFJoTFcxdGJDMXViMlJsUFNKdGJ5SWdkSEpoYm5ObWIzSnRQU0owY21GdWMyeGhkR1VvTlRrNU5DNDJMREFwSWo0OGRYTmxJR1JoZEdFdFl6MGlNa01pSUhoc2FXNXJPbWh5WldZOUlpTk5TbGd0TnkxVVJWZ3RUaTB5UXlJdlBqd3ZaejQ4WnlCa1lYUmhMVzF0YkMxdWIyUmxQU0p0YVNJZ2RISmhibk5tYjNKdFBTSjBjbUZ1YzJ4aGRHVW9OalF6T1M0eUxEQXBJajQ4ZFhObElHUmhkR0V0WXowaU1VUTBOamNpSUhoc2FXNXJPbWh5WldZOUlpTk5TbGd0TnkxVVJWZ3RTUzB4UkRRMk55SXZQand2Wno0OFp5QmtZWFJoTFcxdGJDMXViMlJsUFNKdGJ5SWdkSEpoYm5ObWIzSnRQU0owY21GdWMyeGhkR1VvTmprd05DNHlMREFwSWo0OGRYTmxJR1JoZEdFdFl6MGlNamtpSUhoc2FXNXJPbWh5WldZOUlpTk5TbGd0TnkxVVJWZ3RUaTB5T1NJdlBqd3ZaejQ4TDJjK1BDOW5Qand2YzNablBnPT0iLAoJIlJlYWxWaWV3U2l6ZUpzb24iIDogIntcImhlaWdodFwiOjM1Ny4xNDI4NjgwNDE5OTIyLFwid2lkdGhcIjoyNTcxLjQyODUyNzgzMjAzMTJ9Igp9Cg=="/>
@@ -29340,7 +28948,7 @@
       <extobjdata type="2384804F-3998-4D57-9195-F3826E402611" data="ewoJIkltZ1NldHRpbmdKc29uIiA6ICJ7XCJoZWlnaHRcIjozNy40OTk5OTk5OTk5OTk5OSxcIndpZHRoXCI6MTE4Ljc0OTk5OTk5OTk5OTk5fSIsCgkiTGF0ZXgiIDogIlxcc2lnbWEoeikgPSBcXGZyYWN7MX17MSArIGVeey16fX0iLAoJIkxhdGV4SW1nQmFzZTY0IiA6ICJQSE4yWnlCNGJXeHVjejBpYUhSMGNEb3ZMM2QzZHk1M015NXZjbWN2TWpBd01DOXpkbWNpSUhkcFpIUm9QU0l4TlM0eU5EUmxlQ0lnYUdWcFoyaDBQU0kwTGpjM05HVjRJaUJ5YjJ4bFBTSnBiV2NpSUdadlkzVnpZV0pzWlQwaVptRnNjMlVpSUhacFpYZENiM2c5SWpBZ0xURXpORElnTmpjek55NDVJREl4TVRBaUlIaHRiRzV6T25oc2FXNXJQU0pvZEhSd09pOHZkM2QzTG5jekxtOXlaeTh4T1RrNUwzaHNhVzVySWlCaGNtbGhMV2hwWkdSbGJqMGlkSEoxWlNJZ2MzUjViR1U5SW5abGNuUnBZMkZzTFdGc2FXZHVPaUF0TVM0M016aGxlRHNnYldGNExYZHBaSFJvT2lBNU9DVTdJajQ4WkdWbWN6NDhjR0YwYUNCcFpEMGlUVXBZTFRJdFZFVllMVWt0TVVRM01FVWlJR1E5SWsweE9EUWdMVEV4VVRFeE5pQXRNVEVnTnpRZ016UlVNekVnTVRRM1VUTXhJREkwTnlBeE1EUWdNek16VkRJM05DQTBNekJSTWpjMUlEUXpNU0EwTVRRZ05ETXhTRFUxTWxFMU5UTWdORE13SURVMU5TQTBNamxVTlRVNUlEUXlOMVExTmpJZ05ESTFWRFUyTlNBME1qSlVOVFkzSURReU1GUTFOamtnTkRFMlZEVTNNQ0EwTVRKVU5UY3hJRFF3TjFRMU56SWdOREF4VVRVM01pQXpOVGNnTlRBM0lETTFOMUUxTURBZ016VTNJRFE1TUNBek5UZFVORGMySURNMU9FZzBNVFpNTkRJeElETTBPRkUwTXprZ016RXdJRFF6T1NBeU5qTlJORE01SURFMU15QXpOVGtnTnpGVU1UZzBJQzB4TVZwTk16WXhJREkzT0ZFek5qRWdNelU0SURJM05pQXpOVGhSTVRVeUlETTFPQ0F4TVRVZ01UZzBVVEV4TkNBeE9EQWdNVEUwSURFM09GRXhNRFlnTVRReElERXdOaUF4TVRkUk1UQTJJRFkzSURFek1TQTBOMVF4T0RnZ01qWlJNalF5SURJMklESTROeUEzTTFFek1UWWdNVEF6SURNek5DQXhOVE5VTXpVMklESXpNMVF6TmpFZ01qYzRXaUl2UGp4d1lYUm9JR2xrUFNKTlNsZ3RNaTFVUlZndFRpMHlPQ0lnWkQwaVRUazBJREkxTUZFNU5DQXpNVGtnTVRBMElETTRNVlF4TWpjZ05EZzRWREUyTkNBMU56WlVNakF5SURZME0xUXlORFFnTmprMVZESTNOeUEzTWpsVU16QXlJRGMxTUVnek1UVklNekU1VVRNek15QTNOVEFnTXpNeklEYzBNVkV6TXpNZ056TTRJRE14TmlBM01qQlVNamMxSURZMk4xUXlNallnTlRneFZERTROQ0EwTkROVU1UWTNJREkxTUZReE9EUWdOVGhVTWpJMUlDMDRNVlF5TnpRZ0xURTJOMVF6TVRZZ0xUSXlNRlF6TXpNZ0xUSTBNVkV6TXpNZ0xUSTFNQ0F6TVRnZ0xUSTFNRWd6TVRWSU16QXlUREkzTkNBdE1qSTJVVEU0TUNBdE1UUXhJREV6TnlBdE1UUlVPVFFnTWpVd1dpSXZQanh3WVhSb0lHbGtQU0pOU2xndE1pMVVSVmd0U1MweFJEUTJOeUlnWkQwaVRUTTBOeUF6TXpoUk16TTNJRE16T0NBeU9UUWdNelE1VkRJek1TQXpOakJSTWpFeElETTJNQ0F4T1RjZ016VTJWREUzTkNBek5EWlVNVFl5SURNek5WUXhOVFVnTXpJMFRERTFNeUF6TWpCUk1UVXdJRE14TnlBeE16Z2dNekUzVVRFeE55QXpNVGNnTVRFM0lETXlOVkV4TVRjZ016TXdJREV5TUNBek16bFJNVE16SURNM09DQXhOak1nTkRBMlZESXlPU0EwTkRCUk1qUXhJRFEwTWlBeU5EWWdORFF5VVRJM01TQTBORElnTWpreElEUXlOVlF6TWprZ016a3lWRE0yTnlBek56VlJNemc1SURNM05TQTBNVEVnTkRBNFZEUXpOQ0EwTkRGUk5ETTFJRFEwTWlBME5Ea2dORFF5U0RRMk1sRTBOamdnTkRNMklEUTJPQ0EwTXpSUk5EWTRJRFF6TUNBME5qTWdOREl3VkRRME9TQXpPVGxVTkRNeUlETTNOMVEwTVRnZ016VTRURFF4TVNBek5EbFJNelk0SURJNU9DQXlOelVnTWpFMFZERTJNQ0F4TURaTU1UUTRJRGswVERFMk15QTVNMUV4T0RVZ09UTWdNakkzSURneVZESTVNQ0EzTVZFek1qZ2dOekVnTXpZd0lEa3dWRFF3TWlBeE5EQlJOREEySURFME9TQTBNRGtnTVRVeFZEUXlOQ0F4TlROUk5EUXpJREUxTXlBME5ETWdNVFF6VVRRME15QXhNemdnTkRReUlERXpORkUwTWpVZ056SWdNemMySURNeFZESTNPQ0F0TVRGUk1qVXlJQzB4TVNBeU16SWdObFF4T1RNZ05EQlVNVFUxSURVM1VURXhNU0ExTnlBM05pQXRNMUUzTUNBdE1URWdOVGtnTFRFeFNEVTBTRFF4VVRNMUlDMDFJRE0xSUMweVVUTTFJREV6SURreklEZzBVVEV6TWlBeE1qa2dNakkxSURJeE5GUXpOREFnTXpJeVVUTTFNaUF6TXpnZ016UTNJRE16T0ZvaUx6NDhjR0YwYUNCcFpEMGlUVXBZTFRJdFZFVllMVTR0TWpraUlHUTlJazAyTUNBM05EbE1OalFnTnpVd1VUWTVJRGMxTUNBM05DQTNOVEJJT0RaTU1URTBJRGN5TmxFeU1EZ2dOalF4SURJMU1TQTFNVFJVTWprMElESTFNRkV5T1RRZ01UZ3lJREk0TkNBeE1UbFVNall4SURFeVZESXlOQ0F0TnpaVU1UZzJJQzB4TkROVU1UUTFJQzB4T1RSVU1URXpJQzB5TWpkVU9UQWdMVEkwTmxFNE55QXRNalE1SURnMklDMHlOVEJJTnpSUk5qWWdMVEkxTUNBMk15QXRNalV3VkRVNElDMHlORGRVTlRVZ0xUSXpPRkUxTmlBdE1qTTNJRFkySUMweU1qVlJNakl4SUMwMk5DQXlNakVnTWpVd1ZEWTJJRGN5TlZFMU5pQTNNemNnTlRVZ056TTRVVFUxSURjME5pQTJNQ0EzTkRsYUlpOCtQSEJoZEdnZ2FXUTlJazFLV0MweUxWUkZXQzFPTFRORUlpQmtQU0pOTlRZZ016UTNVVFUySURNMk1DQTNNQ0F6TmpkSU56QTNVVGN5TWlBek5Ua2dOekl5SURNME4xRTNNaklnTXpNMklEY3dPQ0F6TWpoTU16a3dJRE15TjBnM01sRTFOaUF6TXpJZ05UWWdNelEzV2swMU5pQXhOVE5STlRZZ01UWTRJRGN5SURFM00wZzNNRGhSTnpJeUlERTJNeUEzTWpJZ01UVXpVVGN5TWlBeE5EQWdOekEzSURFek0wZzNNRkUxTmlBeE5EQWdOVFlnTVRVeldpSXZQanh3WVhSb0lHbGtQU0pOU2xndE1pMVVSVmd0VGkwek1TSWdaRDBpVFRJeE15QTFOemhNTWpBd0lEVTNNMUV4T0RZZ05UWTRJREUyTUNBMU5qTlVNVEF5SURVMU5rZzRNMVkyTURKSU1UQXlVVEUwT1NBMk1EUWdNVGc1SURZeE4xUXlORFVnTmpReFZESTNNeUEyTmpOUk1qYzFJRFkyTmlBeU9EVWdOalkyVVRJNU5DQTJOallnTXpBeUlEWTJNRll6TmpGTU16QXpJRFl4VVRNeE1DQTFOQ0F6TVRVZ05USlVNek01SURRNFZEUXdNU0EwTmtnME1qZFdNRWcwTVRaUk16azFJRE1nTWpVM0lETlJNVEl4SURNZ01UQXdJREJJT0RoV05EWklNVEUwVVRFek5pQTBOaUF4TlRJZ05EWlVNVGMzSURRM1ZERTVNeUExTUZReU1ERWdOVEpVTWpBM0lEVTNWREl4TXlBMk1WWTFOemhhSWk4K1BIQmhkR2dnYVdROUlrMUtXQzB5TFZSRldDMU9MVEpDSWlCa1BTSk5OVFlnTWpNM1ZEVTJJREkxTUZRM01DQXlOekJJTXpZNVZqUXlNRXd6TnpBZ05UY3dVVE00TUNBMU9ETWdNemc1SURVNE0xRTBNRElnTlRneklEUXdPU0ExTmpoV01qY3dTRGN3TjFFM01qSWdNall5SURjeU1pQXlOVEJVTnpBM0lESXpNRWcwTURsV0xUWTRVVFF3TVNBdE9ESWdNemt4SUMwNE1rZ3pPRGxJTXpnM1VUTTNOU0F0T0RJZ016WTVJQzAyT0ZZeU16QklOekJSTlRZZ01qTTNJRFUySURJMU1Gb2lMejQ4Y0dGMGFDQnBaRDBpVFVwWUxUSXRWRVZZTFVrdE1VUTBOVElpSUdROUlrMHpPU0F4TmpoUk16a2dNakkxSURVNElESTNNbFF4TURjZ016VXdWREUzTkNBME1ESlVNalEwSURRek0xUXpNRGNnTkRReVNETXhNRkV6TlRVZ05EUXlJRE00T0NBME1qQlVOREl4SURNMU5WRTBNakVnTWpZMUlETXhNQ0F5TXpkUk1qWXhJREl5TkNBeE56WWdNakl6VVRFek9TQXlNak1nTVRNNElESXlNVkV4TXpnZ01qRTVJREV6TWlBeE9EWlVNVEkxSURFeU9GRXhNalVnT0RFZ01UUTJJRFUwVkRJd09TQXlObFF6TURJZ05EVlVNemswSURFeE1WRTBNRE1nTVRJeElEUXdOaUF4TWpGUk5ERXdJREV5TVNBME1Ua2dNVEV5VkRReU9TQTVPRlEwTWpBZ09ESlVNemt3SURVMVZETTBOQ0F5TkZReU9ERWdMVEZVTWpBMUlDMHhNVkV4TWpZZ0xURXhJRGd6SURReVZETTVJREUyT0ZwTk16Y3pJRE0xTTFFek5qY2dOREExSURNd05TQTBNRFZSTWpjeUlEUXdOU0F5TkRRZ016a3hWREU1T1NBek5UZFVNVGN3SURNeE5sUXhOVFFnTWpnd1ZERTBPU0F5TmpGUk1UUTVJREkyTUNBeE5qa2dNall3VVRJNE1pQXlOakFnTXpJM0lESTRORlF6TnpNZ016VXpXaUl2UGp4d1lYUm9JR2xrUFNKTlNsZ3RNaTFVUlZndFRpMHlNakV5SWlCa1BTSk5PRFFnTWpNM1ZEZzBJREkxTUZRNU9DQXlOekJJTmpjNVVUWTVOQ0F5TmpJZ05qazBJREkxTUZRMk56a2dNak13U0RrNFVUZzBJREl6TnlBNE5DQXlOVEJhSWk4K1BDOWtaV1p6UGp4bklITjBjbTlyWlQwaVkzVnljbVZ1ZEVOdmJHOXlJaUJtYVd4c1BTSmpkWEp5Wlc1MFEyOXNiM0lpSUhOMGNtOXJaUzEzYVdSMGFEMGlNQ0lnZEhKaGJuTm1iM0p0UFNKelkyRnNaU2d4TEMweEtTSStQR2NnWkdGMFlTMXRiV3d0Ym05a1pUMGliV0YwYUNJK1BHY2daR0YwWVMxdGJXd3RibTlrWlQwaWJXa2lQangxYzJVZ1pHRjBZUzFqUFNJeFJEY3dSU0lnZUd4cGJtczZhSEpsWmowaUkwMUtXQzB5TFZSRldDMUpMVEZFTnpCRklpOCtQQzluUGp4bklHUmhkR0V0Ylcxc0xXNXZaR1U5SW0xdklpQjBjbUZ1YzJadmNtMDlJblJ5WVc1emJHRjBaU2cxTnpFc01Da2lQangxYzJVZ1pHRjBZUzFqUFNJeU9DSWdlR3hwYm1zNmFISmxaajBpSTAxS1dDMHlMVlJGV0MxT0xUSTRJaTgrUEM5blBqeG5JR1JoZEdFdGJXMXNMVzV2WkdVOUltMXBJaUIwY21GdWMyWnZjbTA5SW5SeVlXNXpiR0YwWlNnNU5qQXNNQ2tpUGp4MWMyVWdaR0YwWVMxalBTSXhSRFEyTnlJZ2VHeHBibXM2YUhKbFpqMGlJMDFLV0MweUxWUkZXQzFKTFRGRU5EWTNJaTgrUEM5blBqeG5JR1JoZEdFdGJXMXNMVzV2WkdVOUltMXZJaUIwY21GdWMyWnZjbTA5SW5SeVlXNXpiR0YwWlNneE5ESTFMREFwSWo0OGRYTmxJR1JoZEdFdFl6MGlNamtpSUhoc2FXNXJPbWh5WldZOUlpTk5TbGd0TWkxVVJWZ3RUaTB5T1NJdlBqd3ZaejQ4WnlCa1lYUmhMVzF0YkMxdWIyUmxQU0p0YnlJZ2RISmhibk5tYjNKdFBTSjBjbUZ1YzJ4aGRHVW9NakE1TVM0NExEQXBJajQ4ZFhObElHUmhkR0V0WXowaU0wUWlJSGhzYVc1ck9taHlaV1k5SWlOTlNsZ3RNaTFVUlZndFRpMHpSQ0l2UGp3dlp6NDhaeUJrWVhSaExXMXRiQzF1YjJSbFBTSnRabkpoWXlJZ2RISmhibk5tYjNKdFBTSjBjbUZ1YzJ4aGRHVW9NekUwTnk0MkxEQXBJajQ4WnlCa1lYUmhMVzF0YkMxdWIyUmxQU0p0YmlJZ2RISmhibk5tYjNKdFBTSjBjbUZ1YzJ4aGRHVW9NVFUwTlM0eUxEWTNOaWtpUGp4MWMyVWdaR0YwWVMxalBTSXpNU0lnZUd4cGJtczZhSEpsWmowaUkwMUtXQzB5TFZSRldDMU9MVE14SWk4K1BDOW5QanhuSUdSaGRHRXRiVzFzTFc1dlpHVTlJbTF5YjNjaUlIUnlZVzV6Wm05eWJUMGlkSEpoYm5Oc1lYUmxLREl5TUN3dE5qZzJLU0krUEdjZ1pHRjBZUzF0Yld3dGJtOWtaVDBpYlc0aVBqeDFjMlVnWkdGMFlTMWpQU0l6TVNJZ2VHeHBibXM2YUhKbFpqMGlJMDFLV0MweUxWUkZXQzFPTFRNeElpOCtQQzluUGp4bklHUmhkR0V0Ylcxc0xXNXZaR1U5SW0xdklpQjBjbUZ1YzJadmNtMDlJblJ5WVc1emJHRjBaU2czTWpJdU1pd3dLU0krUEhWelpTQmtZWFJoTFdNOUlqSkNJaUI0YkdsdWF6cG9jbVZtUFNJalRVcFlMVEl0VkVWWUxVNHRNa0lpTHo0OEwyYytQR2NnWkdGMFlTMXRiV3d0Ym05a1pUMGliWE4xY0NJZ2RISmhibk5tYjNKdFBTSjBjbUZ1YzJ4aGRHVW9NVGN5TWk0MExEQXBJajQ4WnlCa1lYUmhMVzF0YkMxdWIyUmxQU0p0YVNJK1BIVnpaU0JrWVhSaExXTTlJakZFTkRVeUlpQjRiR2x1YXpwb2NtVm1QU0lqVFVwWUxUSXRWRVZZTFVrdE1VUTBOVElpTHo0OEwyYytQR2NnWkdGMFlTMXRiV3d0Ym05a1pUMGlWR1ZZUVhSdmJTSWdkSEpoYm5ObWIzSnRQU0owY21GdWMyeGhkR1VvTkRrNUxESTRPU2tnYzJOaGJHVW9NQzQzTURjcElpQmtZWFJoTFcxcWVDMTBaWGhqYkdGemN6MGlUMUpFSWo0OFp5QmtZWFJoTFcxdGJDMXViMlJsUFNKdGJ5SStQSFZ6WlNCa1lYUmhMV005SWpJeU1USWlJSGhzYVc1ck9taHlaV1k5SWlOTlNsZ3RNaTFVUlZndFRpMHlNakV5SWk4K1BDOW5QanhuSUdSaGRHRXRiVzFzTFc1dlpHVTlJbTFwSWlCMGNtRnVjMlp2Y20wOUluUnlZVzV6YkdGMFpTZzNOemdzTUNraVBqeDFjMlVnWkdGMFlTMWpQU0l4UkRRMk55SWdlR3hwYm1zNmFISmxaajBpSTAxS1dDMHlMVlJGV0MxSkxURkVORFkzSWk4K1BDOW5Qand2Wno0OEwyYytQQzluUGp4eVpXTjBJSGRwWkhSb1BTSXpNelV3TGpRaUlHaGxhV2RvZEQwaU5qQWlJSGc5SWpFeU1DSWdlVDBpTWpJd0lpOCtQQzluUGp3dlp6NDhMMmMrUEM5emRtYysiLAoJIlJlYWxWaWV3U2l6ZUpzb24iIDogIntcImhlaWdodFwiOjc0NCxcIndpZHRoXCI6MjM3NX0iCn0K"/>
     </extobj>
     <extobj name="2384804F-3998-4D57-9195-F3826E402611-12">
-      <extobjdata type="2384804F-3998-4D57-9195-F3826E402611" data="ewoJIkltZ1NldHRpbmdKc29uIiA6ICJ7XCJoZWlnaHRcIjoxOC43NDk5OTk5OTk5OTk5OTYsXCJ3aWR0aFwiOjE3NC45OTk5OTk5OTk5OTk5N30iLAoJIkxhdGV4IiA6ICJcXHNpZ21hICcgKHopID0gXFxzaWdtYSAoeikgKDEgLSBcXHNpZ21hKHopKSkiLAoJIkxhdGV4SW1nQmFzZTY0IiA6ICJQSE4yWnlCNGJXeHVjejBpYUhSMGNEb3ZMM2QzZHk1M015NXZjbWN2TWpBd01DOXpkbWNpSUhkcFpIUm9QU0l5TWk0ME9UUmxlQ0lnYUdWcFoyaDBQU0l5TGpNNU5tVjRJaUJ5YjJ4bFBTSnBiV2NpSUdadlkzVnpZV0pzWlQwaVptRnNjMlVpSUhacFpYZENiM2c5SWpBZ0xUZ3dPU0E1T1RReUxqVWdNVEExT1NJZ2VHMXNibk02ZUd4cGJtczlJbWgwZEhBNkx5OTNkM2N1ZHpNdWIzSm5MekU1T1RrdmVHeHBibXNpSUdGeWFXRXRhR2xrWkdWdVBTSjBjblZsSWlCemRIbHNaVDBpZG1WeWRHbGpZV3d0WVd4cFoyNDZJQzB3TGpVMk5tVjRPeUJ0WVhndGQybGtkR2c2SURrNEpUc2lQanhrWldaelBqeHdZWFJvSUdsa1BTSk5TbGd0T0RNdFZFVllMVWt0TVVRM01FVWlJR1E5SWsweE9EUWdMVEV4VVRFeE5pQXRNVEVnTnpRZ016UlVNekVnTVRRM1VUTXhJREkwTnlBeE1EUWdNek16VkRJM05DQTBNekJSTWpjMUlEUXpNU0EwTVRRZ05ETXhTRFUxTWxFMU5UTWdORE13SURVMU5TQTBNamxVTlRVNUlEUXlOMVExTmpJZ05ESTFWRFUyTlNBME1qSlVOVFkzSURReU1GUTFOamtnTkRFMlZEVTNNQ0EwTVRKVU5UY3hJRFF3TjFRMU56SWdOREF4VVRVM01pQXpOVGNnTlRBM0lETTFOMUUxTURBZ016VTNJRFE1TUNBek5UZFVORGMySURNMU9FZzBNVFpNTkRJeElETTBPRkUwTXprZ016RXdJRFF6T1NBeU5qTlJORE01SURFMU15QXpOVGtnTnpGVU1UZzBJQzB4TVZwTk16WXhJREkzT0ZFek5qRWdNelU0SURJM05pQXpOVGhSTVRVeUlETTFPQ0F4TVRVZ01UZzBVVEV4TkNBeE9EQWdNVEUwSURFM09GRXhNRFlnTVRReElERXdOaUF4TVRkUk1UQTJJRFkzSURFek1TQTBOMVF4T0RnZ01qWlJNalF5SURJMklESTROeUEzTTFFek1UWWdNVEF6SURNek5DQXhOVE5VTXpVMklESXpNMVF6TmpFZ01qYzRXaUl2UGp4d1lYUm9JR2xrUFNKTlNsZ3RPRE10VkVWWUxWWXRNakF6TWlJZ1pEMGlUVGM1SURRelVUY3pJRFF6SURVeUlEUTVWRE13SURZeFVUTXdJRFk0SURnMUlESTVNMVF4TkRZZ05USTRVVEUyTVNBMU5qQWdNVGs0SURVMk1GRXlNVGdnTlRZd0lESTBNQ0ExTkRWVU1qWXlJRFV3TVZFeU5qSWdORGsySURJMk1DQTBPRFpSTWpVNUlEUTNPU0F4TnpNZ01qWXpWRGcwSURRMVZEYzVJRFF6V2lJdlBqeHdZWFJvSUdsa1BTSk5TbGd0T0RNdFZFVllMVTR0TWpnaUlHUTlJazA1TkNBeU5UQlJPVFFnTXpFNUlERXdOQ0F6T0RGVU1USTNJRFE0T0ZReE5qUWdOVGMyVkRJd01pQTJORE5VTWpRMElEWTVOVlF5TnpjZ056STVWRE13TWlBM05UQklNekUxU0RNeE9WRXpNek1nTnpVd0lETXpNeUEzTkRGUk16TXpJRGN6T0NBek1UWWdOekl3VkRJM05TQTJOamRVTWpJMklEVTRNVlF4T0RRZ05EUXpWREUyTnlBeU5UQlVNVGcwSURVNFZESXlOU0F0T0RGVU1qYzBJQzB4TmpkVU16RTJJQzB5TWpCVU16TXpJQzB5TkRGUk16TXpJQzB5TlRBZ016RTRJQzB5TlRCSU16RTFTRE13TWt3eU56UWdMVEl5TmxFeE9EQWdMVEUwTVNBeE16Y2dMVEUwVkRrMElESTFNRm9pTHo0OGNHRjBhQ0JwWkQwaVRVcFlMVGd6TFZSRldDMUpMVEZFTkRZM0lpQmtQU0pOTXpRM0lETXpPRkV6TXpjZ016TTRJREk1TkNBek5EbFVNak14SURNMk1GRXlNVEVnTXpZd0lERTVOeUF6TlRaVU1UYzBJRE0wTmxReE5qSWdNek0xVkRFMU5TQXpNalJNTVRVeklETXlNRkV4TlRBZ016RTNJREV6T0NBek1UZFJNVEUzSURNeE55QXhNVGNnTXpJMVVURXhOeUF6TXpBZ01USXdJRE16T1ZFeE16TWdNemM0SURFMk15QTBNRFpVTWpJNUlEUTBNRkV5TkRFZ05EUXlJREkwTmlBME5ESlJNamN4SURRME1pQXlPVEVnTkRJMVZETXlPU0F6T1RKVU16WTNJRE0zTlZFek9Ea2dNemMxSURReE1TQTBNRGhVTkRNMElEUTBNVkUwTXpVZ05EUXlJRFEwT1NBME5ESklORFl5VVRRMk9DQTBNellnTkRZNElEUXpORkUwTmpnZ05ETXdJRFEyTXlBME1qQlVORFE1SURNNU9WUTBNeklnTXpjM1ZEUXhPQ0F6TlRoTU5ERXhJRE0wT1ZFek5qZ2dNams0SURJM05TQXlNVFJVTVRZd0lERXdOa3d4TkRnZ09UUk1NVFl6SURrelVURTROU0E1TXlBeU1qY2dPREpVTWprd0lEY3hVVE15T0NBM01TQXpOakFnT1RCVU5EQXlJREUwTUZFME1EWWdNVFE1SURRd09TQXhOVEZVTkRJMElERTFNMUUwTkRNZ01UVXpJRFEwTXlBeE5ETlJORFF6SURFek9DQTBORElnTVRNMFVUUXlOU0EzTWlBek56WWdNekZVTWpjNElDMHhNVkV5TlRJZ0xURXhJREl6TWlBMlZERTVNeUEwTUZReE5UVWdOVGRSTVRFeElEVTNJRGMySUMwelVUY3dJQzB4TVNBMU9TQXRNVEZJTlRSSU5ERlJNelVnTFRVZ016VWdMVEpSTXpVZ01UTWdPVE1nT0RSUk1UTXlJREV5T1NBeU1qVWdNakUwVkRNME1DQXpNakpSTXpVeUlETXpPQ0F6TkRjZ016TTRXaUl2UGp4d1lYUm9JR2xrUFNKTlNsZ3RPRE10VkVWWUxVNHRNamtpSUdROUlrMDJNQ0EzTkRsTU5qUWdOelV3VVRZNUlEYzFNQ0EzTkNBM05UQklPRFpNTVRFMElEY3lObEV5TURnZ05qUXhJREkxTVNBMU1UUlVNamswSURJMU1GRXlPVFFnTVRneUlESTROQ0F4TVRsVU1qWXhJREV5VkRJeU5DQXROelpVTVRnMklDMHhORE5VTVRRMUlDMHhPVFJVTVRFeklDMHlNamRVT1RBZ0xUSTBObEU0TnlBdE1qUTVJRGcySUMweU5UQklOelJSTmpZZ0xUSTFNQ0EyTXlBdE1qVXdWRFU0SUMweU5EZFVOVFVnTFRJek9GRTFOaUF0TWpNM0lEWTJJQzB5TWpWUk1qSXhJQzAyTkNBeU1qRWdNalV3VkRZMklEY3lOVkUxTmlBM016Y2dOVFVnTnpNNFVUVTFJRGMwTmlBMk1DQTNORGxhSWk4K1BIQmhkR2dnYVdROUlrMUtXQzA0TXkxVVJWZ3RUaTB6UkNJZ1pEMGlUVFUySURNME4xRTFOaUF6TmpBZ056QWdNelkzU0Rjd04xRTNNaklnTXpVNUlEY3lNaUF6TkRkUk56SXlJRE16TmlBM01EZ2dNekk0VERNNU1DQXpNamRJTnpKUk5UWWdNek15SURVMklETTBOMXBOTlRZZ01UVXpVVFUySURFMk9DQTNNaUF4TnpOSU56QTRVVGN5TWlBeE5qTWdOekl5SURFMU0xRTNNaklnTVRRd0lEY3dOeUF4TXpOSU56QlJOVFlnTVRRd0lEVTJJREUxTTFvaUx6NDhjR0YwYUNCcFpEMGlUVXBZTFRnekxWUkZXQzFPTFRNeElpQmtQU0pOTWpFeklEVTNPRXd5TURBZ05UY3pVVEU0TmlBMU5qZ2dNVFl3SURVMk0xUXhNRElnTlRVMlNEZ3pWall3TWtneE1ESlJNVFE1SURZd05DQXhPRGtnTmpFM1ZESTBOU0EyTkRGVU1qY3pJRFkyTTFFeU56VWdOalkySURJNE5TQTJOalpSTWprMElEWTJOaUF6TURJZ05qWXdWak0yTVV3ek1ETWdOakZSTXpFd0lEVTBJRE14TlNBMU1sUXpNemtnTkRoVU5EQXhJRFEyU0RReU4xWXdTRFF4TmxFek9UVWdNeUF5TlRjZ00xRXhNakVnTXlBeE1EQWdNRWc0T0ZZME5rZ3hNVFJSTVRNMklEUTJJREUxTWlBME5sUXhOemNnTkRkVU1Ua3pJRFV3VkRJd01TQTFNbFF5TURjZ05UZFVNakV6SURZeFZqVTNPRm9pTHo0OGNHRjBhQ0JwWkQwaVRVcFlMVGd6TFZSRldDMU9MVEl5TVRJaUlHUTlJazA0TkNBeU16ZFVPRFFnTWpVd1ZEazRJREkzTUVnMk56bFJOamswSURJMk1pQTJPVFFnTWpVd1ZEWTNPU0F5TXpCSU9UaFJPRFFnTWpNM0lEZzBJREkxTUZvaUx6NDhMMlJsWm5NK1BHY2djM1J5YjJ0bFBTSmpkWEp5Wlc1MFEyOXNiM0lpSUdacGJHdzlJbU4xY25KbGJuUkRiMnh2Y2lJZ2MzUnliMnRsTFhkcFpIUm9QU0l3SWlCMGNtRnVjMlp2Y20wOUluTmpZV3hsS0RFc0xURXBJajQ4WnlCa1lYUmhMVzF0YkMxdWIyUmxQU0p0WVhSb0lqNDhaeUJrWVhSaExXMXRiQzF1YjJSbFBTSnRjM1Z3SWo0OFp5QmtZWFJoTFcxdGJDMXViMlJsUFNKdGFTSStQSFZ6WlNCa1lYUmhMV005SWpGRU56QkZJaUI0YkdsdWF6cG9jbVZtUFNJalRVcFlMVGd6TFZSRldDMUpMVEZFTnpCRklpOCtQQzluUGp4bklHUmhkR0V0Ylcxc0xXNXZaR1U5SW0xdklpQjBjbUZ1YzJadmNtMDlJblJ5WVc1emJHRjBaU2cyTURRc05ERXpLU0J6WTJGc1pTZ3dMamN3TnlraVBqeDFjMlVnWkdGMFlTMWpQU0l5TURNeUlpQjRiR2x1YXpwb2NtVm1QU0lqVFVwWUxUZ3pMVlJGV0MxV0xUSXdNeklpTHo0OEwyYytQQzluUGp4bklHUmhkR0V0Ylcxc0xXNXZaR1U5SW0xdklpQjBjbUZ1YzJadmNtMDlJblJ5WVc1emJHRjBaU2c0TkRndU5Td3dLU0krUEhWelpTQmtZWFJoTFdNOUlqSTRJaUI0YkdsdWF6cG9jbVZtUFNJalRVcFlMVGd6TFZSRldDMU9MVEk0SWk4K1BDOW5QanhuSUdSaGRHRXRiVzFzTFc1dlpHVTlJbTFwSWlCMGNtRnVjMlp2Y20wOUluUnlZVzV6YkdGMFpTZ3hNak0zTGpVc01Da2lQangxYzJVZ1pHRjBZUzFqUFNJeFJEUTJOeUlnZUd4cGJtczZhSEpsWmowaUkwMUtXQzA0TXkxVVJWZ3RTUzB4UkRRMk55SXZQand2Wno0OFp5QmtZWFJoTFcxdGJDMXViMlJsUFNKdGJ5SWdkSEpoYm5ObWIzSnRQU0owY21GdWMyeGhkR1VvTVRjd01pNDFMREFwSWo0OGRYTmxJR1JoZEdFdFl6MGlNamtpSUhoc2FXNXJPbWh5WldZOUlpTk5TbGd0T0RNdFZFVllMVTR0TWpraUx6NDhMMmMrUEdjZ1pHRjBZUzF0Yld3dGJtOWtaVDBpYlc4aUlIUnlZVzV6Wm05eWJUMGlkSEpoYm5Oc1lYUmxLREl6TmprdU1pd3dLU0krUEhWelpTQmtZWFJoTFdNOUlqTkVJaUI0YkdsdWF6cG9jbVZtUFNJalRVcFlMVGd6TFZSRldDMU9MVE5FSWk4K1BDOW5QanhuSUdSaGRHRXRiVzFzTFc1dlpHVTlJbTFwSWlCMGNtRnVjMlp2Y20wOUluUnlZVzV6YkdGMFpTZ3pOREkxTERBcElqNDhkWE5sSUdSaGRHRXRZejBpTVVRM01FVWlJSGhzYVc1ck9taHlaV1k5SWlOTlNsZ3RPRE10VkVWWUxVa3RNVVEzTUVVaUx6NDhMMmMrUEdjZ1pHRjBZUzF0Yld3dGJtOWtaVDBpYlc4aUlIUnlZVzV6Wm05eWJUMGlkSEpoYm5Oc1lYUmxLRE01T1RZc01Da2lQangxYzJVZ1pHRjBZUzFqUFNJeU9DSWdlR3hwYm1zNmFISmxaajBpSTAxS1dDMDRNeTFVUlZndFRpMHlPQ0l2UGp3dlp6NDhaeUJrWVhSaExXMXRiQzF1YjJSbFBTSnRhU0lnZEhKaGJuTm1iM0p0UFNKMGNtRnVjMnhoZEdVb05ETTROU3d3S1NJK1BIVnpaU0JrWVhSaExXTTlJakZFTkRZM0lpQjRiR2x1YXpwb2NtVm1QU0lqVFVwWUxUZ3pMVlJGV0MxSkxURkVORFkzSWk4K1BDOW5QanhuSUdSaGRHRXRiVzFzTFc1dlpHVTlJbTF2SWlCMGNtRnVjMlp2Y20wOUluUnlZVzV6YkdGMFpTZzBPRFV3TERBcElqNDhkWE5sSUdSaGRHRXRZejBpTWpraUlIaHNhVzVyT21oeVpXWTlJaU5OU2xndE9ETXRWRVZZTFU0dE1qa2lMejQ4TDJjK1BHY2daR0YwWVMxdGJXd3RibTlrWlQwaWJXOGlJSFJ5WVc1elptOXliVDBpZEhKaGJuTnNZWFJsS0RVeU16a3NNQ2tpUGp4MWMyVWdaR0YwWVMxalBTSXlPQ0lnZUd4cGJtczZhSEpsWmowaUkwMUtXQzA0TXkxVVJWZ3RUaTB5T0NJdlBqd3ZaejQ4WnlCa1lYUmhMVzF0YkMxdWIyUmxQU0p0YmlJZ2RISmhibk5tYjNKdFBTSjBjbUZ1YzJ4aGRHVW9OVFl5T0N3d0tTSStQSFZ6WlNCa1lYUmhMV005SWpNeElpQjRiR2x1YXpwb2NtVm1QU0lqVFVwWUxUZ3pMVlJGV0MxT0xUTXhJaTgrUEM5blBqeG5JR1JoZEdFdGJXMXNMVzV2WkdVOUltMXZJaUIwY21GdWMyWnZjbTA5SW5SeVlXNXpiR0YwWlNnMk16VXdMaklzTUNraVBqeDFjMlVnWkdGMFlTMWpQU0l5TWpFeUlpQjRiR2x1YXpwb2NtVm1QU0lqVFVwWUxUZ3pMVlJGV0MxT0xUSXlNVElpTHo0OEwyYytQR2NnWkdGMFlTMXRiV3d0Ym05a1pUMGliV2tpSUhSeVlXNXpabTl5YlQwaWRISmhibk5zWVhSbEtEY3pOVEF1TlN3d0tTSStQSFZ6WlNCa1lYUmhMV005SWpGRU56QkZJaUI0YkdsdWF6cG9jbVZtUFNJalRVcFlMVGd6TFZSRldDMUpMVEZFTnpCRklpOCtQQzluUGp4bklHUmhkR0V0Ylcxc0xXNXZaR1U5SW0xdklpQjBjbUZ1YzJadmNtMDlJblJ5WVc1emJHRjBaU2czT1RJeExqVXNNQ2tpUGp4MWMyVWdaR0YwWVMxalBTSXlPQ0lnZUd4cGJtczZhSEpsWmowaUkwMUtXQzA0TXkxVVJWZ3RUaTB5T0NJdlBqd3ZaejQ4WnlCa1lYUmhMVzF0YkMxdWIyUmxQU0p0YVNJZ2RISmhibk5tYjNKdFBTSjBjbUZ1YzJ4aGRHVW9PRE14TUM0MUxEQXBJajQ4ZFhObElHUmhkR0V0WXowaU1VUTBOamNpSUhoc2FXNXJPbWh5WldZOUlpTk5TbGd0T0RNdFZFVllMVWt0TVVRME5qY2lMejQ4TDJjK1BHY2daR0YwWVMxdGJXd3RibTlrWlQwaWJXOGlJSFJ5WVc1elptOXliVDBpZEhKaGJuTnNZWFJsS0RnM056VXVOU3d3S1NJK1BIVnpaU0JrWVhSaExXTTlJakk1SWlCNGJHbHVhenBvY21WbVBTSWpUVXBZTFRnekxWUkZXQzFPTFRJNUlpOCtQQzluUGp4bklHUmhkR0V0Ylcxc0xXNXZaR1U5SW0xdklpQjBjbUZ1YzJadmNtMDlJblJ5WVc1emJHRjBaU2c1TVRZMExqVXNNQ2tpUGp4MWMyVWdaR0YwWVMxalBTSXlPU0lnZUd4cGJtczZhSEpsWmowaUkwMUtXQzA0TXkxVVJWZ3RUaTB5T1NJdlBqd3ZaejQ4WnlCa1lYUmhMVzF0YkMxdWIyUmxQU0p0YnlJZ2RISmhibk5tYjNKdFBTSjBjbUZ1YzJ4aGRHVW9PVFUxTXk0MUxEQXBJajQ4ZFhObElHUmhkR0V0WXowaU1qa2lJSGhzYVc1ck9taHlaV1k5SWlOTlNsZ3RPRE10VkVWWUxVNHRNamtpTHo0OEwyYytQQzluUGp3dlp6NDhMM04yWno0PSIsCgkiUmVhbFZpZXdTaXplSnNvbiIgOiAie1wiaGVpZ2h0XCI6MzczLFwid2lkdGhcIjozNTAwfSIKfQo="/>
+      <extobjdata type="2384804F-3998-4D57-9195-F3826E402611" data="ewoJIkltZ1NldHRpbmdKc29uIiA6ICJ7XCJoZWlnaHRcIjoxOC43NDk5OTk5OTk5OTk5OTYsXCJ3aWR0aFwiOjE4MS4yNDk5OTk5OTk5OTk5N30iLAoJIkxhdGV4IiA6ICJcXHNpZ21hICcgKHopID0gXFxzaWdtYSAoeikgXFxjZG90ICgxIC0gXFxzaWdtYSh6KSkiLAoJIkxhdGV4SW1nQmFzZTY0IiA6ICJQSE4yWnlCNGJXeHVjejBpYUhSMGNEb3ZMM2QzZHk1M015NXZjbWN2TWpBd01DOXpkbWNpSUhkcFpIUm9QU0l5TXk0eU5EbGxlQ0lnYUdWcFoyaDBQU0l5TGpNNU5tVjRJaUJ5YjJ4bFBTSnBiV2NpSUdadlkzVnpZV0pzWlQwaVptRnNjMlVpSUhacFpYZENiM2c5SWpBZ0xUZ3dPU0F4TURJM05TNDVJREV3TlRraUlIaHRiRzV6T25oc2FXNXJQU0pvZEhSd09pOHZkM2QzTG5jekxtOXlaeTh4T1RrNUwzaHNhVzVySWlCaGNtbGhMV2hwWkdSbGJqMGlkSEoxWlNJZ2MzUjViR1U5SW5abGNuUnBZMkZzTFdGc2FXZHVPaUF0TUM0MU5qWmxlRHNnYldGNExYZHBaSFJvT2lBNU9DVTdJajQ4WkdWbWN6NDhjR0YwYUNCcFpEMGlUVXBZTFRRdFZFVllMVWt0TVVRM01FVWlJR1E5SWsweE9EUWdMVEV4VVRFeE5pQXRNVEVnTnpRZ016UlVNekVnTVRRM1VUTXhJREkwTnlBeE1EUWdNek16VkRJM05DQTBNekJSTWpjMUlEUXpNU0EwTVRRZ05ETXhTRFUxTWxFMU5UTWdORE13SURVMU5TQTBNamxVTlRVNUlEUXlOMVExTmpJZ05ESTFWRFUyTlNBME1qSlVOVFkzSURReU1GUTFOamtnTkRFMlZEVTNNQ0EwTVRKVU5UY3hJRFF3TjFRMU56SWdOREF4VVRVM01pQXpOVGNnTlRBM0lETTFOMUUxTURBZ016VTNJRFE1TUNBek5UZFVORGMySURNMU9FZzBNVFpNTkRJeElETTBPRkUwTXprZ016RXdJRFF6T1NBeU5qTlJORE01SURFMU15QXpOVGtnTnpGVU1UZzBJQzB4TVZwTk16WXhJREkzT0ZFek5qRWdNelU0SURJM05pQXpOVGhSTVRVeUlETTFPQ0F4TVRVZ01UZzBVVEV4TkNBeE9EQWdNVEUwSURFM09GRXhNRFlnTVRReElERXdOaUF4TVRkUk1UQTJJRFkzSURFek1TQTBOMVF4T0RnZ01qWlJNalF5SURJMklESTROeUEzTTFFek1UWWdNVEF6SURNek5DQXhOVE5VTXpVMklESXpNMVF6TmpFZ01qYzRXaUl2UGp4d1lYUm9JR2xrUFNKTlNsZ3ROQzFVUlZndFZpMHlNRE15SWlCa1BTSk5OemtnTkROUk56TWdORE1nTlRJZ05EbFVNekFnTmpGUk16QWdOamdnT0RVZ01qa3pWREUwTmlBMU1qaFJNVFl4SURVMk1DQXhPVGdnTlRZd1VUSXhPQ0ExTmpBZ01qUXdJRFUwTlZReU5qSWdOVEF4VVRJMk1pQTBPVFlnTWpZd0lEUTRObEV5TlRrZ05EYzVJREUzTXlBeU5qTlVPRFFnTkRWVU56a2dORE5hSWk4K1BIQmhkR2dnYVdROUlrMUtXQzAwTFZSRldDMU9MVEk0SWlCa1BTSk5PVFFnTWpVd1VUazBJRE14T1NBeE1EUWdNemd4VkRFeU55QTBPRGhVTVRZMElEVTNObFF5TURJZ05qUXpWREkwTkNBMk9UVlVNamMzSURjeU9WUXpNRElnTnpVd1NETXhOVWd6TVRsUk16TXpJRGMxTUNBek16TWdOelF4VVRNek15QTNNemdnTXpFMklEY3lNRlF5TnpVZ05qWTNWREl5TmlBMU9ERlVNVGcwSURRME0xUXhOamNnTWpVd1ZERTROQ0ExT0ZReU1qVWdMVGd4VkRJM05DQXRNVFkzVkRNeE5pQXRNakl3VkRNek15QXRNalF4VVRNek15QXRNalV3SURNeE9DQXRNalV3U0RNeE5VZ3pNREpNTWpjMElDMHlNalpSTVRnd0lDMHhOREVnTVRNM0lDMHhORlE1TkNBeU5UQmFJaTgrUEhCaGRHZ2dhV1E5SWsxS1dDMDBMVlJGV0MxSkxURkVORFkzSWlCa1BTSk5NelEzSURNek9GRXpNemNnTXpNNElESTVOQ0F6TkRsVU1qTXhJRE0yTUZFeU1URWdNell3SURFNU55QXpOVFpVTVRjMElETTBObFF4TmpJZ016TTFWREUxTlNBek1qUk1NVFV6SURNeU1GRXhOVEFnTXpFM0lERXpPQ0F6TVRkUk1URTNJRE14TnlBeE1UY2dNekkxVVRFeE55QXpNekFnTVRJd0lETXpPVkV4TXpNZ016YzRJREUyTXlBME1EWlVNakk1SURRME1GRXlOREVnTkRReUlESTBOaUEwTkRKUk1qY3hJRFEwTWlBeU9URWdOREkxVkRNeU9TQXpPVEpVTXpZM0lETTNOVkV6T0RrZ016YzFJRFF4TVNBME1EaFVORE0wSURRME1WRTBNelVnTkRReUlEUTBPU0EwTkRKSU5EWXlVVFEyT0NBME16WWdORFk0SURRek5GRTBOamdnTkRNd0lEUTJNeUEwTWpCVU5EUTVJRE01T1ZRME16SWdNemMzVkRReE9DQXpOVGhNTkRFeElETTBPVkV6TmpnZ01qazRJREkzTlNBeU1UUlVNVFl3SURFd05rd3hORGdnT1RSTU1UWXpJRGt6VVRFNE5TQTVNeUF5TWpjZ09ESlVNamt3SURjeFVUTXlPQ0EzTVNBek5qQWdPVEJVTkRBeUlERTBNRkUwTURZZ01UUTVJRFF3T1NBeE5URlVOREkwSURFMU0xRTBORE1nTVRVeklEUTBNeUF4TkROUk5EUXpJREV6T0NBME5ESWdNVE0wVVRReU5TQTNNaUF6TnpZZ016RlVNamM0SUMweE1WRXlOVElnTFRFeElESXpNaUEyVkRFNU15QTBNRlF4TlRVZ05UZFJNVEV4SURVM0lEYzJJQzB6VVRjd0lDMHhNU0ExT1NBdE1URklOVFJJTkRGUk16VWdMVFVnTXpVZ0xUSlJNelVnTVRNZ09UTWdPRFJSTVRNeUlERXlPU0F5TWpVZ01qRTBWRE0wTUNBek1qSlJNelV5SURNek9DQXpORGNnTXpNNFdpSXZQanh3WVhSb0lHbGtQU0pOU2xndE5DMVVSVmd0VGkweU9TSWdaRDBpVFRZd0lEYzBPVXcyTkNBM05UQlJOamtnTnpVd0lEYzBJRGMxTUVnNE5rd3hNVFFnTnpJMlVUSXdPQ0EyTkRFZ01qVXhJRFV4TkZReU9UUWdNalV3VVRJNU5DQXhPRElnTWpnMElERXhPVlF5TmpFZ01USlVNakkwSUMwM05sUXhPRFlnTFRFME0xUXhORFVnTFRFNU5GUXhNVE1nTFRJeU4xUTVNQ0F0TWpRMlVUZzNJQzB5TkRrZ09EWWdMVEkxTUVnM05GRTJOaUF0TWpVd0lEWXpJQzB5TlRCVU5UZ2dMVEkwTjFRMU5TQXRNak00VVRVMklDMHlNemNnTmpZZ0xUSXlOVkV5TWpFZ0xUWTBJREl5TVNBeU5UQlVOallnTnpJMVVUVTJJRGN6TnlBMU5TQTNNemhSTlRVZ056UTJJRFl3SURjME9Wb2lMejQ4Y0dGMGFDQnBaRDBpVFVwWUxUUXRWRVZZTFU0dE0wUWlJR1E5SWswMU5pQXpORGRSTlRZZ016WXdJRGN3SURNMk4wZzNNRGRSTnpJeUlETTFPU0EzTWpJZ016UTNVVGN5TWlBek16WWdOekE0SURNeU9Fd3pPVEFnTXpJM1NEY3lVVFUySURNek1pQTFOaUF6TkRkYVRUVTJJREUxTTFFMU5pQXhOamdnTnpJZ01UY3pTRGN3T0ZFM01qSWdNVFl6SURjeU1pQXhOVE5STnpJeUlERTBNQ0EzTURjZ01UTXpTRGN3VVRVMklERTBNQ0ExTmlBeE5UTmFJaTgrUEhCaGRHZ2dhV1E5SWsxS1dDMDBMVlJGV0MxT0xUSXlRelVpSUdROUlrMDNPQ0F5TlRCUk56Z2dNamMwSURrMUlESTVNbFF4TXpnZ016RXdVVEUyTWlBek1UQWdNVGd3SURJNU5GUXhPVGtnTWpVeFVURTVPU0F5TWpZZ01UZ3lJREl3T0ZReE16a2dNVGt3VkRrMklESXdOMVEzT0NBeU5UQmFJaTgrUEhCaGRHZ2dhV1E5SWsxS1dDMDBMVlJGV0MxT0xUTXhJaUJrUFNKTk1qRXpJRFUzT0V3eU1EQWdOVGN6VVRFNE5pQTFOamdnTVRZd0lEVTJNMVF4TURJZ05UVTJTRGd6VmpZd01rZ3hNREpSTVRRNUlEWXdOQ0F4T0RrZ05qRTNWREkwTlNBMk5ERlVNamN6SURZMk0xRXlOelVnTmpZMklESTROU0EyTmpaUk1qazBJRFkyTmlBek1ESWdOall3VmpNMk1Vd3pNRE1nTmpGUk16RXdJRFUwSURNeE5TQTFNbFF6TXprZ05EaFVOREF4SURRMlNEUXlOMVl3U0RReE5sRXpPVFVnTXlBeU5UY2dNMUV4TWpFZ015QXhNREFnTUVnNE9GWTBOa2d4TVRSUk1UTTJJRFEySURFMU1pQTBObFF4TnpjZ05EZFVNVGt6SURVd1ZESXdNU0ExTWxReU1EY2dOVGRVTWpFeklEWXhWalUzT0ZvaUx6NDhjR0YwYUNCcFpEMGlUVXBZTFRRdFZFVllMVTR0TWpJeE1pSWdaRDBpVFRnMElESXpOMVE0TkNBeU5UQlVPVGdnTWpjd1NEWTNPVkUyT1RRZ01qWXlJRFk1TkNBeU5UQlVOamM1SURJek1FZzVPRkU0TkNBeU16Y2dPRFFnTWpVd1dpSXZQand2WkdWbWN6NDhaeUJ6ZEhKdmEyVTlJbU4xY25KbGJuUkRiMnh2Y2lJZ1ptbHNiRDBpWTNWeWNtVnVkRU52Ykc5eUlpQnpkSEp2YTJVdGQybGtkR2c5SWpBaUlIUnlZVzV6Wm05eWJUMGljMk5oYkdVb01Td3RNU2tpUGp4bklHUmhkR0V0Ylcxc0xXNXZaR1U5SW0xaGRHZ2lQanhuSUdSaGRHRXRiVzFzTFc1dlpHVTlJbTF6ZFhBaVBqeG5JR1JoZEdFdGJXMXNMVzV2WkdVOUltMXBJajQ4ZFhObElHUmhkR0V0WXowaU1VUTNNRVVpSUhoc2FXNXJPbWh5WldZOUlpTk5TbGd0TkMxVVJWZ3RTUzB4UkRjd1JTSXZQand2Wno0OFp5QmtZWFJoTFcxdGJDMXViMlJsUFNKdGJ5SWdkSEpoYm5ObWIzSnRQU0owY21GdWMyeGhkR1VvTmpBMExEUXhNeWtnYzJOaGJHVW9NQzQzTURjcElqNDhkWE5sSUdSaGRHRXRZejBpTWpBek1pSWdlR3hwYm1zNmFISmxaajBpSTAxS1dDMDBMVlJGV0MxV0xUSXdNeklpTHo0OEwyYytQQzluUGp4bklHUmhkR0V0Ylcxc0xXNXZaR1U5SW0xdklpQjBjbUZ1YzJadmNtMDlJblJ5WVc1emJHRjBaU2c0TkRndU5Td3dLU0krUEhWelpTQmtZWFJoTFdNOUlqSTRJaUI0YkdsdWF6cG9jbVZtUFNJalRVcFlMVFF0VkVWWUxVNHRNamdpTHo0OEwyYytQR2NnWkdGMFlTMXRiV3d0Ym05a1pUMGliV2tpSUhSeVlXNXpabTl5YlQwaWRISmhibk5zWVhSbEtERXlNemN1TlN3d0tTSStQSFZ6WlNCa1lYUmhMV005SWpGRU5EWTNJaUI0YkdsdWF6cG9jbVZtUFNJalRVcFlMVFF0VkVWWUxVa3RNVVEwTmpjaUx6NDhMMmMrUEdjZ1pHRjBZUzF0Yld3dGJtOWtaVDBpYlc4aUlIUnlZVzV6Wm05eWJUMGlkSEpoYm5Oc1lYUmxLREUzTURJdU5Td3dLU0krUEhWelpTQmtZWFJoTFdNOUlqSTVJaUI0YkdsdWF6cG9jbVZtUFNJalRVcFlMVFF0VkVWWUxVNHRNamtpTHo0OEwyYytQR2NnWkdGMFlTMXRiV3d0Ym05a1pUMGliVzhpSUhSeVlXNXpabTl5YlQwaWRISmhibk5zWVhSbEtESXpOamt1TWl3d0tTSStQSFZ6WlNCa1lYUmhMV005SWpORUlpQjRiR2x1YXpwb2NtVm1QU0lqVFVwWUxUUXRWRVZZTFU0dE0wUWlMejQ4TDJjK1BHY2daR0YwWVMxdGJXd3RibTlrWlQwaWJXa2lJSFJ5WVc1elptOXliVDBpZEhKaGJuTnNZWFJsS0RNME1qVXNNQ2tpUGp4MWMyVWdaR0YwWVMxalBTSXhSRGN3UlNJZ2VHeHBibXM2YUhKbFpqMGlJMDFLV0MwMExWUkZXQzFKTFRGRU56QkZJaTgrUEM5blBqeG5JR1JoZEdFdGJXMXNMVzV2WkdVOUltMXZJaUIwY21GdWMyWnZjbTA5SW5SeVlXNXpiR0YwWlNnek9UazJMREFwSWo0OGRYTmxJR1JoZEdFdFl6MGlNamdpSUhoc2FXNXJPbWh5WldZOUlpTk5TbGd0TkMxVVJWZ3RUaTB5T0NJdlBqd3ZaejQ4WnlCa1lYUmhMVzF0YkMxdWIyUmxQU0p0YVNJZ2RISmhibk5tYjNKdFBTSjBjbUZ1YzJ4aGRHVW9ORE00TlN3d0tTSStQSFZ6WlNCa1lYUmhMV005SWpGRU5EWTNJaUI0YkdsdWF6cG9jbVZtUFNJalRVcFlMVFF0VkVWWUxVa3RNVVEwTmpjaUx6NDhMMmMrUEdjZ1pHRjBZUzF0Yld3dGJtOWtaVDBpYlc4aUlIUnlZVzV6Wm05eWJUMGlkSEpoYm5Oc1lYUmxLRFE0TlRBc01Da2lQangxYzJVZ1pHRjBZUzFqUFNJeU9TSWdlR3hwYm1zNmFISmxaajBpSTAxS1dDMDBMVlJGV0MxT0xUSTVJaTgrUEM5blBqeG5JR1JoZEdFdGJXMXNMVzV2WkdVOUltMXZJaUIwY21GdWMyWnZjbTA5SW5SeVlXNXpiR0YwWlNnMU5EWXhMaklzTUNraVBqeDFjMlVnWkdGMFlTMWpQU0l5TWtNMUlpQjRiR2x1YXpwb2NtVm1QU0lqVFVwWUxUUXRWRVZZTFU0dE1qSkROU0l2UGp3dlp6NDhaeUJrWVhSaExXMXRiQzF1YjJSbFBTSnRieUlnZEhKaGJuTm1iM0p0UFNKMGNtRnVjMnhoZEdVb05UazJNUzQxTERBcElqNDhkWE5sSUdSaGRHRXRZejBpTWpnaUlIaHNhVzVyT21oeVpXWTlJaU5OU2xndE5DMVVSVmd0VGkweU9DSXZQand2Wno0OFp5QmtZWFJoTFcxdGJDMXViMlJsUFNKdGJpSWdkSEpoYm5ObWIzSnRQU0owY21GdWMyeGhkR1VvTmpNMU1DNDFMREFwSWo0OGRYTmxJR1JoZEdFdFl6MGlNekVpSUhoc2FXNXJPbWh5WldZOUlpTk5TbGd0TkMxVVJWZ3RUaTB6TVNJdlBqd3ZaejQ4WnlCa1lYUmhMVzF0YkMxdWIyUmxQU0p0YnlJZ2RISmhibk5tYjNKdFBTSjBjbUZ1YzJ4aGRHVW9OekEzTWk0M0xEQXBJajQ4ZFhObElHUmhkR0V0WXowaU1qSXhNaUlnZUd4cGJtczZhSEpsWmowaUkwMUtXQzAwTFZSRldDMU9MVEl5TVRJaUx6NDhMMmMrUEdjZ1pHRjBZUzF0Yld3dGJtOWtaVDBpYldraUlIUnlZVzV6Wm05eWJUMGlkSEpoYm5Oc1lYUmxLRGd3TnpJdU9Td3dLU0krUEhWelpTQmtZWFJoTFdNOUlqRkVOekJGSWlCNGJHbHVhenBvY21WbVBTSWpUVXBZTFRRdFZFVllMVWt0TVVRM01FVWlMejQ4TDJjK1BHY2daR0YwWVMxdGJXd3RibTlrWlQwaWJXOGlJSFJ5WVc1elptOXliVDBpZEhKaGJuTnNZWFJsS0RnMk5ETXVPU3d3S1NJK1BIVnpaU0JrWVhSaExXTTlJakk0SWlCNGJHbHVhenBvY21WbVBTSWpUVXBZTFRRdFZFVllMVTR0TWpnaUx6NDhMMmMrUEdjZ1pHRjBZUzF0Yld3dGJtOWtaVDBpYldraUlIUnlZVzV6Wm05eWJUMGlkSEpoYm5Oc1lYUmxLRGt3TXpJdU9Td3dLU0krUEhWelpTQmtZWFJoTFdNOUlqRkVORFkzSWlCNGJHbHVhenBvY21WbVBTSWpUVXBZTFRRdFZFVllMVWt0TVVRME5qY2lMejQ4TDJjK1BHY2daR0YwWVMxdGJXd3RibTlrWlQwaWJXOGlJSFJ5WVc1elptOXliVDBpZEhKaGJuTnNZWFJsS0RrME9UY3VPU3d3S1NJK1BIVnpaU0JrWVhSaExXTTlJakk1SWlCNGJHbHVhenBvY21WbVBTSWpUVXBZTFRRdFZFVllMVTR0TWpraUx6NDhMMmMrUEdjZ1pHRjBZUzF0Yld3dGJtOWtaVDBpYlc4aUlIUnlZVzV6Wm05eWJUMGlkSEpoYm5Oc1lYUmxLRGs0T0RZdU9Td3dLU0krUEhWelpTQmtZWFJoTFdNOUlqSTVJaUI0YkdsdWF6cG9jbVZtUFNJalRVcFlMVFF0VkVWWUxVNHRNamtpTHo0OEwyYytQQzluUGp3dlp6NDhMM04yWno0PSIsCgkiUmVhbFZpZXdTaXplSnNvbiIgOiAie1wiaGVpZ2h0XCI6Mzc1LFwid2lkdGhcIjozNjI1fSIKfQo="/>
     </extobj>
     <extobj name="2384804F-3998-4D57-9195-F3826E402611-13">
       <extobjdata type="2384804F-3998-4D57-9195-F3826E402611" data="ewoJIkltZ1NldHRpbmdKc29uIiA6ICJ7XCJoZWlnaHRcIjoxNy44NTcxNDI4NTcxNDI4NTQsXCJ3aWR0aFwiOjEyOC41NzE0Mjg1NzE0Mjg1Nn0iLAoJIkxhdGV4IiA6ICJmKHopID0gbWF4KDAsIHopIiwKCSJMYXRleEltZ0Jhc2U2NCIgOiAiUEhOMlp5QjRiV3h1Y3owaWFIUjBjRG92TDNkM2R5NTNNeTV2Y21jdk1qQXdNQzl6ZG1jaUlIZHBaSFJvUFNJeE5pNDFNREZsZUNJZ2FHVnBaMmgwUFNJeUxqSTJNbVY0SWlCeWIyeGxQU0pwYldjaUlHWnZZM1Z6WVdKc1pUMGlabUZzYzJVaUlIWnBaWGRDYjNnOUlqQWdMVGMxTUNBM01qa3pMaklnTVRBd01DSWdlRzFzYm5NNmVHeHBibXM5SW1oMGRIQTZMeTkzZDNjdWR6TXViM0puTHpFNU9Ua3ZlR3hwYm1zaUlHRnlhV0V0YUdsa1pHVnVQU0owY25WbElpQnpkSGxzWlQwaWRtVnlkR2xqWVd3dFlXeHBaMjQ2SUMwd0xqVTJObVY0T3lCdFlYZ3RkMmxrZEdnNklEazRKVHNpUGp4a1pXWnpQanh3WVhSb0lHbGtQU0pOU2xndE5DMVVSVmd0U1MweFJEUTFNeUlnWkQwaVRURXhPQ0F0TVRZeVVURXlNQ0F0TVRZeUlERXlOQ0F0TVRZMFZERXpOU0F0TVRZM1ZERTBOeUF0TVRZNFVURTJNQ0F0TVRZNElERTNNU0F0TVRVMVZERTROeUF0TVRJMlVURTVOeUF0T1RrZ01qSXhJREkzVkRJMk55QXlOamRVTWpnNUlETTRNbFl6T0RWSU1qUXlVVEU1TlNBek9EVWdNVGt5SURNNE4xRXhPRGdnTXprd0lERTRPQ0F6T1RkTU1UazFJRFF5TlZFeE9UY2dORE13SURJd015QTBNekJVTWpVd0lEUXpNVkV5T1RnZ05ETXhJREk1T0NBME16SlJNams0SURRek5DQXpNRGNnTkRneVZETXhPU0ExTkRCUk16VTJJRGN3TlNBME5qVWdOekExVVRVd01pQTNNRE1nTlRJMklEWTRNMVExTlRBZ05qTXdVVFUxTUNBMU9UUWdOVEk1SURVM09GUTBPRGNnTlRZeFVUUTBNeUExTmpFZ05EUXpJRFl3TTFFME5ETWdOakl5SURRMU5DQTJNelpVTkRjNElEWTFOMHcwT0RjZ05qWXlVVFEzTVNBMk5qZ2dORFUzSURZMk9GRTBORFVnTmpZNElEUXpOQ0EyTlRoVU5ERTVJRFl6TUZFME1USWdOakF4SURRd015QTFOVEpVTXpnM0lEUTJPVlF6T0RBZ05ETXpVVE00TUNBME16RWdORE0xSURRek1WRTBPREFnTkRNeElEUTROeUEwTXpCVU5EazRJRFF5TkZFME9Ua2dOREl3SURRNU5pQTBNRGRVTkRreElETTVNVkUwT0RrZ016ZzJJRFE0TWlBek9EWlVOREk0SURNNE5VZ3pOekpNTXpRNUlESTJNMUV6TURFZ01UVWdNamd5SUMwME4xRXlOVFVnTFRFek1pQXlNVElnTFRFM00xRXhOelVnTFRJd05TQXhNemtnTFRJd05WRXhNRGNnTFRJd05TQTRNU0F0TVRnMlZEVTFJQzB4TXpKUk5UVWdMVGsxSURjMklDMDNPRlF4TVRnZ0xUWXhVVEUyTWlBdE5qRWdNVFl5SUMweE1ETlJNVFl5SUMweE1qSWdNVFV4SUMweE16WlVNVEkzSUMweE5UZE1NVEU0SUMweE5qSmFJaTgrUEhCaGRHZ2dhV1E5SWsxS1dDMDBMVlJGV0MxT0xUSTRJaUJrUFNKTk9UUWdNalV3VVRrMElETXhPU0F4TURRZ016Z3hWREV5TnlBME9EaFVNVFkwSURVM05sUXlNRElnTmpRelZESTBOQ0EyT1RWVU1qYzNJRGN5T1ZRek1ESWdOelV3U0RNeE5VZ3pNVGxSTXpNeklEYzFNQ0F6TXpNZ056UXhVVE16TXlBM016Z2dNekUySURjeU1GUXlOelVnTmpZM1ZESXlOaUExT0RGVU1UZzBJRFEwTTFReE5qY2dNalV3VkRFNE5DQTFPRlF5TWpVZ0xUZ3hWREkzTkNBdE1UWTNWRE14TmlBdE1qSXdWRE16TXlBdE1qUXhVVE16TXlBdE1qVXdJRE14T0NBdE1qVXdTRE14TlVnek1ESk1NamMwSUMweU1qWlJNVGd3SUMweE5ERWdNVE0zSUMweE5GUTVOQ0F5TlRCYUlpOCtQSEJoZEdnZ2FXUTlJazFLV0MwMExWUkZXQzFKTFRGRU5EWTNJaUJrUFNKTk16UTNJRE16T0ZFek16Y2dNek00SURJNU5DQXpORGxVTWpNeElETTJNRkV5TVRFZ016WXdJREU1TnlBek5UWlVNVGMwSURNME5sUXhOaklnTXpNMVZERTFOU0F6TWpSTU1UVXpJRE15TUZFeE5UQWdNekUzSURFek9DQXpNVGRSTVRFM0lETXhOeUF4TVRjZ016STFVVEV4TnlBek16QWdNVEl3SURNek9WRXhNek1nTXpjNElERTJNeUEwTURaVU1qSTVJRFEwTUZFeU5ERWdORFF5SURJME5pQTBOREpSTWpjeElEUTBNaUF5T1RFZ05ESTFWRE15T1NBek9USlVNelkzSURNM05WRXpPRGtnTXpjMUlEUXhNU0EwTURoVU5ETTBJRFEwTVZFME16VWdORFF5SURRME9TQTBOREpJTkRZeVVUUTJPQ0EwTXpZZ05EWTRJRFF6TkZFME5qZ2dORE13SURRMk15QTBNakJVTkRRNUlETTVPVlEwTXpJZ016YzNWRFF4T0NBek5UaE1OREV4SURNME9WRXpOamdnTWprNElESTNOU0F5TVRSVU1UWXdJREV3Tmt3eE5EZ2dPVFJNTVRZeklEa3pVVEU0TlNBNU15QXlNamNnT0RKVU1qa3dJRGN4VVRNeU9DQTNNU0F6TmpBZ09UQlVOREF5SURFME1GRTBNRFlnTVRRNUlEUXdPU0F4TlRGVU5ESTBJREUxTTFFME5ETWdNVFV6SURRME15QXhORE5STkRReklERXpPQ0EwTkRJZ01UTTBVVFF5TlNBM01pQXpOellnTXpGVU1qYzRJQzB4TVZFeU5USWdMVEV4SURJek1pQTJWREU1TXlBME1GUXhOVFVnTlRkUk1URXhJRFUzSURjMklDMHpVVGN3SUMweE1TQTFPU0F0TVRGSU5UUklOREZSTXpVZ0xUVWdNelVnTFRKUk16VWdNVE1nT1RNZ09EUlJNVE15SURFeU9TQXlNalVnTWpFMFZETTBNQ0F6TWpKUk16VXlJRE16T0NBek5EY2dNek00V2lJdlBqeHdZWFJvSUdsa1BTSk5TbGd0TkMxVVJWZ3RUaTB5T1NJZ1pEMGlUVFl3SURjME9VdzJOQ0EzTlRCUk5qa2dOelV3SURjMElEYzFNRWc0Tmt3eE1UUWdOekkyVVRJd09DQTJOREVnTWpVeElEVXhORlF5T1RRZ01qVXdVVEk1TkNBeE9ESWdNamcwSURFeE9WUXlOakVnTVRKVU1qSTBJQzAzTmxReE9EWWdMVEUwTTFReE5EVWdMVEU1TkZReE1UTWdMVEl5TjFRNU1DQXRNalEyVVRnM0lDMHlORGtnT0RZZ0xUSTFNRWczTkZFMk5pQXRNalV3SURZeklDMHlOVEJVTlRnZ0xUSTBOMVExTlNBdE1qTTRVVFUySUMweU16Y2dOallnTFRJeU5WRXlNakVnTFRZMElESXlNU0F5TlRCVU5qWWdOekkxVVRVMklEY3pOeUExTlNBM016aFJOVFVnTnpRMklEWXdJRGMwT1ZvaUx6NDhjR0YwYUNCcFpEMGlUVXBZTFRRdFZFVllMVTR0TTBRaUlHUTlJazAxTmlBek5EZFJOVFlnTXpZd0lEY3dJRE0yTjBnM01EZFJOekl5SURNMU9TQTNNaklnTXpRM1VUY3lNaUF6TXpZZ056QTRJRE15T0V3ek9UQWdNekkzU0RjeVVUVTJJRE16TWlBMU5pQXpORGRhVFRVMklERTFNMUUxTmlBeE5qZ2dOeklnTVRjelNEY3dPRkUzTWpJZ01UWXpJRGN5TWlBeE5UTlJOekl5SURFME1DQTNNRGNnTVRNelNEY3dVVFUySURFME1DQTFOaUF4TlROYUlpOCtQSEJoZEdnZ2FXUTlJazFLV0MwMExWUkZXQzFKTFRGRU5EVkJJaUJrUFNKTk1qRWdNamczVVRJeUlESTVNeUF5TkNBek1ETlVNellnTXpReFZEVTJJRE00T0ZRNE9DQTBNalZVTVRNeUlEUTBNbFF4TnpVZ05ETTFWREl3TlNBME1UZFVNakl4SURNNU5WUXlNamtnTXpjMlRESXpNU0F6TmpsUk1qTXhJRE0yTnlBeU16SWdNelkzVERJME15QXpOemhSTXpBeklEUTBNaUF6T0RRZ05EUXlVVFF3TVNBME5ESWdOREUxSURRME1GUTBOREVnTkRNelZEUTJNQ0EwTWpOVU5EYzFJRFF4TVZRME9EVWdNems0VkRRNU15QXpPRFZVTkRrM0lETTNNMVExTURBZ016WTBWRFV3TWlBek5UZE1OVEV3SURNMk4xRTFOek1nTkRReUlEWTFPU0EwTkRKUk56RXpJRFEwTWlBM05EWWdOREUxVkRjNE1DQXpNelpSTnpnd0lESTROU0EzTkRJZ01UYzRWRGN3TkNBMU1GRTNNRFVnTXpZZ056QTVJRE14VkRjeU5DQXlObEUzTlRJZ01qWWdOemMySURVMlZEZ3hOU0F4TXpoUk9ERTRJREUwT1NBNE1qRWdNVFV4VkRnek55QXhOVE5ST0RVM0lERTFNeUE0TlRjZ01UUTFVVGcxTnlBeE5EUWdPRFV6SURFek1GRTRORFVnTVRBeElEZ3pNU0EzTTFRM09EVWdNVGRVTnpFMklDMHhNRkUyTmprZ0xURXdJRFkwT0NBeE4xUTJNamNnTnpOUk5qSTNJRGt5SURZMk15QXhPVE5VTnpBd0lETTBOVkUzTURBZ05EQTBJRFkxTmlBME1EUklOalV4VVRVMk5TQTBNRFFnTlRBMklETXdNMHcwT1RrZ01qa3hURFEyTmlBeE5UZFJORE16SURJMklEUXlPQ0F4TmxFME1UVWdMVEV4SURNNE5TQXRNVEZSTXpjeUlDMHhNU0F6TmpRZ0xUUlVNelV6SURoVU16VXdJREU0VVRNMU1DQXlPU0F6T0RRZ01UWXhURFF5TUNBek1EZFJOREl6SURNeU1pQTBNak1nTXpRMVVUUXlNeUEwTURRZ016YzVJRFF3TkVnek56UlJNamc0SURRd05DQXlNamtnTXpBelRESXlNaUF5T1RGTU1UZzVJREUxTjFFeE5UWWdNallnTVRVeElERTJVVEV6T0NBdE1URWdNVEE0SUMweE1WRTVOU0F0TVRFZ09EY2dMVFZVTnpZZ04xUTNOQ0F4TjFFM05DQXpNQ0F4TVRJZ01UZ3hVVEUxTVNBek16VWdNVFV4SURNME1sRXhOVFFnTXpVM0lERTFOQ0F6TmpsUk1UVTBJRFF3TlNBeE1qa2dOREExVVRFd055QTBNRFVnT1RJZ016YzNWRFk1SURNeE5sUTFOeUF5T0RCUk5UVWdNamM0SURReElESTNPRWd5TjFFeU1TQXlPRFFnTWpFZ01qZzNXaUl2UGp4d1lYUm9JR2xrUFNKTlNsZ3ROQzFVUlZndFNTMHhSRFEwUlNJZ1pEMGlUVE16SURFMU4xRXpNeUF5TlRnZ01UQTVJRE0wT1ZReU9EQWdORFF4VVRNek1TQTBOREVnTXpjd0lETTVNbEV6T0RZZ05ESXlJRFF4TmlBME1qSlJOREk1SURReU1pQTBNemtnTkRFMFZEUTBPU0F6T1RSUk5EUTVJRE00TVNBME1USWdNak0wVkRNM05DQTJPRkV6TnpRZ05ETWdNemd4SURNMVZEUXdNaUF5TmxFME1URWdNamNnTkRJeUlETTFVVFEwTXlBMU5TQTBOak1nTVRNeFVUUTJPU0F4TlRFZ05EY3pJREUxTWxFME56VWdNVFV6SURRNE15QXhOVE5JTkRnM1VUVXdOaUF4TlRNZ05UQTJJREUwTkZFMU1EWWdNVE00SURVd01TQXhNVGRVTkRneElEWXpWRFEwT1NBeE0xRTBNellnTUNBME1UY2dMVGhSTkRBNUlDMHhNQ0F6T1RNZ0xURXdVVE0xT1NBdE1UQWdNek0ySURWVU16QTJJRE0yVERNd01DQTFNVkV5T1RrZ05USWdNamsySURVd1VUSTVOQ0EwT0NBeU9USWdORFpSTWpNeklDMHhNQ0F4TnpJZ0xURXdVVEV4TnlBdE1UQWdOelVnTXpCVU16TWdNVFUzV2swek5URWdNekk0VVRNMU1TQXpNelFnTXpRMklETTFNRlF6TWpNZ016ZzFWREkzTnlBME1EVlJNalF5SURRd05TQXlNVEFnTXpjMFZERTJNQ0F5T1ROUk1UTXhJREl4TkNBeE1Ua2dNVEk1VVRFeE9TQXhNallnTVRFNUlERXhPRlF4TVRnZ01UQTJVVEV4T0NBMk1TQXhNellnTkRSVU1UYzVJREkyVVRJeE55QXlOaUF5TlRRZ05UbFVNams0SURFeE1GRXpNREFnTVRFMElETXlOU0F5TVRkVU16VXhJRE15T0ZvaUx6NDhjR0YwYUNCcFpEMGlUVXBZTFRRdFZFVllMVWt0TVVRME5qVWlJR1E5SWswMU1pQXlPRGxSTlRrZ016TXhJREV3TmlBek9EWlVNakl5SURRME1sRXlOVGNnTkRReUlESTROaUEwTWpSVU16STVJRE0zT1ZFek56RWdORFF5SURRek1DQTBOREpSTkRZM0lEUTBNaUEwT1RRZ05ESXdWRFV5TWlBek5qRlJOVEl5SURNek1pQTFNRGdnTXpFMFZEUTRNU0F5T1RKVU5EVTRJREk0T0ZFME16a2dNamc0SURReU55QXlPVGxVTkRFMUlETXlPRkUwTVRVZ016YzBJRFEyTlNBek9URlJORFUwSURRd05DQTBNalVnTkRBMFVUUXhNaUEwTURRZ05EQTJJRFF3TWxFek5qZ2dNemcySURNMU1DQXpNelpSTWprd0lERXhOU0F5T1RBZ056aFJNamt3SURVd0lETXdOaUF6T0ZRek5ERWdNalpSTXpjNElESTJJRFF4TkNBMU9WUTBOak1nTVRRd1VUUTJOaUF4TlRBZ05EWTVJREUxTVZRME9EVWdNVFV6U0RRNE9WRTFNRFFnTVRVeklEVXdOQ0F4TkRWUk5UQTBJREUwTkNBMU1ESWdNVE0wVVRRNE5pQTNOeUEwTkRBZ016TlVNek16SUMweE1WRXlOak1nTFRFeElESXlOeUExTWxFeE9EWWdMVEV3SURFek15QXRNVEJJTVRJM1VUYzRJQzB4TUNBMU55QXhObFF6TlNBM01WRXpOU0F4TURNZ05UUWdNVEl6VkRrNUlERTBNMUV4TkRJZ01UUXpJREUwTWlBeE1ERlJNVFF5SURneElERXpNQ0EyTmxReE1EY2dORFpVT1RRZ05ERk1PVEVnTkRCUk9URWdNemtnT1RjZ016WlVNVEV6SURJNVZERXpNaUF5TmxFeE5qZ2dNallnTVRrMElEY3hVVEl3TXlBNE55QXlNVGNnTVRNNVZESTBOU0F5TkRkVU1qWXhJRE14TTFFeU5qWWdNelF3SURJMk5pQXpOVEpSTWpZMklETTRNQ0F5TlRFZ016a3lWREl4TnlBME1EUlJNVGMzSURRd05DQXhORElnTXpjeVZEa3pJREk1TUZFNU1TQXlPREVnT0RnZ01qZ3dWRGN5SURJM09FZzFPRkUxTWlBeU9EUWdOVElnTWpnNVdpSXZQanh3WVhSb0lHbGtQU0pOU2xndE5DMVVSVmd0VGkwek1DSWdaRDBpVFRrMklEVTROVkV4TlRJZ05qWTJJREkwT1NBMk5qWlJNamszSURZMk5pQXpORFVnTmpRd1ZEUXlNeUExTkRoUk5EWXdJRFEyTlNBME5qQWdNekl3VVRRMk1DQXhOalVnTkRFM0lEZ3pVVE01TnlBME1TQXpOaklnTVRaVU16QXhJQzB4TlZReU5UQWdMVEl5VVRJeU5DQXRNaklnTVRrNElDMHhObFF4TXpjZ01UWlVPRElnT0ROUk16a2dNVFkxSURNNUlETXlNRkV6T1NBME9UUWdPVFlnTlRnMVdrMHpNakVnTlRrM1VUSTVNU0EyTWprZ01qVXdJRFl5T1ZFeU1EZ2dOakk1SURFM09DQTFPVGRSTVRVeklEVTNNU0F4TkRVZ05USTFWREV6TnlBek16TlJNVE0zSURFM05TQXhORFVnTVRJMVZERTRNU0EwTmxFeU1Ea2dNVFlnTWpVd0lERTJVVEk1TUNBeE5pQXpNVGdnTkRaUk16UTNJRGMySURNMU5DQXhNekJVTXpZeUlETXpNMUV6TmpJZ05EYzRJRE0xTkNBMU1qUlVNekl4SURVNU4xb2lMejQ4Y0dGMGFDQnBaRDBpVFVwWUxUUXRWRVZZTFU0dE1rTWlJR1E5SWswM09DQXpOVlEzT0NBMk1GUTVOQ0F4TUROVU1UTTNJREV5TVZFeE5qVWdNVEl4SURFNE55QTVObFF5TVRBZ09GRXlNVEFnTFRJM0lESXdNU0F0TmpCVU1UZ3dJQzB4TVRkVU1UVTBJQzB4TlRoVU1UTXdJQzB4T0RWVU1URTNJQzB4T1RSUk1URXpJQzB4T1RRZ01UQTBJQzB4T0RWVU9UVWdMVEUzTWxFNU5TQXRNVFk0SURFd05pQXRNVFUyVkRFek1TQXRNVEkyVkRFMU55QXROelpVTVRjeklDMHpWamxNTVRjeUlEaFJNVGN3SURjZ01UWTNJRFpVTVRZeElETlVNVFV5SURGVU1UUXdJREJSTVRFeklEQWdPVFlnTVRkYUlpOCtQQzlrWldaelBqeG5JSE4wY205clpUMGlZM1Z5Y21WdWRFTnZiRzl5SWlCbWFXeHNQU0pqZFhKeVpXNTBRMjlzYjNJaUlITjBjbTlyWlMxM2FXUjBhRDBpTUNJZ2RISmhibk5tYjNKdFBTSnpZMkZzWlNneExDMHhLU0krUEdjZ1pHRjBZUzF0Yld3dGJtOWtaVDBpYldGMGFDSStQR2NnWkdGMFlTMXRiV3d0Ym05a1pUMGliV2tpUGp4MWMyVWdaR0YwWVMxalBTSXhSRFExTXlJZ2VHeHBibXM2YUhKbFpqMGlJMDFLV0MwMExWUkZXQzFKTFRGRU5EVXpJaTgrUEM5blBqeG5JR1JoZEdFdGJXMXNMVzV2WkdVOUltMXZJaUIwY21GdWMyWnZjbTA5SW5SeVlXNXpiR0YwWlNnMU5UQXNNQ2tpUGp4MWMyVWdaR0YwWVMxalBTSXlPQ0lnZUd4cGJtczZhSEpsWmowaUkwMUtXQzAwTFZSRldDMU9MVEk0SWk4K1BDOW5QanhuSUdSaGRHRXRiVzFzTFc1dlpHVTlJbTFwSWlCMGNtRnVjMlp2Y20wOUluUnlZVzV6YkdGMFpTZzVNemtzTUNraVBqeDFjMlVnWkdGMFlTMWpQU0l4UkRRMk55SWdlR3hwYm1zNmFISmxaajBpSTAxS1dDMDBMVlJGV0MxSkxURkVORFkzSWk4K1BDOW5QanhuSUdSaGRHRXRiVzFzTFc1dlpHVTlJbTF2SWlCMGNtRnVjMlp2Y20wOUluUnlZVzV6YkdGMFpTZ3hOREEwTERBcElqNDhkWE5sSUdSaGRHRXRZejBpTWpraUlIaHNhVzVyT21oeVpXWTlJaU5OU2xndE5DMVVSVmd0VGkweU9TSXZQand2Wno0OFp5QmtZWFJoTFcxdGJDMXViMlJsUFNKdGJ5SWdkSEpoYm5ObWIzSnRQU0owY21GdWMyeGhkR1VvTWpBM01DNDRMREFwSWo0OGRYTmxJR1JoZEdFdFl6MGlNMFFpSUhoc2FXNXJPbWh5WldZOUlpTk5TbGd0TkMxVVJWZ3RUaTB6UkNJdlBqd3ZaejQ4WnlCa1lYUmhMVzF0YkMxdWIyUmxQU0p0YVNJZ2RISmhibk5tYjNKdFBTSjBjbUZ1YzJ4aGRHVW9NekV5Tmk0MkxEQXBJajQ4ZFhObElHUmhkR0V0WXowaU1VUTBOVUVpSUhoc2FXNXJPbWh5WldZOUlpTk5TbGd0TkMxVVJWZ3RTUzB4UkRRMVFTSXZQand2Wno0OFp5QmtZWFJoTFcxdGJDMXViMlJsUFNKdGFTSWdkSEpoYm5ObWIzSnRQU0owY21GdWMyeGhkR1VvTkRBd05DNDJMREFwSWo0OGRYTmxJR1JoZEdFdFl6MGlNVVEwTkVVaUlIaHNhVzVyT21oeVpXWTlJaU5OU2xndE5DMVVSVmd0U1MweFJEUTBSU0l2UGp3dlp6NDhaeUJrWVhSaExXMXRiQzF1YjJSbFBTSnRhU0lnZEhKaGJuTm1iM0p0UFNKMGNtRnVjMnhoZEdVb05EVXpNeTQyTERBcElqNDhkWE5sSUdSaGRHRXRZejBpTVVRME5qVWlJSGhzYVc1ck9taHlaV1k5SWlOTlNsZ3ROQzFVUlZndFNTMHhSRFEyTlNJdlBqd3ZaejQ4WnlCa1lYUmhMVzF0YkMxdWIyUmxQU0p0YnlJZ2RISmhibk5tYjNKdFBTSjBjbUZ1YzJ4aGRHVW9OVEV3TlM0MkxEQXBJajQ4ZFhObElHUmhkR0V0WXowaU1qZ2lJSGhzYVc1ck9taHlaV1k5SWlOTlNsZ3ROQzFVUlZndFRpMHlPQ0l2UGp3dlp6NDhaeUJrWVhSaExXMXRiQzF1YjJSbFBTSnRiaUlnZEhKaGJuTm1iM0p0UFNKMGNtRnVjMnhoZEdVb05UUTVOQzQyTERBcElqNDhkWE5sSUdSaGRHRXRZejBpTXpBaUlIaHNhVzVyT21oeVpXWTlJaU5OU2xndE5DMVVSVmd0VGkwek1DSXZQand2Wno0OFp5QmtZWFJoTFcxdGJDMXViMlJsUFNKdGJ5SWdkSEpoYm5ObWIzSnRQU0owY21GdWMyeGhkR1VvTlRrNU5DNDJMREFwSWo0OGRYTmxJR1JoZEdFdFl6MGlNa01pSUhoc2FXNXJPbWh5WldZOUlpTk5TbGd0TkMxVVJWZ3RUaTB5UXlJdlBqd3ZaejQ4WnlCa1lYUmhMVzF0YkMxdWIyUmxQU0p0YVNJZ2RISmhibk5tYjNKdFBTSjBjbUZ1YzJ4aGRHVW9OalF6T1M0eUxEQXBJajQ4ZFhObElHUmhkR0V0WXowaU1VUTBOamNpSUhoc2FXNXJPbWh5WldZOUlpTk5TbGd0TkMxVVJWZ3RTUzB4UkRRMk55SXZQand2Wno0OFp5QmtZWFJoTFcxdGJDMXViMlJsUFNKdGJ5SWdkSEpoYm5ObWIzSnRQU0owY21GdWMyeGhkR1VvTmprd05DNHlMREFwSWo0OGRYTmxJR1JoZEdFdFl6MGlNamtpSUhoc2FXNXJPbWh5WldZOUlpTk5TbGd0TkMxVVJWZ3RUaTB5T1NJdlBqd3ZaejQ4TDJjK1BDOW5Qand2YzNablBnPT0iLAoJIlJlYWxWaWV3U2l6ZUpzb24iIDogIntcImhlaWdodFwiOjM1Ny4xNDI4NjgwNDE5OTIyLFwid2lkdGhcIjoyNTcxLjQyODUyNzgzMjAzMTJ9Igp9Cg=="/>
@@ -29358,7 +28966,7 @@
 </s:customData>
 </file>
 
-<file path=customXml/itemProps10.xml><?xml version="1.0" encoding="utf-8"?>
+<file path=customXml/itemProps2.xml><?xml version="1.0" encoding="utf-8"?>
 <ds:datastoreItem xmlns:ds="http://schemas.openxmlformats.org/officeDocument/2006/customXml" ds:itemID="s:customData">
   <ds:schemaRefs>
     <ds:schemaRef ds:uri="http://www.wps.cn/officeDocument/2013/wpsCustomData"/>
